--- a/Exploratory_Analysis/reports/Overview-Presentation.pptx
+++ b/Exploratory_Analysis/reports/Overview-Presentation.pptx
@@ -9,6 +9,11 @@
     <p:sldId id="257" r:id="rId3"/>
     <p:sldId id="258" r:id="rId4"/>
     <p:sldId id="259" r:id="rId5"/>
+    <p:sldId id="260" r:id="rId6"/>
+    <p:sldId id="261" r:id="rId7"/>
+    <p:sldId id="262" r:id="rId8"/>
+    <p:sldId id="263" r:id="rId9"/>
+    <p:sldId id="264" r:id="rId10"/>
   </p:sldIdLst>
   <p:sldSz cx="12192000" cy="6858000"/>
   <p:notesSz cx="6858000" cy="9144000"/>
@@ -144,8 +149,8 @@
         </p:nvSpPr>
         <p:spPr>
           <a:xfrm>
-            <a:off x="1524000" y="1122363"/>
-            <a:ext cx="9144000" cy="2387600"/>
+            <a:off x="1028700" y="1122363"/>
+            <a:ext cx="10325100" cy="2387600"/>
           </a:xfrm>
         </p:spPr>
         <p:txBody>
@@ -160,7 +165,7 @@
               <a:rPr lang="en-US" smtClean="0"/>
               <a:t>Click to edit Master title style</a:t>
             </a:r>
-            <a:endParaRPr lang="en-GB"/>
+            <a:endParaRPr lang="en-GB" dirty="0"/>
           </a:p>
         </p:txBody>
       </p:sp>
@@ -176,8 +181,8 @@
         </p:nvSpPr>
         <p:spPr>
           <a:xfrm>
-            <a:off x="1524000" y="3602038"/>
-            <a:ext cx="9144000" cy="1655762"/>
+            <a:off x="1028700" y="3602038"/>
+            <a:ext cx="10325100" cy="1655762"/>
           </a:xfrm>
         </p:spPr>
         <p:txBody>
@@ -222,10 +227,10 @@
           </a:lstStyle>
           <a:p>
             <a:r>
-              <a:rPr lang="en-US" smtClean="0"/>
+              <a:rPr lang="en-US" dirty="0" smtClean="0"/>
               <a:t>Click to edit Master subtitle style</a:t>
             </a:r>
-            <a:endParaRPr lang="en-GB"/>
+            <a:endParaRPr lang="en-GB" dirty="0"/>
           </a:p>
         </p:txBody>
       </p:sp>
@@ -686,14 +691,20 @@
         </p:nvSpPr>
         <p:spPr/>
         <p:txBody>
-          <a:bodyPr/>
-          <a:lstStyle/>
-          <a:p>
-            <a:r>
-              <a:rPr lang="en-US" smtClean="0"/>
+          <a:bodyPr>
+            <a:normAutofit/>
+          </a:bodyPr>
+          <a:lstStyle>
+            <a:lvl1pPr>
+              <a:defRPr sz="3200" b="1"/>
+            </a:lvl1pPr>
+          </a:lstStyle>
+          <a:p>
+            <a:r>
+              <a:rPr lang="en-US" dirty="0" smtClean="0"/>
               <a:t>Click to edit Master title style</a:t>
             </a:r>
-            <a:endParaRPr lang="en-GB"/>
+            <a:endParaRPr lang="en-GB" dirty="0"/>
           </a:p>
         </p:txBody>
       </p:sp>
@@ -732,35 +743,35 @@
           <a:p>
             <a:pPr lvl="0"/>
             <a:r>
-              <a:rPr lang="en-US" dirty="0" smtClean="0"/>
+              <a:rPr lang="en-US" smtClean="0"/>
               <a:t>Click to edit Master text styles</a:t>
             </a:r>
           </a:p>
           <a:p>
             <a:pPr lvl="1"/>
             <a:r>
-              <a:rPr lang="en-US" dirty="0" smtClean="0"/>
+              <a:rPr lang="en-US" smtClean="0"/>
               <a:t>Second level</a:t>
             </a:r>
           </a:p>
           <a:p>
             <a:pPr lvl="2"/>
             <a:r>
-              <a:rPr lang="en-US" dirty="0" smtClean="0"/>
+              <a:rPr lang="en-US" smtClean="0"/>
               <a:t>Third level</a:t>
             </a:r>
           </a:p>
           <a:p>
             <a:pPr lvl="3"/>
             <a:r>
-              <a:rPr lang="en-US" dirty="0" smtClean="0"/>
+              <a:rPr lang="en-US" smtClean="0"/>
               <a:t>Fourth level</a:t>
             </a:r>
           </a:p>
           <a:p>
             <a:pPr lvl="4"/>
             <a:r>
-              <a:rPr lang="en-US" dirty="0" smtClean="0"/>
+              <a:rPr lang="en-US" smtClean="0"/>
               <a:t>Fifth level</a:t>
             </a:r>
             <a:endParaRPr lang="en-GB" dirty="0"/>
@@ -874,14 +885,27 @@
         </p:nvSpPr>
         <p:spPr/>
         <p:txBody>
-          <a:bodyPr/>
-          <a:lstStyle/>
-          <a:p>
-            <a:r>
-              <a:rPr lang="en-US" smtClean="0"/>
+          <a:bodyPr>
+            <a:normAutofit/>
+          </a:bodyPr>
+          <a:lstStyle>
+            <a:lvl1pPr>
+              <a:defRPr lang="en-GB" sz="3200" b="1" kern="1200" dirty="0">
+                <a:solidFill>
+                  <a:schemeClr val="tx1"/>
+                </a:solidFill>
+                <a:latin typeface="+mj-lt"/>
+                <a:ea typeface="+mj-ea"/>
+                <a:cs typeface="+mj-cs"/>
+              </a:defRPr>
+            </a:lvl1pPr>
+          </a:lstStyle>
+          <a:p>
+            <a:r>
+              <a:rPr lang="en-US" dirty="0" smtClean="0"/>
               <a:t>Click to edit Master title style</a:t>
             </a:r>
-            <a:endParaRPr lang="en-GB"/>
+            <a:endParaRPr lang="en-GB" dirty="0"/>
           </a:p>
         </p:txBody>
       </p:sp>
@@ -1011,7 +1035,7 @@
               <a:rPr lang="en-US" smtClean="0"/>
               <a:t>Click icon to add picture</a:t>
             </a:r>
-            <a:endParaRPr lang="en-GB"/>
+            <a:endParaRPr lang="en-GB" dirty="0"/>
           </a:p>
         </p:txBody>
       </p:sp>
@@ -1137,7 +1161,7 @@
           </a:xfrm>
         </p:spPr>
         <p:txBody>
-          <a:bodyPr anchor="b"/>
+          <a:bodyPr anchor="ctr"/>
           <a:lstStyle>
             <a:lvl1pPr>
               <a:defRPr sz="6000"/>
@@ -1169,11 +1193,13 @@
           </a:xfrm>
         </p:spPr>
         <p:txBody>
-          <a:bodyPr/>
+          <a:bodyPr>
+            <a:normAutofit/>
+          </a:bodyPr>
           <a:lstStyle>
             <a:lvl1pPr marL="0" indent="0">
               <a:buNone/>
-              <a:defRPr sz="2400">
+              <a:defRPr sz="2000">
                 <a:solidFill>
                   <a:schemeClr val="tx1">
                     <a:tint val="75000"/>
@@ -1382,10 +1408,10 @@
           <a:lstStyle/>
           <a:p>
             <a:r>
-              <a:rPr lang="en-US" smtClean="0"/>
+              <a:rPr lang="en-US" dirty="0" smtClean="0"/>
               <a:t>Click to edit Master title style</a:t>
             </a:r>
-            <a:endParaRPr lang="en-GB"/>
+            <a:endParaRPr lang="en-GB" dirty="0"/>
           </a:p>
         </p:txBody>
       </p:sp>
@@ -1442,7 +1468,7 @@
               <a:rPr lang="en-US" smtClean="0"/>
               <a:t>Fifth level</a:t>
             </a:r>
-            <a:endParaRPr lang="en-GB"/>
+            <a:endParaRPr lang="en-GB" dirty="0"/>
           </a:p>
         </p:txBody>
       </p:sp>
@@ -1499,7 +1525,7 @@
               <a:rPr lang="en-US" smtClean="0"/>
               <a:t>Fifth level</a:t>
             </a:r>
-            <a:endParaRPr lang="en-GB"/>
+            <a:endParaRPr lang="en-GB" dirty="0"/>
           </a:p>
         </p:txBody>
       </p:sp>
@@ -1622,7 +1648,7 @@
               <a:rPr lang="en-US" smtClean="0"/>
               <a:t>Click to edit Master title style</a:t>
             </a:r>
-            <a:endParaRPr lang="en-GB"/>
+            <a:endParaRPr lang="en-GB" dirty="0"/>
           </a:p>
         </p:txBody>
       </p:sp>
@@ -2109,11 +2135,11 @@
         <p:spPr>
           <a:xfrm>
             <a:off x="839788" y="457200"/>
-            <a:ext cx="3932237" cy="1600200"/>
+            <a:ext cx="10514012" cy="1600200"/>
           </a:xfrm>
         </p:spPr>
         <p:txBody>
-          <a:bodyPr anchor="b"/>
+          <a:bodyPr anchor="ctr"/>
           <a:lstStyle>
             <a:lvl1pPr>
               <a:defRPr sz="3200"/>
@@ -2121,10 +2147,10 @@
           </a:lstStyle>
           <a:p>
             <a:r>
-              <a:rPr lang="en-US" smtClean="0"/>
+              <a:rPr lang="en-US" dirty="0" smtClean="0"/>
               <a:t>Click to edit Master title style</a:t>
             </a:r>
-            <a:endParaRPr lang="en-GB"/>
+            <a:endParaRPr lang="en-GB" dirty="0"/>
           </a:p>
         </p:txBody>
       </p:sp>
@@ -2140,21 +2166,23 @@
         </p:nvSpPr>
         <p:spPr>
           <a:xfrm>
-            <a:off x="5183188" y="987425"/>
-            <a:ext cx="6172200" cy="4873625"/>
+            <a:off x="836612" y="2823210"/>
+            <a:ext cx="10517188" cy="3140710"/>
           </a:xfrm>
         </p:spPr>
         <p:txBody>
-          <a:bodyPr/>
+          <a:bodyPr>
+            <a:normAutofit/>
+          </a:bodyPr>
           <a:lstStyle>
             <a:lvl1pPr>
-              <a:defRPr sz="3200"/>
+              <a:defRPr sz="2000"/>
             </a:lvl1pPr>
             <a:lvl2pPr>
-              <a:defRPr sz="2800"/>
+              <a:defRPr sz="2000"/>
             </a:lvl2pPr>
             <a:lvl3pPr>
-              <a:defRPr sz="2400"/>
+              <a:defRPr sz="2000"/>
             </a:lvl3pPr>
             <a:lvl4pPr>
               <a:defRPr sz="2000"/>
@@ -2178,38 +2206,38 @@
           <a:p>
             <a:pPr lvl="0"/>
             <a:r>
-              <a:rPr lang="en-US" smtClean="0"/>
+              <a:rPr lang="en-US" dirty="0" smtClean="0"/>
               <a:t>Click to edit Master text styles</a:t>
             </a:r>
           </a:p>
           <a:p>
             <a:pPr lvl="1"/>
             <a:r>
-              <a:rPr lang="en-US" smtClean="0"/>
+              <a:rPr lang="en-US" dirty="0" smtClean="0"/>
               <a:t>Second level</a:t>
             </a:r>
           </a:p>
           <a:p>
             <a:pPr lvl="2"/>
             <a:r>
-              <a:rPr lang="en-US" smtClean="0"/>
+              <a:rPr lang="en-US" dirty="0" smtClean="0"/>
               <a:t>Third level</a:t>
             </a:r>
           </a:p>
           <a:p>
             <a:pPr lvl="3"/>
             <a:r>
-              <a:rPr lang="en-US" smtClean="0"/>
+              <a:rPr lang="en-US" dirty="0" smtClean="0"/>
               <a:t>Fourth level</a:t>
             </a:r>
           </a:p>
           <a:p>
             <a:pPr lvl="4"/>
             <a:r>
-              <a:rPr lang="en-US" smtClean="0"/>
+              <a:rPr lang="en-US" dirty="0" smtClean="0"/>
               <a:t>Fifth level</a:t>
             </a:r>
-            <a:endParaRPr lang="en-GB"/>
+            <a:endParaRPr lang="en-GB" dirty="0"/>
           </a:p>
         </p:txBody>
       </p:sp>
@@ -2226,15 +2254,17 @@
         <p:spPr>
           <a:xfrm>
             <a:off x="839788" y="2057400"/>
-            <a:ext cx="3932237" cy="3811588"/>
+            <a:ext cx="10514012" cy="3811588"/>
           </a:xfrm>
         </p:spPr>
         <p:txBody>
-          <a:bodyPr/>
+          <a:bodyPr>
+            <a:normAutofit/>
+          </a:bodyPr>
           <a:lstStyle>
             <a:lvl1pPr marL="0" indent="0">
               <a:buNone/>
-              <a:defRPr sz="1600"/>
+              <a:defRPr sz="2000"/>
             </a:lvl1pPr>
             <a:lvl2pPr marL="457200" indent="0">
               <a:buNone/>
@@ -2272,7 +2302,7 @@
           <a:p>
             <a:pPr lvl="0"/>
             <a:r>
-              <a:rPr lang="en-US" smtClean="0"/>
+              <a:rPr lang="en-US" dirty="0" smtClean="0"/>
               <a:t>Click to edit Master text styles</a:t>
             </a:r>
           </a:p>
@@ -2385,12 +2415,12 @@
         </p:nvSpPr>
         <p:spPr>
           <a:xfrm>
-            <a:off x="839788" y="457200"/>
-            <a:ext cx="3932237" cy="1600200"/>
+            <a:off x="838200" y="457200"/>
+            <a:ext cx="10515600" cy="1600200"/>
           </a:xfrm>
         </p:spPr>
         <p:txBody>
-          <a:bodyPr anchor="b"/>
+          <a:bodyPr anchor="ctr"/>
           <a:lstStyle>
             <a:lvl1pPr>
               <a:defRPr sz="3200"/>
@@ -2417,16 +2447,18 @@
         </p:nvSpPr>
         <p:spPr>
           <a:xfrm>
-            <a:off x="5183188" y="987425"/>
-            <a:ext cx="6172200" cy="4873625"/>
+            <a:off x="838200" y="2427605"/>
+            <a:ext cx="10515600" cy="3584575"/>
           </a:xfrm>
         </p:spPr>
         <p:txBody>
-          <a:bodyPr/>
+          <a:bodyPr>
+            <a:normAutofit/>
+          </a:bodyPr>
           <a:lstStyle>
             <a:lvl1pPr marL="0" indent="0">
               <a:buNone/>
-              <a:defRPr sz="3200"/>
+              <a:defRPr sz="2000"/>
             </a:lvl1pPr>
             <a:lvl2pPr marL="457200" indent="0">
               <a:buNone/>
@@ -2483,15 +2515,17 @@
         <p:spPr>
           <a:xfrm>
             <a:off x="839788" y="2057400"/>
-            <a:ext cx="3932237" cy="3811588"/>
+            <a:ext cx="10514012" cy="3811588"/>
           </a:xfrm>
         </p:spPr>
         <p:txBody>
-          <a:bodyPr/>
+          <a:bodyPr>
+            <a:normAutofit/>
+          </a:bodyPr>
           <a:lstStyle>
-            <a:lvl1pPr marL="0" indent="0">
-              <a:buNone/>
-              <a:defRPr sz="1600"/>
+            <a:lvl1pPr marL="0" indent="0" algn="l">
+              <a:buNone/>
+              <a:defRPr sz="2000"/>
             </a:lvl1pPr>
             <a:lvl2pPr marL="457200" indent="0">
               <a:buNone/>
@@ -2529,7 +2563,7 @@
           <a:p>
             <a:pPr lvl="0"/>
             <a:r>
-              <a:rPr lang="en-US" smtClean="0"/>
+              <a:rPr lang="en-US" dirty="0" smtClean="0"/>
               <a:t>Click to edit Master text styles</a:t>
             </a:r>
           </a:p>
@@ -2661,10 +2695,10 @@
           <a:lstStyle/>
           <a:p>
             <a:r>
-              <a:rPr lang="en-US" smtClean="0"/>
+              <a:rPr lang="en-US" dirty="0" smtClean="0"/>
               <a:t>Click to edit Master title style</a:t>
             </a:r>
-            <a:endParaRPr lang="en-GB"/>
+            <a:endParaRPr lang="en-GB" dirty="0"/>
           </a:p>
         </p:txBody>
       </p:sp>
@@ -2695,35 +2729,35 @@
           <a:p>
             <a:pPr lvl="0"/>
             <a:r>
-              <a:rPr lang="en-US" dirty="0" smtClean="0"/>
+              <a:rPr lang="en-US" smtClean="0"/>
               <a:t>Click to edit Master text styles</a:t>
             </a:r>
           </a:p>
           <a:p>
             <a:pPr lvl="1"/>
             <a:r>
-              <a:rPr lang="en-US" dirty="0" smtClean="0"/>
+              <a:rPr lang="en-US" smtClean="0"/>
               <a:t>Second level</a:t>
             </a:r>
           </a:p>
           <a:p>
             <a:pPr lvl="2"/>
             <a:r>
-              <a:rPr lang="en-US" dirty="0" smtClean="0"/>
+              <a:rPr lang="en-US" smtClean="0"/>
               <a:t>Third level</a:t>
             </a:r>
           </a:p>
           <a:p>
             <a:pPr lvl="3"/>
             <a:r>
-              <a:rPr lang="en-US" dirty="0" smtClean="0"/>
+              <a:rPr lang="en-US" smtClean="0"/>
               <a:t>Fourth level</a:t>
             </a:r>
           </a:p>
           <a:p>
             <a:pPr lvl="4"/>
             <a:r>
-              <a:rPr lang="en-US" dirty="0" smtClean="0"/>
+              <a:rPr lang="en-US" smtClean="0"/>
               <a:t>Fifth level</a:t>
             </a:r>
             <a:endParaRPr lang="en-GB" dirty="0"/>
@@ -2880,7 +2914,7 @@
           <a:spcPct val="0"/>
         </a:spcBef>
         <a:buNone/>
-        <a:defRPr sz="4400" kern="1200">
+        <a:defRPr sz="3200" b="1" kern="1200">
           <a:solidFill>
             <a:schemeClr val="tx1"/>
           </a:solidFill>
@@ -3182,8 +3216,8 @@
         </p:nvSpPr>
         <p:spPr>
           <a:xfrm>
-            <a:off x="1524000" y="1122363"/>
-            <a:ext cx="9144000" cy="2387600"/>
+            <a:off x="1028700" y="1122363"/>
+            <a:ext cx="10325100" cy="2387600"/>
           </a:xfrm>
         </p:spPr>
         <p:txBody>
@@ -3220,8 +3254,8 @@
         </p:nvSpPr>
         <p:spPr>
           <a:xfrm>
-            <a:off x="1524000" y="3602038"/>
-            <a:ext cx="9144000" cy="1655762"/>
+            <a:off x="1028700" y="3602038"/>
+            <a:ext cx="10325100" cy="1655762"/>
           </a:xfrm>
         </p:spPr>
         <p:txBody>
@@ -3344,17 +3378,19 @@
             </a:r>
           </a:p>
           <a:p>
+            <a:pPr lvl="0" marL="0" indent="0">
+              <a:buNone/>
+            </a:pPr>
+            <a:r>
+              <a:rPr/>
+              <a:t> </a:t>
+            </a:r>
+          </a:p>
+          <a:p>
             <a:pPr lvl="1"/>
             <a:r>
               <a:rPr/>
               <a:t>Looking at the data and deciding on an area of interest</a:t>
-            </a:r>
-          </a:p>
-          <a:p>
-            <a:pPr lvl="1"/>
-            <a:r>
-              <a:rPr/>
-              <a:t>Starting the analysis</a:t>
             </a:r>
           </a:p>
           <a:p>
@@ -3847,39 +3883,39 @@
             </a:pPr>
             <a:r>
               <a:rPr/>
-              <a:t>Still</a:t>
-            </a:r>
-            <a:r>
-              <a:rPr/>
-              <a:t> </a:t>
-            </a:r>
-            <a:r>
-              <a:rPr/>
-              <a:t>looking</a:t>
-            </a:r>
-            <a:r>
-              <a:rPr/>
-              <a:t> </a:t>
-            </a:r>
-            <a:r>
-              <a:rPr/>
-              <a:t>at</a:t>
-            </a:r>
-            <a:r>
-              <a:rPr/>
-              <a:t> </a:t>
-            </a:r>
-            <a:r>
-              <a:rPr/>
-              <a:t>the</a:t>
-            </a:r>
-            <a:r>
-              <a:rPr/>
-              <a:t> </a:t>
-            </a:r>
-            <a:r>
-              <a:rPr/>
-              <a:t>data</a:t>
+              <a:t>Deciding</a:t>
+            </a:r>
+            <a:r>
+              <a:rPr/>
+              <a:t> </a:t>
+            </a:r>
+            <a:r>
+              <a:rPr/>
+              <a:t>an</a:t>
+            </a:r>
+            <a:r>
+              <a:rPr/>
+              <a:t> </a:t>
+            </a:r>
+            <a:r>
+              <a:rPr/>
+              <a:t>area</a:t>
+            </a:r>
+            <a:r>
+              <a:rPr/>
+              <a:t> </a:t>
+            </a:r>
+            <a:r>
+              <a:rPr/>
+              <a:t>of</a:t>
+            </a:r>
+            <a:r>
+              <a:rPr/>
+              <a:t> </a:t>
+            </a:r>
+            <a:r>
+              <a:rPr/>
+              <a:t>interest</a:t>
             </a:r>
           </a:p>
         </p:txBody>
@@ -3904,69 +3940,686 @@
             </a:pPr>
             <a:r>
               <a:rPr/>
-              <a:t>I loaded sample data into RStudio and started looking at the data using R commands. It was possible to determine the size of the tables, the types of data that had been captured and see missing items. It was possible to determine the types of data that had been captured and see missing items.</a:t>
+              <a:t>I loaded sample data into RStudio and started looking at the data using R commands (head, summary, glimpse). It was possible to determine the size of the tables, the types of data that had been captured and see missing items. I decided to investigate students’ willingness to share personal data at enrolment, given that the course was related to security.</a:t>
             </a:r>
           </a:p>
           <a:p>
             <a:pPr lvl="0" marL="1270000" indent="0">
               <a:buNone/>
             </a:pPr>
-            <a:r>
-              <a:rPr sz="1800" b="1">
-                <a:solidFill>
-                  <a:srgbClr val="007020"/>
-                </a:solidFill>
-                <a:latin typeface="Courier"/>
-              </a:rPr>
-              <a:t>glimpse</a:t>
-            </a:r>
             <a:r>
               <a:rPr sz="1800">
                 <a:latin typeface="Courier"/>
               </a:rPr>
-              <a:t>(cyber.security</a:t>
-            </a:r>
-            <a:r>
-              <a:rPr sz="1800">
-                <a:solidFill>
-                  <a:srgbClr val="40A070"/>
-                </a:solidFill>
-                <a:latin typeface="Courier"/>
+              <a:t>## # A tibble: 1 x 4
+##   learner_id                         enrolled_at            unenrolled_at role  
+##   &lt;chr&gt;                              &lt;chr&gt;                  &lt;chr&gt;         &lt;chr&gt; 
+## 1 160d6600-ea0e-4568-bfa9-5d7cd5b8e~ 2016-08-10 14:28:49 U~ ""            learn~</a:t>
+            </a:r>
+          </a:p>
+        </p:txBody>
+      </p:sp>
+    </p:spTree>
+  </p:cSld>
+</p:sld>
+</file>
+
+<file path=ppt/slides/slide5.xml><?xml version="1.0" encoding="utf-8"?>
+<p:sld xmlns:a="http://schemas.openxmlformats.org/drawingml/2006/main" xmlns:r="http://schemas.openxmlformats.org/officeDocument/2006/relationships" xmlns:p="http://schemas.openxmlformats.org/presentationml/2006/main">
+  <p:cSld>
+    <p:spTree>
+      <p:nvGrpSpPr>
+        <p:cNvPr id="1" name=""/>
+        <p:cNvGrpSpPr/>
+        <p:nvPr/>
+      </p:nvGrpSpPr>
+      <p:grpSpPr>
+        <a:xfrm>
+          <a:off x="0" y="0"/>
+          <a:ext cx="0" cy="0"/>
+          <a:chOff x="0" y="0"/>
+          <a:chExt cx="0" cy="0"/>
+        </a:xfrm>
+      </p:grpSpPr>
+      <p:sp>
+        <p:nvSpPr>
+          <p:cNvPr id="2" name="Title 1"/>
+          <p:cNvSpPr>
+            <a:spLocks noGrp="1"/>
+          </p:cNvSpPr>
+          <p:nvPr>
+            <p:ph type="title"/>
+          </p:nvPr>
+        </p:nvSpPr>
+        <p:spPr/>
+        <p:txBody>
+          <a:bodyPr/>
+          <a:lstStyle/>
+          <a:p>
+            <a:pPr lvl="0" marL="0" indent="0">
+              <a:buNone/>
+            </a:pPr>
+            <a:r>
+              <a:rPr/>
+              <a:t>Using</a:t>
+            </a:r>
+            <a:r>
+              <a:rPr/>
+              <a:t> </a:t>
+            </a:r>
+            <a:r>
+              <a:rPr/>
+              <a:t>ProjectTemplate</a:t>
+            </a:r>
+          </a:p>
+        </p:txBody>
+      </p:sp>
+      <p:pic>
+        <p:nvPicPr>
+          <p:cNvPr descr="Images/ProjectTemplateScript.jpg" id="0" name="Picture 1"/>
+          <p:cNvPicPr>
+            <a:picLocks noGrp="1" noChangeAspect="1"/>
+          </p:cNvPicPr>
+          <p:nvPr/>
+        </p:nvPicPr>
+        <p:blipFill>
+          <a:blip r:embed="rId2"/>
+          <a:stretch>
+            <a:fillRect/>
+          </a:stretch>
+        </p:blipFill>
+        <p:spPr bwMode="auto">
+          <a:xfrm>
+            <a:off x="838200" y="2184400"/>
+            <a:ext cx="10515600" cy="3111500"/>
+          </a:xfrm>
+          <a:prstGeom prst="rect">
+            <a:avLst/>
+          </a:prstGeom>
+          <a:noFill/>
+          <a:ln w="9525">
+            <a:noFill/>
+            <a:headEnd/>
+            <a:tailEnd/>
+          </a:ln>
+        </p:spPr>
+      </p:pic>
+      <p:sp>
+        <p:nvSpPr>
+          <p:cNvPr id="1" name="TextBox 3"/>
+          <p:cNvSpPr txBox="1"/>
+          <p:nvPr/>
+        </p:nvSpPr>
+        <p:spPr>
+          <a:xfrm>
+            <a:off x="838200" y="5651500"/>
+            <a:ext cx="10515600" cy="508000"/>
+          </a:xfrm>
+          <a:prstGeom prst="rect">
+            <a:avLst/>
+          </a:prstGeom>
+          <a:noFill/>
+        </p:spPr>
+        <p:txBody>
+          <a:bodyPr/>
+          <a:lstStyle/>
+          <a:p>
+            <a:pPr lvl="0" marL="0" indent="0" algn="ctr">
+              <a:buNone/>
+            </a:pPr>
+            <a:r>
+              <a:rPr/>
+              <a:t>To</a:t>
+            </a:r>
+            <a:r>
+              <a:rPr/>
+              <a:t> </a:t>
+            </a:r>
+            <a:r>
+              <a:rPr/>
+              <a:t>generate</a:t>
+            </a:r>
+            <a:r>
+              <a:rPr/>
+              <a:t> </a:t>
+            </a:r>
+            <a:r>
+              <a:rPr/>
+              <a:t>the</a:t>
+            </a:r>
+            <a:r>
+              <a:rPr/>
+              <a:t> </a:t>
+            </a:r>
+            <a:r>
+              <a:rPr/>
+              <a:t>necessary</a:t>
+            </a:r>
+            <a:r>
+              <a:rPr/>
+              <a:t> </a:t>
+            </a:r>
+            <a:r>
+              <a:rPr/>
+              <a:t>folders</a:t>
+            </a:r>
+            <a:r>
+              <a:rPr/>
+              <a:t> </a:t>
+            </a:r>
+            <a:r>
+              <a:rPr/>
+              <a:t>for</a:t>
+            </a:r>
+            <a:r>
+              <a:rPr/>
+              <a:t> </a:t>
+            </a:r>
+            <a:r>
+              <a:rPr/>
+              <a:t>my</a:t>
+            </a:r>
+            <a:r>
+              <a:rPr/>
+              <a:t> </a:t>
+            </a:r>
+            <a:r>
+              <a:rPr/>
+              <a:t>work,</a:t>
+            </a:r>
+            <a:r>
+              <a:rPr/>
+              <a:t> </a:t>
+            </a:r>
+            <a:r>
+              <a:rPr/>
+              <a:t>organise</a:t>
+            </a:r>
+            <a:r>
+              <a:rPr/>
+              <a:t> </a:t>
+            </a:r>
+            <a:r>
+              <a:rPr/>
+              <a:t>the</a:t>
+            </a:r>
+            <a:r>
+              <a:rPr/>
+              <a:t> </a:t>
+            </a:r>
+            <a:r>
+              <a:rPr/>
+              <a:t>files,</a:t>
+            </a:r>
+            <a:r>
+              <a:rPr/>
+              <a:t> </a:t>
+            </a:r>
+            <a:r>
+              <a:rPr/>
+              <a:t>load</a:t>
+            </a:r>
+            <a:r>
+              <a:rPr/>
+              <a:t> </a:t>
+            </a:r>
+            <a:r>
+              <a:rPr/>
+              <a:t>the</a:t>
+            </a:r>
+            <a:r>
+              <a:rPr/>
+              <a:t> </a:t>
+            </a:r>
+            <a:r>
+              <a:rPr/>
+              <a:t>R</a:t>
+            </a:r>
+            <a:r>
+              <a:rPr/>
+              <a:t> </a:t>
+            </a:r>
+            <a:r>
+              <a:rPr/>
+              <a:t>packages</a:t>
+            </a:r>
+            <a:r>
+              <a:rPr/>
+              <a:t> </a:t>
+            </a:r>
+            <a:r>
+              <a:rPr/>
+              <a:t>and</a:t>
+            </a:r>
+            <a:r>
+              <a:rPr/>
+              <a:t> </a:t>
+            </a:r>
+            <a:r>
+              <a:rPr/>
+              <a:t>data</a:t>
+            </a:r>
+            <a:r>
+              <a:rPr/>
+              <a:t> </a:t>
+            </a:r>
+            <a:r>
+              <a:rPr/>
+              <a:t>sets</a:t>
+            </a:r>
+            <a:r>
+              <a:rPr/>
+              <a:t> </a:t>
+            </a:r>
+            <a:r>
+              <a:rPr/>
+              <a:t>into</a:t>
+            </a:r>
+            <a:r>
+              <a:rPr/>
+              <a:t> </a:t>
+            </a:r>
+            <a:r>
+              <a:rPr/>
+              <a:t>memory</a:t>
+            </a:r>
+            <a:r>
+              <a:rPr/>
+              <a:t> </a:t>
+            </a:r>
+            <a:r>
+              <a:rPr/>
+              <a:t>I</a:t>
+            </a:r>
+            <a:r>
+              <a:rPr/>
+              <a:t> </a:t>
+            </a:r>
+            <a:r>
+              <a:rPr/>
+              <a:t>ran</a:t>
+            </a:r>
+            <a:r>
+              <a:rPr/>
+              <a:t> </a:t>
+            </a:r>
+            <a:r>
+              <a:rPr/>
+              <a:t>the</a:t>
+            </a:r>
+            <a:r>
+              <a:rPr/>
+              <a:t> </a:t>
+            </a:r>
+            <a:r>
+              <a:rPr/>
+              <a:t>ProjectTemplate</a:t>
+            </a:r>
+            <a:r>
+              <a:rPr/>
+              <a:t> </a:t>
+            </a:r>
+            <a:r>
+              <a:rPr/>
+              <a:t>scripts</a:t>
+            </a:r>
+            <a:r>
+              <a:rPr/>
+              <a:t> </a:t>
+            </a:r>
+            <a:r>
+              <a:rPr/>
+              <a:t>above.</a:t>
+            </a:r>
+            <a:r>
+              <a:rPr/>
+              <a:t> </a:t>
+            </a:r>
+            <a:r>
+              <a:rPr/>
+              <a:t>For</a:t>
+            </a:r>
+            <a:r>
+              <a:rPr/>
+              <a:t> </a:t>
+            </a:r>
+            <a:r>
+              <a:rPr/>
+              <a:t>more</a:t>
+            </a:r>
+            <a:r>
+              <a:rPr/>
+              <a:t> </a:t>
+            </a:r>
+            <a:r>
+              <a:rPr/>
+              <a:t>details</a:t>
+            </a:r>
+            <a:r>
+              <a:rPr/>
+              <a:t> </a:t>
+            </a:r>
+            <a:r>
+              <a:rPr/>
+              <a:t>about</a:t>
+            </a:r>
+            <a:r>
+              <a:rPr/>
+              <a:t> </a:t>
+            </a:r>
+            <a:r>
+              <a:rPr/>
+              <a:t>ProjectTemplate,</a:t>
+            </a:r>
+            <a:r>
+              <a:rPr/>
+              <a:t> </a:t>
+            </a:r>
+            <a:r>
+              <a:rPr/>
+              <a:t>see</a:t>
+            </a:r>
+            <a:r>
+              <a:rPr/>
+              <a:t> </a:t>
+            </a:r>
+            <a:r>
+              <a:rPr>
+                <a:hlinkClick r:id="rId3"/>
               </a:rPr>
-              <a:t>.1</a:t>
-            </a:r>
-            <a:r>
-              <a:rPr sz="1800">
-                <a:latin typeface="Courier"/>
-              </a:rPr>
-              <a:t>_enrolments)</a:t>
-            </a:r>
-          </a:p>
-          <a:p>
-            <a:pPr lvl="0" marL="1270000" indent="0">
+              <a:t>http://projecttemplate.net</a:t>
+            </a:r>
+          </a:p>
+        </p:txBody>
+      </p:sp>
+    </p:spTree>
+  </p:cSld>
+</p:sld>
+</file>
+
+<file path=ppt/slides/slide6.xml><?xml version="1.0" encoding="utf-8"?>
+<p:sld xmlns:a="http://schemas.openxmlformats.org/drawingml/2006/main" xmlns:r="http://schemas.openxmlformats.org/officeDocument/2006/relationships" xmlns:p="http://schemas.openxmlformats.org/presentationml/2006/main">
+  <p:cSld>
+    <p:spTree>
+      <p:nvGrpSpPr>
+        <p:cNvPr id="1" name=""/>
+        <p:cNvGrpSpPr/>
+        <p:nvPr/>
+      </p:nvGrpSpPr>
+      <p:grpSpPr>
+        <a:xfrm>
+          <a:off x="0" y="0"/>
+          <a:ext cx="0" cy="0"/>
+          <a:chOff x="0" y="0"/>
+          <a:chExt cx="0" cy="0"/>
+        </a:xfrm>
+      </p:grpSpPr>
+      <p:sp>
+        <p:nvSpPr>
+          <p:cNvPr id="2" name="Title 1"/>
+          <p:cNvSpPr>
+            <a:spLocks noGrp="1"/>
+          </p:cNvSpPr>
+          <p:nvPr>
+            <p:ph type="title"/>
+          </p:nvPr>
+        </p:nvSpPr>
+        <p:spPr/>
+        <p:txBody>
+          <a:bodyPr/>
+          <a:lstStyle/>
+          <a:p>
+            <a:pPr lvl="0" marL="0" indent="0">
               <a:buNone/>
             </a:pPr>
             <a:r>
-              <a:rPr sz="1800">
-                <a:latin typeface="Courier"/>
-              </a:rPr>
-              <a:t>## Rows: 14,394
-## Columns: 15
-## $ learner_id              &lt;chr&gt; "160d6600-ea0e-4568-bfa9-5d7cd5b8e61b", "4d...
-## $ enrolled_at             &lt;chr&gt; "2016-08-10 14:28:49 UTC", "2016-05-24 17:3...
-## $ unenrolled_at           &lt;chr&gt; "", "2018-10-30 20:20:51 UTC", "", "", "", ...
-## $ role                    &lt;chr&gt; "learner", "learner", "learner", "learner",...
-## $ fully_participated_at   &lt;chr&gt; "", "", "2016-09-22 16:56:03 UTC", "", "", ...
-## $ purchased_statement_at  &lt;chr&gt; "", "", "", "", "", "", "", "", "", "", "",...
-## $ gender                  &lt;chr&gt; "Unknown", "male", "Unknown", "Unknown", "U...
-## $ country                 &lt;chr&gt; "Unknown", "PE", "Unknown", "Unknown", "Unk...
-## $ age_range               &lt;chr&gt; "Unknown", "46-55", "Unknown", "Unknown", "...
-## $ highest_education_level &lt;chr&gt; "Unknown", "university_degree", "Unknown", ...
-## $ employment_status       &lt;chr&gt; "Unknown", "working_part_time", "Unknown", ...
-## $ employment_area         &lt;chr&gt; "Unknown", "teaching_and_education", "Unkno...
-## $ detected_country        &lt;chr&gt; "GB", "PE", "NG", "UG", "IM", "NO", "GB", "...
-## $ survey                  &lt;dbl&gt; 1, 1, 1, 1, 1, 1, 1, 1, 1, 1, 1, 1, 1, 1, 1...
-## $ year                    &lt;chr&gt; "2016", "2016", "2016", "2016", "2016", "20...</a:t>
+              <a:rPr/>
+              <a:t>Pre-processing</a:t>
+            </a:r>
+          </a:p>
+        </p:txBody>
+      </p:sp>
+    </p:spTree>
+  </p:cSld>
+</p:sld>
+</file>
+
+<file path=ppt/slides/slide7.xml><?xml version="1.0" encoding="utf-8"?>
+<p:sld xmlns:a="http://schemas.openxmlformats.org/drawingml/2006/main" xmlns:r="http://schemas.openxmlformats.org/officeDocument/2006/relationships" xmlns:p="http://schemas.openxmlformats.org/presentationml/2006/main">
+  <p:cSld>
+    <p:spTree>
+      <p:nvGrpSpPr>
+        <p:cNvPr id="1" name=""/>
+        <p:cNvGrpSpPr/>
+        <p:nvPr/>
+      </p:nvGrpSpPr>
+      <p:grpSpPr>
+        <a:xfrm>
+          <a:off x="0" y="0"/>
+          <a:ext cx="0" cy="0"/>
+          <a:chOff x="0" y="0"/>
+          <a:chExt cx="0" cy="0"/>
+        </a:xfrm>
+      </p:grpSpPr>
+      <p:sp>
+        <p:nvSpPr>
+          <p:cNvPr id="2" name="Title 1"/>
+          <p:cNvSpPr>
+            <a:spLocks noGrp="1"/>
+          </p:cNvSpPr>
+          <p:nvPr>
+            <p:ph type="title"/>
+          </p:nvPr>
+        </p:nvSpPr>
+        <p:spPr/>
+        <p:txBody>
+          <a:bodyPr/>
+          <a:lstStyle/>
+          <a:p>
+            <a:pPr lvl="0" marL="0" indent="0">
+              <a:buNone/>
+            </a:pPr>
+            <a:r>
+              <a:rPr/>
+              <a:t>Syncing</a:t>
+            </a:r>
+            <a:r>
+              <a:rPr/>
+              <a:t> </a:t>
+            </a:r>
+            <a:r>
+              <a:rPr/>
+              <a:t>GitHub</a:t>
+            </a:r>
+            <a:r>
+              <a:rPr/>
+              <a:t> </a:t>
+            </a:r>
+            <a:r>
+              <a:rPr/>
+              <a:t>and</a:t>
+            </a:r>
+            <a:r>
+              <a:rPr/>
+              <a:t> </a:t>
+            </a:r>
+            <a:r>
+              <a:rPr/>
+              <a:t>using</a:t>
+            </a:r>
+            <a:r>
+              <a:rPr/>
+              <a:t> </a:t>
+            </a:r>
+            <a:r>
+              <a:rPr/>
+              <a:t>Git</a:t>
+            </a:r>
+            <a:r>
+              <a:rPr/>
+              <a:t> </a:t>
+            </a:r>
+            <a:r>
+              <a:rPr/>
+              <a:t>for</a:t>
+            </a:r>
+            <a:r>
+              <a:rPr/>
+              <a:t> </a:t>
+            </a:r>
+            <a:r>
+              <a:rPr/>
+              <a:t>Commit</a:t>
+            </a:r>
+          </a:p>
+        </p:txBody>
+      </p:sp>
+    </p:spTree>
+  </p:cSld>
+</p:sld>
+</file>
+
+<file path=ppt/slides/slide8.xml><?xml version="1.0" encoding="utf-8"?>
+<p:sld xmlns:a="http://schemas.openxmlformats.org/drawingml/2006/main" xmlns:r="http://schemas.openxmlformats.org/officeDocument/2006/relationships" xmlns:p="http://schemas.openxmlformats.org/presentationml/2006/main">
+  <p:cSld>
+    <p:spTree>
+      <p:nvGrpSpPr>
+        <p:cNvPr id="1" name=""/>
+        <p:cNvGrpSpPr/>
+        <p:nvPr/>
+      </p:nvGrpSpPr>
+      <p:grpSpPr>
+        <a:xfrm>
+          <a:off x="0" y="0"/>
+          <a:ext cx="0" cy="0"/>
+          <a:chOff x="0" y="0"/>
+          <a:chExt cx="0" cy="0"/>
+        </a:xfrm>
+      </p:grpSpPr>
+      <p:sp>
+        <p:nvSpPr>
+          <p:cNvPr id="2" name="Title 1"/>
+          <p:cNvSpPr>
+            <a:spLocks noGrp="1"/>
+          </p:cNvSpPr>
+          <p:nvPr>
+            <p:ph type="title"/>
+          </p:nvPr>
+        </p:nvSpPr>
+        <p:spPr/>
+        <p:txBody>
+          <a:bodyPr/>
+          <a:lstStyle/>
+          <a:p>
+            <a:pPr lvl="0" marL="0" indent="0">
+              <a:buNone/>
+            </a:pPr>
+            <a:r>
+              <a:rPr/>
+              <a:t>Producing</a:t>
+            </a:r>
+            <a:r>
+              <a:rPr/>
+              <a:t> </a:t>
+            </a:r>
+            <a:r>
+              <a:rPr/>
+              <a:t>graphs</a:t>
+            </a:r>
+            <a:r>
+              <a:rPr/>
+              <a:t> </a:t>
+            </a:r>
+            <a:r>
+              <a:rPr/>
+              <a:t>and</a:t>
+            </a:r>
+            <a:r>
+              <a:rPr/>
+              <a:t> </a:t>
+            </a:r>
+            <a:r>
+              <a:rPr/>
+              <a:t>tables</a:t>
+            </a:r>
+          </a:p>
+        </p:txBody>
+      </p:sp>
+    </p:spTree>
+  </p:cSld>
+</p:sld>
+</file>
+
+<file path=ppt/slides/slide9.xml><?xml version="1.0" encoding="utf-8"?>
+<p:sld xmlns:a="http://schemas.openxmlformats.org/drawingml/2006/main" xmlns:r="http://schemas.openxmlformats.org/officeDocument/2006/relationships" xmlns:p="http://schemas.openxmlformats.org/presentationml/2006/main">
+  <p:cSld>
+    <p:spTree>
+      <p:nvGrpSpPr>
+        <p:cNvPr id="1" name=""/>
+        <p:cNvGrpSpPr/>
+        <p:nvPr/>
+      </p:nvGrpSpPr>
+      <p:grpSpPr>
+        <a:xfrm>
+          <a:off x="0" y="0"/>
+          <a:ext cx="0" cy="0"/>
+          <a:chOff x="0" y="0"/>
+          <a:chExt cx="0" cy="0"/>
+        </a:xfrm>
+      </p:grpSpPr>
+      <p:sp>
+        <p:nvSpPr>
+          <p:cNvPr id="2" name="Title 1"/>
+          <p:cNvSpPr>
+            <a:spLocks noGrp="1"/>
+          </p:cNvSpPr>
+          <p:nvPr>
+            <p:ph type="title"/>
+          </p:nvPr>
+        </p:nvSpPr>
+        <p:spPr/>
+        <p:txBody>
+          <a:bodyPr/>
+          <a:lstStyle/>
+          <a:p>
+            <a:pPr lvl="0" marL="0" indent="0">
+              <a:buNone/>
+            </a:pPr>
+            <a:r>
+              <a:rPr/>
+              <a:t>Loading</a:t>
+            </a:r>
+            <a:r>
+              <a:rPr/>
+              <a:t> </a:t>
+            </a:r>
+            <a:r>
+              <a:rPr/>
+              <a:t>into</a:t>
+            </a:r>
+            <a:r>
+              <a:rPr/>
+              <a:t> </a:t>
+            </a:r>
+            <a:r>
+              <a:rPr/>
+              <a:t>an</a:t>
+            </a:r>
+            <a:r>
+              <a:rPr/>
+              <a:t> </a:t>
+            </a:r>
+            <a:r>
+              <a:rPr/>
+              <a:t>RMarkdown</a:t>
+            </a:r>
+            <a:r>
+              <a:rPr/>
+              <a:t> </a:t>
+            </a:r>
+            <a:r>
+              <a:rPr/>
+              <a:t>report</a:t>
             </a:r>
           </a:p>
         </p:txBody>
@@ -4231,7 +4884,7 @@
   <a:extraClrSchemeLst/>
   <a:extLst>
     <a:ext uri="{05A4C25C-085E-4340-85A3-A5531E510DB2}">
-      <thm15:themeFamily xmlns:thm15="http://schemas.microsoft.com/office/thememl/2012/main" name="Presentation16" id="{3BD89E14-AE4B-4FC3-BEF8-219B3A84BAED}" vid="{95E51AE6-DC9B-485F-80CC-DEFABBA3B85C}"/>
+      <thm15:themeFamily xmlns:thm15="http://schemas.microsoft.com/office/thememl/2012/main" name="Presentation18" id="{B5C1D7B2-B362-4EED-81A7-DAF0D0099013}" vid="{5D4D384F-96C2-485E-B2E6-A5B016A80A9A}"/>
     </a:ext>
   </a:extLst>
 </a:theme>

--- a/Exploratory_Analysis/reports/Overview-Presentation.pptx
+++ b/Exploratory_Analysis/reports/Overview-Presentation.pptx
@@ -2,7 +2,7 @@
 <file path=ppt/presentation.xml><?xml version="1.0" encoding="utf-8"?>
 <p:presentation xmlns:a="http://schemas.openxmlformats.org/drawingml/2006/main" xmlns:r="http://schemas.openxmlformats.org/officeDocument/2006/relationships" xmlns:p="http://schemas.openxmlformats.org/presentationml/2006/main" saveSubsetFonts="1">
   <p:sldMasterIdLst>
-    <p:sldMasterId id="2147483648" r:id="rId1"/>
+    <p:sldMasterId id="2147483731" r:id="rId1"/>
   </p:sldMasterIdLst>
   <p:sldIdLst>
     <p:sldId id="256" r:id="rId2"/>
@@ -14,6 +14,12 @@
     <p:sldId id="262" r:id="rId8"/>
     <p:sldId id="263" r:id="rId9"/>
     <p:sldId id="264" r:id="rId10"/>
+    <p:sldId id="265" r:id="rId11"/>
+    <p:sldId id="266" r:id="rId12"/>
+    <p:sldId id="267" r:id="rId13"/>
+    <p:sldId id="268" r:id="rId14"/>
+    <p:sldId id="269" r:id="rId15"/>
+    <p:sldId id="270" r:id="rId16"/>
   </p:sldIdLst>
   <p:sldSz cx="12192000" cy="6858000"/>
   <p:notesSz cx="6858000" cy="9144000"/>
@@ -121,7 +127,7 @@
 </file>
 
 <file path=ppt/slideLayouts/slideLayout1.xml><?xml version="1.0" encoding="utf-8"?>
-<p:sldLayout xmlns:a="http://schemas.openxmlformats.org/drawingml/2006/main" xmlns:r="http://schemas.openxmlformats.org/officeDocument/2006/relationships" xmlns:p="http://schemas.openxmlformats.org/presentationml/2006/main" type="title" preserve="1">
+<p:sldLayout xmlns:a="http://schemas.openxmlformats.org/drawingml/2006/main" xmlns:r="http://schemas.openxmlformats.org/officeDocument/2006/relationships" xmlns:p="http://schemas.openxmlformats.org/presentationml/2006/main" showMasterSp="0" type="title" preserve="1">
   <p:cSld name="Title Slide">
     <p:spTree>
       <p:nvGrpSpPr>
@@ -137,6 +143,536 @@
           <a:chExt cx="0" cy="0"/>
         </a:xfrm>
       </p:grpSpPr>
+      <p:grpSp>
+        <p:nvGrpSpPr>
+          <p:cNvPr id="7" name="Group 6"/>
+          <p:cNvGrpSpPr/>
+          <p:nvPr/>
+        </p:nvGrpSpPr>
+        <p:grpSpPr>
+          <a:xfrm>
+            <a:off x="0" y="-8467"/>
+            <a:ext cx="12192000" cy="6866467"/>
+            <a:chOff x="0" y="-8467"/>
+            <a:chExt cx="12192000" cy="6866467"/>
+          </a:xfrm>
+        </p:grpSpPr>
+        <p:cxnSp>
+          <p:nvCxnSpPr>
+            <p:cNvPr id="32" name="Straight Connector 31"/>
+            <p:cNvCxnSpPr/>
+            <p:nvPr/>
+          </p:nvCxnSpPr>
+          <p:spPr>
+            <a:xfrm>
+              <a:off x="9371012" y="0"/>
+              <a:ext cx="1219200" cy="6858000"/>
+            </a:xfrm>
+            <a:prstGeom prst="line">
+              <a:avLst/>
+            </a:prstGeom>
+            <a:ln w="9525">
+              <a:solidFill>
+                <a:schemeClr val="bg1">
+                  <a:lumMod val="75000"/>
+                </a:schemeClr>
+              </a:solidFill>
+            </a:ln>
+          </p:spPr>
+          <p:style>
+            <a:lnRef idx="2">
+              <a:schemeClr val="accent1"/>
+            </a:lnRef>
+            <a:fillRef idx="0">
+              <a:schemeClr val="accent1"/>
+            </a:fillRef>
+            <a:effectRef idx="1">
+              <a:schemeClr val="accent1"/>
+            </a:effectRef>
+            <a:fontRef idx="minor">
+              <a:schemeClr val="tx1"/>
+            </a:fontRef>
+          </p:style>
+        </p:cxnSp>
+        <p:cxnSp>
+          <p:nvCxnSpPr>
+            <p:cNvPr id="21" name="Straight Connector 20"/>
+            <p:cNvCxnSpPr/>
+            <p:nvPr/>
+          </p:nvCxnSpPr>
+          <p:spPr>
+            <a:xfrm flipH="1">
+              <a:off x="7425267" y="3681413"/>
+              <a:ext cx="4763558" cy="3176587"/>
+            </a:xfrm>
+            <a:prstGeom prst="line">
+              <a:avLst/>
+            </a:prstGeom>
+            <a:ln w="9525">
+              <a:solidFill>
+                <a:schemeClr val="bg1">
+                  <a:lumMod val="85000"/>
+                </a:schemeClr>
+              </a:solidFill>
+            </a:ln>
+          </p:spPr>
+          <p:style>
+            <a:lnRef idx="2">
+              <a:schemeClr val="accent1"/>
+            </a:lnRef>
+            <a:fillRef idx="0">
+              <a:schemeClr val="accent1"/>
+            </a:fillRef>
+            <a:effectRef idx="1">
+              <a:schemeClr val="accent1"/>
+            </a:effectRef>
+            <a:fontRef idx="minor">
+              <a:schemeClr val="tx1"/>
+            </a:fontRef>
+          </p:style>
+        </p:cxnSp>
+        <p:sp>
+          <p:nvSpPr>
+            <p:cNvPr id="24" name="Rectangle 23"/>
+            <p:cNvSpPr/>
+            <p:nvPr/>
+          </p:nvSpPr>
+          <p:spPr>
+            <a:xfrm>
+              <a:off x="9181476" y="-8467"/>
+              <a:ext cx="3007349" cy="6866467"/>
+            </a:xfrm>
+            <a:custGeom>
+              <a:avLst/>
+              <a:gdLst/>
+              <a:ahLst/>
+              <a:cxnLst/>
+              <a:rect l="l" t="t" r="r" b="b"/>
+              <a:pathLst>
+                <a:path w="3007349" h="6866467">
+                  <a:moveTo>
+                    <a:pt x="2045532" y="0"/>
+                  </a:moveTo>
+                  <a:lnTo>
+                    <a:pt x="3007349" y="0"/>
+                  </a:lnTo>
+                  <a:lnTo>
+                    <a:pt x="3007349" y="6866467"/>
+                  </a:lnTo>
+                  <a:lnTo>
+                    <a:pt x="0" y="6866467"/>
+                  </a:lnTo>
+                  <a:lnTo>
+                    <a:pt x="2045532" y="0"/>
+                  </a:lnTo>
+                  <a:close/>
+                </a:path>
+              </a:pathLst>
+            </a:custGeom>
+            <a:solidFill>
+              <a:schemeClr val="accent1">
+                <a:alpha val="30000"/>
+              </a:schemeClr>
+            </a:solidFill>
+            <a:ln>
+              <a:noFill/>
+            </a:ln>
+            <a:effectLst/>
+          </p:spPr>
+          <p:style>
+            <a:lnRef idx="1">
+              <a:schemeClr val="accent1"/>
+            </a:lnRef>
+            <a:fillRef idx="3">
+              <a:schemeClr val="accent1"/>
+            </a:fillRef>
+            <a:effectRef idx="2">
+              <a:schemeClr val="accent1"/>
+            </a:effectRef>
+            <a:fontRef idx="minor">
+              <a:schemeClr val="lt1"/>
+            </a:fontRef>
+          </p:style>
+        </p:sp>
+        <p:sp>
+          <p:nvSpPr>
+            <p:cNvPr id="26" name="Rectangle 25"/>
+            <p:cNvSpPr/>
+            <p:nvPr/>
+          </p:nvSpPr>
+          <p:spPr>
+            <a:xfrm>
+              <a:off x="9603442" y="-8467"/>
+              <a:ext cx="2588558" cy="6866467"/>
+            </a:xfrm>
+            <a:custGeom>
+              <a:avLst/>
+              <a:gdLst/>
+              <a:ahLst/>
+              <a:cxnLst/>
+              <a:rect l="l" t="t" r="r" b="b"/>
+              <a:pathLst>
+                <a:path w="2573311" h="6866467">
+                  <a:moveTo>
+                    <a:pt x="0" y="0"/>
+                  </a:moveTo>
+                  <a:lnTo>
+                    <a:pt x="2573311" y="0"/>
+                  </a:lnTo>
+                  <a:lnTo>
+                    <a:pt x="2573311" y="6866467"/>
+                  </a:lnTo>
+                  <a:lnTo>
+                    <a:pt x="1202336" y="6866467"/>
+                  </a:lnTo>
+                  <a:lnTo>
+                    <a:pt x="0" y="0"/>
+                  </a:lnTo>
+                  <a:close/>
+                </a:path>
+              </a:pathLst>
+            </a:custGeom>
+            <a:solidFill>
+              <a:schemeClr val="accent1">
+                <a:alpha val="20000"/>
+              </a:schemeClr>
+            </a:solidFill>
+            <a:ln>
+              <a:noFill/>
+            </a:ln>
+            <a:effectLst/>
+          </p:spPr>
+          <p:style>
+            <a:lnRef idx="1">
+              <a:schemeClr val="accent1"/>
+            </a:lnRef>
+            <a:fillRef idx="3">
+              <a:schemeClr val="accent1"/>
+            </a:fillRef>
+            <a:effectRef idx="2">
+              <a:schemeClr val="accent1"/>
+            </a:effectRef>
+            <a:fontRef idx="minor">
+              <a:schemeClr val="lt1"/>
+            </a:fontRef>
+          </p:style>
+        </p:sp>
+        <p:sp>
+          <p:nvSpPr>
+            <p:cNvPr id="27" name="Isosceles Triangle 26"/>
+            <p:cNvSpPr/>
+            <p:nvPr/>
+          </p:nvSpPr>
+          <p:spPr>
+            <a:xfrm>
+              <a:off x="8932333" y="3048000"/>
+              <a:ext cx="3259667" cy="3810000"/>
+            </a:xfrm>
+            <a:prstGeom prst="triangle">
+              <a:avLst>
+                <a:gd name="adj" fmla="val 100000"/>
+              </a:avLst>
+            </a:prstGeom>
+            <a:solidFill>
+              <a:schemeClr val="accent2">
+                <a:alpha val="72000"/>
+              </a:schemeClr>
+            </a:solidFill>
+            <a:ln>
+              <a:noFill/>
+            </a:ln>
+            <a:effectLst/>
+          </p:spPr>
+          <p:style>
+            <a:lnRef idx="1">
+              <a:schemeClr val="accent1"/>
+            </a:lnRef>
+            <a:fillRef idx="3">
+              <a:schemeClr val="accent1"/>
+            </a:fillRef>
+            <a:effectRef idx="2">
+              <a:schemeClr val="accent1"/>
+            </a:effectRef>
+            <a:fontRef idx="minor">
+              <a:schemeClr val="lt1"/>
+            </a:fontRef>
+          </p:style>
+        </p:sp>
+        <p:sp>
+          <p:nvSpPr>
+            <p:cNvPr id="28" name="Rectangle 27"/>
+            <p:cNvSpPr/>
+            <p:nvPr/>
+          </p:nvSpPr>
+          <p:spPr>
+            <a:xfrm>
+              <a:off x="9334500" y="-8467"/>
+              <a:ext cx="2854326" cy="6866467"/>
+            </a:xfrm>
+            <a:custGeom>
+              <a:avLst/>
+              <a:gdLst/>
+              <a:ahLst/>
+              <a:cxnLst/>
+              <a:rect l="l" t="t" r="r" b="b"/>
+              <a:pathLst>
+                <a:path w="2858013" h="6866467">
+                  <a:moveTo>
+                    <a:pt x="0" y="0"/>
+                  </a:moveTo>
+                  <a:lnTo>
+                    <a:pt x="2858013" y="0"/>
+                  </a:lnTo>
+                  <a:lnTo>
+                    <a:pt x="2858013" y="6866467"/>
+                  </a:lnTo>
+                  <a:lnTo>
+                    <a:pt x="2473942" y="6866467"/>
+                  </a:lnTo>
+                  <a:lnTo>
+                    <a:pt x="0" y="0"/>
+                  </a:lnTo>
+                  <a:close/>
+                </a:path>
+              </a:pathLst>
+            </a:custGeom>
+            <a:solidFill>
+              <a:schemeClr val="accent2">
+                <a:lumMod val="75000"/>
+                <a:alpha val="70000"/>
+              </a:schemeClr>
+            </a:solidFill>
+            <a:ln>
+              <a:noFill/>
+            </a:ln>
+            <a:effectLst/>
+          </p:spPr>
+          <p:style>
+            <a:lnRef idx="1">
+              <a:schemeClr val="accent1"/>
+            </a:lnRef>
+            <a:fillRef idx="3">
+              <a:schemeClr val="accent1"/>
+            </a:fillRef>
+            <a:effectRef idx="2">
+              <a:schemeClr val="accent1"/>
+            </a:effectRef>
+            <a:fontRef idx="minor">
+              <a:schemeClr val="lt1"/>
+            </a:fontRef>
+          </p:style>
+        </p:sp>
+        <p:sp>
+          <p:nvSpPr>
+            <p:cNvPr id="29" name="Rectangle 28"/>
+            <p:cNvSpPr/>
+            <p:nvPr/>
+          </p:nvSpPr>
+          <p:spPr>
+            <a:xfrm>
+              <a:off x="10898730" y="-8467"/>
+              <a:ext cx="1290094" cy="6866467"/>
+            </a:xfrm>
+            <a:custGeom>
+              <a:avLst/>
+              <a:gdLst/>
+              <a:ahLst/>
+              <a:cxnLst/>
+              <a:rect l="l" t="t" r="r" b="b"/>
+              <a:pathLst>
+                <a:path w="1290094" h="6858000">
+                  <a:moveTo>
+                    <a:pt x="1019735" y="0"/>
+                  </a:moveTo>
+                  <a:lnTo>
+                    <a:pt x="1290094" y="0"/>
+                  </a:lnTo>
+                  <a:lnTo>
+                    <a:pt x="1290094" y="6858000"/>
+                  </a:lnTo>
+                  <a:lnTo>
+                    <a:pt x="0" y="6858000"/>
+                  </a:lnTo>
+                  <a:lnTo>
+                    <a:pt x="1019735" y="0"/>
+                  </a:lnTo>
+                  <a:close/>
+                </a:path>
+              </a:pathLst>
+            </a:custGeom>
+            <a:solidFill>
+              <a:schemeClr val="accent1">
+                <a:lumMod val="60000"/>
+                <a:lumOff val="40000"/>
+                <a:alpha val="70000"/>
+              </a:schemeClr>
+            </a:solidFill>
+            <a:ln>
+              <a:noFill/>
+            </a:ln>
+            <a:effectLst/>
+          </p:spPr>
+          <p:style>
+            <a:lnRef idx="1">
+              <a:schemeClr val="accent1"/>
+            </a:lnRef>
+            <a:fillRef idx="3">
+              <a:schemeClr val="accent1"/>
+            </a:fillRef>
+            <a:effectRef idx="2">
+              <a:schemeClr val="accent1"/>
+            </a:effectRef>
+            <a:fontRef idx="minor">
+              <a:schemeClr val="lt1"/>
+            </a:fontRef>
+          </p:style>
+        </p:sp>
+        <p:sp>
+          <p:nvSpPr>
+            <p:cNvPr id="30" name="Rectangle 29"/>
+            <p:cNvSpPr/>
+            <p:nvPr/>
+          </p:nvSpPr>
+          <p:spPr>
+            <a:xfrm>
+              <a:off x="10938999" y="-8467"/>
+              <a:ext cx="1249825" cy="6866467"/>
+            </a:xfrm>
+            <a:custGeom>
+              <a:avLst/>
+              <a:gdLst/>
+              <a:ahLst/>
+              <a:cxnLst/>
+              <a:rect l="l" t="t" r="r" b="b"/>
+              <a:pathLst>
+                <a:path w="1249825" h="6858000">
+                  <a:moveTo>
+                    <a:pt x="0" y="0"/>
+                  </a:moveTo>
+                  <a:lnTo>
+                    <a:pt x="1249825" y="0"/>
+                  </a:lnTo>
+                  <a:lnTo>
+                    <a:pt x="1249825" y="6858000"/>
+                  </a:lnTo>
+                  <a:lnTo>
+                    <a:pt x="1109382" y="6858000"/>
+                  </a:lnTo>
+                  <a:lnTo>
+                    <a:pt x="0" y="0"/>
+                  </a:lnTo>
+                  <a:close/>
+                </a:path>
+              </a:pathLst>
+            </a:custGeom>
+            <a:solidFill>
+              <a:schemeClr val="accent1">
+                <a:alpha val="65000"/>
+              </a:schemeClr>
+            </a:solidFill>
+            <a:ln>
+              <a:noFill/>
+            </a:ln>
+            <a:effectLst/>
+          </p:spPr>
+          <p:style>
+            <a:lnRef idx="1">
+              <a:schemeClr val="accent1"/>
+            </a:lnRef>
+            <a:fillRef idx="3">
+              <a:schemeClr val="accent1"/>
+            </a:fillRef>
+            <a:effectRef idx="2">
+              <a:schemeClr val="accent1"/>
+            </a:effectRef>
+            <a:fontRef idx="minor">
+              <a:schemeClr val="lt1"/>
+            </a:fontRef>
+          </p:style>
+        </p:sp>
+        <p:sp>
+          <p:nvSpPr>
+            <p:cNvPr id="31" name="Isosceles Triangle 30"/>
+            <p:cNvSpPr/>
+            <p:nvPr/>
+          </p:nvSpPr>
+          <p:spPr>
+            <a:xfrm>
+              <a:off x="10371666" y="3589867"/>
+              <a:ext cx="1817159" cy="3268133"/>
+            </a:xfrm>
+            <a:prstGeom prst="triangle">
+              <a:avLst>
+                <a:gd name="adj" fmla="val 100000"/>
+              </a:avLst>
+            </a:prstGeom>
+            <a:solidFill>
+              <a:schemeClr val="accent1">
+                <a:alpha val="80000"/>
+              </a:schemeClr>
+            </a:solidFill>
+            <a:ln>
+              <a:noFill/>
+            </a:ln>
+            <a:effectLst/>
+          </p:spPr>
+          <p:style>
+            <a:lnRef idx="1">
+              <a:schemeClr val="accent1"/>
+            </a:lnRef>
+            <a:fillRef idx="3">
+              <a:schemeClr val="accent1"/>
+            </a:fillRef>
+            <a:effectRef idx="2">
+              <a:schemeClr val="accent1"/>
+            </a:effectRef>
+            <a:fontRef idx="minor">
+              <a:schemeClr val="lt1"/>
+            </a:fontRef>
+          </p:style>
+        </p:sp>
+        <p:sp>
+          <p:nvSpPr>
+            <p:cNvPr id="19" name="Isosceles Triangle 18"/>
+            <p:cNvSpPr/>
+            <p:nvPr/>
+          </p:nvSpPr>
+          <p:spPr>
+            <a:xfrm rot="10800000">
+              <a:off x="0" y="0"/>
+              <a:ext cx="842596" cy="5666154"/>
+            </a:xfrm>
+            <a:prstGeom prst="triangle">
+              <a:avLst>
+                <a:gd name="adj" fmla="val 100000"/>
+              </a:avLst>
+            </a:prstGeom>
+            <a:solidFill>
+              <a:schemeClr val="accent1">
+                <a:alpha val="85000"/>
+              </a:schemeClr>
+            </a:solidFill>
+            <a:ln>
+              <a:noFill/>
+            </a:ln>
+            <a:effectLst/>
+          </p:spPr>
+          <p:style>
+            <a:lnRef idx="1">
+              <a:schemeClr val="accent1"/>
+            </a:lnRef>
+            <a:fillRef idx="3">
+              <a:schemeClr val="accent1"/>
+            </a:fillRef>
+            <a:effectRef idx="2">
+              <a:schemeClr val="accent1"/>
+            </a:effectRef>
+            <a:fontRef idx="minor">
+              <a:schemeClr val="lt1"/>
+            </a:fontRef>
+          </p:style>
+        </p:sp>
+      </p:grpSp>
       <p:sp>
         <p:nvSpPr>
           <p:cNvPr id="2" name="Title 1"/>
@@ -149,15 +685,21 @@
         </p:nvSpPr>
         <p:spPr>
           <a:xfrm>
-            <a:off x="1028700" y="1122363"/>
-            <a:ext cx="10325100" cy="2387600"/>
+            <a:off x="1507067" y="2404534"/>
+            <a:ext cx="7766936" cy="1646302"/>
           </a:xfrm>
         </p:spPr>
         <p:txBody>
-          <a:bodyPr anchor="b"/>
+          <a:bodyPr anchor="b">
+            <a:noAutofit/>
+          </a:bodyPr>
           <a:lstStyle>
-            <a:lvl1pPr algn="ctr">
-              <a:defRPr sz="6000"/>
+            <a:lvl1pPr algn="r">
+              <a:defRPr sz="5400">
+                <a:solidFill>
+                  <a:schemeClr val="accent1"/>
+                </a:solidFill>
+              </a:defRPr>
             </a:lvl1pPr>
           </a:lstStyle>
           <a:p>
@@ -165,7 +707,7 @@
               <a:rPr lang="en-US" smtClean="0"/>
               <a:t>Click to edit Master title style</a:t>
             </a:r>
-            <a:endParaRPr lang="en-GB" dirty="0"/>
+            <a:endParaRPr lang="en-US" dirty="0"/>
           </a:p>
         </p:txBody>
       </p:sp>
@@ -181,56 +723,110 @@
         </p:nvSpPr>
         <p:spPr>
           <a:xfrm>
-            <a:off x="1028700" y="3602038"/>
-            <a:ext cx="10325100" cy="1655762"/>
+            <a:off x="1507067" y="4050833"/>
+            <a:ext cx="7766936" cy="1096899"/>
           </a:xfrm>
         </p:spPr>
         <p:txBody>
-          <a:bodyPr/>
+          <a:bodyPr anchor="t">
+            <a:normAutofit/>
+          </a:bodyPr>
           <a:lstStyle>
-            <a:lvl1pPr marL="0" indent="0" algn="ctr">
-              <a:buNone/>
-              <a:defRPr sz="2400"/>
+            <a:lvl1pPr marL="0" indent="0" algn="r">
+              <a:buNone/>
+              <a:defRPr sz="1400">
+                <a:solidFill>
+                  <a:schemeClr val="tx1"/>
+                </a:solidFill>
+              </a:defRPr>
             </a:lvl1pPr>
             <a:lvl2pPr marL="457200" indent="0" algn="ctr">
               <a:buNone/>
-              <a:defRPr sz="2000"/>
+              <a:defRPr>
+                <a:solidFill>
+                  <a:schemeClr val="tx1">
+                    <a:tint val="75000"/>
+                  </a:schemeClr>
+                </a:solidFill>
+              </a:defRPr>
             </a:lvl2pPr>
             <a:lvl3pPr marL="914400" indent="0" algn="ctr">
               <a:buNone/>
-              <a:defRPr sz="1800"/>
+              <a:defRPr>
+                <a:solidFill>
+                  <a:schemeClr val="tx1">
+                    <a:tint val="75000"/>
+                  </a:schemeClr>
+                </a:solidFill>
+              </a:defRPr>
             </a:lvl3pPr>
             <a:lvl4pPr marL="1371600" indent="0" algn="ctr">
               <a:buNone/>
-              <a:defRPr sz="1600"/>
+              <a:defRPr>
+                <a:solidFill>
+                  <a:schemeClr val="tx1">
+                    <a:tint val="75000"/>
+                  </a:schemeClr>
+                </a:solidFill>
+              </a:defRPr>
             </a:lvl4pPr>
             <a:lvl5pPr marL="1828800" indent="0" algn="ctr">
               <a:buNone/>
-              <a:defRPr sz="1600"/>
+              <a:defRPr>
+                <a:solidFill>
+                  <a:schemeClr val="tx1">
+                    <a:tint val="75000"/>
+                  </a:schemeClr>
+                </a:solidFill>
+              </a:defRPr>
             </a:lvl5pPr>
             <a:lvl6pPr marL="2286000" indent="0" algn="ctr">
               <a:buNone/>
-              <a:defRPr sz="1600"/>
+              <a:defRPr>
+                <a:solidFill>
+                  <a:schemeClr val="tx1">
+                    <a:tint val="75000"/>
+                  </a:schemeClr>
+                </a:solidFill>
+              </a:defRPr>
             </a:lvl6pPr>
             <a:lvl7pPr marL="2743200" indent="0" algn="ctr">
               <a:buNone/>
-              <a:defRPr sz="1600"/>
+              <a:defRPr>
+                <a:solidFill>
+                  <a:schemeClr val="tx1">
+                    <a:tint val="75000"/>
+                  </a:schemeClr>
+                </a:solidFill>
+              </a:defRPr>
             </a:lvl7pPr>
             <a:lvl8pPr marL="3200400" indent="0" algn="ctr">
               <a:buNone/>
-              <a:defRPr sz="1600"/>
+              <a:defRPr>
+                <a:solidFill>
+                  <a:schemeClr val="tx1">
+                    <a:tint val="75000"/>
+                  </a:schemeClr>
+                </a:solidFill>
+              </a:defRPr>
             </a:lvl8pPr>
             <a:lvl9pPr marL="3657600" indent="0" algn="ctr">
               <a:buNone/>
-              <a:defRPr sz="1600"/>
+              <a:defRPr>
+                <a:solidFill>
+                  <a:schemeClr val="tx1">
+                    <a:tint val="75000"/>
+                  </a:schemeClr>
+                </a:solidFill>
+              </a:defRPr>
             </a:lvl9pPr>
           </a:lstStyle>
           <a:p>
             <a:r>
-              <a:rPr lang="en-US" dirty="0" smtClean="0"/>
+              <a:rPr lang="en-US" smtClean="0"/>
               <a:t>Click to edit Master subtitle style</a:t>
             </a:r>
-            <a:endParaRPr lang="en-GB" dirty="0"/>
+            <a:endParaRPr lang="en-US" dirty="0"/>
           </a:p>
         </p:txBody>
       </p:sp>
@@ -302,7 +898,7 @@
     </p:spTree>
     <p:extLst>
       <p:ext uri="{BB962C8B-B14F-4D97-AF65-F5344CB8AC3E}">
-        <p14:creationId xmlns:p14="http://schemas.microsoft.com/office/powerpoint/2010/main" val="2384903340"/>
+        <p14:creationId xmlns:p14="http://schemas.microsoft.com/office/powerpoint/2010/main" val="702981165"/>
       </p:ext>
     </p:extLst>
   </p:cSld>
@@ -313,6 +909,1882 @@
 </file>
 
 <file path=ppt/slideLayouts/slideLayout10.xml><?xml version="1.0" encoding="utf-8"?>
+<p:sldLayout xmlns:a="http://schemas.openxmlformats.org/drawingml/2006/main" xmlns:r="http://schemas.openxmlformats.org/officeDocument/2006/relationships" xmlns:p="http://schemas.openxmlformats.org/presentationml/2006/main" type="picTx" preserve="1">
+  <p:cSld name="Picture with Caption">
+    <p:spTree>
+      <p:nvGrpSpPr>
+        <p:cNvPr id="1" name=""/>
+        <p:cNvGrpSpPr/>
+        <p:nvPr/>
+      </p:nvGrpSpPr>
+      <p:grpSpPr>
+        <a:xfrm>
+          <a:off x="0" y="0"/>
+          <a:ext cx="0" cy="0"/>
+          <a:chOff x="0" y="0"/>
+          <a:chExt cx="0" cy="0"/>
+        </a:xfrm>
+      </p:grpSpPr>
+      <p:sp>
+        <p:nvSpPr>
+          <p:cNvPr id="2" name="Title 1"/>
+          <p:cNvSpPr>
+            <a:spLocks noGrp="1"/>
+          </p:cNvSpPr>
+          <p:nvPr>
+            <p:ph type="title"/>
+          </p:nvPr>
+        </p:nvSpPr>
+        <p:spPr>
+          <a:xfrm>
+            <a:off x="677334" y="4800600"/>
+            <a:ext cx="8596667" cy="566738"/>
+          </a:xfrm>
+        </p:spPr>
+        <p:txBody>
+          <a:bodyPr anchor="b">
+            <a:normAutofit/>
+          </a:bodyPr>
+          <a:lstStyle>
+            <a:lvl1pPr algn="l">
+              <a:defRPr sz="2400" b="0"/>
+            </a:lvl1pPr>
+          </a:lstStyle>
+          <a:p>
+            <a:r>
+              <a:rPr lang="en-US" smtClean="0"/>
+              <a:t>Click to edit Master title style</a:t>
+            </a:r>
+            <a:endParaRPr lang="en-US" dirty="0"/>
+          </a:p>
+        </p:txBody>
+      </p:sp>
+      <p:sp>
+        <p:nvSpPr>
+          <p:cNvPr id="3" name="Picture Placeholder 2"/>
+          <p:cNvSpPr>
+            <a:spLocks noGrp="1" noChangeAspect="1"/>
+          </p:cNvSpPr>
+          <p:nvPr>
+            <p:ph type="pic" idx="1"/>
+          </p:nvPr>
+        </p:nvSpPr>
+        <p:spPr>
+          <a:xfrm>
+            <a:off x="677334" y="609600"/>
+            <a:ext cx="8596668" cy="3845718"/>
+          </a:xfrm>
+        </p:spPr>
+        <p:txBody>
+          <a:bodyPr anchor="t">
+            <a:normAutofit/>
+          </a:bodyPr>
+          <a:lstStyle>
+            <a:lvl1pPr marL="0" indent="0" algn="ctr">
+              <a:buNone/>
+              <a:defRPr sz="1600"/>
+            </a:lvl1pPr>
+            <a:lvl2pPr marL="457200" indent="0">
+              <a:buNone/>
+              <a:defRPr sz="1600"/>
+            </a:lvl2pPr>
+            <a:lvl3pPr marL="914400" indent="0">
+              <a:buNone/>
+              <a:defRPr sz="1600"/>
+            </a:lvl3pPr>
+            <a:lvl4pPr marL="1371600" indent="0">
+              <a:buNone/>
+              <a:defRPr sz="1600"/>
+            </a:lvl4pPr>
+            <a:lvl5pPr marL="1828800" indent="0">
+              <a:buNone/>
+              <a:defRPr sz="1600"/>
+            </a:lvl5pPr>
+            <a:lvl6pPr marL="2286000" indent="0">
+              <a:buNone/>
+              <a:defRPr sz="1600"/>
+            </a:lvl6pPr>
+            <a:lvl7pPr marL="2743200" indent="0">
+              <a:buNone/>
+              <a:defRPr sz="1600"/>
+            </a:lvl7pPr>
+            <a:lvl8pPr marL="3200400" indent="0">
+              <a:buNone/>
+              <a:defRPr sz="1600"/>
+            </a:lvl8pPr>
+            <a:lvl9pPr marL="3657600" indent="0">
+              <a:buNone/>
+              <a:defRPr sz="1600"/>
+            </a:lvl9pPr>
+          </a:lstStyle>
+          <a:p>
+            <a:r>
+              <a:rPr lang="en-US" smtClean="0"/>
+              <a:t>Click icon to add picture</a:t>
+            </a:r>
+            <a:endParaRPr lang="en-US" dirty="0"/>
+          </a:p>
+        </p:txBody>
+      </p:sp>
+      <p:sp>
+        <p:nvSpPr>
+          <p:cNvPr id="4" name="Text Placeholder 3"/>
+          <p:cNvSpPr>
+            <a:spLocks noGrp="1"/>
+          </p:cNvSpPr>
+          <p:nvPr>
+            <p:ph type="body" sz="half" idx="2"/>
+          </p:nvPr>
+        </p:nvSpPr>
+        <p:spPr>
+          <a:xfrm>
+            <a:off x="677334" y="5367338"/>
+            <a:ext cx="8596667" cy="674024"/>
+          </a:xfrm>
+        </p:spPr>
+        <p:txBody>
+          <a:bodyPr>
+            <a:normAutofit/>
+          </a:bodyPr>
+          <a:lstStyle>
+            <a:lvl1pPr marL="0" indent="0">
+              <a:buNone/>
+              <a:defRPr sz="1200"/>
+            </a:lvl1pPr>
+            <a:lvl2pPr marL="457200" indent="0">
+              <a:buNone/>
+              <a:defRPr sz="1200"/>
+            </a:lvl2pPr>
+            <a:lvl3pPr marL="914400" indent="0">
+              <a:buNone/>
+              <a:defRPr sz="1000"/>
+            </a:lvl3pPr>
+            <a:lvl4pPr marL="1371600" indent="0">
+              <a:buNone/>
+              <a:defRPr sz="900"/>
+            </a:lvl4pPr>
+            <a:lvl5pPr marL="1828800" indent="0">
+              <a:buNone/>
+              <a:defRPr sz="900"/>
+            </a:lvl5pPr>
+            <a:lvl6pPr marL="2286000" indent="0">
+              <a:buNone/>
+              <a:defRPr sz="900"/>
+            </a:lvl6pPr>
+            <a:lvl7pPr marL="2743200" indent="0">
+              <a:buNone/>
+              <a:defRPr sz="900"/>
+            </a:lvl7pPr>
+            <a:lvl8pPr marL="3200400" indent="0">
+              <a:buNone/>
+              <a:defRPr sz="900"/>
+            </a:lvl8pPr>
+            <a:lvl9pPr marL="3657600" indent="0">
+              <a:buNone/>
+              <a:defRPr sz="900"/>
+            </a:lvl9pPr>
+          </a:lstStyle>
+          <a:p>
+            <a:pPr lvl="0"/>
+            <a:r>
+              <a:rPr lang="en-US" smtClean="0"/>
+              <a:t>Click to edit Master text styles</a:t>
+            </a:r>
+          </a:p>
+        </p:txBody>
+      </p:sp>
+      <p:sp>
+        <p:nvSpPr>
+          <p:cNvPr id="5" name="Date Placeholder 4"/>
+          <p:cNvSpPr>
+            <a:spLocks noGrp="1"/>
+          </p:cNvSpPr>
+          <p:nvPr>
+            <p:ph type="dt" sz="half" idx="10"/>
+          </p:nvPr>
+        </p:nvSpPr>
+        <p:spPr/>
+        <p:txBody>
+          <a:bodyPr/>
+          <a:lstStyle/>
+          <a:p>
+            <a:fld id="{0FA3285A-3BF8-4E93-8A4F-3C436A480EC2}" type="datetimeFigureOut">
+              <a:rPr lang="en-GB" smtClean="0"/>
+              <a:t>30/11/2020</a:t>
+            </a:fld>
+            <a:endParaRPr lang="en-GB"/>
+          </a:p>
+        </p:txBody>
+      </p:sp>
+      <p:sp>
+        <p:nvSpPr>
+          <p:cNvPr id="6" name="Footer Placeholder 5"/>
+          <p:cNvSpPr>
+            <a:spLocks noGrp="1"/>
+          </p:cNvSpPr>
+          <p:nvPr>
+            <p:ph type="ftr" sz="quarter" idx="11"/>
+          </p:nvPr>
+        </p:nvSpPr>
+        <p:spPr/>
+        <p:txBody>
+          <a:bodyPr/>
+          <a:lstStyle/>
+          <a:p>
+            <a:endParaRPr lang="en-US" dirty="0"/>
+          </a:p>
+        </p:txBody>
+      </p:sp>
+      <p:sp>
+        <p:nvSpPr>
+          <p:cNvPr id="7" name="Slide Number Placeholder 6"/>
+          <p:cNvSpPr>
+            <a:spLocks noGrp="1"/>
+          </p:cNvSpPr>
+          <p:nvPr>
+            <p:ph type="sldNum" sz="quarter" idx="12"/>
+          </p:nvPr>
+        </p:nvSpPr>
+        <p:spPr/>
+        <p:txBody>
+          <a:bodyPr/>
+          <a:lstStyle/>
+          <a:p>
+            <a:fld id="{1B80D510-81BF-4116-8778-0A1E4C57F434}" type="slidenum">
+              <a:rPr lang="en-GB" smtClean="0"/>
+              <a:t>‹#›</a:t>
+            </a:fld>
+            <a:endParaRPr lang="en-GB"/>
+          </a:p>
+        </p:txBody>
+      </p:sp>
+    </p:spTree>
+    <p:extLst>
+      <p:ext uri="{BB962C8B-B14F-4D97-AF65-F5344CB8AC3E}">
+        <p14:creationId xmlns:p14="http://schemas.microsoft.com/office/powerpoint/2010/main" val="855905838"/>
+      </p:ext>
+    </p:extLst>
+  </p:cSld>
+  <p:clrMapOvr>
+    <a:masterClrMapping/>
+  </p:clrMapOvr>
+</p:sldLayout>
+</file>
+
+<file path=ppt/slideLayouts/slideLayout11.xml><?xml version="1.0" encoding="utf-8"?>
+<p:sldLayout xmlns:a="http://schemas.openxmlformats.org/drawingml/2006/main" xmlns:r="http://schemas.openxmlformats.org/officeDocument/2006/relationships" xmlns:p="http://schemas.openxmlformats.org/presentationml/2006/main" preserve="1">
+  <p:cSld name="Title and Caption">
+    <p:spTree>
+      <p:nvGrpSpPr>
+        <p:cNvPr id="1" name=""/>
+        <p:cNvGrpSpPr/>
+        <p:nvPr/>
+      </p:nvGrpSpPr>
+      <p:grpSpPr>
+        <a:xfrm>
+          <a:off x="0" y="0"/>
+          <a:ext cx="0" cy="0"/>
+          <a:chOff x="0" y="0"/>
+          <a:chExt cx="0" cy="0"/>
+        </a:xfrm>
+      </p:grpSpPr>
+      <p:sp>
+        <p:nvSpPr>
+          <p:cNvPr id="2" name="Title 1"/>
+          <p:cNvSpPr>
+            <a:spLocks noGrp="1"/>
+          </p:cNvSpPr>
+          <p:nvPr>
+            <p:ph type="title"/>
+          </p:nvPr>
+        </p:nvSpPr>
+        <p:spPr>
+          <a:xfrm>
+            <a:off x="677335" y="609600"/>
+            <a:ext cx="8596668" cy="3403600"/>
+          </a:xfrm>
+        </p:spPr>
+        <p:txBody>
+          <a:bodyPr anchor="ctr">
+            <a:normAutofit/>
+          </a:bodyPr>
+          <a:lstStyle>
+            <a:lvl1pPr algn="l">
+              <a:defRPr sz="4400" b="0" cap="none"/>
+            </a:lvl1pPr>
+          </a:lstStyle>
+          <a:p>
+            <a:r>
+              <a:rPr lang="en-US" smtClean="0"/>
+              <a:t>Click to edit Master title style</a:t>
+            </a:r>
+            <a:endParaRPr lang="en-US" dirty="0"/>
+          </a:p>
+        </p:txBody>
+      </p:sp>
+      <p:sp>
+        <p:nvSpPr>
+          <p:cNvPr id="3" name="Text Placeholder 2"/>
+          <p:cNvSpPr>
+            <a:spLocks noGrp="1"/>
+          </p:cNvSpPr>
+          <p:nvPr>
+            <p:ph type="body" idx="1"/>
+          </p:nvPr>
+        </p:nvSpPr>
+        <p:spPr>
+          <a:xfrm>
+            <a:off x="677335" y="4470400"/>
+            <a:ext cx="8596668" cy="1570962"/>
+          </a:xfrm>
+        </p:spPr>
+        <p:txBody>
+          <a:bodyPr anchor="ctr">
+            <a:normAutofit/>
+          </a:bodyPr>
+          <a:lstStyle>
+            <a:lvl1pPr marL="0" indent="0" algn="l">
+              <a:buNone/>
+              <a:defRPr sz="1800">
+                <a:solidFill>
+                  <a:schemeClr val="tx1">
+                    <a:lumMod val="75000"/>
+                    <a:lumOff val="25000"/>
+                  </a:schemeClr>
+                </a:solidFill>
+              </a:defRPr>
+            </a:lvl1pPr>
+            <a:lvl2pPr marL="457200" indent="0">
+              <a:buNone/>
+              <a:defRPr sz="1800">
+                <a:solidFill>
+                  <a:schemeClr val="tx1">
+                    <a:tint val="75000"/>
+                  </a:schemeClr>
+                </a:solidFill>
+              </a:defRPr>
+            </a:lvl2pPr>
+            <a:lvl3pPr marL="914400" indent="0">
+              <a:buNone/>
+              <a:defRPr sz="1600">
+                <a:solidFill>
+                  <a:schemeClr val="tx1">
+                    <a:tint val="75000"/>
+                  </a:schemeClr>
+                </a:solidFill>
+              </a:defRPr>
+            </a:lvl3pPr>
+            <a:lvl4pPr marL="1371600" indent="0">
+              <a:buNone/>
+              <a:defRPr sz="1400">
+                <a:solidFill>
+                  <a:schemeClr val="tx1">
+                    <a:tint val="75000"/>
+                  </a:schemeClr>
+                </a:solidFill>
+              </a:defRPr>
+            </a:lvl4pPr>
+            <a:lvl5pPr marL="1828800" indent="0">
+              <a:buNone/>
+              <a:defRPr sz="1400">
+                <a:solidFill>
+                  <a:schemeClr val="tx1">
+                    <a:tint val="75000"/>
+                  </a:schemeClr>
+                </a:solidFill>
+              </a:defRPr>
+            </a:lvl5pPr>
+            <a:lvl6pPr marL="2286000" indent="0">
+              <a:buNone/>
+              <a:defRPr sz="1400">
+                <a:solidFill>
+                  <a:schemeClr val="tx1">
+                    <a:tint val="75000"/>
+                  </a:schemeClr>
+                </a:solidFill>
+              </a:defRPr>
+            </a:lvl6pPr>
+            <a:lvl7pPr marL="2743200" indent="0">
+              <a:buNone/>
+              <a:defRPr sz="1400">
+                <a:solidFill>
+                  <a:schemeClr val="tx1">
+                    <a:tint val="75000"/>
+                  </a:schemeClr>
+                </a:solidFill>
+              </a:defRPr>
+            </a:lvl7pPr>
+            <a:lvl8pPr marL="3200400" indent="0">
+              <a:buNone/>
+              <a:defRPr sz="1400">
+                <a:solidFill>
+                  <a:schemeClr val="tx1">
+                    <a:tint val="75000"/>
+                  </a:schemeClr>
+                </a:solidFill>
+              </a:defRPr>
+            </a:lvl8pPr>
+            <a:lvl9pPr marL="3657600" indent="0">
+              <a:buNone/>
+              <a:defRPr sz="1400">
+                <a:solidFill>
+                  <a:schemeClr val="tx1">
+                    <a:tint val="75000"/>
+                  </a:schemeClr>
+                </a:solidFill>
+              </a:defRPr>
+            </a:lvl9pPr>
+          </a:lstStyle>
+          <a:p>
+            <a:pPr lvl="0"/>
+            <a:r>
+              <a:rPr lang="en-US" smtClean="0"/>
+              <a:t>Click to edit Master text styles</a:t>
+            </a:r>
+          </a:p>
+        </p:txBody>
+      </p:sp>
+      <p:sp>
+        <p:nvSpPr>
+          <p:cNvPr id="4" name="Date Placeholder 3"/>
+          <p:cNvSpPr>
+            <a:spLocks noGrp="1"/>
+          </p:cNvSpPr>
+          <p:nvPr>
+            <p:ph type="dt" sz="half" idx="10"/>
+          </p:nvPr>
+        </p:nvSpPr>
+        <p:spPr/>
+        <p:txBody>
+          <a:bodyPr/>
+          <a:lstStyle/>
+          <a:p>
+            <a:fld id="{0FA3285A-3BF8-4E93-8A4F-3C436A480EC2}" type="datetimeFigureOut">
+              <a:rPr lang="en-GB" smtClean="0"/>
+              <a:t>30/11/2020</a:t>
+            </a:fld>
+            <a:endParaRPr lang="en-GB"/>
+          </a:p>
+        </p:txBody>
+      </p:sp>
+      <p:sp>
+        <p:nvSpPr>
+          <p:cNvPr id="5" name="Footer Placeholder 4"/>
+          <p:cNvSpPr>
+            <a:spLocks noGrp="1"/>
+          </p:cNvSpPr>
+          <p:nvPr>
+            <p:ph type="ftr" sz="quarter" idx="11"/>
+          </p:nvPr>
+        </p:nvSpPr>
+        <p:spPr/>
+        <p:txBody>
+          <a:bodyPr/>
+          <a:lstStyle/>
+          <a:p>
+            <a:endParaRPr lang="en-GB"/>
+          </a:p>
+        </p:txBody>
+      </p:sp>
+      <p:sp>
+        <p:nvSpPr>
+          <p:cNvPr id="6" name="Slide Number Placeholder 5"/>
+          <p:cNvSpPr>
+            <a:spLocks noGrp="1"/>
+          </p:cNvSpPr>
+          <p:nvPr>
+            <p:ph type="sldNum" sz="quarter" idx="12"/>
+          </p:nvPr>
+        </p:nvSpPr>
+        <p:spPr/>
+        <p:txBody>
+          <a:bodyPr/>
+          <a:lstStyle/>
+          <a:p>
+            <a:fld id="{1B80D510-81BF-4116-8778-0A1E4C57F434}" type="slidenum">
+              <a:rPr lang="en-GB" smtClean="0"/>
+              <a:t>‹#›</a:t>
+            </a:fld>
+            <a:endParaRPr lang="en-GB"/>
+          </a:p>
+        </p:txBody>
+      </p:sp>
+    </p:spTree>
+    <p:extLst>
+      <p:ext uri="{BB962C8B-B14F-4D97-AF65-F5344CB8AC3E}">
+        <p14:creationId xmlns:p14="http://schemas.microsoft.com/office/powerpoint/2010/main" val="786275520"/>
+      </p:ext>
+    </p:extLst>
+  </p:cSld>
+  <p:clrMapOvr>
+    <a:masterClrMapping/>
+  </p:clrMapOvr>
+</p:sldLayout>
+</file>
+
+<file path=ppt/slideLayouts/slideLayout12.xml><?xml version="1.0" encoding="utf-8"?>
+<p:sldLayout xmlns:a="http://schemas.openxmlformats.org/drawingml/2006/main" xmlns:r="http://schemas.openxmlformats.org/officeDocument/2006/relationships" xmlns:p="http://schemas.openxmlformats.org/presentationml/2006/main" preserve="1">
+  <p:cSld name="Quote with Caption">
+    <p:spTree>
+      <p:nvGrpSpPr>
+        <p:cNvPr id="1" name=""/>
+        <p:cNvGrpSpPr/>
+        <p:nvPr/>
+      </p:nvGrpSpPr>
+      <p:grpSpPr>
+        <a:xfrm>
+          <a:off x="0" y="0"/>
+          <a:ext cx="0" cy="0"/>
+          <a:chOff x="0" y="0"/>
+          <a:chExt cx="0" cy="0"/>
+        </a:xfrm>
+      </p:grpSpPr>
+      <p:sp>
+        <p:nvSpPr>
+          <p:cNvPr id="2" name="Title 1"/>
+          <p:cNvSpPr>
+            <a:spLocks noGrp="1"/>
+          </p:cNvSpPr>
+          <p:nvPr>
+            <p:ph type="title"/>
+          </p:nvPr>
+        </p:nvSpPr>
+        <p:spPr>
+          <a:xfrm>
+            <a:off x="931334" y="609600"/>
+            <a:ext cx="8094134" cy="3022600"/>
+          </a:xfrm>
+        </p:spPr>
+        <p:txBody>
+          <a:bodyPr anchor="ctr">
+            <a:normAutofit/>
+          </a:bodyPr>
+          <a:lstStyle>
+            <a:lvl1pPr algn="l">
+              <a:defRPr sz="4400" b="0" cap="none"/>
+            </a:lvl1pPr>
+          </a:lstStyle>
+          <a:p>
+            <a:r>
+              <a:rPr lang="en-US" smtClean="0"/>
+              <a:t>Click to edit Master title style</a:t>
+            </a:r>
+            <a:endParaRPr lang="en-US" dirty="0"/>
+          </a:p>
+        </p:txBody>
+      </p:sp>
+      <p:sp>
+        <p:nvSpPr>
+          <p:cNvPr id="23" name="Text Placeholder 9"/>
+          <p:cNvSpPr>
+            <a:spLocks noGrp="1"/>
+          </p:cNvSpPr>
+          <p:nvPr>
+            <p:ph type="body" sz="quarter" idx="13"/>
+          </p:nvPr>
+        </p:nvSpPr>
+        <p:spPr>
+          <a:xfrm>
+            <a:off x="1366139" y="3632200"/>
+            <a:ext cx="7224524" cy="381000"/>
+          </a:xfrm>
+        </p:spPr>
+        <p:txBody>
+          <a:bodyPr anchor="ctr">
+            <a:noAutofit/>
+          </a:bodyPr>
+          <a:lstStyle>
+            <a:lvl1pPr marL="0" indent="0">
+              <a:buFontTx/>
+              <a:buNone/>
+              <a:defRPr sz="1600">
+                <a:solidFill>
+                  <a:schemeClr val="tx1">
+                    <a:lumMod val="50000"/>
+                    <a:lumOff val="50000"/>
+                  </a:schemeClr>
+                </a:solidFill>
+              </a:defRPr>
+            </a:lvl1pPr>
+            <a:lvl2pPr marL="457200" indent="0">
+              <a:buFontTx/>
+              <a:buNone/>
+              <a:defRPr/>
+            </a:lvl2pPr>
+            <a:lvl3pPr marL="914400" indent="0">
+              <a:buFontTx/>
+              <a:buNone/>
+              <a:defRPr/>
+            </a:lvl3pPr>
+            <a:lvl4pPr marL="1371600" indent="0">
+              <a:buFontTx/>
+              <a:buNone/>
+              <a:defRPr/>
+            </a:lvl4pPr>
+            <a:lvl5pPr marL="1828800" indent="0">
+              <a:buFontTx/>
+              <a:buNone/>
+              <a:defRPr/>
+            </a:lvl5pPr>
+          </a:lstStyle>
+          <a:p>
+            <a:pPr lvl="0"/>
+            <a:r>
+              <a:rPr lang="en-US" smtClean="0"/>
+              <a:t>Click to edit Master text styles</a:t>
+            </a:r>
+          </a:p>
+        </p:txBody>
+      </p:sp>
+      <p:sp>
+        <p:nvSpPr>
+          <p:cNvPr id="3" name="Text Placeholder 2"/>
+          <p:cNvSpPr>
+            <a:spLocks noGrp="1"/>
+          </p:cNvSpPr>
+          <p:nvPr>
+            <p:ph type="body" idx="1"/>
+          </p:nvPr>
+        </p:nvSpPr>
+        <p:spPr>
+          <a:xfrm>
+            <a:off x="677335" y="4470400"/>
+            <a:ext cx="8596668" cy="1570962"/>
+          </a:xfrm>
+        </p:spPr>
+        <p:txBody>
+          <a:bodyPr anchor="ctr">
+            <a:normAutofit/>
+          </a:bodyPr>
+          <a:lstStyle>
+            <a:lvl1pPr marL="0" indent="0" algn="l">
+              <a:buNone/>
+              <a:defRPr sz="1800">
+                <a:solidFill>
+                  <a:schemeClr val="tx1">
+                    <a:lumMod val="75000"/>
+                    <a:lumOff val="25000"/>
+                  </a:schemeClr>
+                </a:solidFill>
+              </a:defRPr>
+            </a:lvl1pPr>
+            <a:lvl2pPr marL="457200" indent="0">
+              <a:buNone/>
+              <a:defRPr sz="1800">
+                <a:solidFill>
+                  <a:schemeClr val="tx1">
+                    <a:tint val="75000"/>
+                  </a:schemeClr>
+                </a:solidFill>
+              </a:defRPr>
+            </a:lvl2pPr>
+            <a:lvl3pPr marL="914400" indent="0">
+              <a:buNone/>
+              <a:defRPr sz="1600">
+                <a:solidFill>
+                  <a:schemeClr val="tx1">
+                    <a:tint val="75000"/>
+                  </a:schemeClr>
+                </a:solidFill>
+              </a:defRPr>
+            </a:lvl3pPr>
+            <a:lvl4pPr marL="1371600" indent="0">
+              <a:buNone/>
+              <a:defRPr sz="1400">
+                <a:solidFill>
+                  <a:schemeClr val="tx1">
+                    <a:tint val="75000"/>
+                  </a:schemeClr>
+                </a:solidFill>
+              </a:defRPr>
+            </a:lvl4pPr>
+            <a:lvl5pPr marL="1828800" indent="0">
+              <a:buNone/>
+              <a:defRPr sz="1400">
+                <a:solidFill>
+                  <a:schemeClr val="tx1">
+                    <a:tint val="75000"/>
+                  </a:schemeClr>
+                </a:solidFill>
+              </a:defRPr>
+            </a:lvl5pPr>
+            <a:lvl6pPr marL="2286000" indent="0">
+              <a:buNone/>
+              <a:defRPr sz="1400">
+                <a:solidFill>
+                  <a:schemeClr val="tx1">
+                    <a:tint val="75000"/>
+                  </a:schemeClr>
+                </a:solidFill>
+              </a:defRPr>
+            </a:lvl6pPr>
+            <a:lvl7pPr marL="2743200" indent="0">
+              <a:buNone/>
+              <a:defRPr sz="1400">
+                <a:solidFill>
+                  <a:schemeClr val="tx1">
+                    <a:tint val="75000"/>
+                  </a:schemeClr>
+                </a:solidFill>
+              </a:defRPr>
+            </a:lvl7pPr>
+            <a:lvl8pPr marL="3200400" indent="0">
+              <a:buNone/>
+              <a:defRPr sz="1400">
+                <a:solidFill>
+                  <a:schemeClr val="tx1">
+                    <a:tint val="75000"/>
+                  </a:schemeClr>
+                </a:solidFill>
+              </a:defRPr>
+            </a:lvl8pPr>
+            <a:lvl9pPr marL="3657600" indent="0">
+              <a:buNone/>
+              <a:defRPr sz="1400">
+                <a:solidFill>
+                  <a:schemeClr val="tx1">
+                    <a:tint val="75000"/>
+                  </a:schemeClr>
+                </a:solidFill>
+              </a:defRPr>
+            </a:lvl9pPr>
+          </a:lstStyle>
+          <a:p>
+            <a:pPr lvl="0"/>
+            <a:r>
+              <a:rPr lang="en-US" smtClean="0"/>
+              <a:t>Click to edit Master text styles</a:t>
+            </a:r>
+          </a:p>
+        </p:txBody>
+      </p:sp>
+      <p:sp>
+        <p:nvSpPr>
+          <p:cNvPr id="4" name="Date Placeholder 3"/>
+          <p:cNvSpPr>
+            <a:spLocks noGrp="1"/>
+          </p:cNvSpPr>
+          <p:nvPr>
+            <p:ph type="dt" sz="half" idx="10"/>
+          </p:nvPr>
+        </p:nvSpPr>
+        <p:spPr/>
+        <p:txBody>
+          <a:bodyPr/>
+          <a:lstStyle/>
+          <a:p>
+            <a:fld id="{0FA3285A-3BF8-4E93-8A4F-3C436A480EC2}" type="datetimeFigureOut">
+              <a:rPr lang="en-GB" smtClean="0"/>
+              <a:t>30/11/2020</a:t>
+            </a:fld>
+            <a:endParaRPr lang="en-GB"/>
+          </a:p>
+        </p:txBody>
+      </p:sp>
+      <p:sp>
+        <p:nvSpPr>
+          <p:cNvPr id="5" name="Footer Placeholder 4"/>
+          <p:cNvSpPr>
+            <a:spLocks noGrp="1"/>
+          </p:cNvSpPr>
+          <p:nvPr>
+            <p:ph type="ftr" sz="quarter" idx="11"/>
+          </p:nvPr>
+        </p:nvSpPr>
+        <p:spPr/>
+        <p:txBody>
+          <a:bodyPr/>
+          <a:lstStyle/>
+          <a:p>
+            <a:endParaRPr lang="en-GB"/>
+          </a:p>
+        </p:txBody>
+      </p:sp>
+      <p:sp>
+        <p:nvSpPr>
+          <p:cNvPr id="6" name="Slide Number Placeholder 5"/>
+          <p:cNvSpPr>
+            <a:spLocks noGrp="1"/>
+          </p:cNvSpPr>
+          <p:nvPr>
+            <p:ph type="sldNum" sz="quarter" idx="12"/>
+          </p:nvPr>
+        </p:nvSpPr>
+        <p:spPr/>
+        <p:txBody>
+          <a:bodyPr/>
+          <a:lstStyle/>
+          <a:p>
+            <a:fld id="{1B80D510-81BF-4116-8778-0A1E4C57F434}" type="slidenum">
+              <a:rPr lang="en-GB" smtClean="0"/>
+              <a:t>‹#›</a:t>
+            </a:fld>
+            <a:endParaRPr lang="en-GB"/>
+          </a:p>
+        </p:txBody>
+      </p:sp>
+      <p:sp>
+        <p:nvSpPr>
+          <p:cNvPr id="20" name="TextBox 19"/>
+          <p:cNvSpPr txBox="1"/>
+          <p:nvPr/>
+        </p:nvSpPr>
+        <p:spPr>
+          <a:xfrm>
+            <a:off x="541870" y="790378"/>
+            <a:ext cx="609600" cy="584776"/>
+          </a:xfrm>
+          <a:prstGeom prst="rect">
+            <a:avLst/>
+          </a:prstGeom>
+        </p:spPr>
+        <p:txBody>
+          <a:bodyPr vert="horz" lIns="91440" tIns="45720" rIns="91440" bIns="45720" rtlCol="0" anchor="ctr">
+            <a:noAutofit/>
+          </a:bodyPr>
+          <a:lstStyle/>
+          <a:p>
+            <a:pPr lvl="0"/>
+            <a:r>
+              <a:rPr lang="en-US" sz="8000" baseline="0" dirty="0">
+                <a:ln w="3175" cmpd="sng">
+                  <a:noFill/>
+                </a:ln>
+                <a:solidFill>
+                  <a:schemeClr val="accent1">
+                    <a:lumMod val="60000"/>
+                    <a:lumOff val="40000"/>
+                  </a:schemeClr>
+                </a:solidFill>
+                <a:effectLst/>
+                <a:latin typeface="Arial"/>
+              </a:rPr>
+              <a:t>“</a:t>
+            </a:r>
+          </a:p>
+        </p:txBody>
+      </p:sp>
+      <p:sp>
+        <p:nvSpPr>
+          <p:cNvPr id="22" name="TextBox 21"/>
+          <p:cNvSpPr txBox="1"/>
+          <p:nvPr/>
+        </p:nvSpPr>
+        <p:spPr>
+          <a:xfrm>
+            <a:off x="8893011" y="2886556"/>
+            <a:ext cx="609600" cy="584776"/>
+          </a:xfrm>
+          <a:prstGeom prst="rect">
+            <a:avLst/>
+          </a:prstGeom>
+        </p:spPr>
+        <p:txBody>
+          <a:bodyPr vert="horz" lIns="91440" tIns="45720" rIns="91440" bIns="45720" rtlCol="0" anchor="ctr">
+            <a:noAutofit/>
+          </a:bodyPr>
+          <a:lstStyle/>
+          <a:p>
+            <a:pPr lvl="0"/>
+            <a:r>
+              <a:rPr lang="en-US" sz="8000" baseline="0" dirty="0">
+                <a:ln w="3175" cmpd="sng">
+                  <a:noFill/>
+                </a:ln>
+                <a:solidFill>
+                  <a:schemeClr val="accent1">
+                    <a:lumMod val="60000"/>
+                    <a:lumOff val="40000"/>
+                  </a:schemeClr>
+                </a:solidFill>
+                <a:latin typeface="Arial"/>
+              </a:rPr>
+              <a:t>”</a:t>
+            </a:r>
+            <a:endParaRPr lang="en-US" dirty="0">
+              <a:solidFill>
+                <a:schemeClr val="accent1">
+                  <a:lumMod val="60000"/>
+                  <a:lumOff val="40000"/>
+                </a:schemeClr>
+              </a:solidFill>
+              <a:latin typeface="Arial"/>
+            </a:endParaRPr>
+          </a:p>
+        </p:txBody>
+      </p:sp>
+    </p:spTree>
+    <p:extLst>
+      <p:ext uri="{BB962C8B-B14F-4D97-AF65-F5344CB8AC3E}">
+        <p14:creationId xmlns:p14="http://schemas.microsoft.com/office/powerpoint/2010/main" val="2077524251"/>
+      </p:ext>
+    </p:extLst>
+  </p:cSld>
+  <p:clrMapOvr>
+    <a:masterClrMapping/>
+  </p:clrMapOvr>
+</p:sldLayout>
+</file>
+
+<file path=ppt/slideLayouts/slideLayout13.xml><?xml version="1.0" encoding="utf-8"?>
+<p:sldLayout xmlns:a="http://schemas.openxmlformats.org/drawingml/2006/main" xmlns:r="http://schemas.openxmlformats.org/officeDocument/2006/relationships" xmlns:p="http://schemas.openxmlformats.org/presentationml/2006/main" preserve="1">
+  <p:cSld name="Name Card">
+    <p:spTree>
+      <p:nvGrpSpPr>
+        <p:cNvPr id="1" name=""/>
+        <p:cNvGrpSpPr/>
+        <p:nvPr/>
+      </p:nvGrpSpPr>
+      <p:grpSpPr>
+        <a:xfrm>
+          <a:off x="0" y="0"/>
+          <a:ext cx="0" cy="0"/>
+          <a:chOff x="0" y="0"/>
+          <a:chExt cx="0" cy="0"/>
+        </a:xfrm>
+      </p:grpSpPr>
+      <p:sp>
+        <p:nvSpPr>
+          <p:cNvPr id="2" name="Title 1"/>
+          <p:cNvSpPr>
+            <a:spLocks noGrp="1"/>
+          </p:cNvSpPr>
+          <p:nvPr>
+            <p:ph type="title"/>
+          </p:nvPr>
+        </p:nvSpPr>
+        <p:spPr>
+          <a:xfrm>
+            <a:off x="677335" y="1931988"/>
+            <a:ext cx="8596668" cy="2595460"/>
+          </a:xfrm>
+        </p:spPr>
+        <p:txBody>
+          <a:bodyPr anchor="b">
+            <a:normAutofit/>
+          </a:bodyPr>
+          <a:lstStyle>
+            <a:lvl1pPr algn="l">
+              <a:defRPr sz="4400" b="0" cap="none"/>
+            </a:lvl1pPr>
+          </a:lstStyle>
+          <a:p>
+            <a:r>
+              <a:rPr lang="en-US" smtClean="0"/>
+              <a:t>Click to edit Master title style</a:t>
+            </a:r>
+            <a:endParaRPr lang="en-US" dirty="0"/>
+          </a:p>
+        </p:txBody>
+      </p:sp>
+      <p:sp>
+        <p:nvSpPr>
+          <p:cNvPr id="3" name="Text Placeholder 2"/>
+          <p:cNvSpPr>
+            <a:spLocks noGrp="1"/>
+          </p:cNvSpPr>
+          <p:nvPr>
+            <p:ph type="body" idx="1"/>
+          </p:nvPr>
+        </p:nvSpPr>
+        <p:spPr>
+          <a:xfrm>
+            <a:off x="677335" y="4527448"/>
+            <a:ext cx="8596668" cy="1513914"/>
+          </a:xfrm>
+        </p:spPr>
+        <p:txBody>
+          <a:bodyPr anchor="t">
+            <a:normAutofit/>
+          </a:bodyPr>
+          <a:lstStyle>
+            <a:lvl1pPr marL="0" indent="0" algn="l">
+              <a:buNone/>
+              <a:defRPr sz="1800">
+                <a:solidFill>
+                  <a:schemeClr val="tx1">
+                    <a:lumMod val="75000"/>
+                    <a:lumOff val="25000"/>
+                  </a:schemeClr>
+                </a:solidFill>
+              </a:defRPr>
+            </a:lvl1pPr>
+            <a:lvl2pPr marL="457200" indent="0">
+              <a:buNone/>
+              <a:defRPr sz="1800">
+                <a:solidFill>
+                  <a:schemeClr val="tx1">
+                    <a:tint val="75000"/>
+                  </a:schemeClr>
+                </a:solidFill>
+              </a:defRPr>
+            </a:lvl2pPr>
+            <a:lvl3pPr marL="914400" indent="0">
+              <a:buNone/>
+              <a:defRPr sz="1600">
+                <a:solidFill>
+                  <a:schemeClr val="tx1">
+                    <a:tint val="75000"/>
+                  </a:schemeClr>
+                </a:solidFill>
+              </a:defRPr>
+            </a:lvl3pPr>
+            <a:lvl4pPr marL="1371600" indent="0">
+              <a:buNone/>
+              <a:defRPr sz="1400">
+                <a:solidFill>
+                  <a:schemeClr val="tx1">
+                    <a:tint val="75000"/>
+                  </a:schemeClr>
+                </a:solidFill>
+              </a:defRPr>
+            </a:lvl4pPr>
+            <a:lvl5pPr marL="1828800" indent="0">
+              <a:buNone/>
+              <a:defRPr sz="1400">
+                <a:solidFill>
+                  <a:schemeClr val="tx1">
+                    <a:tint val="75000"/>
+                  </a:schemeClr>
+                </a:solidFill>
+              </a:defRPr>
+            </a:lvl5pPr>
+            <a:lvl6pPr marL="2286000" indent="0">
+              <a:buNone/>
+              <a:defRPr sz="1400">
+                <a:solidFill>
+                  <a:schemeClr val="tx1">
+                    <a:tint val="75000"/>
+                  </a:schemeClr>
+                </a:solidFill>
+              </a:defRPr>
+            </a:lvl6pPr>
+            <a:lvl7pPr marL="2743200" indent="0">
+              <a:buNone/>
+              <a:defRPr sz="1400">
+                <a:solidFill>
+                  <a:schemeClr val="tx1">
+                    <a:tint val="75000"/>
+                  </a:schemeClr>
+                </a:solidFill>
+              </a:defRPr>
+            </a:lvl7pPr>
+            <a:lvl8pPr marL="3200400" indent="0">
+              <a:buNone/>
+              <a:defRPr sz="1400">
+                <a:solidFill>
+                  <a:schemeClr val="tx1">
+                    <a:tint val="75000"/>
+                  </a:schemeClr>
+                </a:solidFill>
+              </a:defRPr>
+            </a:lvl8pPr>
+            <a:lvl9pPr marL="3657600" indent="0">
+              <a:buNone/>
+              <a:defRPr sz="1400">
+                <a:solidFill>
+                  <a:schemeClr val="tx1">
+                    <a:tint val="75000"/>
+                  </a:schemeClr>
+                </a:solidFill>
+              </a:defRPr>
+            </a:lvl9pPr>
+          </a:lstStyle>
+          <a:p>
+            <a:pPr lvl="0"/>
+            <a:r>
+              <a:rPr lang="en-US" smtClean="0"/>
+              <a:t>Click to edit Master text styles</a:t>
+            </a:r>
+          </a:p>
+        </p:txBody>
+      </p:sp>
+      <p:sp>
+        <p:nvSpPr>
+          <p:cNvPr id="4" name="Date Placeholder 3"/>
+          <p:cNvSpPr>
+            <a:spLocks noGrp="1"/>
+          </p:cNvSpPr>
+          <p:nvPr>
+            <p:ph type="dt" sz="half" idx="10"/>
+          </p:nvPr>
+        </p:nvSpPr>
+        <p:spPr/>
+        <p:txBody>
+          <a:bodyPr/>
+          <a:lstStyle/>
+          <a:p>
+            <a:fld id="{0FA3285A-3BF8-4E93-8A4F-3C436A480EC2}" type="datetimeFigureOut">
+              <a:rPr lang="en-GB" smtClean="0"/>
+              <a:t>30/11/2020</a:t>
+            </a:fld>
+            <a:endParaRPr lang="en-GB"/>
+          </a:p>
+        </p:txBody>
+      </p:sp>
+      <p:sp>
+        <p:nvSpPr>
+          <p:cNvPr id="5" name="Footer Placeholder 4"/>
+          <p:cNvSpPr>
+            <a:spLocks noGrp="1"/>
+          </p:cNvSpPr>
+          <p:nvPr>
+            <p:ph type="ftr" sz="quarter" idx="11"/>
+          </p:nvPr>
+        </p:nvSpPr>
+        <p:spPr/>
+        <p:txBody>
+          <a:bodyPr/>
+          <a:lstStyle/>
+          <a:p>
+            <a:endParaRPr lang="en-GB"/>
+          </a:p>
+        </p:txBody>
+      </p:sp>
+      <p:sp>
+        <p:nvSpPr>
+          <p:cNvPr id="6" name="Slide Number Placeholder 5"/>
+          <p:cNvSpPr>
+            <a:spLocks noGrp="1"/>
+          </p:cNvSpPr>
+          <p:nvPr>
+            <p:ph type="sldNum" sz="quarter" idx="12"/>
+          </p:nvPr>
+        </p:nvSpPr>
+        <p:spPr/>
+        <p:txBody>
+          <a:bodyPr/>
+          <a:lstStyle/>
+          <a:p>
+            <a:fld id="{1B80D510-81BF-4116-8778-0A1E4C57F434}" type="slidenum">
+              <a:rPr lang="en-GB" smtClean="0"/>
+              <a:t>‹#›</a:t>
+            </a:fld>
+            <a:endParaRPr lang="en-GB"/>
+          </a:p>
+        </p:txBody>
+      </p:sp>
+    </p:spTree>
+    <p:extLst>
+      <p:ext uri="{BB962C8B-B14F-4D97-AF65-F5344CB8AC3E}">
+        <p14:creationId xmlns:p14="http://schemas.microsoft.com/office/powerpoint/2010/main" val="4044496380"/>
+      </p:ext>
+    </p:extLst>
+  </p:cSld>
+  <p:clrMapOvr>
+    <a:masterClrMapping/>
+  </p:clrMapOvr>
+</p:sldLayout>
+</file>
+
+<file path=ppt/slideLayouts/slideLayout14.xml><?xml version="1.0" encoding="utf-8"?>
+<p:sldLayout xmlns:a="http://schemas.openxmlformats.org/drawingml/2006/main" xmlns:r="http://schemas.openxmlformats.org/officeDocument/2006/relationships" xmlns:p="http://schemas.openxmlformats.org/presentationml/2006/main" preserve="1">
+  <p:cSld name="Quote Name Card">
+    <p:spTree>
+      <p:nvGrpSpPr>
+        <p:cNvPr id="1" name=""/>
+        <p:cNvGrpSpPr/>
+        <p:nvPr/>
+      </p:nvGrpSpPr>
+      <p:grpSpPr>
+        <a:xfrm>
+          <a:off x="0" y="0"/>
+          <a:ext cx="0" cy="0"/>
+          <a:chOff x="0" y="0"/>
+          <a:chExt cx="0" cy="0"/>
+        </a:xfrm>
+      </p:grpSpPr>
+      <p:sp>
+        <p:nvSpPr>
+          <p:cNvPr id="2" name="Title 1"/>
+          <p:cNvSpPr>
+            <a:spLocks noGrp="1"/>
+          </p:cNvSpPr>
+          <p:nvPr>
+            <p:ph type="title"/>
+          </p:nvPr>
+        </p:nvSpPr>
+        <p:spPr>
+          <a:xfrm>
+            <a:off x="931334" y="609600"/>
+            <a:ext cx="8094134" cy="3022600"/>
+          </a:xfrm>
+        </p:spPr>
+        <p:txBody>
+          <a:bodyPr anchor="ctr">
+            <a:normAutofit/>
+          </a:bodyPr>
+          <a:lstStyle>
+            <a:lvl1pPr algn="l">
+              <a:defRPr sz="4400" b="0" cap="none"/>
+            </a:lvl1pPr>
+          </a:lstStyle>
+          <a:p>
+            <a:r>
+              <a:rPr lang="en-US" smtClean="0"/>
+              <a:t>Click to edit Master title style</a:t>
+            </a:r>
+            <a:endParaRPr lang="en-US" dirty="0"/>
+          </a:p>
+        </p:txBody>
+      </p:sp>
+      <p:sp>
+        <p:nvSpPr>
+          <p:cNvPr id="23" name="Text Placeholder 9"/>
+          <p:cNvSpPr>
+            <a:spLocks noGrp="1"/>
+          </p:cNvSpPr>
+          <p:nvPr>
+            <p:ph type="body" sz="quarter" idx="13"/>
+          </p:nvPr>
+        </p:nvSpPr>
+        <p:spPr>
+          <a:xfrm>
+            <a:off x="677332" y="4013200"/>
+            <a:ext cx="8596669" cy="514248"/>
+          </a:xfrm>
+        </p:spPr>
+        <p:txBody>
+          <a:bodyPr anchor="b">
+            <a:noAutofit/>
+          </a:bodyPr>
+          <a:lstStyle>
+            <a:lvl1pPr marL="0" indent="0">
+              <a:buFontTx/>
+              <a:buNone/>
+              <a:defRPr sz="2400">
+                <a:solidFill>
+                  <a:schemeClr val="tx1">
+                    <a:lumMod val="75000"/>
+                    <a:lumOff val="25000"/>
+                  </a:schemeClr>
+                </a:solidFill>
+              </a:defRPr>
+            </a:lvl1pPr>
+            <a:lvl2pPr marL="457200" indent="0">
+              <a:buFontTx/>
+              <a:buNone/>
+              <a:defRPr/>
+            </a:lvl2pPr>
+            <a:lvl3pPr marL="914400" indent="0">
+              <a:buFontTx/>
+              <a:buNone/>
+              <a:defRPr/>
+            </a:lvl3pPr>
+            <a:lvl4pPr marL="1371600" indent="0">
+              <a:buFontTx/>
+              <a:buNone/>
+              <a:defRPr/>
+            </a:lvl4pPr>
+            <a:lvl5pPr marL="1828800" indent="0">
+              <a:buFontTx/>
+              <a:buNone/>
+              <a:defRPr/>
+            </a:lvl5pPr>
+          </a:lstStyle>
+          <a:p>
+            <a:pPr lvl="0"/>
+            <a:r>
+              <a:rPr lang="en-US" smtClean="0"/>
+              <a:t>Click to edit Master text styles</a:t>
+            </a:r>
+          </a:p>
+        </p:txBody>
+      </p:sp>
+      <p:sp>
+        <p:nvSpPr>
+          <p:cNvPr id="3" name="Text Placeholder 2"/>
+          <p:cNvSpPr>
+            <a:spLocks noGrp="1"/>
+          </p:cNvSpPr>
+          <p:nvPr>
+            <p:ph type="body" idx="1"/>
+          </p:nvPr>
+        </p:nvSpPr>
+        <p:spPr>
+          <a:xfrm>
+            <a:off x="677335" y="4527448"/>
+            <a:ext cx="8596668" cy="1513914"/>
+          </a:xfrm>
+        </p:spPr>
+        <p:txBody>
+          <a:bodyPr anchor="t">
+            <a:normAutofit/>
+          </a:bodyPr>
+          <a:lstStyle>
+            <a:lvl1pPr marL="0" indent="0" algn="l">
+              <a:buNone/>
+              <a:defRPr sz="1800">
+                <a:solidFill>
+                  <a:schemeClr val="tx1">
+                    <a:lumMod val="50000"/>
+                    <a:lumOff val="50000"/>
+                  </a:schemeClr>
+                </a:solidFill>
+              </a:defRPr>
+            </a:lvl1pPr>
+            <a:lvl2pPr marL="457200" indent="0">
+              <a:buNone/>
+              <a:defRPr sz="1800">
+                <a:solidFill>
+                  <a:schemeClr val="tx1">
+                    <a:tint val="75000"/>
+                  </a:schemeClr>
+                </a:solidFill>
+              </a:defRPr>
+            </a:lvl2pPr>
+            <a:lvl3pPr marL="914400" indent="0">
+              <a:buNone/>
+              <a:defRPr sz="1600">
+                <a:solidFill>
+                  <a:schemeClr val="tx1">
+                    <a:tint val="75000"/>
+                  </a:schemeClr>
+                </a:solidFill>
+              </a:defRPr>
+            </a:lvl3pPr>
+            <a:lvl4pPr marL="1371600" indent="0">
+              <a:buNone/>
+              <a:defRPr sz="1400">
+                <a:solidFill>
+                  <a:schemeClr val="tx1">
+                    <a:tint val="75000"/>
+                  </a:schemeClr>
+                </a:solidFill>
+              </a:defRPr>
+            </a:lvl4pPr>
+            <a:lvl5pPr marL="1828800" indent="0">
+              <a:buNone/>
+              <a:defRPr sz="1400">
+                <a:solidFill>
+                  <a:schemeClr val="tx1">
+                    <a:tint val="75000"/>
+                  </a:schemeClr>
+                </a:solidFill>
+              </a:defRPr>
+            </a:lvl5pPr>
+            <a:lvl6pPr marL="2286000" indent="0">
+              <a:buNone/>
+              <a:defRPr sz="1400">
+                <a:solidFill>
+                  <a:schemeClr val="tx1">
+                    <a:tint val="75000"/>
+                  </a:schemeClr>
+                </a:solidFill>
+              </a:defRPr>
+            </a:lvl6pPr>
+            <a:lvl7pPr marL="2743200" indent="0">
+              <a:buNone/>
+              <a:defRPr sz="1400">
+                <a:solidFill>
+                  <a:schemeClr val="tx1">
+                    <a:tint val="75000"/>
+                  </a:schemeClr>
+                </a:solidFill>
+              </a:defRPr>
+            </a:lvl7pPr>
+            <a:lvl8pPr marL="3200400" indent="0">
+              <a:buNone/>
+              <a:defRPr sz="1400">
+                <a:solidFill>
+                  <a:schemeClr val="tx1">
+                    <a:tint val="75000"/>
+                  </a:schemeClr>
+                </a:solidFill>
+              </a:defRPr>
+            </a:lvl8pPr>
+            <a:lvl9pPr marL="3657600" indent="0">
+              <a:buNone/>
+              <a:defRPr sz="1400">
+                <a:solidFill>
+                  <a:schemeClr val="tx1">
+                    <a:tint val="75000"/>
+                  </a:schemeClr>
+                </a:solidFill>
+              </a:defRPr>
+            </a:lvl9pPr>
+          </a:lstStyle>
+          <a:p>
+            <a:pPr lvl="0"/>
+            <a:r>
+              <a:rPr lang="en-US" smtClean="0"/>
+              <a:t>Click to edit Master text styles</a:t>
+            </a:r>
+          </a:p>
+        </p:txBody>
+      </p:sp>
+      <p:sp>
+        <p:nvSpPr>
+          <p:cNvPr id="4" name="Date Placeholder 3"/>
+          <p:cNvSpPr>
+            <a:spLocks noGrp="1"/>
+          </p:cNvSpPr>
+          <p:nvPr>
+            <p:ph type="dt" sz="half" idx="10"/>
+          </p:nvPr>
+        </p:nvSpPr>
+        <p:spPr/>
+        <p:txBody>
+          <a:bodyPr/>
+          <a:lstStyle/>
+          <a:p>
+            <a:fld id="{0FA3285A-3BF8-4E93-8A4F-3C436A480EC2}" type="datetimeFigureOut">
+              <a:rPr lang="en-GB" smtClean="0"/>
+              <a:t>30/11/2020</a:t>
+            </a:fld>
+            <a:endParaRPr lang="en-GB"/>
+          </a:p>
+        </p:txBody>
+      </p:sp>
+      <p:sp>
+        <p:nvSpPr>
+          <p:cNvPr id="5" name="Footer Placeholder 4"/>
+          <p:cNvSpPr>
+            <a:spLocks noGrp="1"/>
+          </p:cNvSpPr>
+          <p:nvPr>
+            <p:ph type="ftr" sz="quarter" idx="11"/>
+          </p:nvPr>
+        </p:nvSpPr>
+        <p:spPr/>
+        <p:txBody>
+          <a:bodyPr/>
+          <a:lstStyle/>
+          <a:p>
+            <a:endParaRPr lang="en-GB"/>
+          </a:p>
+        </p:txBody>
+      </p:sp>
+      <p:sp>
+        <p:nvSpPr>
+          <p:cNvPr id="6" name="Slide Number Placeholder 5"/>
+          <p:cNvSpPr>
+            <a:spLocks noGrp="1"/>
+          </p:cNvSpPr>
+          <p:nvPr>
+            <p:ph type="sldNum" sz="quarter" idx="12"/>
+          </p:nvPr>
+        </p:nvSpPr>
+        <p:spPr/>
+        <p:txBody>
+          <a:bodyPr/>
+          <a:lstStyle/>
+          <a:p>
+            <a:fld id="{1B80D510-81BF-4116-8778-0A1E4C57F434}" type="slidenum">
+              <a:rPr lang="en-GB" smtClean="0"/>
+              <a:t>‹#›</a:t>
+            </a:fld>
+            <a:endParaRPr lang="en-GB"/>
+          </a:p>
+        </p:txBody>
+      </p:sp>
+      <p:sp>
+        <p:nvSpPr>
+          <p:cNvPr id="24" name="TextBox 23"/>
+          <p:cNvSpPr txBox="1"/>
+          <p:nvPr/>
+        </p:nvSpPr>
+        <p:spPr>
+          <a:xfrm>
+            <a:off x="541870" y="790378"/>
+            <a:ext cx="609600" cy="584776"/>
+          </a:xfrm>
+          <a:prstGeom prst="rect">
+            <a:avLst/>
+          </a:prstGeom>
+        </p:spPr>
+        <p:txBody>
+          <a:bodyPr vert="horz" lIns="91440" tIns="45720" rIns="91440" bIns="45720" rtlCol="0" anchor="ctr">
+            <a:noAutofit/>
+          </a:bodyPr>
+          <a:lstStyle/>
+          <a:p>
+            <a:pPr lvl="0"/>
+            <a:r>
+              <a:rPr lang="en-US" sz="8000" baseline="0" dirty="0">
+                <a:ln w="3175" cmpd="sng">
+                  <a:noFill/>
+                </a:ln>
+                <a:solidFill>
+                  <a:schemeClr val="accent1">
+                    <a:lumMod val="60000"/>
+                    <a:lumOff val="40000"/>
+                  </a:schemeClr>
+                </a:solidFill>
+                <a:effectLst/>
+                <a:latin typeface="Arial"/>
+              </a:rPr>
+              <a:t>“</a:t>
+            </a:r>
+          </a:p>
+        </p:txBody>
+      </p:sp>
+      <p:sp>
+        <p:nvSpPr>
+          <p:cNvPr id="25" name="TextBox 24"/>
+          <p:cNvSpPr txBox="1"/>
+          <p:nvPr/>
+        </p:nvSpPr>
+        <p:spPr>
+          <a:xfrm>
+            <a:off x="8893011" y="2886556"/>
+            <a:ext cx="609600" cy="584776"/>
+          </a:xfrm>
+          <a:prstGeom prst="rect">
+            <a:avLst/>
+          </a:prstGeom>
+        </p:spPr>
+        <p:txBody>
+          <a:bodyPr vert="horz" lIns="91440" tIns="45720" rIns="91440" bIns="45720" rtlCol="0" anchor="ctr">
+            <a:noAutofit/>
+          </a:bodyPr>
+          <a:lstStyle/>
+          <a:p>
+            <a:pPr lvl="0"/>
+            <a:r>
+              <a:rPr lang="en-US" sz="8000" baseline="0" dirty="0">
+                <a:ln w="3175" cmpd="sng">
+                  <a:noFill/>
+                </a:ln>
+                <a:solidFill>
+                  <a:schemeClr val="accent1">
+                    <a:lumMod val="60000"/>
+                    <a:lumOff val="40000"/>
+                  </a:schemeClr>
+                </a:solidFill>
+                <a:effectLst/>
+                <a:latin typeface="Arial"/>
+              </a:rPr>
+              <a:t>”</a:t>
+            </a:r>
+          </a:p>
+        </p:txBody>
+      </p:sp>
+    </p:spTree>
+    <p:extLst>
+      <p:ext uri="{BB962C8B-B14F-4D97-AF65-F5344CB8AC3E}">
+        <p14:creationId xmlns:p14="http://schemas.microsoft.com/office/powerpoint/2010/main" val="3356924610"/>
+      </p:ext>
+    </p:extLst>
+  </p:cSld>
+  <p:clrMapOvr>
+    <a:masterClrMapping/>
+  </p:clrMapOvr>
+</p:sldLayout>
+</file>
+
+<file path=ppt/slideLayouts/slideLayout15.xml><?xml version="1.0" encoding="utf-8"?>
+<p:sldLayout xmlns:a="http://schemas.openxmlformats.org/drawingml/2006/main" xmlns:r="http://schemas.openxmlformats.org/officeDocument/2006/relationships" xmlns:p="http://schemas.openxmlformats.org/presentationml/2006/main" preserve="1">
+  <p:cSld name="True or False">
+    <p:spTree>
+      <p:nvGrpSpPr>
+        <p:cNvPr id="1" name=""/>
+        <p:cNvGrpSpPr/>
+        <p:nvPr/>
+      </p:nvGrpSpPr>
+      <p:grpSpPr>
+        <a:xfrm>
+          <a:off x="0" y="0"/>
+          <a:ext cx="0" cy="0"/>
+          <a:chOff x="0" y="0"/>
+          <a:chExt cx="0" cy="0"/>
+        </a:xfrm>
+      </p:grpSpPr>
+      <p:sp>
+        <p:nvSpPr>
+          <p:cNvPr id="2" name="Title 1"/>
+          <p:cNvSpPr>
+            <a:spLocks noGrp="1"/>
+          </p:cNvSpPr>
+          <p:nvPr>
+            <p:ph type="title"/>
+          </p:nvPr>
+        </p:nvSpPr>
+        <p:spPr>
+          <a:xfrm>
+            <a:off x="685799" y="609600"/>
+            <a:ext cx="8588203" cy="3022600"/>
+          </a:xfrm>
+        </p:spPr>
+        <p:txBody>
+          <a:bodyPr anchor="ctr">
+            <a:normAutofit/>
+          </a:bodyPr>
+          <a:lstStyle>
+            <a:lvl1pPr algn="l">
+              <a:defRPr sz="4400" b="0" cap="none"/>
+            </a:lvl1pPr>
+          </a:lstStyle>
+          <a:p>
+            <a:r>
+              <a:rPr lang="en-US" smtClean="0"/>
+              <a:t>Click to edit Master title style</a:t>
+            </a:r>
+            <a:endParaRPr lang="en-US" dirty="0"/>
+          </a:p>
+        </p:txBody>
+      </p:sp>
+      <p:sp>
+        <p:nvSpPr>
+          <p:cNvPr id="23" name="Text Placeholder 9"/>
+          <p:cNvSpPr>
+            <a:spLocks noGrp="1"/>
+          </p:cNvSpPr>
+          <p:nvPr>
+            <p:ph type="body" sz="quarter" idx="13"/>
+          </p:nvPr>
+        </p:nvSpPr>
+        <p:spPr>
+          <a:xfrm>
+            <a:off x="677332" y="4013200"/>
+            <a:ext cx="8596669" cy="514248"/>
+          </a:xfrm>
+        </p:spPr>
+        <p:txBody>
+          <a:bodyPr anchor="b">
+            <a:noAutofit/>
+          </a:bodyPr>
+          <a:lstStyle>
+            <a:lvl1pPr marL="0" indent="0">
+              <a:buFontTx/>
+              <a:buNone/>
+              <a:defRPr sz="2400">
+                <a:solidFill>
+                  <a:schemeClr val="accent1"/>
+                </a:solidFill>
+              </a:defRPr>
+            </a:lvl1pPr>
+            <a:lvl2pPr marL="457200" indent="0">
+              <a:buFontTx/>
+              <a:buNone/>
+              <a:defRPr/>
+            </a:lvl2pPr>
+            <a:lvl3pPr marL="914400" indent="0">
+              <a:buFontTx/>
+              <a:buNone/>
+              <a:defRPr/>
+            </a:lvl3pPr>
+            <a:lvl4pPr marL="1371600" indent="0">
+              <a:buFontTx/>
+              <a:buNone/>
+              <a:defRPr/>
+            </a:lvl4pPr>
+            <a:lvl5pPr marL="1828800" indent="0">
+              <a:buFontTx/>
+              <a:buNone/>
+              <a:defRPr/>
+            </a:lvl5pPr>
+          </a:lstStyle>
+          <a:p>
+            <a:pPr lvl="0"/>
+            <a:r>
+              <a:rPr lang="en-US" smtClean="0"/>
+              <a:t>Click to edit Master text styles</a:t>
+            </a:r>
+          </a:p>
+        </p:txBody>
+      </p:sp>
+      <p:sp>
+        <p:nvSpPr>
+          <p:cNvPr id="3" name="Text Placeholder 2"/>
+          <p:cNvSpPr>
+            <a:spLocks noGrp="1"/>
+          </p:cNvSpPr>
+          <p:nvPr>
+            <p:ph type="body" idx="1"/>
+          </p:nvPr>
+        </p:nvSpPr>
+        <p:spPr>
+          <a:xfrm>
+            <a:off x="677335" y="4527448"/>
+            <a:ext cx="8596668" cy="1513914"/>
+          </a:xfrm>
+        </p:spPr>
+        <p:txBody>
+          <a:bodyPr anchor="t">
+            <a:normAutofit/>
+          </a:bodyPr>
+          <a:lstStyle>
+            <a:lvl1pPr marL="0" indent="0" algn="l">
+              <a:buNone/>
+              <a:defRPr sz="1800">
+                <a:solidFill>
+                  <a:schemeClr val="tx1">
+                    <a:lumMod val="50000"/>
+                    <a:lumOff val="50000"/>
+                  </a:schemeClr>
+                </a:solidFill>
+              </a:defRPr>
+            </a:lvl1pPr>
+            <a:lvl2pPr marL="457200" indent="0">
+              <a:buNone/>
+              <a:defRPr sz="1800">
+                <a:solidFill>
+                  <a:schemeClr val="tx1">
+                    <a:tint val="75000"/>
+                  </a:schemeClr>
+                </a:solidFill>
+              </a:defRPr>
+            </a:lvl2pPr>
+            <a:lvl3pPr marL="914400" indent="0">
+              <a:buNone/>
+              <a:defRPr sz="1600">
+                <a:solidFill>
+                  <a:schemeClr val="tx1">
+                    <a:tint val="75000"/>
+                  </a:schemeClr>
+                </a:solidFill>
+              </a:defRPr>
+            </a:lvl3pPr>
+            <a:lvl4pPr marL="1371600" indent="0">
+              <a:buNone/>
+              <a:defRPr sz="1400">
+                <a:solidFill>
+                  <a:schemeClr val="tx1">
+                    <a:tint val="75000"/>
+                  </a:schemeClr>
+                </a:solidFill>
+              </a:defRPr>
+            </a:lvl4pPr>
+            <a:lvl5pPr marL="1828800" indent="0">
+              <a:buNone/>
+              <a:defRPr sz="1400">
+                <a:solidFill>
+                  <a:schemeClr val="tx1">
+                    <a:tint val="75000"/>
+                  </a:schemeClr>
+                </a:solidFill>
+              </a:defRPr>
+            </a:lvl5pPr>
+            <a:lvl6pPr marL="2286000" indent="0">
+              <a:buNone/>
+              <a:defRPr sz="1400">
+                <a:solidFill>
+                  <a:schemeClr val="tx1">
+                    <a:tint val="75000"/>
+                  </a:schemeClr>
+                </a:solidFill>
+              </a:defRPr>
+            </a:lvl6pPr>
+            <a:lvl7pPr marL="2743200" indent="0">
+              <a:buNone/>
+              <a:defRPr sz="1400">
+                <a:solidFill>
+                  <a:schemeClr val="tx1">
+                    <a:tint val="75000"/>
+                  </a:schemeClr>
+                </a:solidFill>
+              </a:defRPr>
+            </a:lvl7pPr>
+            <a:lvl8pPr marL="3200400" indent="0">
+              <a:buNone/>
+              <a:defRPr sz="1400">
+                <a:solidFill>
+                  <a:schemeClr val="tx1">
+                    <a:tint val="75000"/>
+                  </a:schemeClr>
+                </a:solidFill>
+              </a:defRPr>
+            </a:lvl8pPr>
+            <a:lvl9pPr marL="3657600" indent="0">
+              <a:buNone/>
+              <a:defRPr sz="1400">
+                <a:solidFill>
+                  <a:schemeClr val="tx1">
+                    <a:tint val="75000"/>
+                  </a:schemeClr>
+                </a:solidFill>
+              </a:defRPr>
+            </a:lvl9pPr>
+          </a:lstStyle>
+          <a:p>
+            <a:pPr lvl="0"/>
+            <a:r>
+              <a:rPr lang="en-US" smtClean="0"/>
+              <a:t>Click to edit Master text styles</a:t>
+            </a:r>
+          </a:p>
+        </p:txBody>
+      </p:sp>
+      <p:sp>
+        <p:nvSpPr>
+          <p:cNvPr id="4" name="Date Placeholder 3"/>
+          <p:cNvSpPr>
+            <a:spLocks noGrp="1"/>
+          </p:cNvSpPr>
+          <p:nvPr>
+            <p:ph type="dt" sz="half" idx="10"/>
+          </p:nvPr>
+        </p:nvSpPr>
+        <p:spPr/>
+        <p:txBody>
+          <a:bodyPr/>
+          <a:lstStyle/>
+          <a:p>
+            <a:fld id="{0FA3285A-3BF8-4E93-8A4F-3C436A480EC2}" type="datetimeFigureOut">
+              <a:rPr lang="en-GB" smtClean="0"/>
+              <a:t>30/11/2020</a:t>
+            </a:fld>
+            <a:endParaRPr lang="en-GB"/>
+          </a:p>
+        </p:txBody>
+      </p:sp>
+      <p:sp>
+        <p:nvSpPr>
+          <p:cNvPr id="5" name="Footer Placeholder 4"/>
+          <p:cNvSpPr>
+            <a:spLocks noGrp="1"/>
+          </p:cNvSpPr>
+          <p:nvPr>
+            <p:ph type="ftr" sz="quarter" idx="11"/>
+          </p:nvPr>
+        </p:nvSpPr>
+        <p:spPr/>
+        <p:txBody>
+          <a:bodyPr/>
+          <a:lstStyle/>
+          <a:p>
+            <a:endParaRPr lang="en-GB"/>
+          </a:p>
+        </p:txBody>
+      </p:sp>
+      <p:sp>
+        <p:nvSpPr>
+          <p:cNvPr id="6" name="Slide Number Placeholder 5"/>
+          <p:cNvSpPr>
+            <a:spLocks noGrp="1"/>
+          </p:cNvSpPr>
+          <p:nvPr>
+            <p:ph type="sldNum" sz="quarter" idx="12"/>
+          </p:nvPr>
+        </p:nvSpPr>
+        <p:spPr/>
+        <p:txBody>
+          <a:bodyPr/>
+          <a:lstStyle/>
+          <a:p>
+            <a:fld id="{1B80D510-81BF-4116-8778-0A1E4C57F434}" type="slidenum">
+              <a:rPr lang="en-GB" smtClean="0"/>
+              <a:t>‹#›</a:t>
+            </a:fld>
+            <a:endParaRPr lang="en-GB"/>
+          </a:p>
+        </p:txBody>
+      </p:sp>
+    </p:spTree>
+    <p:extLst>
+      <p:ext uri="{BB962C8B-B14F-4D97-AF65-F5344CB8AC3E}">
+        <p14:creationId xmlns:p14="http://schemas.microsoft.com/office/powerpoint/2010/main" val="549410577"/>
+      </p:ext>
+    </p:extLst>
+  </p:cSld>
+  <p:clrMapOvr>
+    <a:masterClrMapping/>
+  </p:clrMapOvr>
+</p:sldLayout>
+</file>
+
+<file path=ppt/slideLayouts/slideLayout16.xml><?xml version="1.0" encoding="utf-8"?>
 <p:sldLayout xmlns:a="http://schemas.openxmlformats.org/drawingml/2006/main" xmlns:r="http://schemas.openxmlformats.org/officeDocument/2006/relationships" xmlns:p="http://schemas.openxmlformats.org/presentationml/2006/main" type="vertTx" preserve="1">
   <p:cSld name="Title and Vertical Text">
     <p:spTree>
@@ -348,7 +2820,7 @@
               <a:rPr lang="en-US" smtClean="0"/>
               <a:t>Click to edit Master title style</a:t>
             </a:r>
-            <a:endParaRPr lang="en-GB"/>
+            <a:endParaRPr lang="en-US" dirty="0"/>
           </a:p>
         </p:txBody>
       </p:sp>
@@ -400,7 +2872,7 @@
               <a:rPr lang="en-US" smtClean="0"/>
               <a:t>Fifth level</a:t>
             </a:r>
-            <a:endParaRPr lang="en-GB"/>
+            <a:endParaRPr lang="en-US" dirty="0"/>
           </a:p>
         </p:txBody>
       </p:sp>
@@ -472,7 +2944,7 @@
     </p:spTree>
     <p:extLst>
       <p:ext uri="{BB962C8B-B14F-4D97-AF65-F5344CB8AC3E}">
-        <p14:creationId xmlns:p14="http://schemas.microsoft.com/office/powerpoint/2010/main" val="1168062541"/>
+        <p14:creationId xmlns:p14="http://schemas.microsoft.com/office/powerpoint/2010/main" val="2134424795"/>
       </p:ext>
     </p:extLst>
   </p:cSld>
@@ -482,7 +2954,7 @@
 </p:sldLayout>
 </file>
 
-<file path=ppt/slideLayouts/slideLayout11.xml><?xml version="1.0" encoding="utf-8"?>
+<file path=ppt/slideLayouts/slideLayout17.xml><?xml version="1.0" encoding="utf-8"?>
 <p:sldLayout xmlns:a="http://schemas.openxmlformats.org/drawingml/2006/main" xmlns:r="http://schemas.openxmlformats.org/officeDocument/2006/relationships" xmlns:p="http://schemas.openxmlformats.org/presentationml/2006/main" type="vertTitleAndTx" preserve="1">
   <p:cSld name="Vertical Title and Text">
     <p:spTree>
@@ -511,42 +2983,42 @@
         </p:nvSpPr>
         <p:spPr>
           <a:xfrm>
-            <a:off x="8724900" y="365125"/>
-            <a:ext cx="2628900" cy="5811838"/>
+            <a:off x="7967673" y="609599"/>
+            <a:ext cx="1304743" cy="5251451"/>
           </a:xfrm>
         </p:spPr>
         <p:txBody>
+          <a:bodyPr vert="eaVert" anchor="ctr"/>
+          <a:lstStyle/>
+          <a:p>
+            <a:r>
+              <a:rPr lang="en-US" smtClean="0"/>
+              <a:t>Click to edit Master title style</a:t>
+            </a:r>
+            <a:endParaRPr lang="en-US" dirty="0"/>
+          </a:p>
+        </p:txBody>
+      </p:sp>
+      <p:sp>
+        <p:nvSpPr>
+          <p:cNvPr id="3" name="Vertical Text Placeholder 2"/>
+          <p:cNvSpPr>
+            <a:spLocks noGrp="1"/>
+          </p:cNvSpPr>
+          <p:nvPr>
+            <p:ph type="body" orient="vert" idx="1"/>
+          </p:nvPr>
+        </p:nvSpPr>
+        <p:spPr>
+          <a:xfrm>
+            <a:off x="677335" y="609600"/>
+            <a:ext cx="7060150" cy="5251450"/>
+          </a:xfrm>
+        </p:spPr>
+        <p:txBody>
           <a:bodyPr vert="eaVert"/>
           <a:lstStyle/>
           <a:p>
-            <a:r>
-              <a:rPr lang="en-US" smtClean="0"/>
-              <a:t>Click to edit Master title style</a:t>
-            </a:r>
-            <a:endParaRPr lang="en-GB"/>
-          </a:p>
-        </p:txBody>
-      </p:sp>
-      <p:sp>
-        <p:nvSpPr>
-          <p:cNvPr id="3" name="Vertical Text Placeholder 2"/>
-          <p:cNvSpPr>
-            <a:spLocks noGrp="1"/>
-          </p:cNvSpPr>
-          <p:nvPr>
-            <p:ph type="body" orient="vert" idx="1"/>
-          </p:nvPr>
-        </p:nvSpPr>
-        <p:spPr>
-          <a:xfrm>
-            <a:off x="838200" y="365125"/>
-            <a:ext cx="7734300" cy="5811838"/>
-          </a:xfrm>
-        </p:spPr>
-        <p:txBody>
-          <a:bodyPr vert="eaVert"/>
-          <a:lstStyle/>
-          <a:p>
             <a:pPr lvl="0"/>
             <a:r>
               <a:rPr lang="en-US" smtClean="0"/>
@@ -580,7 +3052,7 @@
               <a:rPr lang="en-US" smtClean="0"/>
               <a:t>Fifth level</a:t>
             </a:r>
-            <a:endParaRPr lang="en-GB"/>
+            <a:endParaRPr lang="en-US" dirty="0"/>
           </a:p>
         </p:txBody>
       </p:sp>
@@ -652,7 +3124,213 @@
     </p:spTree>
     <p:extLst>
       <p:ext uri="{BB962C8B-B14F-4D97-AF65-F5344CB8AC3E}">
-        <p14:creationId xmlns:p14="http://schemas.microsoft.com/office/powerpoint/2010/main" val="2487740520"/>
+        <p14:creationId xmlns:p14="http://schemas.microsoft.com/office/powerpoint/2010/main" val="3697588650"/>
+      </p:ext>
+    </p:extLst>
+  </p:cSld>
+  <p:clrMapOvr>
+    <a:masterClrMapping/>
+  </p:clrMapOvr>
+</p:sldLayout>
+</file>
+
+<file path=ppt/slideLayouts/slideLayout18.xml><?xml version="1.0" encoding="utf-8"?>
+<p:sldLayout xmlns:a="http://schemas.openxmlformats.org/drawingml/2006/main" xmlns:r="http://schemas.openxmlformats.org/officeDocument/2006/relationships" xmlns:p="http://schemas.openxmlformats.org/presentationml/2006/main" preserve="1" userDrawn="1">
+  <p:cSld name="1_Title Only">
+    <p:spTree>
+      <p:nvGrpSpPr>
+        <p:cNvPr id="1" name=""/>
+        <p:cNvGrpSpPr/>
+        <p:nvPr/>
+      </p:nvGrpSpPr>
+      <p:grpSpPr>
+        <a:xfrm>
+          <a:off x="0" y="0"/>
+          <a:ext cx="0" cy="0"/>
+          <a:chOff x="0" y="0"/>
+          <a:chExt cx="0" cy="0"/>
+        </a:xfrm>
+      </p:grpSpPr>
+      <p:sp>
+        <p:nvSpPr>
+          <p:cNvPr id="2" name="Title 1"/>
+          <p:cNvSpPr>
+            <a:spLocks noGrp="1"/>
+          </p:cNvSpPr>
+          <p:nvPr>
+            <p:ph type="title"/>
+          </p:nvPr>
+        </p:nvSpPr>
+        <p:spPr/>
+        <p:txBody>
+          <a:bodyPr>
+            <a:normAutofit/>
+          </a:bodyPr>
+          <a:lstStyle>
+            <a:lvl1pPr>
+              <a:defRPr lang="en-GB" sz="3200" b="1" kern="1200" dirty="0">
+                <a:solidFill>
+                  <a:schemeClr val="tx1"/>
+                </a:solidFill>
+                <a:latin typeface="+mj-lt"/>
+                <a:ea typeface="+mj-ea"/>
+                <a:cs typeface="+mj-cs"/>
+              </a:defRPr>
+            </a:lvl1pPr>
+          </a:lstStyle>
+          <a:p>
+            <a:r>
+              <a:rPr lang="en-US" smtClean="0"/>
+              <a:t>Click to edit Master title style</a:t>
+            </a:r>
+            <a:endParaRPr lang="en-GB" dirty="0"/>
+          </a:p>
+        </p:txBody>
+      </p:sp>
+      <p:sp>
+        <p:nvSpPr>
+          <p:cNvPr id="3" name="Date Placeholder 2"/>
+          <p:cNvSpPr>
+            <a:spLocks noGrp="1"/>
+          </p:cNvSpPr>
+          <p:nvPr>
+            <p:ph type="dt" sz="half" idx="10"/>
+          </p:nvPr>
+        </p:nvSpPr>
+        <p:spPr/>
+        <p:txBody>
+          <a:bodyPr/>
+          <a:lstStyle/>
+          <a:p>
+            <a:fld id="{0FA3285A-3BF8-4E93-8A4F-3C436A480EC2}" type="datetimeFigureOut">
+              <a:rPr lang="en-GB" smtClean="0"/>
+              <a:t>30/11/2020</a:t>
+            </a:fld>
+            <a:endParaRPr lang="en-GB"/>
+          </a:p>
+        </p:txBody>
+      </p:sp>
+      <p:sp>
+        <p:nvSpPr>
+          <p:cNvPr id="4" name="Footer Placeholder 3"/>
+          <p:cNvSpPr>
+            <a:spLocks noGrp="1"/>
+          </p:cNvSpPr>
+          <p:nvPr>
+            <p:ph type="ftr" sz="quarter" idx="11"/>
+          </p:nvPr>
+        </p:nvSpPr>
+        <p:spPr/>
+        <p:txBody>
+          <a:bodyPr/>
+          <a:lstStyle/>
+          <a:p>
+            <a:endParaRPr lang="en-GB"/>
+          </a:p>
+        </p:txBody>
+      </p:sp>
+      <p:sp>
+        <p:nvSpPr>
+          <p:cNvPr id="5" name="Slide Number Placeholder 4"/>
+          <p:cNvSpPr>
+            <a:spLocks noGrp="1"/>
+          </p:cNvSpPr>
+          <p:nvPr>
+            <p:ph type="sldNum" sz="quarter" idx="12"/>
+          </p:nvPr>
+        </p:nvSpPr>
+        <p:spPr/>
+        <p:txBody>
+          <a:bodyPr/>
+          <a:lstStyle/>
+          <a:p>
+            <a:fld id="{1B80D510-81BF-4116-8778-0A1E4C57F434}" type="slidenum">
+              <a:rPr lang="en-GB" smtClean="0"/>
+              <a:t>‹#›</a:t>
+            </a:fld>
+            <a:endParaRPr lang="en-GB"/>
+          </a:p>
+        </p:txBody>
+      </p:sp>
+      <p:sp>
+        <p:nvSpPr>
+          <p:cNvPr id="7" name="Content Placeholder 2"/>
+          <p:cNvSpPr>
+            <a:spLocks noGrp="1"/>
+          </p:cNvSpPr>
+          <p:nvPr>
+            <p:ph idx="13"/>
+          </p:nvPr>
+        </p:nvSpPr>
+        <p:spPr>
+          <a:xfrm>
+            <a:off x="838200" y="1825625"/>
+            <a:ext cx="10515600" cy="1624965"/>
+          </a:xfrm>
+        </p:spPr>
+        <p:txBody>
+          <a:bodyPr>
+            <a:noAutofit/>
+          </a:bodyPr>
+          <a:lstStyle>
+            <a:lvl1pPr>
+              <a:defRPr sz="1400"/>
+            </a:lvl1pPr>
+            <a:lvl2pPr>
+              <a:defRPr sz="1400"/>
+            </a:lvl2pPr>
+            <a:lvl3pPr>
+              <a:defRPr sz="1400"/>
+            </a:lvl3pPr>
+            <a:lvl4pPr>
+              <a:defRPr sz="1400"/>
+            </a:lvl4pPr>
+            <a:lvl5pPr>
+              <a:defRPr sz="1400"/>
+            </a:lvl5pPr>
+          </a:lstStyle>
+          <a:p>
+            <a:pPr lvl="0"/>
+            <a:r>
+              <a:rPr lang="en-US" dirty="0" smtClean="0"/>
+              <a:t>Click to edit Master text styles</a:t>
+            </a:r>
+          </a:p>
+          <a:p>
+            <a:pPr lvl="1"/>
+            <a:r>
+              <a:rPr lang="en-US" dirty="0" smtClean="0"/>
+              <a:t>Second level</a:t>
+            </a:r>
+          </a:p>
+          <a:p>
+            <a:pPr lvl="2"/>
+            <a:r>
+              <a:rPr lang="en-US" dirty="0" smtClean="0"/>
+              <a:t>Third level</a:t>
+            </a:r>
+          </a:p>
+          <a:p>
+            <a:pPr lvl="3"/>
+            <a:r>
+              <a:rPr lang="en-US" dirty="0" smtClean="0"/>
+              <a:t>Fourth level</a:t>
+            </a:r>
+          </a:p>
+          <a:p>
+            <a:pPr lvl="4"/>
+            <a:r>
+              <a:rPr lang="en-US" dirty="0" smtClean="0"/>
+              <a:t>Fifth level</a:t>
+            </a:r>
+            <a:endParaRPr lang="en-GB" dirty="0"/>
+          </a:p>
+        </p:txBody>
+      </p:sp>
+    </p:spTree>
+    <p:extLst>
+      <p:ext uri="{BB962C8B-B14F-4D97-AF65-F5344CB8AC3E}">
+        <p14:creationId xmlns:p14="http://schemas.microsoft.com/office/powerpoint/2010/main" val="562431197"/>
       </p:ext>
     </p:extLst>
   </p:cSld>
@@ -689,22 +3367,27 @@
             <p:ph type="title"/>
           </p:nvPr>
         </p:nvSpPr>
-        <p:spPr/>
+        <p:spPr>
+          <a:xfrm>
+            <a:off x="677334" y="609600"/>
+            <a:ext cx="8596668" cy="659130"/>
+          </a:xfrm>
+        </p:spPr>
         <p:txBody>
           <a:bodyPr>
             <a:normAutofit/>
           </a:bodyPr>
           <a:lstStyle>
             <a:lvl1pPr>
-              <a:defRPr sz="3200" b="1"/>
+              <a:defRPr sz="3600"/>
             </a:lvl1pPr>
           </a:lstStyle>
           <a:p>
             <a:r>
-              <a:rPr lang="en-US" dirty="0" smtClean="0"/>
+              <a:rPr lang="en-US" smtClean="0"/>
               <a:t>Click to edit Master title style</a:t>
             </a:r>
-            <a:endParaRPr lang="en-GB" dirty="0"/>
+            <a:endParaRPr lang="en-US" dirty="0"/>
           </a:p>
         </p:txBody>
       </p:sp>
@@ -718,26 +3401,71 @@
             <p:ph idx="1"/>
           </p:nvPr>
         </p:nvSpPr>
-        <p:spPr/>
+        <p:spPr>
+          <a:xfrm>
+            <a:off x="677334" y="1428751"/>
+            <a:ext cx="8596668" cy="4612612"/>
+          </a:xfrm>
+        </p:spPr>
         <p:txBody>
           <a:bodyPr>
             <a:normAutofit/>
           </a:bodyPr>
           <a:lstStyle>
-            <a:lvl1pPr marL="446088" indent="-446088">
-              <a:defRPr sz="2000"/>
+            <a:lvl1pPr>
+              <a:defRPr sz="1400"/>
             </a:lvl1pPr>
-            <a:lvl2pPr marL="446088" indent="-446088">
-              <a:defRPr sz="2000"/>
+            <a:lvl2pPr marL="354013" indent="-354013">
+              <a:defRPr lang="en-US" sz="1400" kern="1200" dirty="0" smtClean="0">
+                <a:solidFill>
+                  <a:schemeClr val="tx1">
+                    <a:lumMod val="75000"/>
+                    <a:lumOff val="25000"/>
+                  </a:schemeClr>
+                </a:solidFill>
+                <a:latin typeface="+mn-lt"/>
+                <a:ea typeface="+mn-ea"/>
+                <a:cs typeface="+mn-cs"/>
+              </a:defRPr>
             </a:lvl2pPr>
-            <a:lvl3pPr marL="446088" indent="-446088">
-              <a:defRPr sz="2000"/>
+            <a:lvl3pPr>
+              <a:defRPr lang="en-US" sz="1400" kern="1200" dirty="0" smtClean="0">
+                <a:solidFill>
+                  <a:schemeClr val="tx1">
+                    <a:lumMod val="75000"/>
+                    <a:lumOff val="25000"/>
+                  </a:schemeClr>
+                </a:solidFill>
+                <a:latin typeface="+mn-lt"/>
+                <a:ea typeface="+mn-ea"/>
+                <a:cs typeface="+mn-cs"/>
+              </a:defRPr>
             </a:lvl3pPr>
-            <a:lvl4pPr marL="446088" indent="-446088">
-              <a:defRPr sz="2000"/>
+            <a:lvl4pPr>
+              <a:defRPr lang="en-US" sz="1400" kern="1200" dirty="0" smtClean="0">
+                <a:solidFill>
+                  <a:schemeClr val="tx1">
+                    <a:lumMod val="75000"/>
+                    <a:lumOff val="25000"/>
+                  </a:schemeClr>
+                </a:solidFill>
+                <a:latin typeface="+mn-lt"/>
+                <a:ea typeface="+mn-ea"/>
+                <a:cs typeface="+mn-cs"/>
+              </a:defRPr>
             </a:lvl4pPr>
-            <a:lvl5pPr marL="446088" indent="-446088">
-              <a:defRPr sz="2000"/>
+            <a:lvl5pPr>
+              <a:defRPr lang="en-US" sz="1400" kern="1200" dirty="0">
+                <a:solidFill>
+                  <a:schemeClr val="tx1">
+                    <a:lumMod val="75000"/>
+                    <a:lumOff val="25000"/>
+                  </a:schemeClr>
+                </a:solidFill>
+                <a:latin typeface="+mn-lt"/>
+                <a:ea typeface="+mn-ea"/>
+                <a:cs typeface="+mn-cs"/>
+              </a:defRPr>
             </a:lvl5pPr>
           </a:lstStyle>
           <a:p>
@@ -774,7 +3502,7 @@
               <a:rPr lang="en-US" smtClean="0"/>
               <a:t>Fifth level</a:t>
             </a:r>
-            <a:endParaRPr lang="en-GB" dirty="0"/>
+            <a:endParaRPr lang="en-US" dirty="0"/>
           </a:p>
         </p:txBody>
       </p:sp>
@@ -846,19 +3574,35 @@
     </p:spTree>
     <p:extLst>
       <p:ext uri="{BB962C8B-B14F-4D97-AF65-F5344CB8AC3E}">
-        <p14:creationId xmlns:p14="http://schemas.microsoft.com/office/powerpoint/2010/main" val="1724923069"/>
+        <p14:creationId xmlns:p14="http://schemas.microsoft.com/office/powerpoint/2010/main" val="2593038458"/>
       </p:ext>
     </p:extLst>
   </p:cSld>
   <p:clrMapOvr>
     <a:masterClrMapping/>
   </p:clrMapOvr>
+  <p:extLst mod="1">
+    <p:ext uri="{DCECCB84-F9BA-43D5-87BE-67443E8EF086}">
+      <p15:sldGuideLst xmlns:p15="http://schemas.microsoft.com/office/powerpoint/2012/main">
+        <p15:guide id="1" orient="horz" pos="890" userDrawn="1">
+          <p15:clr>
+            <a:srgbClr val="FBAE40"/>
+          </p15:clr>
+        </p15:guide>
+        <p15:guide id="2" pos="3840" userDrawn="1">
+          <p15:clr>
+            <a:srgbClr val="FBAE40"/>
+          </p15:clr>
+        </p15:guide>
+      </p15:sldGuideLst>
+    </p:ext>
+  </p:extLst>
 </p:sldLayout>
 </file>
 
 <file path=ppt/slideLayouts/slideLayout3.xml><?xml version="1.0" encoding="utf-8"?>
 <p:sldLayout xmlns:a="http://schemas.openxmlformats.org/drawingml/2006/main" xmlns:r="http://schemas.openxmlformats.org/officeDocument/2006/relationships" xmlns:p="http://schemas.openxmlformats.org/presentationml/2006/main" preserve="1" userDrawn="1">
-  <p:cSld name="Title Only">
+  <p:cSld name="1_Title and Content">
     <p:spTree>
       <p:nvGrpSpPr>
         <p:cNvPr id="1" name=""/>
@@ -883,35 +3627,33 @@
             <p:ph type="title"/>
           </p:nvPr>
         </p:nvSpPr>
-        <p:spPr/>
+        <p:spPr>
+          <a:xfrm>
+            <a:off x="677334" y="609600"/>
+            <a:ext cx="8596668" cy="659130"/>
+          </a:xfrm>
+        </p:spPr>
         <p:txBody>
           <a:bodyPr>
             <a:normAutofit/>
           </a:bodyPr>
           <a:lstStyle>
             <a:lvl1pPr>
-              <a:defRPr lang="en-GB" sz="3200" b="1" kern="1200" dirty="0">
-                <a:solidFill>
-                  <a:schemeClr val="tx1"/>
-                </a:solidFill>
-                <a:latin typeface="+mj-lt"/>
-                <a:ea typeface="+mj-ea"/>
-                <a:cs typeface="+mj-cs"/>
-              </a:defRPr>
+              <a:defRPr sz="3600"/>
             </a:lvl1pPr>
           </a:lstStyle>
           <a:p>
             <a:r>
-              <a:rPr lang="en-US" dirty="0" smtClean="0"/>
+              <a:rPr lang="en-US" smtClean="0"/>
               <a:t>Click to edit Master title style</a:t>
             </a:r>
-            <a:endParaRPr lang="en-GB" dirty="0"/>
-          </a:p>
-        </p:txBody>
-      </p:sp>
-      <p:sp>
-        <p:nvSpPr>
-          <p:cNvPr id="3" name="Date Placeholder 2"/>
+            <a:endParaRPr lang="en-US" dirty="0"/>
+          </a:p>
+        </p:txBody>
+      </p:sp>
+      <p:sp>
+        <p:nvSpPr>
+          <p:cNvPr id="4" name="Date Placeholder 3"/>
           <p:cNvSpPr>
             <a:spLocks noGrp="1"/>
           </p:cNvSpPr>
@@ -934,7 +3676,7 @@
       </p:sp>
       <p:sp>
         <p:nvSpPr>
-          <p:cNvPr id="4" name="Footer Placeholder 3"/>
+          <p:cNvPr id="5" name="Footer Placeholder 4"/>
           <p:cNvSpPr>
             <a:spLocks noGrp="1"/>
           </p:cNvSpPr>
@@ -953,7 +3695,7 @@
       </p:sp>
       <p:sp>
         <p:nvSpPr>
-          <p:cNvPr id="5" name="Slide Number Placeholder 4"/>
+          <p:cNvPr id="6" name="Slide Number Placeholder 5"/>
           <p:cNvSpPr>
             <a:spLocks noGrp="1"/>
           </p:cNvSpPr>
@@ -974,156 +3716,440 @@
           </a:p>
         </p:txBody>
       </p:sp>
-      <p:sp>
-        <p:nvSpPr>
-          <p:cNvPr id="6" name="Picture Placeholder 2"/>
-          <p:cNvSpPr>
-            <a:spLocks noGrp="1"/>
-          </p:cNvSpPr>
-          <p:nvPr>
-            <p:ph type="pic" idx="1"/>
-          </p:nvPr>
-        </p:nvSpPr>
-        <p:spPr>
-          <a:xfrm>
-            <a:off x="838200" y="3577590"/>
-            <a:ext cx="4156710" cy="2651760"/>
-          </a:xfrm>
-        </p:spPr>
-        <p:txBody>
-          <a:bodyPr/>
-          <a:lstStyle>
-            <a:lvl1pPr marL="0" indent="0">
-              <a:buNone/>
-              <a:defRPr sz="3200"/>
-            </a:lvl1pPr>
-            <a:lvl2pPr marL="457200" indent="0">
-              <a:buNone/>
-              <a:defRPr sz="2800"/>
-            </a:lvl2pPr>
-            <a:lvl3pPr marL="914400" indent="0">
-              <a:buNone/>
-              <a:defRPr sz="2400"/>
-            </a:lvl3pPr>
-            <a:lvl4pPr marL="1371600" indent="0">
-              <a:buNone/>
-              <a:defRPr sz="2000"/>
-            </a:lvl4pPr>
-            <a:lvl5pPr marL="1828800" indent="0">
-              <a:buNone/>
-              <a:defRPr sz="2000"/>
-            </a:lvl5pPr>
-            <a:lvl6pPr marL="2286000" indent="0">
-              <a:buNone/>
-              <a:defRPr sz="2000"/>
-            </a:lvl6pPr>
-            <a:lvl7pPr marL="2743200" indent="0">
-              <a:buNone/>
-              <a:defRPr sz="2000"/>
-            </a:lvl7pPr>
-            <a:lvl8pPr marL="3200400" indent="0">
-              <a:buNone/>
-              <a:defRPr sz="2000"/>
-            </a:lvl8pPr>
-            <a:lvl9pPr marL="3657600" indent="0">
-              <a:buNone/>
-              <a:defRPr sz="2000"/>
-            </a:lvl9pPr>
-          </a:lstStyle>
-          <a:p>
-            <a:r>
-              <a:rPr lang="en-US" smtClean="0"/>
-              <a:t>Click icon to add picture</a:t>
-            </a:r>
-            <a:endParaRPr lang="en-GB" dirty="0"/>
-          </a:p>
-        </p:txBody>
-      </p:sp>
-      <p:sp>
-        <p:nvSpPr>
-          <p:cNvPr id="7" name="Content Placeholder 2"/>
-          <p:cNvSpPr>
-            <a:spLocks noGrp="1"/>
-          </p:cNvSpPr>
-          <p:nvPr>
-            <p:ph idx="13"/>
-          </p:nvPr>
-        </p:nvSpPr>
-        <p:spPr>
-          <a:xfrm>
-            <a:off x="838200" y="1825625"/>
-            <a:ext cx="10515600" cy="1624965"/>
-          </a:xfrm>
-        </p:spPr>
-        <p:txBody>
-          <a:bodyPr>
-            <a:normAutofit/>
-          </a:bodyPr>
-          <a:lstStyle>
-            <a:lvl1pPr>
-              <a:defRPr sz="2000"/>
-            </a:lvl1pPr>
-            <a:lvl2pPr>
-              <a:defRPr sz="2000"/>
-            </a:lvl2pPr>
-            <a:lvl3pPr>
-              <a:defRPr sz="2000"/>
-            </a:lvl3pPr>
-            <a:lvl4pPr>
-              <a:defRPr sz="2000"/>
-            </a:lvl4pPr>
-            <a:lvl5pPr>
-              <a:defRPr sz="2000"/>
-            </a:lvl5pPr>
-          </a:lstStyle>
-          <a:p>
-            <a:pPr lvl="0"/>
-            <a:r>
-              <a:rPr lang="en-US" dirty="0" smtClean="0"/>
-              <a:t>Click to edit Master text styles</a:t>
-            </a:r>
-          </a:p>
-          <a:p>
-            <a:pPr lvl="1"/>
-            <a:r>
-              <a:rPr lang="en-US" dirty="0" smtClean="0"/>
-              <a:t>Second level</a:t>
-            </a:r>
-          </a:p>
-          <a:p>
-            <a:pPr lvl="2"/>
-            <a:r>
-              <a:rPr lang="en-US" dirty="0" smtClean="0"/>
-              <a:t>Third level</a:t>
-            </a:r>
-          </a:p>
-          <a:p>
-            <a:pPr lvl="3"/>
-            <a:r>
-              <a:rPr lang="en-US" dirty="0" smtClean="0"/>
-              <a:t>Fourth level</a:t>
-            </a:r>
-          </a:p>
-          <a:p>
-            <a:pPr lvl="4"/>
-            <a:r>
-              <a:rPr lang="en-US" dirty="0" smtClean="0"/>
-              <a:t>Fifth level</a:t>
-            </a:r>
-            <a:endParaRPr lang="en-GB" dirty="0"/>
-          </a:p>
-        </p:txBody>
-      </p:sp>
+      <p:graphicFrame>
+        <p:nvGraphicFramePr>
+          <p:cNvPr id="7" name="Table 6"/>
+          <p:cNvGraphicFramePr>
+            <a:graphicFrameLocks noGrp="1"/>
+          </p:cNvGraphicFramePr>
+          <p:nvPr userDrawn="1">
+            <p:extLst>
+              <p:ext uri="{D42A27DB-BD31-4B8C-83A1-F6EECF244321}">
+                <p14:modId xmlns:p14="http://schemas.microsoft.com/office/powerpoint/2010/main" val="2815370940"/>
+              </p:ext>
+            </p:extLst>
+          </p:nvPr>
+        </p:nvGraphicFramePr>
+        <p:xfrm>
+          <a:off x="677863" y="1520190"/>
+          <a:ext cx="8128002" cy="2865438"/>
+        </p:xfrm>
+        <a:graphic>
+          <a:graphicData uri="http://schemas.openxmlformats.org/drawingml/2006/table">
+            <a:tbl>
+              <a:tblPr firstRow="1" bandRow="1">
+                <a:tableStyleId>{5C22544A-7EE6-4342-B048-85BDC9FD1C3A}</a:tableStyleId>
+              </a:tblPr>
+              <a:tblGrid>
+                <a:gridCol w="1354667"/>
+                <a:gridCol w="1354667"/>
+                <a:gridCol w="1354667"/>
+                <a:gridCol w="1354667"/>
+                <a:gridCol w="1354667"/>
+                <a:gridCol w="1354667"/>
+              </a:tblGrid>
+              <a:tr h="477573">
+                <a:tc>
+                  <a:txBody>
+                    <a:bodyPr/>
+                    <a:lstStyle/>
+                    <a:p>
+                      <a:endParaRPr lang="en-GB" sz="1400" dirty="0"/>
+                    </a:p>
+                  </a:txBody>
+                  <a:tcPr/>
+                </a:tc>
+                <a:tc>
+                  <a:txBody>
+                    <a:bodyPr/>
+                    <a:lstStyle/>
+                    <a:p>
+                      <a:endParaRPr lang="en-GB" sz="1400" dirty="0"/>
+                    </a:p>
+                  </a:txBody>
+                  <a:tcPr/>
+                </a:tc>
+                <a:tc>
+                  <a:txBody>
+                    <a:bodyPr/>
+                    <a:lstStyle/>
+                    <a:p>
+                      <a:endParaRPr lang="en-GB" sz="1400" dirty="0"/>
+                    </a:p>
+                  </a:txBody>
+                  <a:tcPr/>
+                </a:tc>
+                <a:tc>
+                  <a:txBody>
+                    <a:bodyPr/>
+                    <a:lstStyle/>
+                    <a:p>
+                      <a:endParaRPr lang="en-GB" sz="1400"/>
+                    </a:p>
+                  </a:txBody>
+                  <a:tcPr/>
+                </a:tc>
+                <a:tc>
+                  <a:txBody>
+                    <a:bodyPr/>
+                    <a:lstStyle/>
+                    <a:p>
+                      <a:endParaRPr lang="en-GB" sz="1400"/>
+                    </a:p>
+                  </a:txBody>
+                  <a:tcPr/>
+                </a:tc>
+                <a:tc>
+                  <a:txBody>
+                    <a:bodyPr/>
+                    <a:lstStyle/>
+                    <a:p>
+                      <a:endParaRPr lang="en-GB" sz="1400"/>
+                    </a:p>
+                  </a:txBody>
+                  <a:tcPr/>
+                </a:tc>
+              </a:tr>
+              <a:tr h="477573">
+                <a:tc>
+                  <a:txBody>
+                    <a:bodyPr/>
+                    <a:lstStyle/>
+                    <a:p>
+                      <a:endParaRPr lang="en-GB" sz="1400"/>
+                    </a:p>
+                  </a:txBody>
+                  <a:tcPr/>
+                </a:tc>
+                <a:tc>
+                  <a:txBody>
+                    <a:bodyPr/>
+                    <a:lstStyle/>
+                    <a:p>
+                      <a:endParaRPr lang="en-GB" sz="1400"/>
+                    </a:p>
+                  </a:txBody>
+                  <a:tcPr/>
+                </a:tc>
+                <a:tc>
+                  <a:txBody>
+                    <a:bodyPr/>
+                    <a:lstStyle/>
+                    <a:p>
+                      <a:endParaRPr lang="en-GB" sz="1400" dirty="0"/>
+                    </a:p>
+                  </a:txBody>
+                  <a:tcPr/>
+                </a:tc>
+                <a:tc>
+                  <a:txBody>
+                    <a:bodyPr/>
+                    <a:lstStyle/>
+                    <a:p>
+                      <a:endParaRPr lang="en-GB" sz="1400" dirty="0"/>
+                    </a:p>
+                  </a:txBody>
+                  <a:tcPr/>
+                </a:tc>
+                <a:tc>
+                  <a:txBody>
+                    <a:bodyPr/>
+                    <a:lstStyle/>
+                    <a:p>
+                      <a:endParaRPr lang="en-GB" sz="1400"/>
+                    </a:p>
+                  </a:txBody>
+                  <a:tcPr/>
+                </a:tc>
+                <a:tc>
+                  <a:txBody>
+                    <a:bodyPr/>
+                    <a:lstStyle/>
+                    <a:p>
+                      <a:endParaRPr lang="en-GB" sz="1400"/>
+                    </a:p>
+                  </a:txBody>
+                  <a:tcPr/>
+                </a:tc>
+              </a:tr>
+              <a:tr h="477573">
+                <a:tc>
+                  <a:txBody>
+                    <a:bodyPr/>
+                    <a:lstStyle/>
+                    <a:p>
+                      <a:endParaRPr lang="en-GB" sz="1400"/>
+                    </a:p>
+                  </a:txBody>
+                  <a:tcPr/>
+                </a:tc>
+                <a:tc>
+                  <a:txBody>
+                    <a:bodyPr/>
+                    <a:lstStyle/>
+                    <a:p>
+                      <a:endParaRPr lang="en-GB" sz="1400"/>
+                    </a:p>
+                  </a:txBody>
+                  <a:tcPr/>
+                </a:tc>
+                <a:tc>
+                  <a:txBody>
+                    <a:bodyPr/>
+                    <a:lstStyle/>
+                    <a:p>
+                      <a:endParaRPr lang="en-GB" sz="1400"/>
+                    </a:p>
+                  </a:txBody>
+                  <a:tcPr/>
+                </a:tc>
+                <a:tc>
+                  <a:txBody>
+                    <a:bodyPr/>
+                    <a:lstStyle/>
+                    <a:p>
+                      <a:endParaRPr lang="en-GB" sz="1400" dirty="0"/>
+                    </a:p>
+                  </a:txBody>
+                  <a:tcPr/>
+                </a:tc>
+                <a:tc>
+                  <a:txBody>
+                    <a:bodyPr/>
+                    <a:lstStyle/>
+                    <a:p>
+                      <a:endParaRPr lang="en-GB" sz="1400"/>
+                    </a:p>
+                  </a:txBody>
+                  <a:tcPr/>
+                </a:tc>
+                <a:tc>
+                  <a:txBody>
+                    <a:bodyPr/>
+                    <a:lstStyle/>
+                    <a:p>
+                      <a:endParaRPr lang="en-GB" sz="1400"/>
+                    </a:p>
+                  </a:txBody>
+                  <a:tcPr/>
+                </a:tc>
+              </a:tr>
+              <a:tr h="477573">
+                <a:tc>
+                  <a:txBody>
+                    <a:bodyPr/>
+                    <a:lstStyle/>
+                    <a:p>
+                      <a:endParaRPr lang="en-GB" sz="1400"/>
+                    </a:p>
+                  </a:txBody>
+                  <a:tcPr/>
+                </a:tc>
+                <a:tc>
+                  <a:txBody>
+                    <a:bodyPr/>
+                    <a:lstStyle/>
+                    <a:p>
+                      <a:endParaRPr lang="en-GB" sz="1400"/>
+                    </a:p>
+                  </a:txBody>
+                  <a:tcPr/>
+                </a:tc>
+                <a:tc>
+                  <a:txBody>
+                    <a:bodyPr/>
+                    <a:lstStyle/>
+                    <a:p>
+                      <a:endParaRPr lang="en-GB" sz="1400"/>
+                    </a:p>
+                  </a:txBody>
+                  <a:tcPr/>
+                </a:tc>
+                <a:tc>
+                  <a:txBody>
+                    <a:bodyPr/>
+                    <a:lstStyle/>
+                    <a:p>
+                      <a:endParaRPr lang="en-GB" sz="1400" dirty="0"/>
+                    </a:p>
+                  </a:txBody>
+                  <a:tcPr/>
+                </a:tc>
+                <a:tc>
+                  <a:txBody>
+                    <a:bodyPr/>
+                    <a:lstStyle/>
+                    <a:p>
+                      <a:endParaRPr lang="en-GB" sz="1400" dirty="0"/>
+                    </a:p>
+                  </a:txBody>
+                  <a:tcPr/>
+                </a:tc>
+                <a:tc>
+                  <a:txBody>
+                    <a:bodyPr/>
+                    <a:lstStyle/>
+                    <a:p>
+                      <a:endParaRPr lang="en-GB" sz="1400"/>
+                    </a:p>
+                  </a:txBody>
+                  <a:tcPr/>
+                </a:tc>
+              </a:tr>
+              <a:tr h="477573">
+                <a:tc>
+                  <a:txBody>
+                    <a:bodyPr/>
+                    <a:lstStyle/>
+                    <a:p>
+                      <a:endParaRPr lang="en-GB" sz="1400"/>
+                    </a:p>
+                  </a:txBody>
+                  <a:tcPr/>
+                </a:tc>
+                <a:tc>
+                  <a:txBody>
+                    <a:bodyPr/>
+                    <a:lstStyle/>
+                    <a:p>
+                      <a:endParaRPr lang="en-GB" sz="1400"/>
+                    </a:p>
+                  </a:txBody>
+                  <a:tcPr/>
+                </a:tc>
+                <a:tc>
+                  <a:txBody>
+                    <a:bodyPr/>
+                    <a:lstStyle/>
+                    <a:p>
+                      <a:endParaRPr lang="en-GB" sz="1400"/>
+                    </a:p>
+                  </a:txBody>
+                  <a:tcPr/>
+                </a:tc>
+                <a:tc>
+                  <a:txBody>
+                    <a:bodyPr/>
+                    <a:lstStyle/>
+                    <a:p>
+                      <a:endParaRPr lang="en-GB" sz="1400"/>
+                    </a:p>
+                  </a:txBody>
+                  <a:tcPr/>
+                </a:tc>
+                <a:tc>
+                  <a:txBody>
+                    <a:bodyPr/>
+                    <a:lstStyle/>
+                    <a:p>
+                      <a:endParaRPr lang="en-GB" sz="1400" dirty="0"/>
+                    </a:p>
+                  </a:txBody>
+                  <a:tcPr/>
+                </a:tc>
+                <a:tc>
+                  <a:txBody>
+                    <a:bodyPr/>
+                    <a:lstStyle/>
+                    <a:p>
+                      <a:endParaRPr lang="en-GB" sz="1400"/>
+                    </a:p>
+                  </a:txBody>
+                  <a:tcPr/>
+                </a:tc>
+              </a:tr>
+              <a:tr h="477573">
+                <a:tc>
+                  <a:txBody>
+                    <a:bodyPr/>
+                    <a:lstStyle/>
+                    <a:p>
+                      <a:endParaRPr lang="en-GB" sz="1400"/>
+                    </a:p>
+                  </a:txBody>
+                  <a:tcPr/>
+                </a:tc>
+                <a:tc>
+                  <a:txBody>
+                    <a:bodyPr/>
+                    <a:lstStyle/>
+                    <a:p>
+                      <a:endParaRPr lang="en-GB" sz="1400"/>
+                    </a:p>
+                  </a:txBody>
+                  <a:tcPr/>
+                </a:tc>
+                <a:tc>
+                  <a:txBody>
+                    <a:bodyPr/>
+                    <a:lstStyle/>
+                    <a:p>
+                      <a:endParaRPr lang="en-GB" sz="1400"/>
+                    </a:p>
+                  </a:txBody>
+                  <a:tcPr/>
+                </a:tc>
+                <a:tc>
+                  <a:txBody>
+                    <a:bodyPr/>
+                    <a:lstStyle/>
+                    <a:p>
+                      <a:endParaRPr lang="en-GB" sz="1400"/>
+                    </a:p>
+                  </a:txBody>
+                  <a:tcPr/>
+                </a:tc>
+                <a:tc>
+                  <a:txBody>
+                    <a:bodyPr/>
+                    <a:lstStyle/>
+                    <a:p>
+                      <a:endParaRPr lang="en-GB" sz="1400" dirty="0"/>
+                    </a:p>
+                  </a:txBody>
+                  <a:tcPr/>
+                </a:tc>
+                <a:tc>
+                  <a:txBody>
+                    <a:bodyPr/>
+                    <a:lstStyle/>
+                    <a:p>
+                      <a:endParaRPr lang="en-GB" sz="1400" dirty="0"/>
+                    </a:p>
+                  </a:txBody>
+                  <a:tcPr/>
+                </a:tc>
+              </a:tr>
+            </a:tbl>
+          </a:graphicData>
+        </a:graphic>
+      </p:graphicFrame>
     </p:spTree>
     <p:extLst>
       <p:ext uri="{BB962C8B-B14F-4D97-AF65-F5344CB8AC3E}">
-        <p14:creationId xmlns:p14="http://schemas.microsoft.com/office/powerpoint/2010/main" val="562431197"/>
+        <p14:creationId xmlns:p14="http://schemas.microsoft.com/office/powerpoint/2010/main" val="114033493"/>
       </p:ext>
     </p:extLst>
   </p:cSld>
   <p:clrMapOvr>
     <a:masterClrMapping/>
   </p:clrMapOvr>
+  <p:extLst mod="1">
+    <p:ext uri="{DCECCB84-F9BA-43D5-87BE-67443E8EF086}">
+      <p15:sldGuideLst xmlns:p15="http://schemas.microsoft.com/office/powerpoint/2012/main">
+        <p15:guide id="4294967295" orient="horz" pos="890">
+          <p15:clr>
+            <a:srgbClr val="FBAE40"/>
+          </p15:clr>
+        </p15:guide>
+        <p15:guide id="4294967295" pos="3840">
+          <p15:clr>
+            <a:srgbClr val="FBAE40"/>
+          </p15:clr>
+        </p15:guide>
+      </p15:sldGuideLst>
+    </p:ext>
+  </p:extLst>
 </p:sldLayout>
 </file>
 
@@ -1156,15 +4182,15 @@
         </p:nvSpPr>
         <p:spPr>
           <a:xfrm>
-            <a:off x="831850" y="1709738"/>
-            <a:ext cx="10515600" cy="2852737"/>
+            <a:off x="677335" y="2700867"/>
+            <a:ext cx="8596668" cy="1826581"/>
           </a:xfrm>
         </p:spPr>
         <p:txBody>
-          <a:bodyPr anchor="ctr"/>
+          <a:bodyPr anchor="b"/>
           <a:lstStyle>
-            <a:lvl1pPr>
-              <a:defRPr sz="6000"/>
+            <a:lvl1pPr algn="l">
+              <a:defRPr sz="4000" b="0" cap="none"/>
             </a:lvl1pPr>
           </a:lstStyle>
           <a:p>
@@ -1172,7 +4198,7 @@
               <a:rPr lang="en-US" smtClean="0"/>
               <a:t>Click to edit Master title style</a:t>
             </a:r>
-            <a:endParaRPr lang="en-GB"/>
+            <a:endParaRPr lang="en-US" dirty="0"/>
           </a:p>
         </p:txBody>
       </p:sp>
@@ -1188,28 +4214,27 @@
         </p:nvSpPr>
         <p:spPr>
           <a:xfrm>
-            <a:off x="831850" y="4589463"/>
-            <a:ext cx="10515600" cy="1500187"/>
+            <a:off x="677335" y="4527448"/>
+            <a:ext cx="8596668" cy="860400"/>
           </a:xfrm>
         </p:spPr>
         <p:txBody>
-          <a:bodyPr>
-            <a:normAutofit/>
-          </a:bodyPr>
+          <a:bodyPr anchor="t"/>
           <a:lstStyle>
-            <a:lvl1pPr marL="0" indent="0">
+            <a:lvl1pPr marL="0" indent="0" algn="l">
               <a:buNone/>
               <a:defRPr sz="2000">
                 <a:solidFill>
                   <a:schemeClr val="tx1">
-                    <a:tint val="75000"/>
+                    <a:lumMod val="50000"/>
+                    <a:lumOff val="50000"/>
                   </a:schemeClr>
                 </a:solidFill>
               </a:defRPr>
             </a:lvl1pPr>
             <a:lvl2pPr marL="457200" indent="0">
               <a:buNone/>
-              <a:defRPr sz="2000">
+              <a:defRPr sz="1800">
                 <a:solidFill>
                   <a:schemeClr val="tx1">
                     <a:tint val="75000"/>
@@ -1219,7 +4244,7 @@
             </a:lvl2pPr>
             <a:lvl3pPr marL="914400" indent="0">
               <a:buNone/>
-              <a:defRPr sz="1800">
+              <a:defRPr sz="1600">
                 <a:solidFill>
                   <a:schemeClr val="tx1">
                     <a:tint val="75000"/>
@@ -1229,7 +4254,7 @@
             </a:lvl3pPr>
             <a:lvl4pPr marL="1371600" indent="0">
               <a:buNone/>
-              <a:defRPr sz="1600">
+              <a:defRPr sz="1400">
                 <a:solidFill>
                   <a:schemeClr val="tx1">
                     <a:tint val="75000"/>
@@ -1239,7 +4264,7 @@
             </a:lvl4pPr>
             <a:lvl5pPr marL="1828800" indent="0">
               <a:buNone/>
-              <a:defRPr sz="1600">
+              <a:defRPr sz="1400">
                 <a:solidFill>
                   <a:schemeClr val="tx1">
                     <a:tint val="75000"/>
@@ -1249,7 +4274,7 @@
             </a:lvl5pPr>
             <a:lvl6pPr marL="2286000" indent="0">
               <a:buNone/>
-              <a:defRPr sz="1600">
+              <a:defRPr sz="1400">
                 <a:solidFill>
                   <a:schemeClr val="tx1">
                     <a:tint val="75000"/>
@@ -1259,7 +4284,7 @@
             </a:lvl6pPr>
             <a:lvl7pPr marL="2743200" indent="0">
               <a:buNone/>
-              <a:defRPr sz="1600">
+              <a:defRPr sz="1400">
                 <a:solidFill>
                   <a:schemeClr val="tx1">
                     <a:tint val="75000"/>
@@ -1269,7 +4294,7 @@
             </a:lvl7pPr>
             <a:lvl8pPr marL="3200400" indent="0">
               <a:buNone/>
-              <a:defRPr sz="1600">
+              <a:defRPr sz="1400">
                 <a:solidFill>
                   <a:schemeClr val="tx1">
                     <a:tint val="75000"/>
@@ -1279,7 +4304,7 @@
             </a:lvl8pPr>
             <a:lvl9pPr marL="3657600" indent="0">
               <a:buNone/>
-              <a:defRPr sz="1600">
+              <a:defRPr sz="1400">
                 <a:solidFill>
                   <a:schemeClr val="tx1">
                     <a:tint val="75000"/>
@@ -1365,7 +4390,7 @@
     </p:spTree>
     <p:extLst>
       <p:ext uri="{BB962C8B-B14F-4D97-AF65-F5344CB8AC3E}">
-        <p14:creationId xmlns:p14="http://schemas.microsoft.com/office/powerpoint/2010/main" val="2929815989"/>
+        <p14:creationId xmlns:p14="http://schemas.microsoft.com/office/powerpoint/2010/main" val="4269836413"/>
       </p:ext>
     </p:extLst>
   </p:cSld>
@@ -1402,16 +4427,21 @@
             <p:ph type="title"/>
           </p:nvPr>
         </p:nvSpPr>
-        <p:spPr/>
+        <p:spPr>
+          <a:xfrm>
+            <a:off x="677334" y="609600"/>
+            <a:ext cx="8596668" cy="670560"/>
+          </a:xfrm>
+        </p:spPr>
         <p:txBody>
           <a:bodyPr/>
           <a:lstStyle/>
           <a:p>
             <a:r>
-              <a:rPr lang="en-US" dirty="0" smtClean="0"/>
+              <a:rPr lang="en-US" smtClean="0"/>
               <a:t>Click to edit Master title style</a:t>
             </a:r>
-            <a:endParaRPr lang="en-GB" dirty="0"/>
+            <a:endParaRPr lang="en-US" dirty="0"/>
           </a:p>
         </p:txBody>
       </p:sp>
@@ -1427,13 +4457,141 @@
         </p:nvSpPr>
         <p:spPr>
           <a:xfrm>
-            <a:off x="838200" y="1825625"/>
-            <a:ext cx="5181600" cy="4351338"/>
+            <a:off x="677332" y="1428752"/>
+            <a:ext cx="4184035" cy="4612611"/>
           </a:xfrm>
         </p:spPr>
         <p:txBody>
-          <a:bodyPr/>
-          <a:lstStyle/>
+          <a:bodyPr>
+            <a:normAutofit/>
+          </a:bodyPr>
+          <a:lstStyle>
+            <a:lvl1pPr marL="342900" indent="-342900" algn="l" defTabSz="457200" rtl="0" eaLnBrk="1" latinLnBrk="0" hangingPunct="1">
+              <a:spcBef>
+                <a:spcPts val="1000"/>
+              </a:spcBef>
+              <a:spcAft>
+                <a:spcPts val="0"/>
+              </a:spcAft>
+              <a:buClr>
+                <a:schemeClr val="accent1"/>
+              </a:buClr>
+              <a:buSzPct val="80000"/>
+              <a:buFont typeface="Wingdings 3" charset="2"/>
+              <a:buChar char=""/>
+              <a:defRPr lang="en-US" sz="1400" kern="1200" dirty="0" smtClean="0">
+                <a:solidFill>
+                  <a:schemeClr val="tx1">
+                    <a:lumMod val="75000"/>
+                    <a:lumOff val="25000"/>
+                  </a:schemeClr>
+                </a:solidFill>
+                <a:latin typeface="+mn-lt"/>
+                <a:ea typeface="+mn-ea"/>
+                <a:cs typeface="+mn-cs"/>
+              </a:defRPr>
+            </a:lvl1pPr>
+            <a:lvl2pPr marL="742950" indent="-285750" algn="l" defTabSz="457200" rtl="0" eaLnBrk="1" latinLnBrk="0" hangingPunct="1">
+              <a:spcBef>
+                <a:spcPts val="1000"/>
+              </a:spcBef>
+              <a:spcAft>
+                <a:spcPts val="0"/>
+              </a:spcAft>
+              <a:buClr>
+                <a:schemeClr val="accent1"/>
+              </a:buClr>
+              <a:buSzPct val="80000"/>
+              <a:buFont typeface="Wingdings 3" charset="2"/>
+              <a:buChar char=""/>
+              <a:defRPr lang="en-US" sz="1400" kern="1200" dirty="0" smtClean="0">
+                <a:solidFill>
+                  <a:schemeClr val="tx1">
+                    <a:lumMod val="75000"/>
+                    <a:lumOff val="25000"/>
+                  </a:schemeClr>
+                </a:solidFill>
+                <a:latin typeface="+mn-lt"/>
+                <a:ea typeface="+mn-ea"/>
+                <a:cs typeface="+mn-cs"/>
+              </a:defRPr>
+            </a:lvl2pPr>
+            <a:lvl3pPr marL="1143000" indent="-228600" algn="l" defTabSz="457200" rtl="0" eaLnBrk="1" latinLnBrk="0" hangingPunct="1">
+              <a:spcBef>
+                <a:spcPts val="1000"/>
+              </a:spcBef>
+              <a:spcAft>
+                <a:spcPts val="0"/>
+              </a:spcAft>
+              <a:buClr>
+                <a:schemeClr val="accent1"/>
+              </a:buClr>
+              <a:buSzPct val="80000"/>
+              <a:buFont typeface="Wingdings 3" charset="2"/>
+              <a:buChar char=""/>
+              <a:defRPr lang="en-US" sz="1400" kern="1200" dirty="0" smtClean="0">
+                <a:solidFill>
+                  <a:schemeClr val="tx1">
+                    <a:lumMod val="75000"/>
+                    <a:lumOff val="25000"/>
+                  </a:schemeClr>
+                </a:solidFill>
+                <a:latin typeface="+mn-lt"/>
+                <a:ea typeface="+mn-ea"/>
+                <a:cs typeface="+mn-cs"/>
+              </a:defRPr>
+            </a:lvl3pPr>
+            <a:lvl4pPr marL="1600200" indent="-228600" algn="l" defTabSz="457200" rtl="0" eaLnBrk="1" latinLnBrk="0" hangingPunct="1">
+              <a:spcBef>
+                <a:spcPts val="1000"/>
+              </a:spcBef>
+              <a:spcAft>
+                <a:spcPts val="0"/>
+              </a:spcAft>
+              <a:buClr>
+                <a:schemeClr val="accent1"/>
+              </a:buClr>
+              <a:buSzPct val="80000"/>
+              <a:buFont typeface="Wingdings 3" charset="2"/>
+              <a:buChar char=""/>
+              <a:defRPr lang="en-US" sz="1400" kern="1200" dirty="0" smtClean="0">
+                <a:solidFill>
+                  <a:schemeClr val="tx1">
+                    <a:lumMod val="75000"/>
+                    <a:lumOff val="25000"/>
+                  </a:schemeClr>
+                </a:solidFill>
+                <a:latin typeface="+mn-lt"/>
+                <a:ea typeface="+mn-ea"/>
+                <a:cs typeface="+mn-cs"/>
+              </a:defRPr>
+            </a:lvl4pPr>
+            <a:lvl5pPr marL="2057400" indent="-228600" algn="l" defTabSz="457200" rtl="0" eaLnBrk="1" latinLnBrk="0" hangingPunct="1">
+              <a:spcBef>
+                <a:spcPts val="1000"/>
+              </a:spcBef>
+              <a:spcAft>
+                <a:spcPts val="0"/>
+              </a:spcAft>
+              <a:buClr>
+                <a:schemeClr val="accent1"/>
+              </a:buClr>
+              <a:buSzPct val="80000"/>
+              <a:buFont typeface="Wingdings 3" charset="2"/>
+              <a:buChar char=""/>
+              <a:defRPr lang="en-US" sz="1400" kern="1200" dirty="0">
+                <a:solidFill>
+                  <a:schemeClr val="tx1">
+                    <a:lumMod val="75000"/>
+                    <a:lumOff val="25000"/>
+                  </a:schemeClr>
+                </a:solidFill>
+                <a:latin typeface="+mn-lt"/>
+                <a:ea typeface="+mn-ea"/>
+                <a:cs typeface="+mn-cs"/>
+              </a:defRPr>
+            </a:lvl5pPr>
+          </a:lstStyle>
           <a:p>
             <a:pPr lvl="0"/>
             <a:r>
@@ -1468,7 +4626,7 @@
               <a:rPr lang="en-US" smtClean="0"/>
               <a:t>Fifth level</a:t>
             </a:r>
-            <a:endParaRPr lang="en-GB" dirty="0"/>
+            <a:endParaRPr lang="en-US" dirty="0"/>
           </a:p>
         </p:txBody>
       </p:sp>
@@ -1484,13 +4642,141 @@
         </p:nvSpPr>
         <p:spPr>
           <a:xfrm>
-            <a:off x="6172200" y="1825625"/>
-            <a:ext cx="5181600" cy="4351338"/>
+            <a:off x="5089970" y="1428751"/>
+            <a:ext cx="4184034" cy="4612612"/>
           </a:xfrm>
         </p:spPr>
         <p:txBody>
-          <a:bodyPr/>
-          <a:lstStyle/>
+          <a:bodyPr>
+            <a:normAutofit/>
+          </a:bodyPr>
+          <a:lstStyle>
+            <a:lvl1pPr marL="342900" indent="-342900" algn="l" defTabSz="457200" rtl="0" eaLnBrk="1" latinLnBrk="0" hangingPunct="1">
+              <a:spcBef>
+                <a:spcPts val="1000"/>
+              </a:spcBef>
+              <a:spcAft>
+                <a:spcPts val="0"/>
+              </a:spcAft>
+              <a:buClr>
+                <a:schemeClr val="accent1"/>
+              </a:buClr>
+              <a:buSzPct val="80000"/>
+              <a:buFont typeface="Wingdings 3" charset="2"/>
+              <a:buChar char=""/>
+              <a:defRPr lang="en-US" sz="1400" kern="1200" dirty="0" smtClean="0">
+                <a:solidFill>
+                  <a:schemeClr val="tx1">
+                    <a:lumMod val="75000"/>
+                    <a:lumOff val="25000"/>
+                  </a:schemeClr>
+                </a:solidFill>
+                <a:latin typeface="+mn-lt"/>
+                <a:ea typeface="+mn-ea"/>
+                <a:cs typeface="+mn-cs"/>
+              </a:defRPr>
+            </a:lvl1pPr>
+            <a:lvl2pPr marL="742950" indent="-285750" algn="l" defTabSz="457200" rtl="0" eaLnBrk="1" latinLnBrk="0" hangingPunct="1">
+              <a:spcBef>
+                <a:spcPts val="1000"/>
+              </a:spcBef>
+              <a:spcAft>
+                <a:spcPts val="0"/>
+              </a:spcAft>
+              <a:buClr>
+                <a:schemeClr val="accent1"/>
+              </a:buClr>
+              <a:buSzPct val="80000"/>
+              <a:buFont typeface="Wingdings 3" charset="2"/>
+              <a:buChar char=""/>
+              <a:defRPr lang="en-US" sz="1400" kern="1200" dirty="0" smtClean="0">
+                <a:solidFill>
+                  <a:schemeClr val="tx1">
+                    <a:lumMod val="75000"/>
+                    <a:lumOff val="25000"/>
+                  </a:schemeClr>
+                </a:solidFill>
+                <a:latin typeface="+mn-lt"/>
+                <a:ea typeface="+mn-ea"/>
+                <a:cs typeface="+mn-cs"/>
+              </a:defRPr>
+            </a:lvl2pPr>
+            <a:lvl3pPr marL="1143000" indent="-228600" algn="l" defTabSz="457200" rtl="0" eaLnBrk="1" latinLnBrk="0" hangingPunct="1">
+              <a:spcBef>
+                <a:spcPts val="1000"/>
+              </a:spcBef>
+              <a:spcAft>
+                <a:spcPts val="0"/>
+              </a:spcAft>
+              <a:buClr>
+                <a:schemeClr val="accent1"/>
+              </a:buClr>
+              <a:buSzPct val="80000"/>
+              <a:buFont typeface="Wingdings 3" charset="2"/>
+              <a:buChar char=""/>
+              <a:defRPr lang="en-US" sz="1400" kern="1200" dirty="0" smtClean="0">
+                <a:solidFill>
+                  <a:schemeClr val="tx1">
+                    <a:lumMod val="75000"/>
+                    <a:lumOff val="25000"/>
+                  </a:schemeClr>
+                </a:solidFill>
+                <a:latin typeface="+mn-lt"/>
+                <a:ea typeface="+mn-ea"/>
+                <a:cs typeface="+mn-cs"/>
+              </a:defRPr>
+            </a:lvl3pPr>
+            <a:lvl4pPr marL="1600200" indent="-228600" algn="l" defTabSz="457200" rtl="0" eaLnBrk="1" latinLnBrk="0" hangingPunct="1">
+              <a:spcBef>
+                <a:spcPts val="1000"/>
+              </a:spcBef>
+              <a:spcAft>
+                <a:spcPts val="0"/>
+              </a:spcAft>
+              <a:buClr>
+                <a:schemeClr val="accent1"/>
+              </a:buClr>
+              <a:buSzPct val="80000"/>
+              <a:buFont typeface="Wingdings 3" charset="2"/>
+              <a:buChar char=""/>
+              <a:defRPr lang="en-US" sz="1400" kern="1200" dirty="0" smtClean="0">
+                <a:solidFill>
+                  <a:schemeClr val="tx1">
+                    <a:lumMod val="75000"/>
+                    <a:lumOff val="25000"/>
+                  </a:schemeClr>
+                </a:solidFill>
+                <a:latin typeface="+mn-lt"/>
+                <a:ea typeface="+mn-ea"/>
+                <a:cs typeface="+mn-cs"/>
+              </a:defRPr>
+            </a:lvl4pPr>
+            <a:lvl5pPr marL="2057400" indent="-228600" algn="l" defTabSz="457200" rtl="0" eaLnBrk="1" latinLnBrk="0" hangingPunct="1">
+              <a:spcBef>
+                <a:spcPts val="1000"/>
+              </a:spcBef>
+              <a:spcAft>
+                <a:spcPts val="0"/>
+              </a:spcAft>
+              <a:buClr>
+                <a:schemeClr val="accent1"/>
+              </a:buClr>
+              <a:buSzPct val="80000"/>
+              <a:buFont typeface="Wingdings 3" charset="2"/>
+              <a:buChar char=""/>
+              <a:defRPr lang="en-US" sz="1400" kern="1200" dirty="0">
+                <a:solidFill>
+                  <a:schemeClr val="tx1">
+                    <a:lumMod val="75000"/>
+                    <a:lumOff val="25000"/>
+                  </a:schemeClr>
+                </a:solidFill>
+                <a:latin typeface="+mn-lt"/>
+                <a:ea typeface="+mn-ea"/>
+                <a:cs typeface="+mn-cs"/>
+              </a:defRPr>
+            </a:lvl5pPr>
+          </a:lstStyle>
           <a:p>
             <a:pPr lvl="0"/>
             <a:r>
@@ -1525,7 +4811,7 @@
               <a:rPr lang="en-US" smtClean="0"/>
               <a:t>Fifth level</a:t>
             </a:r>
-            <a:endParaRPr lang="en-GB" dirty="0"/>
+            <a:endParaRPr lang="en-US" dirty="0"/>
           </a:p>
         </p:txBody>
       </p:sp>
@@ -1597,7 +4883,7 @@
     </p:spTree>
     <p:extLst>
       <p:ext uri="{BB962C8B-B14F-4D97-AF65-F5344CB8AC3E}">
-        <p14:creationId xmlns:p14="http://schemas.microsoft.com/office/powerpoint/2010/main" val="2982073408"/>
+        <p14:creationId xmlns:p14="http://schemas.microsoft.com/office/powerpoint/2010/main" val="4151557075"/>
       </p:ext>
     </p:extLst>
   </p:cSld>
@@ -1608,7 +4894,7 @@
 </file>
 
 <file path=ppt/slideLayouts/slideLayout6.xml><?xml version="1.0" encoding="utf-8"?>
-<p:sldLayout xmlns:a="http://schemas.openxmlformats.org/drawingml/2006/main" xmlns:r="http://schemas.openxmlformats.org/officeDocument/2006/relationships" xmlns:p="http://schemas.openxmlformats.org/presentationml/2006/main" type="twoTxTwoObj" preserve="1">
+<p:sldLayout xmlns:a="http://schemas.openxmlformats.org/drawingml/2006/main" xmlns:r="http://schemas.openxmlformats.org/officeDocument/2006/relationships" xmlns:p="http://schemas.openxmlformats.org/presentationml/2006/main" preserve="1" userDrawn="1">
   <p:cSld name="Comparison">
     <p:spTree>
       <p:nvGrpSpPr>
@@ -1636,101 +4922,40 @@
         </p:nvSpPr>
         <p:spPr>
           <a:xfrm>
-            <a:off x="839788" y="365125"/>
-            <a:ext cx="10515600" cy="1325563"/>
+            <a:off x="677334" y="609600"/>
+            <a:ext cx="8596668" cy="727710"/>
           </a:xfrm>
         </p:spPr>
         <p:txBody>
           <a:bodyPr/>
-          <a:lstStyle/>
+          <a:lstStyle>
+            <a:lvl1pPr>
+              <a:defRPr/>
+            </a:lvl1pPr>
+          </a:lstStyle>
           <a:p>
             <a:r>
               <a:rPr lang="en-US" smtClean="0"/>
               <a:t>Click to edit Master title style</a:t>
             </a:r>
-            <a:endParaRPr lang="en-GB" dirty="0"/>
-          </a:p>
-        </p:txBody>
-      </p:sp>
-      <p:sp>
-        <p:nvSpPr>
-          <p:cNvPr id="3" name="Text Placeholder 2"/>
-          <p:cNvSpPr>
-            <a:spLocks noGrp="1"/>
-          </p:cNvSpPr>
-          <p:nvPr>
-            <p:ph type="body" idx="1"/>
+            <a:endParaRPr lang="en-US" dirty="0"/>
+          </a:p>
+        </p:txBody>
+      </p:sp>
+      <p:sp>
+        <p:nvSpPr>
+          <p:cNvPr id="4" name="Content Placeholder 3"/>
+          <p:cNvSpPr>
+            <a:spLocks noGrp="1"/>
+          </p:cNvSpPr>
+          <p:nvPr>
+            <p:ph sz="half" idx="2"/>
           </p:nvPr>
         </p:nvSpPr>
         <p:spPr>
           <a:xfrm>
-            <a:off x="839788" y="1681163"/>
-            <a:ext cx="5157787" cy="823912"/>
-          </a:xfrm>
-        </p:spPr>
-        <p:txBody>
-          <a:bodyPr anchor="b"/>
-          <a:lstStyle>
-            <a:lvl1pPr marL="0" indent="0">
-              <a:buNone/>
-              <a:defRPr sz="2400" b="1"/>
-            </a:lvl1pPr>
-            <a:lvl2pPr marL="457200" indent="0">
-              <a:buNone/>
-              <a:defRPr sz="2000" b="1"/>
-            </a:lvl2pPr>
-            <a:lvl3pPr marL="914400" indent="0">
-              <a:buNone/>
-              <a:defRPr sz="1800" b="1"/>
-            </a:lvl3pPr>
-            <a:lvl4pPr marL="1371600" indent="0">
-              <a:buNone/>
-              <a:defRPr sz="1600" b="1"/>
-            </a:lvl4pPr>
-            <a:lvl5pPr marL="1828800" indent="0">
-              <a:buNone/>
-              <a:defRPr sz="1600" b="1"/>
-            </a:lvl5pPr>
-            <a:lvl6pPr marL="2286000" indent="0">
-              <a:buNone/>
-              <a:defRPr sz="1600" b="1"/>
-            </a:lvl6pPr>
-            <a:lvl7pPr marL="2743200" indent="0">
-              <a:buNone/>
-              <a:defRPr sz="1600" b="1"/>
-            </a:lvl7pPr>
-            <a:lvl8pPr marL="3200400" indent="0">
-              <a:buNone/>
-              <a:defRPr sz="1600" b="1"/>
-            </a:lvl8pPr>
-            <a:lvl9pPr marL="3657600" indent="0">
-              <a:buNone/>
-              <a:defRPr sz="1600" b="1"/>
-            </a:lvl9pPr>
-          </a:lstStyle>
-          <a:p>
-            <a:pPr lvl="0"/>
-            <a:r>
-              <a:rPr lang="en-US" smtClean="0"/>
-              <a:t>Click to edit Master text styles</a:t>
-            </a:r>
-          </a:p>
-        </p:txBody>
-      </p:sp>
-      <p:sp>
-        <p:nvSpPr>
-          <p:cNvPr id="4" name="Content Placeholder 3"/>
-          <p:cNvSpPr>
-            <a:spLocks noGrp="1"/>
-          </p:cNvSpPr>
-          <p:nvPr>
-            <p:ph sz="half" idx="2"/>
-          </p:nvPr>
-        </p:nvSpPr>
-        <p:spPr>
-          <a:xfrm>
-            <a:off x="839788" y="2505075"/>
-            <a:ext cx="5157787" cy="3684588"/>
+            <a:off x="675745" y="1531621"/>
+            <a:ext cx="4185623" cy="4509742"/>
           </a:xfrm>
         </p:spPr>
         <p:txBody>
@@ -1738,20 +4963,130 @@
             <a:normAutofit/>
           </a:bodyPr>
           <a:lstStyle>
-            <a:lvl1pPr>
-              <a:defRPr sz="2000"/>
+            <a:lvl1pPr marL="342900" indent="-342900" algn="l" defTabSz="457200" rtl="0" eaLnBrk="1" latinLnBrk="0" hangingPunct="1">
+              <a:spcBef>
+                <a:spcPts val="1000"/>
+              </a:spcBef>
+              <a:spcAft>
+                <a:spcPts val="0"/>
+              </a:spcAft>
+              <a:buClr>
+                <a:schemeClr val="accent1"/>
+              </a:buClr>
+              <a:buSzPct val="80000"/>
+              <a:buFont typeface="Wingdings 3" charset="2"/>
+              <a:buChar char=""/>
+              <a:defRPr lang="en-US" sz="1400" kern="1200" dirty="0" smtClean="0">
+                <a:solidFill>
+                  <a:schemeClr val="tx1">
+                    <a:lumMod val="75000"/>
+                    <a:lumOff val="25000"/>
+                  </a:schemeClr>
+                </a:solidFill>
+                <a:latin typeface="+mn-lt"/>
+                <a:ea typeface="+mn-ea"/>
+                <a:cs typeface="+mn-cs"/>
+              </a:defRPr>
             </a:lvl1pPr>
-            <a:lvl2pPr>
-              <a:defRPr sz="2000"/>
+            <a:lvl2pPr marL="742950" indent="-285750" algn="l" defTabSz="457200" rtl="0" eaLnBrk="1" latinLnBrk="0" hangingPunct="1">
+              <a:spcBef>
+                <a:spcPts val="1000"/>
+              </a:spcBef>
+              <a:spcAft>
+                <a:spcPts val="0"/>
+              </a:spcAft>
+              <a:buClr>
+                <a:schemeClr val="accent1"/>
+              </a:buClr>
+              <a:buSzPct val="80000"/>
+              <a:buFont typeface="Wingdings 3" charset="2"/>
+              <a:buChar char=""/>
+              <a:defRPr lang="en-US" sz="1400" kern="1200" dirty="0" smtClean="0">
+                <a:solidFill>
+                  <a:schemeClr val="tx1">
+                    <a:lumMod val="75000"/>
+                    <a:lumOff val="25000"/>
+                  </a:schemeClr>
+                </a:solidFill>
+                <a:latin typeface="+mn-lt"/>
+                <a:ea typeface="+mn-ea"/>
+                <a:cs typeface="+mn-cs"/>
+              </a:defRPr>
             </a:lvl2pPr>
-            <a:lvl3pPr>
-              <a:defRPr sz="2000"/>
+            <a:lvl3pPr marL="1143000" indent="-228600" algn="l" defTabSz="457200" rtl="0" eaLnBrk="1" latinLnBrk="0" hangingPunct="1">
+              <a:spcBef>
+                <a:spcPts val="1000"/>
+              </a:spcBef>
+              <a:spcAft>
+                <a:spcPts val="0"/>
+              </a:spcAft>
+              <a:buClr>
+                <a:schemeClr val="accent1"/>
+              </a:buClr>
+              <a:buSzPct val="80000"/>
+              <a:buFont typeface="Wingdings 3" charset="2"/>
+              <a:buChar char=""/>
+              <a:defRPr lang="en-US" sz="1400" kern="1200" dirty="0" smtClean="0">
+                <a:solidFill>
+                  <a:schemeClr val="tx1">
+                    <a:lumMod val="75000"/>
+                    <a:lumOff val="25000"/>
+                  </a:schemeClr>
+                </a:solidFill>
+                <a:latin typeface="+mn-lt"/>
+                <a:ea typeface="+mn-ea"/>
+                <a:cs typeface="+mn-cs"/>
+              </a:defRPr>
             </a:lvl3pPr>
-            <a:lvl4pPr>
-              <a:defRPr sz="2000"/>
+            <a:lvl4pPr marL="1600200" indent="-228600" algn="l" defTabSz="457200" rtl="0" eaLnBrk="1" latinLnBrk="0" hangingPunct="1">
+              <a:spcBef>
+                <a:spcPts val="1000"/>
+              </a:spcBef>
+              <a:spcAft>
+                <a:spcPts val="0"/>
+              </a:spcAft>
+              <a:buClr>
+                <a:schemeClr val="accent1"/>
+              </a:buClr>
+              <a:buSzPct val="80000"/>
+              <a:buFont typeface="Wingdings 3" charset="2"/>
+              <a:buChar char=""/>
+              <a:defRPr lang="en-US" sz="1400" kern="1200" dirty="0" smtClean="0">
+                <a:solidFill>
+                  <a:schemeClr val="tx1">
+                    <a:lumMod val="75000"/>
+                    <a:lumOff val="25000"/>
+                  </a:schemeClr>
+                </a:solidFill>
+                <a:latin typeface="+mn-lt"/>
+                <a:ea typeface="+mn-ea"/>
+                <a:cs typeface="+mn-cs"/>
+              </a:defRPr>
             </a:lvl4pPr>
-            <a:lvl5pPr>
-              <a:defRPr sz="2000"/>
+            <a:lvl5pPr marL="2057400" indent="-228600" algn="l" defTabSz="457200" rtl="0" eaLnBrk="1" latinLnBrk="0" hangingPunct="1">
+              <a:spcBef>
+                <a:spcPts val="1000"/>
+              </a:spcBef>
+              <a:spcAft>
+                <a:spcPts val="0"/>
+              </a:spcAft>
+              <a:buClr>
+                <a:schemeClr val="accent1"/>
+              </a:buClr>
+              <a:buSzPct val="80000"/>
+              <a:buFont typeface="Wingdings 3" charset="2"/>
+              <a:buChar char=""/>
+              <a:defRPr lang="en-US" sz="1400" kern="1200" dirty="0">
+                <a:solidFill>
+                  <a:schemeClr val="tx1">
+                    <a:lumMod val="75000"/>
+                    <a:lumOff val="25000"/>
+                  </a:schemeClr>
+                </a:solidFill>
+                <a:latin typeface="+mn-lt"/>
+                <a:ea typeface="+mn-ea"/>
+                <a:cs typeface="+mn-cs"/>
+              </a:defRPr>
             </a:lvl5pPr>
           </a:lstStyle>
           <a:p>
@@ -1788,89 +5123,24 @@
               <a:rPr lang="en-US" smtClean="0"/>
               <a:t>Fifth level</a:t>
             </a:r>
-            <a:endParaRPr lang="en-GB" dirty="0"/>
-          </a:p>
-        </p:txBody>
-      </p:sp>
-      <p:sp>
-        <p:nvSpPr>
-          <p:cNvPr id="5" name="Text Placeholder 4"/>
-          <p:cNvSpPr>
-            <a:spLocks noGrp="1"/>
-          </p:cNvSpPr>
-          <p:nvPr>
-            <p:ph type="body" sz="quarter" idx="3"/>
+            <a:endParaRPr lang="en-US" dirty="0"/>
+          </a:p>
+        </p:txBody>
+      </p:sp>
+      <p:sp>
+        <p:nvSpPr>
+          <p:cNvPr id="6" name="Content Placeholder 5"/>
+          <p:cNvSpPr>
+            <a:spLocks noGrp="1"/>
+          </p:cNvSpPr>
+          <p:nvPr>
+            <p:ph sz="quarter" idx="4"/>
           </p:nvPr>
         </p:nvSpPr>
         <p:spPr>
           <a:xfrm>
-            <a:off x="6172200" y="1681163"/>
-            <a:ext cx="5183188" cy="823912"/>
-          </a:xfrm>
-        </p:spPr>
-        <p:txBody>
-          <a:bodyPr anchor="b"/>
-          <a:lstStyle>
-            <a:lvl1pPr marL="0" indent="0">
-              <a:buNone/>
-              <a:defRPr sz="2400" b="1"/>
-            </a:lvl1pPr>
-            <a:lvl2pPr marL="457200" indent="0">
-              <a:buNone/>
-              <a:defRPr sz="2000" b="1"/>
-            </a:lvl2pPr>
-            <a:lvl3pPr marL="914400" indent="0">
-              <a:buNone/>
-              <a:defRPr sz="1800" b="1"/>
-            </a:lvl3pPr>
-            <a:lvl4pPr marL="1371600" indent="0">
-              <a:buNone/>
-              <a:defRPr sz="1600" b="1"/>
-            </a:lvl4pPr>
-            <a:lvl5pPr marL="1828800" indent="0">
-              <a:buNone/>
-              <a:defRPr sz="1600" b="1"/>
-            </a:lvl5pPr>
-            <a:lvl6pPr marL="2286000" indent="0">
-              <a:buNone/>
-              <a:defRPr sz="1600" b="1"/>
-            </a:lvl6pPr>
-            <a:lvl7pPr marL="2743200" indent="0">
-              <a:buNone/>
-              <a:defRPr sz="1600" b="1"/>
-            </a:lvl7pPr>
-            <a:lvl8pPr marL="3200400" indent="0">
-              <a:buNone/>
-              <a:defRPr sz="1600" b="1"/>
-            </a:lvl8pPr>
-            <a:lvl9pPr marL="3657600" indent="0">
-              <a:buNone/>
-              <a:defRPr sz="1600" b="1"/>
-            </a:lvl9pPr>
-          </a:lstStyle>
-          <a:p>
-            <a:pPr lvl="0"/>
-            <a:r>
-              <a:rPr lang="en-US" smtClean="0"/>
-              <a:t>Click to edit Master text styles</a:t>
-            </a:r>
-          </a:p>
-        </p:txBody>
-      </p:sp>
-      <p:sp>
-        <p:nvSpPr>
-          <p:cNvPr id="6" name="Content Placeholder 5"/>
-          <p:cNvSpPr>
-            <a:spLocks noGrp="1"/>
-          </p:cNvSpPr>
-          <p:nvPr>
-            <p:ph sz="quarter" idx="4"/>
-          </p:nvPr>
-        </p:nvSpPr>
-        <p:spPr>
-          <a:xfrm>
-            <a:off x="6172200" y="2505075"/>
-            <a:ext cx="5183188" cy="3684588"/>
+            <a:off x="5088384" y="1531621"/>
+            <a:ext cx="4185617" cy="4509741"/>
           </a:xfrm>
         </p:spPr>
         <p:txBody>
@@ -1878,20 +5148,130 @@
             <a:normAutofit/>
           </a:bodyPr>
           <a:lstStyle>
-            <a:lvl1pPr>
-              <a:defRPr sz="2000"/>
+            <a:lvl1pPr marL="342900" indent="-342900" algn="l" defTabSz="457200" rtl="0" eaLnBrk="1" latinLnBrk="0" hangingPunct="1">
+              <a:spcBef>
+                <a:spcPts val="1000"/>
+              </a:spcBef>
+              <a:spcAft>
+                <a:spcPts val="0"/>
+              </a:spcAft>
+              <a:buClr>
+                <a:schemeClr val="accent1"/>
+              </a:buClr>
+              <a:buSzPct val="80000"/>
+              <a:buFont typeface="Wingdings 3" charset="2"/>
+              <a:buChar char=""/>
+              <a:defRPr lang="en-US" sz="1400" kern="1200" dirty="0" smtClean="0">
+                <a:solidFill>
+                  <a:schemeClr val="tx1">
+                    <a:lumMod val="75000"/>
+                    <a:lumOff val="25000"/>
+                  </a:schemeClr>
+                </a:solidFill>
+                <a:latin typeface="+mn-lt"/>
+                <a:ea typeface="+mn-ea"/>
+                <a:cs typeface="+mn-cs"/>
+              </a:defRPr>
             </a:lvl1pPr>
-            <a:lvl2pPr>
-              <a:defRPr sz="2000"/>
+            <a:lvl2pPr marL="742950" indent="-285750" algn="l" defTabSz="457200" rtl="0" eaLnBrk="1" latinLnBrk="0" hangingPunct="1">
+              <a:spcBef>
+                <a:spcPts val="1000"/>
+              </a:spcBef>
+              <a:spcAft>
+                <a:spcPts val="0"/>
+              </a:spcAft>
+              <a:buClr>
+                <a:schemeClr val="accent1"/>
+              </a:buClr>
+              <a:buSzPct val="80000"/>
+              <a:buFont typeface="Wingdings 3" charset="2"/>
+              <a:buChar char=""/>
+              <a:defRPr lang="en-US" sz="1400" kern="1200" dirty="0" smtClean="0">
+                <a:solidFill>
+                  <a:schemeClr val="tx1">
+                    <a:lumMod val="75000"/>
+                    <a:lumOff val="25000"/>
+                  </a:schemeClr>
+                </a:solidFill>
+                <a:latin typeface="+mn-lt"/>
+                <a:ea typeface="+mn-ea"/>
+                <a:cs typeface="+mn-cs"/>
+              </a:defRPr>
             </a:lvl2pPr>
-            <a:lvl3pPr>
-              <a:defRPr sz="2000"/>
+            <a:lvl3pPr marL="1143000" indent="-228600" algn="l" defTabSz="457200" rtl="0" eaLnBrk="1" latinLnBrk="0" hangingPunct="1">
+              <a:spcBef>
+                <a:spcPts val="1000"/>
+              </a:spcBef>
+              <a:spcAft>
+                <a:spcPts val="0"/>
+              </a:spcAft>
+              <a:buClr>
+                <a:schemeClr val="accent1"/>
+              </a:buClr>
+              <a:buSzPct val="80000"/>
+              <a:buFont typeface="Wingdings 3" charset="2"/>
+              <a:buChar char=""/>
+              <a:defRPr lang="en-US" sz="1400" kern="1200" dirty="0" smtClean="0">
+                <a:solidFill>
+                  <a:schemeClr val="tx1">
+                    <a:lumMod val="75000"/>
+                    <a:lumOff val="25000"/>
+                  </a:schemeClr>
+                </a:solidFill>
+                <a:latin typeface="+mn-lt"/>
+                <a:ea typeface="+mn-ea"/>
+                <a:cs typeface="+mn-cs"/>
+              </a:defRPr>
             </a:lvl3pPr>
-            <a:lvl4pPr>
-              <a:defRPr sz="2000"/>
+            <a:lvl4pPr marL="1600200" indent="-228600" algn="l" defTabSz="457200" rtl="0" eaLnBrk="1" latinLnBrk="0" hangingPunct="1">
+              <a:spcBef>
+                <a:spcPts val="1000"/>
+              </a:spcBef>
+              <a:spcAft>
+                <a:spcPts val="0"/>
+              </a:spcAft>
+              <a:buClr>
+                <a:schemeClr val="accent1"/>
+              </a:buClr>
+              <a:buSzPct val="80000"/>
+              <a:buFont typeface="Wingdings 3" charset="2"/>
+              <a:buChar char=""/>
+              <a:defRPr lang="en-US" sz="1400" kern="1200" dirty="0" smtClean="0">
+                <a:solidFill>
+                  <a:schemeClr val="tx1">
+                    <a:lumMod val="75000"/>
+                    <a:lumOff val="25000"/>
+                  </a:schemeClr>
+                </a:solidFill>
+                <a:latin typeface="+mn-lt"/>
+                <a:ea typeface="+mn-ea"/>
+                <a:cs typeface="+mn-cs"/>
+              </a:defRPr>
             </a:lvl4pPr>
-            <a:lvl5pPr>
-              <a:defRPr sz="2000"/>
+            <a:lvl5pPr marL="2057400" indent="-228600" algn="l" defTabSz="457200" rtl="0" eaLnBrk="1" latinLnBrk="0" hangingPunct="1">
+              <a:spcBef>
+                <a:spcPts val="1000"/>
+              </a:spcBef>
+              <a:spcAft>
+                <a:spcPts val="0"/>
+              </a:spcAft>
+              <a:buClr>
+                <a:schemeClr val="accent1"/>
+              </a:buClr>
+              <a:buSzPct val="80000"/>
+              <a:buFont typeface="Wingdings 3" charset="2"/>
+              <a:buChar char=""/>
+              <a:defRPr lang="en-US" sz="1400" kern="1200" dirty="0">
+                <a:solidFill>
+                  <a:schemeClr val="tx1">
+                    <a:lumMod val="75000"/>
+                    <a:lumOff val="25000"/>
+                  </a:schemeClr>
+                </a:solidFill>
+                <a:latin typeface="+mn-lt"/>
+                <a:ea typeface="+mn-ea"/>
+                <a:cs typeface="+mn-cs"/>
+              </a:defRPr>
             </a:lvl5pPr>
           </a:lstStyle>
           <a:p>
@@ -1928,7 +5308,7 @@
               <a:rPr lang="en-US" smtClean="0"/>
               <a:t>Fifth level</a:t>
             </a:r>
-            <a:endParaRPr lang="en-GB" dirty="0"/>
+            <a:endParaRPr lang="en-US" dirty="0"/>
           </a:p>
         </p:txBody>
       </p:sp>
@@ -2000,7 +5380,7 @@
     </p:spTree>
     <p:extLst>
       <p:ext uri="{BB962C8B-B14F-4D97-AF65-F5344CB8AC3E}">
-        <p14:creationId xmlns:p14="http://schemas.microsoft.com/office/powerpoint/2010/main" val="1080130041"/>
+        <p14:creationId xmlns:p14="http://schemas.microsoft.com/office/powerpoint/2010/main" val="813346838"/>
       </p:ext>
     </p:extLst>
   </p:cSld>
@@ -2011,6 +5391,129 @@
 </file>
 
 <file path=ppt/slideLayouts/slideLayout7.xml><?xml version="1.0" encoding="utf-8"?>
+<p:sldLayout xmlns:a="http://schemas.openxmlformats.org/drawingml/2006/main" xmlns:r="http://schemas.openxmlformats.org/officeDocument/2006/relationships" xmlns:p="http://schemas.openxmlformats.org/presentationml/2006/main" type="titleOnly" preserve="1">
+  <p:cSld name="Title Only">
+    <p:spTree>
+      <p:nvGrpSpPr>
+        <p:cNvPr id="1" name=""/>
+        <p:cNvGrpSpPr/>
+        <p:nvPr/>
+      </p:nvGrpSpPr>
+      <p:grpSpPr>
+        <a:xfrm>
+          <a:off x="0" y="0"/>
+          <a:ext cx="0" cy="0"/>
+          <a:chOff x="0" y="0"/>
+          <a:chExt cx="0" cy="0"/>
+        </a:xfrm>
+      </p:grpSpPr>
+      <p:sp>
+        <p:nvSpPr>
+          <p:cNvPr id="2" name="Title 1"/>
+          <p:cNvSpPr>
+            <a:spLocks noGrp="1"/>
+          </p:cNvSpPr>
+          <p:nvPr>
+            <p:ph type="title"/>
+          </p:nvPr>
+        </p:nvSpPr>
+        <p:spPr>
+          <a:xfrm>
+            <a:off x="677334" y="609600"/>
+            <a:ext cx="8596668" cy="796290"/>
+          </a:xfrm>
+        </p:spPr>
+        <p:txBody>
+          <a:bodyPr/>
+          <a:lstStyle/>
+          <a:p>
+            <a:r>
+              <a:rPr lang="en-US" smtClean="0"/>
+              <a:t>Click to edit Master title style</a:t>
+            </a:r>
+            <a:endParaRPr lang="en-US" dirty="0"/>
+          </a:p>
+        </p:txBody>
+      </p:sp>
+      <p:sp>
+        <p:nvSpPr>
+          <p:cNvPr id="3" name="Date Placeholder 2"/>
+          <p:cNvSpPr>
+            <a:spLocks noGrp="1"/>
+          </p:cNvSpPr>
+          <p:nvPr>
+            <p:ph type="dt" sz="half" idx="10"/>
+          </p:nvPr>
+        </p:nvSpPr>
+        <p:spPr/>
+        <p:txBody>
+          <a:bodyPr/>
+          <a:lstStyle/>
+          <a:p>
+            <a:fld id="{0FA3285A-3BF8-4E93-8A4F-3C436A480EC2}" type="datetimeFigureOut">
+              <a:rPr lang="en-GB" smtClean="0"/>
+              <a:t>30/11/2020</a:t>
+            </a:fld>
+            <a:endParaRPr lang="en-GB"/>
+          </a:p>
+        </p:txBody>
+      </p:sp>
+      <p:sp>
+        <p:nvSpPr>
+          <p:cNvPr id="4" name="Footer Placeholder 3"/>
+          <p:cNvSpPr>
+            <a:spLocks noGrp="1"/>
+          </p:cNvSpPr>
+          <p:nvPr>
+            <p:ph type="ftr" sz="quarter" idx="11"/>
+          </p:nvPr>
+        </p:nvSpPr>
+        <p:spPr/>
+        <p:txBody>
+          <a:bodyPr/>
+          <a:lstStyle/>
+          <a:p>
+            <a:endParaRPr lang="en-GB"/>
+          </a:p>
+        </p:txBody>
+      </p:sp>
+      <p:sp>
+        <p:nvSpPr>
+          <p:cNvPr id="5" name="Slide Number Placeholder 4"/>
+          <p:cNvSpPr>
+            <a:spLocks noGrp="1"/>
+          </p:cNvSpPr>
+          <p:nvPr>
+            <p:ph type="sldNum" sz="quarter" idx="12"/>
+          </p:nvPr>
+        </p:nvSpPr>
+        <p:spPr/>
+        <p:txBody>
+          <a:bodyPr/>
+          <a:lstStyle/>
+          <a:p>
+            <a:fld id="{1B80D510-81BF-4116-8778-0A1E4C57F434}" type="slidenum">
+              <a:rPr lang="en-GB" smtClean="0"/>
+              <a:t>‹#›</a:t>
+            </a:fld>
+            <a:endParaRPr lang="en-GB"/>
+          </a:p>
+        </p:txBody>
+      </p:sp>
+    </p:spTree>
+    <p:extLst>
+      <p:ext uri="{BB962C8B-B14F-4D97-AF65-F5344CB8AC3E}">
+        <p14:creationId xmlns:p14="http://schemas.microsoft.com/office/powerpoint/2010/main" val="3194385792"/>
+      </p:ext>
+    </p:extLst>
+  </p:cSld>
+  <p:clrMapOvr>
+    <a:masterClrMapping/>
+  </p:clrMapOvr>
+</p:sldLayout>
+</file>
+
+<file path=ppt/slideLayouts/slideLayout8.xml><?xml version="1.0" encoding="utf-8"?>
 <p:sldLayout xmlns:a="http://schemas.openxmlformats.org/drawingml/2006/main" xmlns:r="http://schemas.openxmlformats.org/officeDocument/2006/relationships" xmlns:p="http://schemas.openxmlformats.org/presentationml/2006/main" type="blank" preserve="1">
   <p:cSld name="Blank">
     <p:spTree>
@@ -2095,7 +5598,7 @@
     </p:spTree>
     <p:extLst>
       <p:ext uri="{BB962C8B-B14F-4D97-AF65-F5344CB8AC3E}">
-        <p14:creationId xmlns:p14="http://schemas.microsoft.com/office/powerpoint/2010/main" val="588041388"/>
+        <p14:creationId xmlns:p14="http://schemas.microsoft.com/office/powerpoint/2010/main" val="2114770874"/>
       </p:ext>
     </p:extLst>
   </p:cSld>
@@ -2105,7 +5608,7 @@
 </p:sldLayout>
 </file>
 
-<file path=ppt/slideLayouts/slideLayout8.xml><?xml version="1.0" encoding="utf-8"?>
+<file path=ppt/slideLayouts/slideLayout9.xml><?xml version="1.0" encoding="utf-8"?>
 <p:sldLayout xmlns:a="http://schemas.openxmlformats.org/drawingml/2006/main" xmlns:r="http://schemas.openxmlformats.org/officeDocument/2006/relationships" xmlns:p="http://schemas.openxmlformats.org/presentationml/2006/main" type="objTx" preserve="1">
   <p:cSld name="Content with Caption">
     <p:spTree>
@@ -2134,127 +5637,101 @@
         </p:nvSpPr>
         <p:spPr>
           <a:xfrm>
-            <a:off x="839788" y="457200"/>
-            <a:ext cx="10514012" cy="1600200"/>
+            <a:off x="677334" y="1498604"/>
+            <a:ext cx="3854528" cy="1278466"/>
           </a:xfrm>
         </p:spPr>
         <p:txBody>
-          <a:bodyPr anchor="ctr"/>
-          <a:lstStyle>
-            <a:lvl1pPr>
-              <a:defRPr sz="3200"/>
-            </a:lvl1pPr>
-          </a:lstStyle>
-          <a:p>
-            <a:r>
-              <a:rPr lang="en-US" dirty="0" smtClean="0"/>
-              <a:t>Click to edit Master title style</a:t>
-            </a:r>
-            <a:endParaRPr lang="en-GB" dirty="0"/>
-          </a:p>
-        </p:txBody>
-      </p:sp>
-      <p:sp>
-        <p:nvSpPr>
-          <p:cNvPr id="3" name="Content Placeholder 2"/>
-          <p:cNvSpPr>
-            <a:spLocks noGrp="1"/>
-          </p:cNvSpPr>
-          <p:nvPr>
-            <p:ph idx="1"/>
-          </p:nvPr>
-        </p:nvSpPr>
-        <p:spPr>
-          <a:xfrm>
-            <a:off x="836612" y="2823210"/>
-            <a:ext cx="10517188" cy="3140710"/>
-          </a:xfrm>
-        </p:spPr>
-        <p:txBody>
-          <a:bodyPr>
+          <a:bodyPr anchor="b">
             <a:normAutofit/>
           </a:bodyPr>
           <a:lstStyle>
             <a:lvl1pPr>
               <a:defRPr sz="2000"/>
             </a:lvl1pPr>
-            <a:lvl2pPr>
-              <a:defRPr sz="2000"/>
-            </a:lvl2pPr>
-            <a:lvl3pPr>
-              <a:defRPr sz="2000"/>
-            </a:lvl3pPr>
-            <a:lvl4pPr>
-              <a:defRPr sz="2000"/>
-            </a:lvl4pPr>
-            <a:lvl5pPr>
-              <a:defRPr sz="2000"/>
-            </a:lvl5pPr>
-            <a:lvl6pPr>
-              <a:defRPr sz="2000"/>
-            </a:lvl6pPr>
-            <a:lvl7pPr>
-              <a:defRPr sz="2000"/>
-            </a:lvl7pPr>
-            <a:lvl8pPr>
-              <a:defRPr sz="2000"/>
-            </a:lvl8pPr>
-            <a:lvl9pPr>
-              <a:defRPr sz="2000"/>
-            </a:lvl9pPr>
           </a:lstStyle>
           <a:p>
-            <a:pPr lvl="0"/>
-            <a:r>
-              <a:rPr lang="en-US" dirty="0" smtClean="0"/>
-              <a:t>Click to edit Master text styles</a:t>
-            </a:r>
-          </a:p>
-          <a:p>
-            <a:pPr lvl="1"/>
-            <a:r>
-              <a:rPr lang="en-US" dirty="0" smtClean="0"/>
-              <a:t>Second level</a:t>
-            </a:r>
-          </a:p>
-          <a:p>
-            <a:pPr lvl="2"/>
-            <a:r>
-              <a:rPr lang="en-US" dirty="0" smtClean="0"/>
-              <a:t>Third level</a:t>
-            </a:r>
-          </a:p>
-          <a:p>
-            <a:pPr lvl="3"/>
-            <a:r>
-              <a:rPr lang="en-US" dirty="0" smtClean="0"/>
-              <a:t>Fourth level</a:t>
-            </a:r>
-          </a:p>
-          <a:p>
-            <a:pPr lvl="4"/>
-            <a:r>
-              <a:rPr lang="en-US" dirty="0" smtClean="0"/>
-              <a:t>Fifth level</a:t>
-            </a:r>
-            <a:endParaRPr lang="en-GB" dirty="0"/>
-          </a:p>
-        </p:txBody>
-      </p:sp>
-      <p:sp>
-        <p:nvSpPr>
-          <p:cNvPr id="4" name="Text Placeholder 3"/>
-          <p:cNvSpPr>
-            <a:spLocks noGrp="1"/>
-          </p:cNvSpPr>
-          <p:nvPr>
-            <p:ph type="body" sz="half" idx="2"/>
+            <a:r>
+              <a:rPr lang="en-US" smtClean="0"/>
+              <a:t>Click to edit Master title style</a:t>
+            </a:r>
+            <a:endParaRPr lang="en-US" dirty="0"/>
+          </a:p>
+        </p:txBody>
+      </p:sp>
+      <p:sp>
+        <p:nvSpPr>
+          <p:cNvPr id="3" name="Content Placeholder 2"/>
+          <p:cNvSpPr>
+            <a:spLocks noGrp="1"/>
+          </p:cNvSpPr>
+          <p:nvPr>
+            <p:ph idx="1"/>
           </p:nvPr>
         </p:nvSpPr>
         <p:spPr>
           <a:xfrm>
-            <a:off x="839788" y="2057400"/>
-            <a:ext cx="10514012" cy="3811588"/>
+            <a:off x="4760461" y="514924"/>
+            <a:ext cx="4513541" cy="5526437"/>
+          </a:xfrm>
+        </p:spPr>
+        <p:txBody>
+          <a:bodyPr>
+            <a:normAutofit/>
+          </a:bodyPr>
+          <a:lstStyle/>
+          <a:p>
+            <a:pPr lvl="0"/>
+            <a:r>
+              <a:rPr lang="en-US" smtClean="0"/>
+              <a:t>Click to edit Master text styles</a:t>
+            </a:r>
+          </a:p>
+          <a:p>
+            <a:pPr lvl="1"/>
+            <a:r>
+              <a:rPr lang="en-US" smtClean="0"/>
+              <a:t>Second level</a:t>
+            </a:r>
+          </a:p>
+          <a:p>
+            <a:pPr lvl="2"/>
+            <a:r>
+              <a:rPr lang="en-US" smtClean="0"/>
+              <a:t>Third level</a:t>
+            </a:r>
+          </a:p>
+          <a:p>
+            <a:pPr lvl="3"/>
+            <a:r>
+              <a:rPr lang="en-US" smtClean="0"/>
+              <a:t>Fourth level</a:t>
+            </a:r>
+          </a:p>
+          <a:p>
+            <a:pPr lvl="4"/>
+            <a:r>
+              <a:rPr lang="en-US" smtClean="0"/>
+              <a:t>Fifth level</a:t>
+            </a:r>
+            <a:endParaRPr lang="en-US" dirty="0"/>
+          </a:p>
+        </p:txBody>
+      </p:sp>
+      <p:sp>
+        <p:nvSpPr>
+          <p:cNvPr id="4" name="Text Placeholder 3"/>
+          <p:cNvSpPr>
+            <a:spLocks noGrp="1"/>
+          </p:cNvSpPr>
+          <p:nvPr>
+            <p:ph type="body" sz="half" idx="2"/>
+          </p:nvPr>
+        </p:nvSpPr>
+        <p:spPr>
+          <a:xfrm>
+            <a:off x="677334" y="2777069"/>
+            <a:ext cx="3854528" cy="2584449"/>
           </a:xfrm>
         </p:spPr>
         <p:txBody>
@@ -2264,37 +5741,37 @@
           <a:lstStyle>
             <a:lvl1pPr marL="0" indent="0">
               <a:buNone/>
-              <a:defRPr sz="2000"/>
+              <a:defRPr sz="1400"/>
             </a:lvl1pPr>
-            <a:lvl2pPr marL="457200" indent="0">
+            <a:lvl2pPr marL="457063" indent="0">
               <a:buNone/>
               <a:defRPr sz="1400"/>
             </a:lvl2pPr>
-            <a:lvl3pPr marL="914400" indent="0">
+            <a:lvl3pPr marL="914126" indent="0">
               <a:buNone/>
               <a:defRPr sz="1200"/>
             </a:lvl3pPr>
-            <a:lvl4pPr marL="1371600" indent="0">
+            <a:lvl4pPr marL="1371189" indent="0">
               <a:buNone/>
               <a:defRPr sz="1000"/>
             </a:lvl4pPr>
-            <a:lvl5pPr marL="1828800" indent="0">
+            <a:lvl5pPr marL="1828251" indent="0">
               <a:buNone/>
               <a:defRPr sz="1000"/>
             </a:lvl5pPr>
-            <a:lvl6pPr marL="2286000" indent="0">
+            <a:lvl6pPr marL="2285314" indent="0">
               <a:buNone/>
               <a:defRPr sz="1000"/>
             </a:lvl6pPr>
-            <a:lvl7pPr marL="2743200" indent="0">
+            <a:lvl7pPr marL="2742377" indent="0">
               <a:buNone/>
               <a:defRPr sz="1000"/>
             </a:lvl7pPr>
-            <a:lvl8pPr marL="3200400" indent="0">
+            <a:lvl8pPr marL="3199440" indent="0">
               <a:buNone/>
               <a:defRPr sz="1000"/>
             </a:lvl8pPr>
-            <a:lvl9pPr marL="3657600" indent="0">
+            <a:lvl9pPr marL="3656503" indent="0">
               <a:buNone/>
               <a:defRPr sz="1000"/>
             </a:lvl9pPr>
@@ -2302,7 +5779,7 @@
           <a:p>
             <a:pPr lvl="0"/>
             <a:r>
-              <a:rPr lang="en-US" dirty="0" smtClean="0"/>
+              <a:rPr lang="en-US" smtClean="0"/>
               <a:t>Click to edit Master text styles</a:t>
             </a:r>
           </a:p>
@@ -2376,268 +5853,7 @@
     </p:spTree>
     <p:extLst>
       <p:ext uri="{BB962C8B-B14F-4D97-AF65-F5344CB8AC3E}">
-        <p14:creationId xmlns:p14="http://schemas.microsoft.com/office/powerpoint/2010/main" val="3716879604"/>
-      </p:ext>
-    </p:extLst>
-  </p:cSld>
-  <p:clrMapOvr>
-    <a:masterClrMapping/>
-  </p:clrMapOvr>
-</p:sldLayout>
-</file>
-
-<file path=ppt/slideLayouts/slideLayout9.xml><?xml version="1.0" encoding="utf-8"?>
-<p:sldLayout xmlns:a="http://schemas.openxmlformats.org/drawingml/2006/main" xmlns:r="http://schemas.openxmlformats.org/officeDocument/2006/relationships" xmlns:p="http://schemas.openxmlformats.org/presentationml/2006/main" type="picTx" preserve="1">
-  <p:cSld name="Picture with Caption">
-    <p:spTree>
-      <p:nvGrpSpPr>
-        <p:cNvPr id="1" name=""/>
-        <p:cNvGrpSpPr/>
-        <p:nvPr/>
-      </p:nvGrpSpPr>
-      <p:grpSpPr>
-        <a:xfrm>
-          <a:off x="0" y="0"/>
-          <a:ext cx="0" cy="0"/>
-          <a:chOff x="0" y="0"/>
-          <a:chExt cx="0" cy="0"/>
-        </a:xfrm>
-      </p:grpSpPr>
-      <p:sp>
-        <p:nvSpPr>
-          <p:cNvPr id="2" name="Title 1"/>
-          <p:cNvSpPr>
-            <a:spLocks noGrp="1"/>
-          </p:cNvSpPr>
-          <p:nvPr>
-            <p:ph type="title"/>
-          </p:nvPr>
-        </p:nvSpPr>
-        <p:spPr>
-          <a:xfrm>
-            <a:off x="838200" y="457200"/>
-            <a:ext cx="10515600" cy="1600200"/>
-          </a:xfrm>
-        </p:spPr>
-        <p:txBody>
-          <a:bodyPr anchor="ctr"/>
-          <a:lstStyle>
-            <a:lvl1pPr>
-              <a:defRPr sz="3200"/>
-            </a:lvl1pPr>
-          </a:lstStyle>
-          <a:p>
-            <a:r>
-              <a:rPr lang="en-US" smtClean="0"/>
-              <a:t>Click to edit Master title style</a:t>
-            </a:r>
-            <a:endParaRPr lang="en-GB"/>
-          </a:p>
-        </p:txBody>
-      </p:sp>
-      <p:sp>
-        <p:nvSpPr>
-          <p:cNvPr id="3" name="Picture Placeholder 2"/>
-          <p:cNvSpPr>
-            <a:spLocks noGrp="1"/>
-          </p:cNvSpPr>
-          <p:nvPr>
-            <p:ph type="pic" idx="1"/>
-          </p:nvPr>
-        </p:nvSpPr>
-        <p:spPr>
-          <a:xfrm>
-            <a:off x="838200" y="2427605"/>
-            <a:ext cx="10515600" cy="3584575"/>
-          </a:xfrm>
-        </p:spPr>
-        <p:txBody>
-          <a:bodyPr>
-            <a:normAutofit/>
-          </a:bodyPr>
-          <a:lstStyle>
-            <a:lvl1pPr marL="0" indent="0">
-              <a:buNone/>
-              <a:defRPr sz="2000"/>
-            </a:lvl1pPr>
-            <a:lvl2pPr marL="457200" indent="0">
-              <a:buNone/>
-              <a:defRPr sz="2800"/>
-            </a:lvl2pPr>
-            <a:lvl3pPr marL="914400" indent="0">
-              <a:buNone/>
-              <a:defRPr sz="2400"/>
-            </a:lvl3pPr>
-            <a:lvl4pPr marL="1371600" indent="0">
-              <a:buNone/>
-              <a:defRPr sz="2000"/>
-            </a:lvl4pPr>
-            <a:lvl5pPr marL="1828800" indent="0">
-              <a:buNone/>
-              <a:defRPr sz="2000"/>
-            </a:lvl5pPr>
-            <a:lvl6pPr marL="2286000" indent="0">
-              <a:buNone/>
-              <a:defRPr sz="2000"/>
-            </a:lvl6pPr>
-            <a:lvl7pPr marL="2743200" indent="0">
-              <a:buNone/>
-              <a:defRPr sz="2000"/>
-            </a:lvl7pPr>
-            <a:lvl8pPr marL="3200400" indent="0">
-              <a:buNone/>
-              <a:defRPr sz="2000"/>
-            </a:lvl8pPr>
-            <a:lvl9pPr marL="3657600" indent="0">
-              <a:buNone/>
-              <a:defRPr sz="2000"/>
-            </a:lvl9pPr>
-          </a:lstStyle>
-          <a:p>
-            <a:r>
-              <a:rPr lang="en-US" smtClean="0"/>
-              <a:t>Click icon to add picture</a:t>
-            </a:r>
-            <a:endParaRPr lang="en-GB"/>
-          </a:p>
-        </p:txBody>
-      </p:sp>
-      <p:sp>
-        <p:nvSpPr>
-          <p:cNvPr id="4" name="Text Placeholder 3"/>
-          <p:cNvSpPr>
-            <a:spLocks noGrp="1"/>
-          </p:cNvSpPr>
-          <p:nvPr>
-            <p:ph type="body" sz="half" idx="2"/>
-          </p:nvPr>
-        </p:nvSpPr>
-        <p:spPr>
-          <a:xfrm>
-            <a:off x="839788" y="2057400"/>
-            <a:ext cx="10514012" cy="3811588"/>
-          </a:xfrm>
-        </p:spPr>
-        <p:txBody>
-          <a:bodyPr>
-            <a:normAutofit/>
-          </a:bodyPr>
-          <a:lstStyle>
-            <a:lvl1pPr marL="0" indent="0" algn="l">
-              <a:buNone/>
-              <a:defRPr sz="2000"/>
-            </a:lvl1pPr>
-            <a:lvl2pPr marL="457200" indent="0">
-              <a:buNone/>
-              <a:defRPr sz="1400"/>
-            </a:lvl2pPr>
-            <a:lvl3pPr marL="914400" indent="0">
-              <a:buNone/>
-              <a:defRPr sz="1200"/>
-            </a:lvl3pPr>
-            <a:lvl4pPr marL="1371600" indent="0">
-              <a:buNone/>
-              <a:defRPr sz="1000"/>
-            </a:lvl4pPr>
-            <a:lvl5pPr marL="1828800" indent="0">
-              <a:buNone/>
-              <a:defRPr sz="1000"/>
-            </a:lvl5pPr>
-            <a:lvl6pPr marL="2286000" indent="0">
-              <a:buNone/>
-              <a:defRPr sz="1000"/>
-            </a:lvl6pPr>
-            <a:lvl7pPr marL="2743200" indent="0">
-              <a:buNone/>
-              <a:defRPr sz="1000"/>
-            </a:lvl7pPr>
-            <a:lvl8pPr marL="3200400" indent="0">
-              <a:buNone/>
-              <a:defRPr sz="1000"/>
-            </a:lvl8pPr>
-            <a:lvl9pPr marL="3657600" indent="0">
-              <a:buNone/>
-              <a:defRPr sz="1000"/>
-            </a:lvl9pPr>
-          </a:lstStyle>
-          <a:p>
-            <a:pPr lvl="0"/>
-            <a:r>
-              <a:rPr lang="en-US" dirty="0" smtClean="0"/>
-              <a:t>Click to edit Master text styles</a:t>
-            </a:r>
-          </a:p>
-        </p:txBody>
-      </p:sp>
-      <p:sp>
-        <p:nvSpPr>
-          <p:cNvPr id="5" name="Date Placeholder 4"/>
-          <p:cNvSpPr>
-            <a:spLocks noGrp="1"/>
-          </p:cNvSpPr>
-          <p:nvPr>
-            <p:ph type="dt" sz="half" idx="10"/>
-          </p:nvPr>
-        </p:nvSpPr>
-        <p:spPr/>
-        <p:txBody>
-          <a:bodyPr/>
-          <a:lstStyle/>
-          <a:p>
-            <a:fld id="{0FA3285A-3BF8-4E93-8A4F-3C436A480EC2}" type="datetimeFigureOut">
-              <a:rPr lang="en-GB" smtClean="0"/>
-              <a:t>30/11/2020</a:t>
-            </a:fld>
-            <a:endParaRPr lang="en-GB"/>
-          </a:p>
-        </p:txBody>
-      </p:sp>
-      <p:sp>
-        <p:nvSpPr>
-          <p:cNvPr id="6" name="Footer Placeholder 5"/>
-          <p:cNvSpPr>
-            <a:spLocks noGrp="1"/>
-          </p:cNvSpPr>
-          <p:nvPr>
-            <p:ph type="ftr" sz="quarter" idx="11"/>
-          </p:nvPr>
-        </p:nvSpPr>
-        <p:spPr/>
-        <p:txBody>
-          <a:bodyPr/>
-          <a:lstStyle/>
-          <a:p>
-            <a:endParaRPr lang="en-GB"/>
-          </a:p>
-        </p:txBody>
-      </p:sp>
-      <p:sp>
-        <p:nvSpPr>
-          <p:cNvPr id="7" name="Slide Number Placeholder 6"/>
-          <p:cNvSpPr>
-            <a:spLocks noGrp="1"/>
-          </p:cNvSpPr>
-          <p:nvPr>
-            <p:ph type="sldNum" sz="quarter" idx="12"/>
-          </p:nvPr>
-        </p:nvSpPr>
-        <p:spPr/>
-        <p:txBody>
-          <a:bodyPr/>
-          <a:lstStyle/>
-          <a:p>
-            <a:fld id="{1B80D510-81BF-4116-8778-0A1E4C57F434}" type="slidenum">
-              <a:rPr lang="en-GB" smtClean="0"/>
-              <a:t>‹#›</a:t>
-            </a:fld>
-            <a:endParaRPr lang="en-GB"/>
-          </a:p>
-        </p:txBody>
-      </p:sp>
-    </p:spTree>
-    <p:extLst>
-      <p:ext uri="{BB962C8B-B14F-4D97-AF65-F5344CB8AC3E}">
-        <p14:creationId xmlns:p14="http://schemas.microsoft.com/office/powerpoint/2010/main" val="749349870"/>
+        <p14:creationId xmlns:p14="http://schemas.microsoft.com/office/powerpoint/2010/main" val="606626385"/>
       </p:ext>
     </p:extLst>
   </p:cSld>
@@ -2669,6 +5885,536 @@
           <a:chExt cx="0" cy="0"/>
         </a:xfrm>
       </p:grpSpPr>
+      <p:grpSp>
+        <p:nvGrpSpPr>
+          <p:cNvPr id="7" name="Group 6"/>
+          <p:cNvGrpSpPr/>
+          <p:nvPr/>
+        </p:nvGrpSpPr>
+        <p:grpSpPr>
+          <a:xfrm>
+            <a:off x="0" y="-8467"/>
+            <a:ext cx="12192000" cy="6866467"/>
+            <a:chOff x="0" y="-8467"/>
+            <a:chExt cx="12192000" cy="6866467"/>
+          </a:xfrm>
+        </p:grpSpPr>
+        <p:cxnSp>
+          <p:nvCxnSpPr>
+            <p:cNvPr id="20" name="Straight Connector 19"/>
+            <p:cNvCxnSpPr/>
+            <p:nvPr/>
+          </p:nvCxnSpPr>
+          <p:spPr>
+            <a:xfrm>
+              <a:off x="9371012" y="0"/>
+              <a:ext cx="1219200" cy="6858000"/>
+            </a:xfrm>
+            <a:prstGeom prst="line">
+              <a:avLst/>
+            </a:prstGeom>
+            <a:ln w="9525">
+              <a:solidFill>
+                <a:schemeClr val="bg1">
+                  <a:lumMod val="75000"/>
+                </a:schemeClr>
+              </a:solidFill>
+            </a:ln>
+          </p:spPr>
+          <p:style>
+            <a:lnRef idx="2">
+              <a:schemeClr val="accent1"/>
+            </a:lnRef>
+            <a:fillRef idx="0">
+              <a:schemeClr val="accent1"/>
+            </a:fillRef>
+            <a:effectRef idx="1">
+              <a:schemeClr val="accent1"/>
+            </a:effectRef>
+            <a:fontRef idx="minor">
+              <a:schemeClr val="tx1"/>
+            </a:fontRef>
+          </p:style>
+        </p:cxnSp>
+        <p:cxnSp>
+          <p:nvCxnSpPr>
+            <p:cNvPr id="21" name="Straight Connector 20"/>
+            <p:cNvCxnSpPr/>
+            <p:nvPr/>
+          </p:nvCxnSpPr>
+          <p:spPr>
+            <a:xfrm flipH="1">
+              <a:off x="7425267" y="3681413"/>
+              <a:ext cx="4763558" cy="3176587"/>
+            </a:xfrm>
+            <a:prstGeom prst="line">
+              <a:avLst/>
+            </a:prstGeom>
+            <a:ln w="9525">
+              <a:solidFill>
+                <a:schemeClr val="bg1">
+                  <a:lumMod val="85000"/>
+                </a:schemeClr>
+              </a:solidFill>
+            </a:ln>
+          </p:spPr>
+          <p:style>
+            <a:lnRef idx="2">
+              <a:schemeClr val="accent1"/>
+            </a:lnRef>
+            <a:fillRef idx="0">
+              <a:schemeClr val="accent1"/>
+            </a:fillRef>
+            <a:effectRef idx="1">
+              <a:schemeClr val="accent1"/>
+            </a:effectRef>
+            <a:fontRef idx="minor">
+              <a:schemeClr val="tx1"/>
+            </a:fontRef>
+          </p:style>
+        </p:cxnSp>
+        <p:sp>
+          <p:nvSpPr>
+            <p:cNvPr id="22" name="Rectangle 23"/>
+            <p:cNvSpPr/>
+            <p:nvPr/>
+          </p:nvSpPr>
+          <p:spPr>
+            <a:xfrm>
+              <a:off x="9181476" y="-8467"/>
+              <a:ext cx="3007349" cy="6866467"/>
+            </a:xfrm>
+            <a:custGeom>
+              <a:avLst/>
+              <a:gdLst/>
+              <a:ahLst/>
+              <a:cxnLst/>
+              <a:rect l="l" t="t" r="r" b="b"/>
+              <a:pathLst>
+                <a:path w="3007349" h="6866467">
+                  <a:moveTo>
+                    <a:pt x="2045532" y="0"/>
+                  </a:moveTo>
+                  <a:lnTo>
+                    <a:pt x="3007349" y="0"/>
+                  </a:lnTo>
+                  <a:lnTo>
+                    <a:pt x="3007349" y="6866467"/>
+                  </a:lnTo>
+                  <a:lnTo>
+                    <a:pt x="0" y="6866467"/>
+                  </a:lnTo>
+                  <a:lnTo>
+                    <a:pt x="2045532" y="0"/>
+                  </a:lnTo>
+                  <a:close/>
+                </a:path>
+              </a:pathLst>
+            </a:custGeom>
+            <a:solidFill>
+              <a:schemeClr val="accent1">
+                <a:alpha val="30000"/>
+              </a:schemeClr>
+            </a:solidFill>
+            <a:ln>
+              <a:noFill/>
+            </a:ln>
+            <a:effectLst/>
+          </p:spPr>
+          <p:style>
+            <a:lnRef idx="1">
+              <a:schemeClr val="accent1"/>
+            </a:lnRef>
+            <a:fillRef idx="3">
+              <a:schemeClr val="accent1"/>
+            </a:fillRef>
+            <a:effectRef idx="2">
+              <a:schemeClr val="accent1"/>
+            </a:effectRef>
+            <a:fontRef idx="minor">
+              <a:schemeClr val="lt1"/>
+            </a:fontRef>
+          </p:style>
+        </p:sp>
+        <p:sp>
+          <p:nvSpPr>
+            <p:cNvPr id="23" name="Rectangle 25"/>
+            <p:cNvSpPr/>
+            <p:nvPr/>
+          </p:nvSpPr>
+          <p:spPr>
+            <a:xfrm>
+              <a:off x="9603442" y="-8467"/>
+              <a:ext cx="2588558" cy="6866467"/>
+            </a:xfrm>
+            <a:custGeom>
+              <a:avLst/>
+              <a:gdLst/>
+              <a:ahLst/>
+              <a:cxnLst/>
+              <a:rect l="l" t="t" r="r" b="b"/>
+              <a:pathLst>
+                <a:path w="2573311" h="6866467">
+                  <a:moveTo>
+                    <a:pt x="0" y="0"/>
+                  </a:moveTo>
+                  <a:lnTo>
+                    <a:pt x="2573311" y="0"/>
+                  </a:lnTo>
+                  <a:lnTo>
+                    <a:pt x="2573311" y="6866467"/>
+                  </a:lnTo>
+                  <a:lnTo>
+                    <a:pt x="1202336" y="6866467"/>
+                  </a:lnTo>
+                  <a:lnTo>
+                    <a:pt x="0" y="0"/>
+                  </a:lnTo>
+                  <a:close/>
+                </a:path>
+              </a:pathLst>
+            </a:custGeom>
+            <a:solidFill>
+              <a:schemeClr val="accent1">
+                <a:alpha val="20000"/>
+              </a:schemeClr>
+            </a:solidFill>
+            <a:ln>
+              <a:noFill/>
+            </a:ln>
+            <a:effectLst/>
+          </p:spPr>
+          <p:style>
+            <a:lnRef idx="1">
+              <a:schemeClr val="accent1"/>
+            </a:lnRef>
+            <a:fillRef idx="3">
+              <a:schemeClr val="accent1"/>
+            </a:fillRef>
+            <a:effectRef idx="2">
+              <a:schemeClr val="accent1"/>
+            </a:effectRef>
+            <a:fontRef idx="minor">
+              <a:schemeClr val="lt1"/>
+            </a:fontRef>
+          </p:style>
+        </p:sp>
+        <p:sp>
+          <p:nvSpPr>
+            <p:cNvPr id="24" name="Isosceles Triangle 23"/>
+            <p:cNvSpPr/>
+            <p:nvPr/>
+          </p:nvSpPr>
+          <p:spPr>
+            <a:xfrm>
+              <a:off x="8932333" y="3048000"/>
+              <a:ext cx="3259667" cy="3810000"/>
+            </a:xfrm>
+            <a:prstGeom prst="triangle">
+              <a:avLst>
+                <a:gd name="adj" fmla="val 100000"/>
+              </a:avLst>
+            </a:prstGeom>
+            <a:solidFill>
+              <a:schemeClr val="accent2">
+                <a:alpha val="72000"/>
+              </a:schemeClr>
+            </a:solidFill>
+            <a:ln>
+              <a:noFill/>
+            </a:ln>
+            <a:effectLst/>
+          </p:spPr>
+          <p:style>
+            <a:lnRef idx="1">
+              <a:schemeClr val="accent1"/>
+            </a:lnRef>
+            <a:fillRef idx="3">
+              <a:schemeClr val="accent1"/>
+            </a:fillRef>
+            <a:effectRef idx="2">
+              <a:schemeClr val="accent1"/>
+            </a:effectRef>
+            <a:fontRef idx="minor">
+              <a:schemeClr val="lt1"/>
+            </a:fontRef>
+          </p:style>
+        </p:sp>
+        <p:sp>
+          <p:nvSpPr>
+            <p:cNvPr id="25" name="Rectangle 27"/>
+            <p:cNvSpPr/>
+            <p:nvPr/>
+          </p:nvSpPr>
+          <p:spPr>
+            <a:xfrm>
+              <a:off x="9334500" y="-8467"/>
+              <a:ext cx="2854326" cy="6866467"/>
+            </a:xfrm>
+            <a:custGeom>
+              <a:avLst/>
+              <a:gdLst/>
+              <a:ahLst/>
+              <a:cxnLst/>
+              <a:rect l="l" t="t" r="r" b="b"/>
+              <a:pathLst>
+                <a:path w="2858013" h="6866467">
+                  <a:moveTo>
+                    <a:pt x="0" y="0"/>
+                  </a:moveTo>
+                  <a:lnTo>
+                    <a:pt x="2858013" y="0"/>
+                  </a:lnTo>
+                  <a:lnTo>
+                    <a:pt x="2858013" y="6866467"/>
+                  </a:lnTo>
+                  <a:lnTo>
+                    <a:pt x="2473942" y="6866467"/>
+                  </a:lnTo>
+                  <a:lnTo>
+                    <a:pt x="0" y="0"/>
+                  </a:lnTo>
+                  <a:close/>
+                </a:path>
+              </a:pathLst>
+            </a:custGeom>
+            <a:solidFill>
+              <a:schemeClr val="accent2">
+                <a:lumMod val="75000"/>
+                <a:alpha val="70000"/>
+              </a:schemeClr>
+            </a:solidFill>
+            <a:ln>
+              <a:noFill/>
+            </a:ln>
+            <a:effectLst/>
+          </p:spPr>
+          <p:style>
+            <a:lnRef idx="1">
+              <a:schemeClr val="accent1"/>
+            </a:lnRef>
+            <a:fillRef idx="3">
+              <a:schemeClr val="accent1"/>
+            </a:fillRef>
+            <a:effectRef idx="2">
+              <a:schemeClr val="accent1"/>
+            </a:effectRef>
+            <a:fontRef idx="minor">
+              <a:schemeClr val="lt1"/>
+            </a:fontRef>
+          </p:style>
+        </p:sp>
+        <p:sp>
+          <p:nvSpPr>
+            <p:cNvPr id="26" name="Rectangle 28"/>
+            <p:cNvSpPr/>
+            <p:nvPr/>
+          </p:nvSpPr>
+          <p:spPr>
+            <a:xfrm>
+              <a:off x="10898730" y="-8467"/>
+              <a:ext cx="1290094" cy="6866467"/>
+            </a:xfrm>
+            <a:custGeom>
+              <a:avLst/>
+              <a:gdLst/>
+              <a:ahLst/>
+              <a:cxnLst/>
+              <a:rect l="l" t="t" r="r" b="b"/>
+              <a:pathLst>
+                <a:path w="1290094" h="6858000">
+                  <a:moveTo>
+                    <a:pt x="1019735" y="0"/>
+                  </a:moveTo>
+                  <a:lnTo>
+                    <a:pt x="1290094" y="0"/>
+                  </a:lnTo>
+                  <a:lnTo>
+                    <a:pt x="1290094" y="6858000"/>
+                  </a:lnTo>
+                  <a:lnTo>
+                    <a:pt x="0" y="6858000"/>
+                  </a:lnTo>
+                  <a:lnTo>
+                    <a:pt x="1019735" y="0"/>
+                  </a:lnTo>
+                  <a:close/>
+                </a:path>
+              </a:pathLst>
+            </a:custGeom>
+            <a:solidFill>
+              <a:schemeClr val="accent1">
+                <a:lumMod val="60000"/>
+                <a:lumOff val="40000"/>
+                <a:alpha val="70000"/>
+              </a:schemeClr>
+            </a:solidFill>
+            <a:ln>
+              <a:noFill/>
+            </a:ln>
+            <a:effectLst/>
+          </p:spPr>
+          <p:style>
+            <a:lnRef idx="1">
+              <a:schemeClr val="accent1"/>
+            </a:lnRef>
+            <a:fillRef idx="3">
+              <a:schemeClr val="accent1"/>
+            </a:fillRef>
+            <a:effectRef idx="2">
+              <a:schemeClr val="accent1"/>
+            </a:effectRef>
+            <a:fontRef idx="minor">
+              <a:schemeClr val="lt1"/>
+            </a:fontRef>
+          </p:style>
+        </p:sp>
+        <p:sp>
+          <p:nvSpPr>
+            <p:cNvPr id="27" name="Rectangle 29"/>
+            <p:cNvSpPr/>
+            <p:nvPr/>
+          </p:nvSpPr>
+          <p:spPr>
+            <a:xfrm>
+              <a:off x="10938999" y="-8467"/>
+              <a:ext cx="1249825" cy="6866467"/>
+            </a:xfrm>
+            <a:custGeom>
+              <a:avLst/>
+              <a:gdLst/>
+              <a:ahLst/>
+              <a:cxnLst/>
+              <a:rect l="l" t="t" r="r" b="b"/>
+              <a:pathLst>
+                <a:path w="1249825" h="6858000">
+                  <a:moveTo>
+                    <a:pt x="0" y="0"/>
+                  </a:moveTo>
+                  <a:lnTo>
+                    <a:pt x="1249825" y="0"/>
+                  </a:lnTo>
+                  <a:lnTo>
+                    <a:pt x="1249825" y="6858000"/>
+                  </a:lnTo>
+                  <a:lnTo>
+                    <a:pt x="1109382" y="6858000"/>
+                  </a:lnTo>
+                  <a:lnTo>
+                    <a:pt x="0" y="0"/>
+                  </a:lnTo>
+                  <a:close/>
+                </a:path>
+              </a:pathLst>
+            </a:custGeom>
+            <a:solidFill>
+              <a:schemeClr val="accent1">
+                <a:alpha val="65000"/>
+              </a:schemeClr>
+            </a:solidFill>
+            <a:ln>
+              <a:noFill/>
+            </a:ln>
+            <a:effectLst/>
+          </p:spPr>
+          <p:style>
+            <a:lnRef idx="1">
+              <a:schemeClr val="accent1"/>
+            </a:lnRef>
+            <a:fillRef idx="3">
+              <a:schemeClr val="accent1"/>
+            </a:fillRef>
+            <a:effectRef idx="2">
+              <a:schemeClr val="accent1"/>
+            </a:effectRef>
+            <a:fontRef idx="minor">
+              <a:schemeClr val="lt1"/>
+            </a:fontRef>
+          </p:style>
+        </p:sp>
+        <p:sp>
+          <p:nvSpPr>
+            <p:cNvPr id="28" name="Isosceles Triangle 27"/>
+            <p:cNvSpPr/>
+            <p:nvPr/>
+          </p:nvSpPr>
+          <p:spPr>
+            <a:xfrm>
+              <a:off x="10371666" y="3589867"/>
+              <a:ext cx="1817159" cy="3268133"/>
+            </a:xfrm>
+            <a:prstGeom prst="triangle">
+              <a:avLst>
+                <a:gd name="adj" fmla="val 100000"/>
+              </a:avLst>
+            </a:prstGeom>
+            <a:solidFill>
+              <a:schemeClr val="accent1">
+                <a:alpha val="80000"/>
+              </a:schemeClr>
+            </a:solidFill>
+            <a:ln>
+              <a:noFill/>
+            </a:ln>
+            <a:effectLst/>
+          </p:spPr>
+          <p:style>
+            <a:lnRef idx="1">
+              <a:schemeClr val="accent1"/>
+            </a:lnRef>
+            <a:fillRef idx="3">
+              <a:schemeClr val="accent1"/>
+            </a:fillRef>
+            <a:effectRef idx="2">
+              <a:schemeClr val="accent1"/>
+            </a:effectRef>
+            <a:fontRef idx="minor">
+              <a:schemeClr val="lt1"/>
+            </a:fontRef>
+          </p:style>
+        </p:sp>
+        <p:sp>
+          <p:nvSpPr>
+            <p:cNvPr id="29" name="Isosceles Triangle 28"/>
+            <p:cNvSpPr/>
+            <p:nvPr/>
+          </p:nvSpPr>
+          <p:spPr>
+            <a:xfrm>
+              <a:off x="0" y="4013200"/>
+              <a:ext cx="448733" cy="2844800"/>
+            </a:xfrm>
+            <a:prstGeom prst="triangle">
+              <a:avLst>
+                <a:gd name="adj" fmla="val 0"/>
+              </a:avLst>
+            </a:prstGeom>
+            <a:solidFill>
+              <a:schemeClr val="accent1">
+                <a:alpha val="85000"/>
+              </a:schemeClr>
+            </a:solidFill>
+            <a:ln>
+              <a:noFill/>
+            </a:ln>
+            <a:effectLst/>
+          </p:spPr>
+          <p:style>
+            <a:lnRef idx="1">
+              <a:schemeClr val="accent1"/>
+            </a:lnRef>
+            <a:fillRef idx="3">
+              <a:schemeClr val="accent1"/>
+            </a:fillRef>
+            <a:effectRef idx="2">
+              <a:schemeClr val="accent1"/>
+            </a:effectRef>
+            <a:fontRef idx="minor">
+              <a:schemeClr val="lt1"/>
+            </a:fontRef>
+          </p:style>
+        </p:sp>
+      </p:grpSp>
       <p:sp>
         <p:nvSpPr>
           <p:cNvPr id="2" name="Title Placeholder 1"/>
@@ -2681,24 +6427,24 @@
         </p:nvSpPr>
         <p:spPr>
           <a:xfrm>
-            <a:off x="838200" y="365125"/>
-            <a:ext cx="10515600" cy="1325563"/>
+            <a:off x="677334" y="609600"/>
+            <a:ext cx="8596668" cy="1320800"/>
           </a:xfrm>
           <a:prstGeom prst="rect">
             <a:avLst/>
           </a:prstGeom>
         </p:spPr>
         <p:txBody>
-          <a:bodyPr vert="horz" lIns="91440" tIns="45720" rIns="91440" bIns="45720" rtlCol="0" anchor="ctr">
+          <a:bodyPr vert="horz" lIns="91440" tIns="45720" rIns="91440" bIns="45720" rtlCol="0" anchor="t">
             <a:normAutofit/>
           </a:bodyPr>
           <a:lstStyle/>
           <a:p>
             <a:r>
-              <a:rPr lang="en-US" dirty="0" smtClean="0"/>
+              <a:rPr lang="en-US" smtClean="0"/>
               <a:t>Click to edit Master title style</a:t>
             </a:r>
-            <a:endParaRPr lang="en-GB" dirty="0"/>
+            <a:endParaRPr lang="en-US" dirty="0"/>
           </a:p>
         </p:txBody>
       </p:sp>
@@ -2714,8 +6460,8 @@
         </p:nvSpPr>
         <p:spPr>
           <a:xfrm>
-            <a:off x="838200" y="1825625"/>
-            <a:ext cx="10515600" cy="4351338"/>
+            <a:off x="677334" y="2160589"/>
+            <a:ext cx="8596668" cy="3880773"/>
           </a:xfrm>
           <a:prstGeom prst="rect">
             <a:avLst/>
@@ -2760,7 +6506,7 @@
               <a:rPr lang="en-US" smtClean="0"/>
               <a:t>Fifth level</a:t>
             </a:r>
-            <a:endParaRPr lang="en-GB" dirty="0"/>
+            <a:endParaRPr lang="en-US" dirty="0"/>
           </a:p>
         </p:txBody>
       </p:sp>
@@ -2776,8 +6522,8 @@
         </p:nvSpPr>
         <p:spPr>
           <a:xfrm>
-            <a:off x="838200" y="6356350"/>
-            <a:ext cx="2743200" cy="365125"/>
+            <a:off x="7205133" y="6041362"/>
+            <a:ext cx="911939" cy="365125"/>
           </a:xfrm>
           <a:prstGeom prst="rect">
             <a:avLst/>
@@ -2786,8 +6532,8 @@
         <p:txBody>
           <a:bodyPr vert="horz" lIns="91440" tIns="45720" rIns="91440" bIns="45720" rtlCol="0" anchor="ctr"/>
           <a:lstStyle>
-            <a:lvl1pPr algn="l">
-              <a:defRPr sz="1200">
+            <a:lvl1pPr algn="r">
+              <a:defRPr sz="900">
                 <a:solidFill>
                   <a:schemeClr val="tx1">
                     <a:tint val="75000"/>
@@ -2817,8 +6563,8 @@
         </p:nvSpPr>
         <p:spPr>
           <a:xfrm>
-            <a:off x="4038600" y="6356350"/>
-            <a:ext cx="4114800" cy="365125"/>
+            <a:off x="677334" y="6041362"/>
+            <a:ext cx="6297612" cy="365125"/>
           </a:xfrm>
           <a:prstGeom prst="rect">
             <a:avLst/>
@@ -2827,8 +6573,8 @@
         <p:txBody>
           <a:bodyPr vert="horz" lIns="91440" tIns="45720" rIns="91440" bIns="45720" rtlCol="0" anchor="ctr"/>
           <a:lstStyle>
-            <a:lvl1pPr algn="ctr">
-              <a:defRPr sz="1200">
+            <a:lvl1pPr algn="l">
+              <a:defRPr sz="900">
                 <a:solidFill>
                   <a:schemeClr val="tx1">
                     <a:tint val="75000"/>
@@ -2854,8 +6600,8 @@
         </p:nvSpPr>
         <p:spPr>
           <a:xfrm>
-            <a:off x="8610600" y="6356350"/>
-            <a:ext cx="2743200" cy="365125"/>
+            <a:off x="8590663" y="6041362"/>
+            <a:ext cx="683339" cy="365125"/>
           </a:xfrm>
           <a:prstGeom prst="rect">
             <a:avLst/>
@@ -2865,11 +6611,9 @@
           <a:bodyPr vert="horz" lIns="91440" tIns="45720" rIns="91440" bIns="45720" rtlCol="0" anchor="ctr"/>
           <a:lstStyle>
             <a:lvl1pPr algn="r">
-              <a:defRPr sz="1200">
+              <a:defRPr sz="900">
                 <a:solidFill>
-                  <a:schemeClr val="tx1">
-                    <a:tint val="75000"/>
-                  </a:schemeClr>
+                  <a:schemeClr val="accent1"/>
                 </a:solidFill>
               </a:defRPr>
             </a:lvl1pPr>
@@ -2886,201 +6630,324 @@
     </p:spTree>
     <p:extLst>
       <p:ext uri="{BB962C8B-B14F-4D97-AF65-F5344CB8AC3E}">
-        <p14:creationId xmlns:p14="http://schemas.microsoft.com/office/powerpoint/2010/main" val="2944605756"/>
+        <p14:creationId xmlns:p14="http://schemas.microsoft.com/office/powerpoint/2010/main" val="4238247373"/>
       </p:ext>
     </p:extLst>
   </p:cSld>
   <p:clrMap bg1="lt1" tx1="dk1" bg2="lt2" tx2="dk2" accent1="accent1" accent2="accent2" accent3="accent3" accent4="accent4" accent5="accent5" accent6="accent6" hlink="hlink" folHlink="folHlink"/>
   <p:sldLayoutIdLst>
-    <p:sldLayoutId id="2147483649" r:id="rId1"/>
-    <p:sldLayoutId id="2147483650" r:id="rId2"/>
-    <p:sldLayoutId id="2147483654" r:id="rId3"/>
-    <p:sldLayoutId id="2147483651" r:id="rId4"/>
-    <p:sldLayoutId id="2147483652" r:id="rId5"/>
-    <p:sldLayoutId id="2147483653" r:id="rId6"/>
-    <p:sldLayoutId id="2147483655" r:id="rId7"/>
-    <p:sldLayoutId id="2147483656" r:id="rId8"/>
-    <p:sldLayoutId id="2147483657" r:id="rId9"/>
-    <p:sldLayoutId id="2147483658" r:id="rId10"/>
-    <p:sldLayoutId id="2147483659" r:id="rId11"/>
+    <p:sldLayoutId id="2147483732" r:id="rId1"/>
+    <p:sldLayoutId id="2147483733" r:id="rId2"/>
+    <p:sldLayoutId id="2147483748" r:id="rId3"/>
+    <p:sldLayoutId id="2147483734" r:id="rId4"/>
+    <p:sldLayoutId id="2147483735" r:id="rId5"/>
+    <p:sldLayoutId id="2147483736" r:id="rId6"/>
+    <p:sldLayoutId id="2147483737" r:id="rId7"/>
+    <p:sldLayoutId id="2147483738" r:id="rId8"/>
+    <p:sldLayoutId id="2147483739" r:id="rId9"/>
+    <p:sldLayoutId id="2147483740" r:id="rId10"/>
+    <p:sldLayoutId id="2147483741" r:id="rId11"/>
+    <p:sldLayoutId id="2147483742" r:id="rId12"/>
+    <p:sldLayoutId id="2147483743" r:id="rId13"/>
+    <p:sldLayoutId id="2147483744" r:id="rId14"/>
+    <p:sldLayoutId id="2147483745" r:id="rId15"/>
+    <p:sldLayoutId id="2147483746" r:id="rId16"/>
+    <p:sldLayoutId id="2147483747" r:id="rId17"/>
+    <p:sldLayoutId id="2147483654" r:id="rId18"/>
   </p:sldLayoutIdLst>
   <p:txStyles>
     <p:titleStyle>
-      <a:lvl1pPr algn="l" defTabSz="914400" rtl="0" eaLnBrk="1" latinLnBrk="0" hangingPunct="1">
-        <a:lnSpc>
-          <a:spcPct val="90000"/>
-        </a:lnSpc>
+      <a:lvl1pPr algn="l" defTabSz="457200" rtl="0" eaLnBrk="1" latinLnBrk="0" hangingPunct="1">
         <a:spcBef>
           <a:spcPct val="0"/>
         </a:spcBef>
         <a:buNone/>
-        <a:defRPr sz="3200" b="1" kern="1200">
+        <a:defRPr sz="3600" kern="1200">
           <a:solidFill>
-            <a:schemeClr val="tx1"/>
+            <a:schemeClr val="accent1"/>
           </a:solidFill>
           <a:latin typeface="+mj-lt"/>
           <a:ea typeface="+mj-ea"/>
           <a:cs typeface="+mj-cs"/>
         </a:defRPr>
       </a:lvl1pPr>
+      <a:lvl2pPr eaLnBrk="1" hangingPunct="1">
+        <a:defRPr>
+          <a:solidFill>
+            <a:schemeClr val="tx2"/>
+          </a:solidFill>
+        </a:defRPr>
+      </a:lvl2pPr>
+      <a:lvl3pPr eaLnBrk="1" hangingPunct="1">
+        <a:defRPr>
+          <a:solidFill>
+            <a:schemeClr val="tx2"/>
+          </a:solidFill>
+        </a:defRPr>
+      </a:lvl3pPr>
+      <a:lvl4pPr eaLnBrk="1" hangingPunct="1">
+        <a:defRPr>
+          <a:solidFill>
+            <a:schemeClr val="tx2"/>
+          </a:solidFill>
+        </a:defRPr>
+      </a:lvl4pPr>
+      <a:lvl5pPr eaLnBrk="1" hangingPunct="1">
+        <a:defRPr>
+          <a:solidFill>
+            <a:schemeClr val="tx2"/>
+          </a:solidFill>
+        </a:defRPr>
+      </a:lvl5pPr>
+      <a:lvl6pPr eaLnBrk="1" hangingPunct="1">
+        <a:defRPr>
+          <a:solidFill>
+            <a:schemeClr val="tx2"/>
+          </a:solidFill>
+        </a:defRPr>
+      </a:lvl6pPr>
+      <a:lvl7pPr eaLnBrk="1" hangingPunct="1">
+        <a:defRPr>
+          <a:solidFill>
+            <a:schemeClr val="tx2"/>
+          </a:solidFill>
+        </a:defRPr>
+      </a:lvl7pPr>
+      <a:lvl8pPr eaLnBrk="1" hangingPunct="1">
+        <a:defRPr>
+          <a:solidFill>
+            <a:schemeClr val="tx2"/>
+          </a:solidFill>
+        </a:defRPr>
+      </a:lvl8pPr>
+      <a:lvl9pPr eaLnBrk="1" hangingPunct="1">
+        <a:defRPr>
+          <a:solidFill>
+            <a:schemeClr val="tx2"/>
+          </a:solidFill>
+        </a:defRPr>
+      </a:lvl9pPr>
     </p:titleStyle>
     <p:bodyStyle>
-      <a:lvl1pPr marL="446088" indent="-446088" algn="l" defTabSz="914400" rtl="0" eaLnBrk="1" latinLnBrk="0" hangingPunct="1">
-        <a:lnSpc>
-          <a:spcPct val="90000"/>
-        </a:lnSpc>
+      <a:lvl1pPr marL="342900" indent="-342900" algn="l" defTabSz="457200" rtl="0" eaLnBrk="1" latinLnBrk="0" hangingPunct="1">
         <a:spcBef>
           <a:spcPts val="1000"/>
         </a:spcBef>
-        <a:buFont typeface="Arial" panose="020B0604020202020204" pitchFamily="34" charset="0"/>
-        <a:buChar char="•"/>
-        <a:defRPr sz="2000" kern="1200">
+        <a:spcAft>
+          <a:spcPts val="0"/>
+        </a:spcAft>
+        <a:buClr>
+          <a:schemeClr val="accent1"/>
+        </a:buClr>
+        <a:buSzPct val="80000"/>
+        <a:buFont typeface="Wingdings 3" charset="2"/>
+        <a:buChar char=""/>
+        <a:defRPr sz="1600" kern="1200">
           <a:solidFill>
-            <a:schemeClr val="tx1"/>
+            <a:schemeClr val="tx1">
+              <a:lumMod val="75000"/>
+              <a:lumOff val="25000"/>
+            </a:schemeClr>
           </a:solidFill>
           <a:latin typeface="+mn-lt"/>
           <a:ea typeface="+mn-ea"/>
           <a:cs typeface="+mn-cs"/>
         </a:defRPr>
       </a:lvl1pPr>
-      <a:lvl2pPr marL="446088" indent="-446088" algn="l" defTabSz="914400" rtl="0" eaLnBrk="1" latinLnBrk="0" hangingPunct="1">
-        <a:lnSpc>
-          <a:spcPct val="90000"/>
-        </a:lnSpc>
+      <a:lvl2pPr marL="742950" indent="-285750" algn="l" defTabSz="457200" rtl="0" eaLnBrk="1" latinLnBrk="0" hangingPunct="1">
         <a:spcBef>
-          <a:spcPts val="500"/>
+          <a:spcPts val="1000"/>
         </a:spcBef>
-        <a:buFont typeface="Arial" panose="020B0604020202020204" pitchFamily="34" charset="0"/>
-        <a:buChar char="•"/>
-        <a:defRPr sz="2000" kern="1200">
+        <a:spcAft>
+          <a:spcPts val="0"/>
+        </a:spcAft>
+        <a:buClr>
+          <a:schemeClr val="accent1"/>
+        </a:buClr>
+        <a:buSzPct val="80000"/>
+        <a:buFont typeface="Wingdings 3" charset="2"/>
+        <a:buChar char=""/>
+        <a:defRPr sz="1400" kern="1200">
           <a:solidFill>
-            <a:schemeClr val="tx1"/>
+            <a:schemeClr val="tx1">
+              <a:lumMod val="75000"/>
+              <a:lumOff val="25000"/>
+            </a:schemeClr>
           </a:solidFill>
           <a:latin typeface="+mn-lt"/>
           <a:ea typeface="+mn-ea"/>
           <a:cs typeface="+mn-cs"/>
         </a:defRPr>
       </a:lvl2pPr>
-      <a:lvl3pPr marL="446088" indent="-446088" algn="l" defTabSz="914400" rtl="0" eaLnBrk="1" latinLnBrk="0" hangingPunct="1">
-        <a:lnSpc>
-          <a:spcPct val="90000"/>
-        </a:lnSpc>
+      <a:lvl3pPr marL="1143000" indent="-228600" algn="l" defTabSz="457200" rtl="0" eaLnBrk="1" latinLnBrk="0" hangingPunct="1">
         <a:spcBef>
-          <a:spcPts val="500"/>
+          <a:spcPts val="1000"/>
         </a:spcBef>
-        <a:buFont typeface="Arial" panose="020B0604020202020204" pitchFamily="34" charset="0"/>
-        <a:buChar char="•"/>
-        <a:defRPr sz="2000" kern="1200">
+        <a:spcAft>
+          <a:spcPts val="0"/>
+        </a:spcAft>
+        <a:buClr>
+          <a:schemeClr val="accent1"/>
+        </a:buClr>
+        <a:buSzPct val="80000"/>
+        <a:buFont typeface="Wingdings 3" charset="2"/>
+        <a:buChar char=""/>
+        <a:defRPr sz="1200" kern="1200">
           <a:solidFill>
-            <a:schemeClr val="tx1"/>
+            <a:schemeClr val="tx1">
+              <a:lumMod val="75000"/>
+              <a:lumOff val="25000"/>
+            </a:schemeClr>
           </a:solidFill>
           <a:latin typeface="+mn-lt"/>
           <a:ea typeface="+mn-ea"/>
           <a:cs typeface="+mn-cs"/>
         </a:defRPr>
       </a:lvl3pPr>
-      <a:lvl4pPr marL="446088" indent="-446088" algn="l" defTabSz="914400" rtl="0" eaLnBrk="1" latinLnBrk="0" hangingPunct="1">
-        <a:lnSpc>
-          <a:spcPct val="90000"/>
-        </a:lnSpc>
+      <a:lvl4pPr marL="1600200" indent="-228600" algn="l" defTabSz="457200" rtl="0" eaLnBrk="1" latinLnBrk="0" hangingPunct="1">
         <a:spcBef>
-          <a:spcPts val="500"/>
+          <a:spcPts val="1000"/>
         </a:spcBef>
-        <a:buFont typeface="Arial" panose="020B0604020202020204" pitchFamily="34" charset="0"/>
-        <a:buChar char="•"/>
-        <a:defRPr sz="2000" kern="1200">
+        <a:spcAft>
+          <a:spcPts val="0"/>
+        </a:spcAft>
+        <a:buClr>
+          <a:schemeClr val="accent1"/>
+        </a:buClr>
+        <a:buSzPct val="80000"/>
+        <a:buFont typeface="Wingdings 3" charset="2"/>
+        <a:buChar char=""/>
+        <a:defRPr sz="1100" kern="1200">
           <a:solidFill>
-            <a:schemeClr val="tx1"/>
+            <a:schemeClr val="tx1">
+              <a:lumMod val="75000"/>
+              <a:lumOff val="25000"/>
+            </a:schemeClr>
           </a:solidFill>
           <a:latin typeface="+mn-lt"/>
           <a:ea typeface="+mn-ea"/>
           <a:cs typeface="+mn-cs"/>
         </a:defRPr>
       </a:lvl4pPr>
-      <a:lvl5pPr marL="446088" indent="-446088" algn="l" defTabSz="914400" rtl="0" eaLnBrk="1" latinLnBrk="0" hangingPunct="1">
-        <a:lnSpc>
-          <a:spcPct val="90000"/>
-        </a:lnSpc>
+      <a:lvl5pPr marL="2057400" indent="-228600" algn="l" defTabSz="457200" rtl="0" eaLnBrk="1" latinLnBrk="0" hangingPunct="1">
         <a:spcBef>
-          <a:spcPts val="500"/>
+          <a:spcPts val="1000"/>
         </a:spcBef>
-        <a:buFont typeface="Arial" panose="020B0604020202020204" pitchFamily="34" charset="0"/>
-        <a:buChar char="•"/>
-        <a:defRPr sz="2000" kern="1200">
+        <a:spcAft>
+          <a:spcPts val="0"/>
+        </a:spcAft>
+        <a:buClr>
+          <a:schemeClr val="accent1"/>
+        </a:buClr>
+        <a:buSzPct val="80000"/>
+        <a:buFont typeface="Wingdings 3" charset="2"/>
+        <a:buChar char=""/>
+        <a:defRPr sz="1100" kern="1200">
           <a:solidFill>
-            <a:schemeClr val="tx1"/>
+            <a:schemeClr val="tx1">
+              <a:lumMod val="75000"/>
+              <a:lumOff val="25000"/>
+            </a:schemeClr>
           </a:solidFill>
           <a:latin typeface="+mn-lt"/>
           <a:ea typeface="+mn-ea"/>
           <a:cs typeface="+mn-cs"/>
         </a:defRPr>
       </a:lvl5pPr>
-      <a:lvl6pPr marL="2514600" indent="-228600" algn="l" defTabSz="914400" rtl="0" eaLnBrk="1" latinLnBrk="0" hangingPunct="1">
-        <a:lnSpc>
-          <a:spcPct val="90000"/>
-        </a:lnSpc>
+      <a:lvl6pPr marL="2514600" indent="-228600" algn="l" defTabSz="457200" rtl="0" eaLnBrk="1" latinLnBrk="0" hangingPunct="1">
         <a:spcBef>
-          <a:spcPts val="500"/>
+          <a:spcPts val="1000"/>
         </a:spcBef>
-        <a:buFont typeface="Arial" panose="020B0604020202020204" pitchFamily="34" charset="0"/>
-        <a:buChar char="•"/>
-        <a:defRPr sz="1800" kern="1200">
+        <a:spcAft>
+          <a:spcPts val="0"/>
+        </a:spcAft>
+        <a:buClr>
+          <a:schemeClr val="accent1"/>
+        </a:buClr>
+        <a:buSzPct val="80000"/>
+        <a:buFont typeface="Wingdings 3" charset="2"/>
+        <a:buChar char=""/>
+        <a:defRPr sz="1200" kern="1200">
           <a:solidFill>
-            <a:schemeClr val="tx1"/>
+            <a:schemeClr val="tx1">
+              <a:lumMod val="75000"/>
+              <a:lumOff val="25000"/>
+            </a:schemeClr>
           </a:solidFill>
           <a:latin typeface="+mn-lt"/>
           <a:ea typeface="+mn-ea"/>
           <a:cs typeface="+mn-cs"/>
         </a:defRPr>
       </a:lvl6pPr>
-      <a:lvl7pPr marL="2971800" indent="-228600" algn="l" defTabSz="914400" rtl="0" eaLnBrk="1" latinLnBrk="0" hangingPunct="1">
-        <a:lnSpc>
-          <a:spcPct val="90000"/>
-        </a:lnSpc>
+      <a:lvl7pPr marL="2971800" indent="-228600" algn="l" defTabSz="457200" rtl="0" eaLnBrk="1" latinLnBrk="0" hangingPunct="1">
         <a:spcBef>
-          <a:spcPts val="500"/>
+          <a:spcPts val="1000"/>
         </a:spcBef>
-        <a:buFont typeface="Arial" panose="020B0604020202020204" pitchFamily="34" charset="0"/>
-        <a:buChar char="•"/>
-        <a:defRPr sz="1800" kern="1200">
+        <a:spcAft>
+          <a:spcPts val="0"/>
+        </a:spcAft>
+        <a:buClr>
+          <a:schemeClr val="accent1"/>
+        </a:buClr>
+        <a:buSzPct val="80000"/>
+        <a:buFont typeface="Wingdings 3" charset="2"/>
+        <a:buChar char=""/>
+        <a:defRPr sz="1200" kern="1200">
           <a:solidFill>
-            <a:schemeClr val="tx1"/>
+            <a:schemeClr val="tx1">
+              <a:lumMod val="75000"/>
+              <a:lumOff val="25000"/>
+            </a:schemeClr>
           </a:solidFill>
           <a:latin typeface="+mn-lt"/>
           <a:ea typeface="+mn-ea"/>
           <a:cs typeface="+mn-cs"/>
         </a:defRPr>
       </a:lvl7pPr>
-      <a:lvl8pPr marL="3429000" indent="-228600" algn="l" defTabSz="914400" rtl="0" eaLnBrk="1" latinLnBrk="0" hangingPunct="1">
-        <a:lnSpc>
-          <a:spcPct val="90000"/>
-        </a:lnSpc>
+      <a:lvl8pPr marL="3429000" indent="-228600" algn="l" defTabSz="457200" rtl="0" eaLnBrk="1" latinLnBrk="0" hangingPunct="1">
         <a:spcBef>
-          <a:spcPts val="500"/>
+          <a:spcPts val="1000"/>
         </a:spcBef>
-        <a:buFont typeface="Arial" panose="020B0604020202020204" pitchFamily="34" charset="0"/>
-        <a:buChar char="•"/>
-        <a:defRPr sz="1800" kern="1200">
+        <a:spcAft>
+          <a:spcPts val="0"/>
+        </a:spcAft>
+        <a:buClr>
+          <a:schemeClr val="accent1"/>
+        </a:buClr>
+        <a:buSzPct val="80000"/>
+        <a:buFont typeface="Wingdings 3" charset="2"/>
+        <a:buChar char=""/>
+        <a:defRPr sz="1200" kern="1200">
           <a:solidFill>
-            <a:schemeClr val="tx1"/>
+            <a:schemeClr val="tx1">
+              <a:lumMod val="75000"/>
+              <a:lumOff val="25000"/>
+            </a:schemeClr>
           </a:solidFill>
           <a:latin typeface="+mn-lt"/>
           <a:ea typeface="+mn-ea"/>
           <a:cs typeface="+mn-cs"/>
         </a:defRPr>
       </a:lvl8pPr>
-      <a:lvl9pPr marL="3886200" indent="-228600" algn="l" defTabSz="914400" rtl="0" eaLnBrk="1" latinLnBrk="0" hangingPunct="1">
-        <a:lnSpc>
-          <a:spcPct val="90000"/>
-        </a:lnSpc>
+      <a:lvl9pPr marL="3886200" indent="-228600" algn="l" defTabSz="457200" rtl="0" eaLnBrk="1" latinLnBrk="0" hangingPunct="1">
         <a:spcBef>
-          <a:spcPts val="500"/>
+          <a:spcPts val="1000"/>
         </a:spcBef>
-        <a:buFont typeface="Arial" panose="020B0604020202020204" pitchFamily="34" charset="0"/>
-        <a:buChar char="•"/>
-        <a:defRPr sz="1800" kern="1200">
+        <a:spcAft>
+          <a:spcPts val="0"/>
+        </a:spcAft>
+        <a:buClr>
+          <a:schemeClr val="accent1"/>
+        </a:buClr>
+        <a:buSzPct val="80000"/>
+        <a:buFont typeface="Wingdings 3" charset="2"/>
+        <a:buChar char=""/>
+        <a:defRPr sz="1200" kern="1200">
           <a:solidFill>
-            <a:schemeClr val="tx1"/>
+            <a:schemeClr val="tx1">
+              <a:lumMod val="75000"/>
+              <a:lumOff val="25000"/>
+            </a:schemeClr>
           </a:solidFill>
           <a:latin typeface="+mn-lt"/>
           <a:ea typeface="+mn-ea"/>
@@ -3092,7 +6959,7 @@
       <a:defPPr>
         <a:defRPr lang="en-US"/>
       </a:defPPr>
-      <a:lvl1pPr marL="0" algn="l" defTabSz="914400" rtl="0" eaLnBrk="1" latinLnBrk="0" hangingPunct="1">
+      <a:lvl1pPr marL="0" algn="l" defTabSz="457200" rtl="0" eaLnBrk="1" latinLnBrk="0" hangingPunct="1">
         <a:defRPr sz="1800" kern="1200">
           <a:solidFill>
             <a:schemeClr val="tx1"/>
@@ -3102,7 +6969,7 @@
           <a:cs typeface="+mn-cs"/>
         </a:defRPr>
       </a:lvl1pPr>
-      <a:lvl2pPr marL="457200" algn="l" defTabSz="914400" rtl="0" eaLnBrk="1" latinLnBrk="0" hangingPunct="1">
+      <a:lvl2pPr marL="457200" algn="l" defTabSz="457200" rtl="0" eaLnBrk="1" latinLnBrk="0" hangingPunct="1">
         <a:defRPr sz="1800" kern="1200">
           <a:solidFill>
             <a:schemeClr val="tx1"/>
@@ -3112,7 +6979,7 @@
           <a:cs typeface="+mn-cs"/>
         </a:defRPr>
       </a:lvl2pPr>
-      <a:lvl3pPr marL="914400" algn="l" defTabSz="914400" rtl="0" eaLnBrk="1" latinLnBrk="0" hangingPunct="1">
+      <a:lvl3pPr marL="914400" algn="l" defTabSz="457200" rtl="0" eaLnBrk="1" latinLnBrk="0" hangingPunct="1">
         <a:defRPr sz="1800" kern="1200">
           <a:solidFill>
             <a:schemeClr val="tx1"/>
@@ -3122,7 +6989,7 @@
           <a:cs typeface="+mn-cs"/>
         </a:defRPr>
       </a:lvl3pPr>
-      <a:lvl4pPr marL="1371600" algn="l" defTabSz="914400" rtl="0" eaLnBrk="1" latinLnBrk="0" hangingPunct="1">
+      <a:lvl4pPr marL="1371600" algn="l" defTabSz="457200" rtl="0" eaLnBrk="1" latinLnBrk="0" hangingPunct="1">
         <a:defRPr sz="1800" kern="1200">
           <a:solidFill>
             <a:schemeClr val="tx1"/>
@@ -3132,7 +6999,7 @@
           <a:cs typeface="+mn-cs"/>
         </a:defRPr>
       </a:lvl4pPr>
-      <a:lvl5pPr marL="1828800" algn="l" defTabSz="914400" rtl="0" eaLnBrk="1" latinLnBrk="0" hangingPunct="1">
+      <a:lvl5pPr marL="1828800" algn="l" defTabSz="457200" rtl="0" eaLnBrk="1" latinLnBrk="0" hangingPunct="1">
         <a:defRPr sz="1800" kern="1200">
           <a:solidFill>
             <a:schemeClr val="tx1"/>
@@ -3142,7 +7009,7 @@
           <a:cs typeface="+mn-cs"/>
         </a:defRPr>
       </a:lvl5pPr>
-      <a:lvl6pPr marL="2286000" algn="l" defTabSz="914400" rtl="0" eaLnBrk="1" latinLnBrk="0" hangingPunct="1">
+      <a:lvl6pPr marL="2286000" algn="l" defTabSz="457200" rtl="0" eaLnBrk="1" latinLnBrk="0" hangingPunct="1">
         <a:defRPr sz="1800" kern="1200">
           <a:solidFill>
             <a:schemeClr val="tx1"/>
@@ -3152,7 +7019,7 @@
           <a:cs typeface="+mn-cs"/>
         </a:defRPr>
       </a:lvl6pPr>
-      <a:lvl7pPr marL="2743200" algn="l" defTabSz="914400" rtl="0" eaLnBrk="1" latinLnBrk="0" hangingPunct="1">
+      <a:lvl7pPr marL="2743200" algn="l" defTabSz="457200" rtl="0" eaLnBrk="1" latinLnBrk="0" hangingPunct="1">
         <a:defRPr sz="1800" kern="1200">
           <a:solidFill>
             <a:schemeClr val="tx1"/>
@@ -3162,7 +7029,7 @@
           <a:cs typeface="+mn-cs"/>
         </a:defRPr>
       </a:lvl7pPr>
-      <a:lvl8pPr marL="3200400" algn="l" defTabSz="914400" rtl="0" eaLnBrk="1" latinLnBrk="0" hangingPunct="1">
+      <a:lvl8pPr marL="3200400" algn="l" defTabSz="457200" rtl="0" eaLnBrk="1" latinLnBrk="0" hangingPunct="1">
         <a:defRPr sz="1800" kern="1200">
           <a:solidFill>
             <a:schemeClr val="tx1"/>
@@ -3172,7 +7039,7 @@
           <a:cs typeface="+mn-cs"/>
         </a:defRPr>
       </a:lvl8pPr>
-      <a:lvl9pPr marL="3657600" algn="l" defTabSz="914400" rtl="0" eaLnBrk="1" latinLnBrk="0" hangingPunct="1">
+      <a:lvl9pPr marL="3657600" algn="l" defTabSz="457200" rtl="0" eaLnBrk="1" latinLnBrk="0" hangingPunct="1">
         <a:defRPr sz="1800" kern="1200">
           <a:solidFill>
             <a:schemeClr val="tx1"/>
@@ -3216,8 +7083,8 @@
         </p:nvSpPr>
         <p:spPr>
           <a:xfrm>
-            <a:off x="1028700" y="1122363"/>
-            <a:ext cx="10325100" cy="2387600"/>
+            <a:off x="1507067" y="2404534"/>
+            <a:ext cx="7766936" cy="1646302"/>
           </a:xfrm>
         </p:spPr>
         <p:txBody>
@@ -3254,8 +7121,8 @@
         </p:nvSpPr>
         <p:spPr>
           <a:xfrm>
-            <a:off x="1028700" y="3602038"/>
-            <a:ext cx="10325100" cy="1655762"/>
+            <a:off x="1507067" y="4050833"/>
+            <a:ext cx="7766936" cy="1096899"/>
           </a:xfrm>
         </p:spPr>
         <p:txBody>
@@ -3303,6 +7170,1010 @@
             <a:r>
               <a:rPr/>
               <a:t>30/11/2020</a:t>
+            </a:r>
+          </a:p>
+        </p:txBody>
+      </p:sp>
+    </p:spTree>
+  </p:cSld>
+</p:sld>
+</file>
+
+<file path=ppt/slides/slide10.xml><?xml version="1.0" encoding="utf-8"?>
+<p:sld xmlns:a="http://schemas.openxmlformats.org/drawingml/2006/main" xmlns:r="http://schemas.openxmlformats.org/officeDocument/2006/relationships" xmlns:p="http://schemas.openxmlformats.org/presentationml/2006/main">
+  <p:cSld>
+    <p:spTree>
+      <p:nvGrpSpPr>
+        <p:cNvPr id="1" name=""/>
+        <p:cNvGrpSpPr/>
+        <p:nvPr/>
+      </p:nvGrpSpPr>
+      <p:grpSpPr>
+        <a:xfrm>
+          <a:off x="0" y="0"/>
+          <a:ext cx="0" cy="0"/>
+          <a:chOff x="0" y="0"/>
+          <a:chExt cx="0" cy="0"/>
+        </a:xfrm>
+      </p:grpSpPr>
+      <p:sp>
+        <p:nvSpPr>
+          <p:cNvPr id="2" name="Title 1"/>
+          <p:cNvSpPr>
+            <a:spLocks noGrp="1"/>
+          </p:cNvSpPr>
+          <p:nvPr>
+            <p:ph type="title"/>
+          </p:nvPr>
+        </p:nvSpPr>
+        <p:spPr>
+          <a:xfrm>
+            <a:off x="677334" y="609600"/>
+            <a:ext cx="8596668" cy="659130"/>
+          </a:xfrm>
+        </p:spPr>
+        <p:txBody>
+          <a:bodyPr/>
+          <a:lstStyle/>
+          <a:p>
+            <a:pPr lvl="0" marL="0" indent="0">
+              <a:buNone/>
+            </a:pPr>
+            <a:r>
+              <a:rPr/>
+              <a:t>Students</a:t>
+            </a:r>
+            <a:r>
+              <a:rPr/>
+              <a:t> </a:t>
+            </a:r>
+            <a:r>
+              <a:rPr/>
+              <a:t>sharing</a:t>
+            </a:r>
+            <a:r>
+              <a:rPr/>
+              <a:t> </a:t>
+            </a:r>
+            <a:r>
+              <a:rPr/>
+              <a:t>data</a:t>
+            </a:r>
+          </a:p>
+        </p:txBody>
+      </p:sp>
+      <p:sp>
+        <p:nvSpPr>
+          <p:cNvPr id="3" name="Content Placeholder 2"/>
+          <p:cNvSpPr>
+            <a:spLocks noGrp="1"/>
+          </p:cNvSpPr>
+          <p:nvPr>
+            <p:ph idx="1"/>
+          </p:nvPr>
+        </p:nvSpPr>
+        <p:spPr/>
+        <p:txBody>
+          <a:bodyPr/>
+          <a:lstStyle/>
+          <a:p>
+            <a:pPr lvl="0" marL="0" indent="0">
+              <a:buNone/>
+            </a:pPr>
+            <a:r>
+              <a:rPr/>
+              <a:t>Of students that shared data at least one detail was 3769, which equates to 10.70% of total students.</a:t>
+            </a:r>
+          </a:p>
+        </p:txBody>
+      </p:sp>
+    </p:spTree>
+  </p:cSld>
+</p:sld>
+</file>
+
+<file path=ppt/slides/slide11.xml><?xml version="1.0" encoding="utf-8"?>
+<p:sld xmlns:a="http://schemas.openxmlformats.org/drawingml/2006/main" xmlns:r="http://schemas.openxmlformats.org/officeDocument/2006/relationships" xmlns:p="http://schemas.openxmlformats.org/presentationml/2006/main">
+  <p:cSld>
+    <p:spTree>
+      <p:nvGrpSpPr>
+        <p:cNvPr id="1" name=""/>
+        <p:cNvGrpSpPr/>
+        <p:nvPr/>
+      </p:nvGrpSpPr>
+      <p:grpSpPr>
+        <a:xfrm>
+          <a:off x="0" y="0"/>
+          <a:ext cx="0" cy="0"/>
+          <a:chOff x="0" y="0"/>
+          <a:chExt cx="0" cy="0"/>
+        </a:xfrm>
+      </p:grpSpPr>
+      <p:graphicFrame>
+        <p:nvGraphicFramePr>
+          <p:cNvPr id="6" name="Content Placeholder 5"/>
+          <p:cNvGraphicFramePr>
+            <a:graphicFrameLocks noGrp="1"/>
+          </p:cNvGraphicFramePr>
+          <p:nvPr>
+            <p:ph idx="1"/>
+          </p:nvPr>
+        </p:nvGraphicFramePr>
+        <p:xfrm>
+          <a:off x="673100" y="1422400"/>
+          <a:ext cx="8585200" cy="4610100"/>
+        </p:xfrm>
+        <a:graphic>
+          <a:graphicData uri="http://schemas.openxmlformats.org/drawingml/2006/table">
+            <a:tbl>
+              <a:tblPr firstRow="1" bandRow="1">
+                <a:tableStyleId>{5C22544A-7EE6-4342-B048-85BDC9FD1C3A}</a:tableStyleId>
+              </a:tblPr>
+              <a:tblGrid>
+                <a:gridCol w="2857500"/>
+                <a:gridCol w="2857500"/>
+                <a:gridCol w="2857500"/>
+              </a:tblGrid>
+              <a:tr h="0">
+                <a:tc>
+                  <a:txBody>
+                    <a:bodyPr/>
+                    <a:lstStyle/>
+                    <a:p>
+                      <a:pPr lvl="0" marL="0" indent="0">
+                        <a:buNone/>
+                      </a:pPr>
+                      <a:r>
+                        <a:rPr/>
+                        <a:t>Survey</a:t>
+                      </a:r>
+                      <a:r>
+                        <a:rPr/>
+                        <a:t> </a:t>
+                      </a:r>
+                      <a:r>
+                        <a:rPr/>
+                        <a:t>No.</a:t>
+                      </a:r>
+                    </a:p>
+                  </a:txBody>
+                  <a:tcPr/>
+                </a:tc>
+                <a:tc>
+                  <a:txBody>
+                    <a:bodyPr/>
+                    <a:lstStyle/>
+                    <a:p>
+                      <a:pPr lvl="0" marL="0" indent="0">
+                        <a:buNone/>
+                      </a:pPr>
+                      <a:r>
+                        <a:rPr/>
+                        <a:t>%</a:t>
+                      </a:r>
+                      <a:r>
+                        <a:rPr/>
+                        <a:t> </a:t>
+                      </a:r>
+                      <a:r>
+                        <a:rPr/>
+                        <a:t>of</a:t>
+                      </a:r>
+                      <a:r>
+                        <a:rPr/>
+                        <a:t> </a:t>
+                      </a:r>
+                      <a:r>
+                        <a:rPr/>
+                        <a:t>Students</a:t>
+                      </a:r>
+                      <a:r>
+                        <a:rPr/>
+                        <a:t> </a:t>
+                      </a:r>
+                      <a:r>
+                        <a:rPr/>
+                        <a:t>*</a:t>
+                      </a:r>
+                    </a:p>
+                  </a:txBody>
+                  <a:tcPr/>
+                </a:tc>
+                <a:tc>
+                  <a:txBody>
+                    <a:bodyPr/>
+                    <a:lstStyle/>
+                    <a:p>
+                      <a:pPr lvl="0" marL="0" indent="0">
+                        <a:buNone/>
+                      </a:pPr>
+                      <a:r>
+                        <a:rPr/>
+                        <a:t>Ave.</a:t>
+                      </a:r>
+                      <a:r>
+                        <a:rPr/>
+                        <a:t> </a:t>
+                      </a:r>
+                      <a:r>
+                        <a:rPr/>
+                        <a:t>Items</a:t>
+                      </a:r>
+                      <a:r>
+                        <a:rPr/>
+                        <a:t> </a:t>
+                      </a:r>
+                      <a:r>
+                        <a:rPr/>
+                        <a:t>*</a:t>
+                      </a:r>
+                    </a:p>
+                  </a:txBody>
+                  <a:tcPr/>
+                </a:tc>
+              </a:tr>
+              <a:tr h="0">
+                <a:tc>
+                  <a:txBody>
+                    <a:bodyPr/>
+                    <a:lstStyle/>
+                    <a:p>
+                      <a:pPr lvl="0" marL="0" indent="0">
+                        <a:buNone/>
+                      </a:pPr>
+                      <a:r>
+                        <a:rPr/>
+                        <a:t>1</a:t>
+                      </a:r>
+                    </a:p>
+                  </a:txBody>
+                </a:tc>
+                <a:tc>
+                  <a:txBody>
+                    <a:bodyPr/>
+                    <a:lstStyle/>
+                    <a:p>
+                      <a:pPr lvl="0" marL="0" indent="0">
+                        <a:buNone/>
+                      </a:pPr>
+                      <a:r>
+                        <a:rPr/>
+                        <a:t>11.98%</a:t>
+                      </a:r>
+                    </a:p>
+                  </a:txBody>
+                </a:tc>
+                <a:tc>
+                  <a:txBody>
+                    <a:bodyPr/>
+                    <a:lstStyle/>
+                    <a:p>
+                      <a:pPr lvl="0" marL="0" indent="0">
+                        <a:buNone/>
+                      </a:pPr>
+                      <a:r>
+                        <a:rPr/>
+                        <a:t>4.69</a:t>
+                      </a:r>
+                    </a:p>
+                  </a:txBody>
+                </a:tc>
+              </a:tr>
+              <a:tr h="0">
+                <a:tc>
+                  <a:txBody>
+                    <a:bodyPr/>
+                    <a:lstStyle/>
+                    <a:p>
+                      <a:pPr lvl="0" marL="0" indent="0">
+                        <a:buNone/>
+                      </a:pPr>
+                      <a:r>
+                        <a:rPr/>
+                        <a:t>2</a:t>
+                      </a:r>
+                    </a:p>
+                  </a:txBody>
+                </a:tc>
+                <a:tc>
+                  <a:txBody>
+                    <a:bodyPr/>
+                    <a:lstStyle/>
+                    <a:p>
+                      <a:pPr lvl="0" marL="0" indent="0">
+                        <a:buNone/>
+                      </a:pPr>
+                      <a:r>
+                        <a:rPr/>
+                        <a:t>10.91%</a:t>
+                      </a:r>
+                    </a:p>
+                  </a:txBody>
+                </a:tc>
+                <a:tc>
+                  <a:txBody>
+                    <a:bodyPr/>
+                    <a:lstStyle/>
+                    <a:p>
+                      <a:pPr lvl="0" marL="0" indent="0">
+                        <a:buNone/>
+                      </a:pPr>
+                      <a:r>
+                        <a:rPr/>
+                        <a:t>4.68</a:t>
+                      </a:r>
+                    </a:p>
+                  </a:txBody>
+                </a:tc>
+              </a:tr>
+              <a:tr h="0">
+                <a:tc>
+                  <a:txBody>
+                    <a:bodyPr/>
+                    <a:lstStyle/>
+                    <a:p>
+                      <a:pPr lvl="0" marL="0" indent="0">
+                        <a:buNone/>
+                      </a:pPr>
+                      <a:r>
+                        <a:rPr/>
+                        <a:t>3</a:t>
+                      </a:r>
+                    </a:p>
+                  </a:txBody>
+                </a:tc>
+                <a:tc>
+                  <a:txBody>
+                    <a:bodyPr/>
+                    <a:lstStyle/>
+                    <a:p>
+                      <a:pPr lvl="0" marL="0" indent="0">
+                        <a:buNone/>
+                      </a:pPr>
+                      <a:r>
+                        <a:rPr/>
+                        <a:t>10.15%</a:t>
+                      </a:r>
+                    </a:p>
+                  </a:txBody>
+                </a:tc>
+                <a:tc>
+                  <a:txBody>
+                    <a:bodyPr/>
+                    <a:lstStyle/>
+                    <a:p>
+                      <a:pPr lvl="0" marL="0" indent="0">
+                        <a:buNone/>
+                      </a:pPr>
+                      <a:r>
+                        <a:rPr/>
+                        <a:t>4.68</a:t>
+                      </a:r>
+                    </a:p>
+                  </a:txBody>
+                </a:tc>
+              </a:tr>
+              <a:tr h="0">
+                <a:tc>
+                  <a:txBody>
+                    <a:bodyPr/>
+                    <a:lstStyle/>
+                    <a:p>
+                      <a:pPr lvl="0" marL="0" indent="0">
+                        <a:buNone/>
+                      </a:pPr>
+                      <a:r>
+                        <a:rPr/>
+                        <a:t>4</a:t>
+                      </a:r>
+                    </a:p>
+                  </a:txBody>
+                </a:tc>
+                <a:tc>
+                  <a:txBody>
+                    <a:bodyPr/>
+                    <a:lstStyle/>
+                    <a:p>
+                      <a:pPr lvl="0" marL="0" indent="0">
+                        <a:buNone/>
+                      </a:pPr>
+                      <a:r>
+                        <a:rPr/>
+                        <a:t>9.13%</a:t>
+                      </a:r>
+                    </a:p>
+                  </a:txBody>
+                </a:tc>
+                <a:tc>
+                  <a:txBody>
+                    <a:bodyPr/>
+                    <a:lstStyle/>
+                    <a:p>
+                      <a:pPr lvl="0" marL="0" indent="0">
+                        <a:buNone/>
+                      </a:pPr>
+                      <a:r>
+                        <a:rPr/>
+                        <a:t>4.71</a:t>
+                      </a:r>
+                    </a:p>
+                  </a:txBody>
+                </a:tc>
+              </a:tr>
+              <a:tr h="0">
+                <a:tc>
+                  <a:txBody>
+                    <a:bodyPr/>
+                    <a:lstStyle/>
+                    <a:p>
+                      <a:pPr lvl="0" marL="0" indent="0">
+                        <a:buNone/>
+                      </a:pPr>
+                      <a:r>
+                        <a:rPr/>
+                        <a:t>5</a:t>
+                      </a:r>
+                    </a:p>
+                  </a:txBody>
+                </a:tc>
+                <a:tc>
+                  <a:txBody>
+                    <a:bodyPr/>
+                    <a:lstStyle/>
+                    <a:p>
+                      <a:pPr lvl="0" marL="0" indent="0">
+                        <a:buNone/>
+                      </a:pPr>
+                      <a:r>
+                        <a:rPr/>
+                        <a:t>11.57%</a:t>
+                      </a:r>
+                    </a:p>
+                  </a:txBody>
+                </a:tc>
+                <a:tc>
+                  <a:txBody>
+                    <a:bodyPr/>
+                    <a:lstStyle/>
+                    <a:p>
+                      <a:pPr lvl="0" marL="0" indent="0">
+                        <a:buNone/>
+                      </a:pPr>
+                      <a:r>
+                        <a:rPr/>
+                        <a:t>4.65</a:t>
+                      </a:r>
+                    </a:p>
+                  </a:txBody>
+                </a:tc>
+              </a:tr>
+              <a:tr h="0">
+                <a:tc>
+                  <a:txBody>
+                    <a:bodyPr/>
+                    <a:lstStyle/>
+                    <a:p>
+                      <a:pPr lvl="0" marL="0" indent="0">
+                        <a:buNone/>
+                      </a:pPr>
+                      <a:r>
+                        <a:rPr/>
+                        <a:t>6</a:t>
+                      </a:r>
+                    </a:p>
+                  </a:txBody>
+                </a:tc>
+                <a:tc>
+                  <a:txBody>
+                    <a:bodyPr/>
+                    <a:lstStyle/>
+                    <a:p>
+                      <a:pPr lvl="0" marL="0" indent="0">
+                        <a:buNone/>
+                      </a:pPr>
+                      <a:r>
+                        <a:rPr/>
+                        <a:t>7.50%</a:t>
+                      </a:r>
+                    </a:p>
+                  </a:txBody>
+                </a:tc>
+                <a:tc>
+                  <a:txBody>
+                    <a:bodyPr/>
+                    <a:lstStyle/>
+                    <a:p>
+                      <a:pPr lvl="0" marL="0" indent="0">
+                        <a:buNone/>
+                      </a:pPr>
+                      <a:r>
+                        <a:rPr/>
+                        <a:t>4.67</a:t>
+                      </a:r>
+                    </a:p>
+                  </a:txBody>
+                </a:tc>
+              </a:tr>
+              <a:tr h="0">
+                <a:tc>
+                  <a:txBody>
+                    <a:bodyPr/>
+                    <a:lstStyle/>
+                    <a:p>
+                      <a:pPr lvl="0" marL="0" indent="0">
+                        <a:buNone/>
+                      </a:pPr>
+                      <a:r>
+                        <a:rPr/>
+                        <a:t>7</a:t>
+                      </a:r>
+                    </a:p>
+                  </a:txBody>
+                </a:tc>
+                <a:tc>
+                  <a:txBody>
+                    <a:bodyPr/>
+                    <a:lstStyle/>
+                    <a:p>
+                      <a:pPr lvl="0" marL="0" indent="0">
+                        <a:buNone/>
+                      </a:pPr>
+                      <a:r>
+                        <a:rPr/>
+                        <a:t>7.94%</a:t>
+                      </a:r>
+                    </a:p>
+                  </a:txBody>
+                </a:tc>
+                <a:tc>
+                  <a:txBody>
+                    <a:bodyPr/>
+                    <a:lstStyle/>
+                    <a:p>
+                      <a:pPr lvl="0" marL="0" indent="0">
+                        <a:buNone/>
+                      </a:pPr>
+                      <a:r>
+                        <a:rPr/>
+                        <a:t>4.57</a:t>
+                      </a:r>
+                    </a:p>
+                  </a:txBody>
+                </a:tc>
+              </a:tr>
+            </a:tbl>
+          </a:graphicData>
+        </a:graphic>
+      </p:graphicFrame>
+    </p:spTree>
+  </p:cSld>
+</p:sld>
+</file>
+
+<file path=ppt/slides/slide12.xml><?xml version="1.0" encoding="utf-8"?>
+<p:sld xmlns:a="http://schemas.openxmlformats.org/drawingml/2006/main" xmlns:r="http://schemas.openxmlformats.org/officeDocument/2006/relationships" xmlns:p="http://schemas.openxmlformats.org/presentationml/2006/main">
+  <p:cSld>
+    <p:spTree>
+      <p:nvGrpSpPr>
+        <p:cNvPr id="1" name=""/>
+        <p:cNvGrpSpPr/>
+        <p:nvPr/>
+      </p:nvGrpSpPr>
+      <p:grpSpPr>
+        <a:xfrm>
+          <a:off x="0" y="0"/>
+          <a:ext cx="0" cy="0"/>
+          <a:chOff x="0" y="0"/>
+          <a:chExt cx="0" cy="0"/>
+        </a:xfrm>
+      </p:grpSpPr>
+      <p:sp>
+        <p:nvSpPr>
+          <p:cNvPr id="3" name="Content Placeholder 2"/>
+          <p:cNvSpPr>
+            <a:spLocks noGrp="1"/>
+          </p:cNvSpPr>
+          <p:nvPr>
+            <p:ph idx="1"/>
+          </p:nvPr>
+        </p:nvSpPr>
+        <p:spPr/>
+        <p:txBody>
+          <a:bodyPr/>
+          <a:lstStyle/>
+          <a:p>
+            <a:pPr lvl="0" marL="0" indent="0">
+              <a:buNone/>
+            </a:pPr>
+            <a:r>
+              <a:rPr/>
+              <a:t>* where students shared at least one of the five lifestyle details</a:t>
+            </a:r>
+          </a:p>
+          <a:p>
+            <a:pPr lvl="0" marL="0" indent="0">
+              <a:buNone/>
+            </a:pPr>
+            <a:r>
+              <a:rPr/>
+              <a:t>Over the seven enrolments, the percentage of students sharing data dropped from almost 12% to under 8%. However for those students that did share data the amount of details they provided stayed fairly level at around an average of 4.7 items per student, dropping very marginally in the last intake to 4.6. Where students did share at least one, 73.26% of students provide all five requested details.</a:t>
+            </a:r>
+          </a:p>
+        </p:txBody>
+      </p:sp>
+    </p:spTree>
+  </p:cSld>
+</p:sld>
+</file>
+
+<file path=ppt/slides/slide13.xml><?xml version="1.0" encoding="utf-8"?>
+<p:sld xmlns:a="http://schemas.openxmlformats.org/drawingml/2006/main" xmlns:r="http://schemas.openxmlformats.org/officeDocument/2006/relationships" xmlns:p="http://schemas.openxmlformats.org/presentationml/2006/main">
+  <p:cSld>
+    <p:spTree>
+      <p:nvGrpSpPr>
+        <p:cNvPr id="1" name=""/>
+        <p:cNvGrpSpPr/>
+        <p:nvPr/>
+      </p:nvGrpSpPr>
+      <p:grpSpPr>
+        <a:xfrm>
+          <a:off x="0" y="0"/>
+          <a:ext cx="0" cy="0"/>
+          <a:chOff x="0" y="0"/>
+          <a:chExt cx="0" cy="0"/>
+        </a:xfrm>
+      </p:grpSpPr>
+      <p:sp>
+        <p:nvSpPr>
+          <p:cNvPr id="2" name="Title 1"/>
+          <p:cNvSpPr>
+            <a:spLocks noGrp="1"/>
+          </p:cNvSpPr>
+          <p:nvPr>
+            <p:ph type="title"/>
+          </p:nvPr>
+        </p:nvSpPr>
+        <p:spPr>
+          <a:xfrm>
+            <a:off x="677334" y="609600"/>
+            <a:ext cx="8596668" cy="659130"/>
+          </a:xfrm>
+        </p:spPr>
+        <p:txBody>
+          <a:bodyPr/>
+          <a:lstStyle/>
+          <a:p>
+            <a:pPr lvl="0" marL="0" indent="0">
+              <a:buNone/>
+            </a:pPr>
+            <a:r>
+              <a:rPr/>
+              <a:t>Producing</a:t>
+            </a:r>
+            <a:r>
+              <a:rPr/>
+              <a:t> </a:t>
+            </a:r>
+            <a:r>
+              <a:rPr/>
+              <a:t>graphs</a:t>
+            </a:r>
+          </a:p>
+        </p:txBody>
+      </p:sp>
+      <p:pic>
+        <p:nvPicPr>
+          <p:cNvPr descr="Overview-Presentation_files/figure-pptx/unnamed-chunk-2-1.png" id="0" name="Picture 1"/>
+          <p:cNvPicPr>
+            <a:picLocks noGrp="1" noChangeAspect="1"/>
+          </p:cNvPicPr>
+          <p:nvPr/>
+        </p:nvPicPr>
+        <p:blipFill>
+          <a:blip r:embed="rId2"/>
+          <a:stretch>
+            <a:fillRect/>
+          </a:stretch>
+        </p:blipFill>
+        <p:spPr bwMode="auto">
+          <a:xfrm>
+            <a:off x="2082800" y="1422400"/>
+            <a:ext cx="5765800" cy="4610100"/>
+          </a:xfrm>
+          <a:prstGeom prst="rect">
+            <a:avLst/>
+          </a:prstGeom>
+          <a:noFill/>
+          <a:ln w="9525">
+            <a:noFill/>
+            <a:headEnd/>
+            <a:tailEnd/>
+          </a:ln>
+        </p:spPr>
+      </p:pic>
+    </p:spTree>
+  </p:cSld>
+</p:sld>
+</file>
+
+<file path=ppt/slides/slide14.xml><?xml version="1.0" encoding="utf-8"?>
+<p:sld xmlns:a="http://schemas.openxmlformats.org/drawingml/2006/main" xmlns:r="http://schemas.openxmlformats.org/officeDocument/2006/relationships" xmlns:p="http://schemas.openxmlformats.org/presentationml/2006/main">
+  <p:cSld>
+    <p:spTree>
+      <p:nvGrpSpPr>
+        <p:cNvPr id="1" name=""/>
+        <p:cNvGrpSpPr/>
+        <p:nvPr/>
+      </p:nvGrpSpPr>
+      <p:grpSpPr>
+        <a:xfrm>
+          <a:off x="0" y="0"/>
+          <a:ext cx="0" cy="0"/>
+          <a:chOff x="0" y="0"/>
+          <a:chExt cx="0" cy="0"/>
+        </a:xfrm>
+      </p:grpSpPr>
+      <p:sp>
+        <p:nvSpPr>
+          <p:cNvPr id="3" name="Content Placeholder 2"/>
+          <p:cNvSpPr>
+            <a:spLocks noGrp="1"/>
+          </p:cNvSpPr>
+          <p:nvPr>
+            <p:ph idx="1"/>
+          </p:nvPr>
+        </p:nvSpPr>
+        <p:spPr/>
+        <p:txBody>
+          <a:bodyPr/>
+          <a:lstStyle/>
+          <a:p>
+            <a:pPr lvl="0" marL="0" indent="0">
+              <a:buNone/>
+            </a:pPr>
+          </a:p>
+          <a:p>
+            <a:pPr lvl="0" marL="0" indent="0">
+              <a:buNone/>
+            </a:pPr>
+            <a:r>
+              <a:rPr/>
+              <a:t>Shared_Gender</a:t>
+            </a:r>
+          </a:p>
+          <a:p>
+            <a:pPr lvl="0" marL="0" indent="0">
+              <a:buNone/>
+            </a:pPr>
+            <a:r>
+              <a:rPr/>
+              <a:t>Shared_Gender_by_Age</a:t>
+            </a:r>
+          </a:p>
+          <a:p>
+            <a:pPr lvl="0" marL="0" indent="0">
+              <a:buNone/>
+            </a:pPr>
+            <a:r>
+              <a:rPr/>
+              <a:t>Shared_Gender_by_Emp_by_Survey</a:t>
+            </a:r>
+          </a:p>
+          <a:p>
+            <a:pPr lvl="0" marL="0" indent="0">
+              <a:buNone/>
+            </a:pPr>
+            <a:r>
+              <a:rPr/>
+              <a:t>Shared_Gender_by_Age_by_Survey</a:t>
+            </a:r>
+          </a:p>
+          <a:p>
+            <a:pPr lvl="0" marL="0" indent="0">
+              <a:buNone/>
+            </a:pPr>
+            <a:r>
+              <a:rPr/>
+              <a:t>Shared_MF_by_Age_by_Survey</a:t>
+            </a:r>
+          </a:p>
+          <a:p>
+            <a:pPr lvl="0" marL="0" indent="0">
+              <a:buNone/>
+            </a:pPr>
+            <a:r>
+              <a:rPr/>
+              <a:t>Shared_MF_by_Age</a:t>
+            </a:r>
+          </a:p>
+          <a:p>
+            <a:pPr lvl="0" marL="0" indent="0">
+              <a:buNone/>
+            </a:pPr>
+            <a:r>
+              <a:rPr/>
+              <a:t>Shared_Age_and_Gender_by_Year</a:t>
+            </a:r>
+          </a:p>
+          <a:p>
+            <a:pPr lvl="0" marL="0" indent="0">
+              <a:buNone/>
+            </a:pPr>
+            <a:r>
+              <a:rPr/>
+              <a:t>Annual_Survey_Response</a:t>
+            </a:r>
+          </a:p>
+          <a:p>
+            <a:pPr lvl="0" marL="0" indent="0">
+              <a:buNone/>
+            </a:pPr>
+            <a:r>
+              <a:rPr/>
+              <a:t>Survey_Response2</a:t>
+            </a:r>
+          </a:p>
+          <a:p>
+            <a:pPr lvl="0" marL="0" indent="0">
+              <a:buNone/>
+            </a:pPr>
+            <a:r>
+              <a:rPr/>
+              <a:t>Employment_Area_Total</a:t>
+            </a:r>
+          </a:p>
+          <a:p>
+            <a:pPr lvl="0" marL="0" indent="0">
+              <a:buNone/>
+            </a:pPr>
+            <a:r>
+              <a:rPr/>
+              <a:t>Employment_Area_by_Year</a:t>
+            </a:r>
+          </a:p>
+          <a:p>
+            <a:pPr lvl="0" marL="0" indent="0">
+              <a:buNone/>
+            </a:pPr>
+            <a:r>
+              <a:rPr/>
+              <a:t>Employment_Status_Total</a:t>
+            </a:r>
+          </a:p>
+          <a:p>
+            <a:pPr lvl="0" marL="0" indent="0">
+              <a:buNone/>
+            </a:pPr>
+            <a:r>
+              <a:rPr/>
+              <a:t>Employment_Status_by_Year</a:t>
+            </a:r>
+          </a:p>
+          <a:p>
+            <a:pPr lvl="0" marL="0" indent="0">
+              <a:buNone/>
+            </a:pPr>
+            <a:r>
+              <a:rPr/>
+              <a:t>Not_Provided</a:t>
+            </a:r>
+          </a:p>
+          <a:p>
+            <a:pPr lvl="0" marL="0" indent="0">
+              <a:buNone/>
+            </a:pPr>
+            <a:r>
+              <a:rPr/>
+              <a:t>Shared_Info</a:t>
+            </a:r>
+          </a:p>
+        </p:txBody>
+      </p:sp>
+    </p:spTree>
+  </p:cSld>
+</p:sld>
+</file>
+
+<file path=ppt/slides/slide15.xml><?xml version="1.0" encoding="utf-8"?>
+<p:sld xmlns:a="http://schemas.openxmlformats.org/drawingml/2006/main" xmlns:r="http://schemas.openxmlformats.org/officeDocument/2006/relationships" xmlns:p="http://schemas.openxmlformats.org/presentationml/2006/main">
+  <p:cSld>
+    <p:spTree>
+      <p:nvGrpSpPr>
+        <p:cNvPr id="1" name=""/>
+        <p:cNvGrpSpPr/>
+        <p:nvPr/>
+      </p:nvGrpSpPr>
+      <p:grpSpPr>
+        <a:xfrm>
+          <a:off x="0" y="0"/>
+          <a:ext cx="0" cy="0"/>
+          <a:chOff x="0" y="0"/>
+          <a:chExt cx="0" cy="0"/>
+        </a:xfrm>
+      </p:grpSpPr>
+      <p:sp>
+        <p:nvSpPr>
+          <p:cNvPr id="2" name="Title 1"/>
+          <p:cNvSpPr>
+            <a:spLocks noGrp="1"/>
+          </p:cNvSpPr>
+          <p:nvPr>
+            <p:ph type="title"/>
+          </p:nvPr>
+        </p:nvSpPr>
+        <p:spPr>
+          <a:xfrm>
+            <a:off x="677334" y="609600"/>
+            <a:ext cx="8596668" cy="659130"/>
+          </a:xfrm>
+        </p:spPr>
+        <p:txBody>
+          <a:bodyPr/>
+          <a:lstStyle/>
+          <a:p>
+            <a:pPr lvl="0" marL="0" indent="0">
+              <a:buNone/>
+            </a:pPr>
+            <a:r>
+              <a:rPr/>
+              <a:t>Loading</a:t>
+            </a:r>
+            <a:r>
+              <a:rPr/>
+              <a:t> </a:t>
+            </a:r>
+            <a:r>
+              <a:rPr/>
+              <a:t>into</a:t>
+            </a:r>
+            <a:r>
+              <a:rPr/>
+              <a:t> </a:t>
+            </a:r>
+            <a:r>
+              <a:rPr/>
+              <a:t>an</a:t>
+            </a:r>
+            <a:r>
+              <a:rPr/>
+              <a:t> </a:t>
+            </a:r>
+            <a:r>
+              <a:rPr/>
+              <a:t>RMarkdown</a:t>
+            </a:r>
+            <a:r>
+              <a:rPr/>
+              <a:t> </a:t>
+            </a:r>
+            <a:r>
+              <a:rPr/>
+              <a:t>report</a:t>
+            </a:r>
+          </a:p>
+        </p:txBody>
+      </p:sp>
+      <p:sp>
+        <p:nvSpPr>
+          <p:cNvPr id="3" name="Content Placeholder 2"/>
+          <p:cNvSpPr>
+            <a:spLocks noGrp="1"/>
+          </p:cNvSpPr>
+          <p:nvPr>
+            <p:ph idx="1"/>
+          </p:nvPr>
+        </p:nvSpPr>
+        <p:spPr/>
+        <p:txBody>
+          <a:bodyPr/>
+          <a:lstStyle/>
+          <a:p>
+            <a:pPr lvl="0" marL="0" indent="0">
+              <a:buNone/>
+            </a:pPr>
+            <a:r>
+              <a:rPr/>
+              <a:t>I used the RMarkdown file to generate a report to be stored in the Reports section of the project file structure. During the generation of graphs and tables I returned to the data preparation phase frequently. Regularly, I would update the Git version control by using a Commit and Push commands.</a:t>
             </a:r>
           </a:p>
         </p:txBody>
@@ -3339,7 +8210,12 @@
             <p:ph type="title"/>
           </p:nvPr>
         </p:nvSpPr>
-        <p:spPr/>
+        <p:spPr>
+          <a:xfrm>
+            <a:off x="677334" y="609600"/>
+            <a:ext cx="8596668" cy="659130"/>
+          </a:xfrm>
+        </p:spPr>
         <p:txBody>
           <a:bodyPr/>
           <a:lstStyle/>
@@ -3390,13 +8266,20 @@
             <a:pPr lvl="1"/>
             <a:r>
               <a:rPr/>
-              <a:t>Looking at the data and deciding on an area of interest</a:t>
+              <a:t>Looking at the data</a:t>
             </a:r>
           </a:p>
           <a:p>
             <a:pPr lvl="1"/>
             <a:r>
               <a:rPr/>
+              <a:t>Deciding on an area of interest</a:t>
+            </a:r>
+          </a:p>
+          <a:p>
+            <a:pPr lvl="1"/>
+            <a:r>
+              <a:rPr/>
               <a:t>Using ProjectTemplate</a:t>
             </a:r>
           </a:p>
@@ -3404,14 +8287,14 @@
             <a:pPr lvl="1"/>
             <a:r>
               <a:rPr/>
+              <a:t>Version Control</a:t>
+            </a:r>
+          </a:p>
+          <a:p>
+            <a:pPr lvl="1"/>
+            <a:r>
+              <a:rPr/>
               <a:t>Pre-processing</a:t>
-            </a:r>
-          </a:p>
-          <a:p>
-            <a:pPr lvl="1"/>
-            <a:r>
-              <a:rPr/>
-              <a:t>Syncing GitHub and using Git for Commit</a:t>
             </a:r>
           </a:p>
           <a:p>
@@ -3462,7 +8345,12 @@
             <p:ph type="title"/>
           </p:nvPr>
         </p:nvSpPr>
-        <p:spPr/>
+        <p:spPr>
+          <a:xfrm>
+            <a:off x="677334" y="609600"/>
+            <a:ext cx="8596668" cy="659130"/>
+          </a:xfrm>
+        </p:spPr>
         <p:txBody>
           <a:bodyPr/>
           <a:lstStyle/>
@@ -3497,6 +8385,46 @@
             <a:r>
               <a:rPr/>
               <a:t>data</a:t>
+            </a:r>
+            <a:r>
+              <a:rPr/>
+              <a:t> </a:t>
+            </a:r>
+            <a:r>
+              <a:rPr/>
+              <a:t>-</a:t>
+            </a:r>
+            <a:r>
+              <a:rPr/>
+              <a:t> </a:t>
+            </a:r>
+            <a:r>
+              <a:rPr/>
+              <a:t>names,</a:t>
+            </a:r>
+            <a:r>
+              <a:rPr/>
+              <a:t> </a:t>
+            </a:r>
+            <a:r>
+              <a:rPr/>
+              <a:t>size,</a:t>
+            </a:r>
+            <a:r>
+              <a:rPr/>
+              <a:t> </a:t>
+            </a:r>
+            <a:r>
+              <a:rPr/>
+              <a:t>file</a:t>
+            </a:r>
+            <a:r>
+              <a:rPr/>
+              <a:t> </a:t>
+            </a:r>
+            <a:r>
+              <a:rPr/>
+              <a:t>types</a:t>
             </a:r>
           </a:p>
         </p:txBody>
@@ -3517,8 +8445,8 @@
         </p:blipFill>
         <p:spPr bwMode="auto">
           <a:xfrm>
-            <a:off x="3073400" y="1816100"/>
-            <a:ext cx="6045200" cy="3835400"/>
+            <a:off x="1727200" y="1422400"/>
+            <a:ext cx="6477000" cy="4102100"/>
           </a:xfrm>
           <a:prstGeom prst="rect">
             <a:avLst/>
@@ -3539,8 +8467,8 @@
         </p:nvSpPr>
         <p:spPr>
           <a:xfrm>
-            <a:off x="838200" y="5651500"/>
-            <a:ext cx="10515600" cy="508000"/>
+            <a:off x="673100" y="5524500"/>
+            <a:ext cx="8585200" cy="508000"/>
           </a:xfrm>
           <a:prstGeom prst="rect">
             <a:avLst/>
@@ -3556,7 +8484,7 @@
             </a:pPr>
             <a:r>
               <a:rPr/>
-              <a:t>Initially</a:t>
+              <a:t>The</a:t>
             </a:r>
             <a:r>
               <a:rPr/>
@@ -3564,7 +8492,7 @@
             </a:r>
             <a:r>
               <a:rPr/>
-              <a:t>I</a:t>
+              <a:t>files</a:t>
             </a:r>
             <a:r>
               <a:rPr/>
@@ -3572,7 +8500,7 @@
             </a:r>
             <a:r>
               <a:rPr/>
-              <a:t>reviewed</a:t>
+              <a:t>varied</a:t>
             </a:r>
             <a:r>
               <a:rPr/>
@@ -3580,7 +8508,7 @@
             </a:r>
             <a:r>
               <a:rPr/>
-              <a:t>the</a:t>
+              <a:t>in</a:t>
             </a:r>
             <a:r>
               <a:rPr/>
@@ -3588,7 +8516,7 @@
             </a:r>
             <a:r>
               <a:rPr/>
-              <a:t>decompressed</a:t>
+              <a:t>size</a:t>
             </a:r>
             <a:r>
               <a:rPr/>
@@ -3596,7 +8524,7 @@
             </a:r>
             <a:r>
               <a:rPr/>
-              <a:t>files.</a:t>
+              <a:t>and</a:t>
             </a:r>
             <a:r>
               <a:rPr/>
@@ -3604,7 +8532,7 @@
             </a:r>
             <a:r>
               <a:rPr/>
-              <a:t>It</a:t>
+              <a:t>type</a:t>
             </a:r>
             <a:r>
               <a:rPr/>
@@ -3612,7 +8540,7 @@
             </a:r>
             <a:r>
               <a:rPr/>
-              <a:t>was</a:t>
+              <a:t>but</a:t>
             </a:r>
             <a:r>
               <a:rPr/>
@@ -3620,7 +8548,7 @@
             </a:r>
             <a:r>
               <a:rPr/>
-              <a:t>possible</a:t>
+              <a:t>were</a:t>
             </a:r>
             <a:r>
               <a:rPr/>
@@ -3628,6 +8556,22 @@
             </a:r>
             <a:r>
               <a:rPr/>
+              <a:t>all</a:t>
+            </a:r>
+            <a:r>
+              <a:rPr/>
+              <a:t> </a:t>
+            </a:r>
+            <a:r>
+              <a:rPr/>
+              <a:t>related</a:t>
+            </a:r>
+            <a:r>
+              <a:rPr/>
+              <a:t> </a:t>
+            </a:r>
+            <a:r>
+              <a:rPr/>
               <a:t>to</a:t>
             </a:r>
             <a:r>
@@ -3636,7 +8580,7 @@
             </a:r>
             <a:r>
               <a:rPr/>
-              <a:t>determine</a:t>
+              <a:t>a</a:t>
             </a:r>
             <a:r>
               <a:rPr/>
@@ -3644,7 +8588,7 @@
             </a:r>
             <a:r>
               <a:rPr/>
-              <a:t>from</a:t>
+              <a:t>training</a:t>
             </a:r>
             <a:r>
               <a:rPr/>
@@ -3652,119 +8596,7 @@
             </a:r>
             <a:r>
               <a:rPr/>
-              <a:t>the</a:t>
-            </a:r>
-            <a:r>
-              <a:rPr/>
-              <a:t> </a:t>
-            </a:r>
-            <a:r>
-              <a:rPr/>
-              <a:t>file</a:t>
-            </a:r>
-            <a:r>
-              <a:rPr/>
-              <a:t> </a:t>
-            </a:r>
-            <a:r>
-              <a:rPr/>
-              <a:t>sizes</a:t>
-            </a:r>
-            <a:r>
-              <a:rPr/>
-              <a:t> </a:t>
-            </a:r>
-            <a:r>
-              <a:rPr/>
-              <a:t>that</a:t>
-            </a:r>
-            <a:r>
-              <a:rPr/>
-              <a:t> </a:t>
-            </a:r>
-            <a:r>
-              <a:rPr/>
-              <a:t>there</a:t>
-            </a:r>
-            <a:r>
-              <a:rPr/>
-              <a:t> </a:t>
-            </a:r>
-            <a:r>
-              <a:rPr/>
-              <a:t>was</a:t>
-            </a:r>
-            <a:r>
-              <a:rPr/>
-              <a:t> </a:t>
-            </a:r>
-            <a:r>
-              <a:rPr/>
-              <a:t>missing</a:t>
-            </a:r>
-            <a:r>
-              <a:rPr/>
-              <a:t> </a:t>
-            </a:r>
-            <a:r>
-              <a:rPr/>
-              <a:t>data.</a:t>
-            </a:r>
-            <a:r>
-              <a:rPr/>
-              <a:t> </a:t>
-            </a:r>
-            <a:r>
-              <a:rPr/>
-              <a:t>The</a:t>
-            </a:r>
-            <a:r>
-              <a:rPr/>
-              <a:t> </a:t>
-            </a:r>
-            <a:r>
-              <a:rPr/>
-              <a:t>files</a:t>
-            </a:r>
-            <a:r>
-              <a:rPr/>
-              <a:t> </a:t>
-            </a:r>
-            <a:r>
-              <a:rPr/>
-              <a:t>related</a:t>
-            </a:r>
-            <a:r>
-              <a:rPr/>
-              <a:t> </a:t>
-            </a:r>
-            <a:r>
-              <a:rPr/>
-              <a:t>to</a:t>
-            </a:r>
-            <a:r>
-              <a:rPr/>
-              <a:t> </a:t>
-            </a:r>
-            <a:r>
-              <a:rPr/>
-              <a:t>a</a:t>
-            </a:r>
-            <a:r>
-              <a:rPr/>
-              <a:t> </a:t>
-            </a:r>
-            <a:r>
-              <a:rPr/>
               <a:t>course</a:t>
-            </a:r>
-            <a:r>
-              <a:rPr/>
-              <a:t> </a:t>
-            </a:r>
-            <a:r>
-              <a:rPr/>
-              <a:t>was</a:t>
             </a:r>
             <a:r>
               <a:rPr/>
@@ -3873,7 +8705,12 @@
             <p:ph type="title"/>
           </p:nvPr>
         </p:nvSpPr>
-        <p:spPr/>
+        <p:spPr>
+          <a:xfrm>
+            <a:off x="677334" y="609600"/>
+            <a:ext cx="8596668" cy="659130"/>
+          </a:xfrm>
+        </p:spPr>
         <p:txBody>
           <a:bodyPr/>
           <a:lstStyle/>
@@ -3941,6 +8778,15 @@
             <a:r>
               <a:rPr/>
               <a:t>I loaded sample data into RStudio and started looking at the data using R commands (head, summary, glimpse). It was possible to determine the size of the tables, the types of data that had been captured and see missing items. I decided to investigate students’ willingness to share personal data at enrolment, given that the course was related to security.</a:t>
+            </a:r>
+          </a:p>
+          <a:p>
+            <a:pPr lvl="0" marL="0" indent="0">
+              <a:buNone/>
+            </a:pPr>
+            <a:r>
+              <a:rPr/>
+              <a:t>Sample row and columns:</a:t>
             </a:r>
           </a:p>
           <a:p>
@@ -3951,10 +8797,12 @@
               <a:rPr sz="1800">
                 <a:latin typeface="Courier"/>
               </a:rPr>
-              <a:t>## # A tibble: 1 x 4
-##   learner_id                         enrolled_at            unenrolled_at role  
-##   &lt;chr&gt;                              &lt;chr&gt;                  &lt;chr&gt;         &lt;chr&gt; 
-## 1 160d6600-ea0e-4568-bfa9-5d7cd5b8e~ 2016-08-10 14:28:49 U~ ""            learn~</a:t>
+              <a:t>## # A tibble: 3 x 3
+##   enrolled_at             unenrolled_at             role   
+##   &lt;chr&gt;                   &lt;chr&gt;                     &lt;chr&gt;  
+## 1 2016-08-10 14:28:49 UTC ""                        learner
+## 2 2016-05-24 17:34:34 UTC "2018-10-30 20:20:51 UTC" learner
+## 3 2016-05-19 00:52:38 UTC ""                        learner</a:t>
             </a:r>
           </a:p>
         </p:txBody>
@@ -3991,7 +8839,12 @@
             <p:ph type="title"/>
           </p:nvPr>
         </p:nvSpPr>
-        <p:spPr/>
+        <p:spPr>
+          <a:xfrm>
+            <a:off x="677334" y="609600"/>
+            <a:ext cx="8596668" cy="659130"/>
+          </a:xfrm>
+        </p:spPr>
         <p:txBody>
           <a:bodyPr/>
           <a:lstStyle/>
@@ -4030,8 +8883,8 @@
         </p:blipFill>
         <p:spPr bwMode="auto">
           <a:xfrm>
-            <a:off x="838200" y="2184400"/>
-            <a:ext cx="10515600" cy="3111500"/>
+            <a:off x="673100" y="2209800"/>
+            <a:ext cx="8585200" cy="2540000"/>
           </a:xfrm>
           <a:prstGeom prst="rect">
             <a:avLst/>
@@ -4052,8 +8905,8 @@
         </p:nvSpPr>
         <p:spPr>
           <a:xfrm>
-            <a:off x="838200" y="5651500"/>
-            <a:ext cx="10515600" cy="508000"/>
+            <a:off x="673100" y="5524500"/>
+            <a:ext cx="8585200" cy="508000"/>
           </a:xfrm>
           <a:prstGeom prst="rect">
             <a:avLst/>
@@ -4364,7 +9217,12 @@
             <p:ph type="title"/>
           </p:nvPr>
         </p:nvSpPr>
-        <p:spPr/>
+        <p:spPr>
+          <a:xfrm>
+            <a:off x="677334" y="609600"/>
+            <a:ext cx="8596668" cy="659130"/>
+          </a:xfrm>
+        </p:spPr>
         <p:txBody>
           <a:bodyPr/>
           <a:lstStyle/>
@@ -4374,7 +9232,49 @@
             </a:pPr>
             <a:r>
               <a:rPr/>
-              <a:t>Pre-processing</a:t>
+              <a:t>Version</a:t>
+            </a:r>
+            <a:r>
+              <a:rPr/>
+              <a:t> </a:t>
+            </a:r>
+            <a:r>
+              <a:rPr/>
+              <a:t>control</a:t>
+            </a:r>
+          </a:p>
+        </p:txBody>
+      </p:sp>
+      <p:sp>
+        <p:nvSpPr>
+          <p:cNvPr id="3" name="Content Placeholder 2"/>
+          <p:cNvSpPr>
+            <a:spLocks noGrp="1"/>
+          </p:cNvSpPr>
+          <p:nvPr>
+            <p:ph idx="1"/>
+          </p:nvPr>
+        </p:nvSpPr>
+        <p:spPr/>
+        <p:txBody>
+          <a:bodyPr/>
+          <a:lstStyle/>
+          <a:p>
+            <a:pPr lvl="0" marL="0" indent="0">
+              <a:buNone/>
+            </a:pPr>
+            <a:r>
+              <a:rPr/>
+              <a:t>Syncing RStudio with my GitHub account allowed me to use Git for version control, by using Commit and Push. I created an new repository on GitHub, set up the security credentials under my profile and saved the public key into my version of RStudio. I downloaded Git and linked a new .RProj file.</a:t>
+            </a:r>
+          </a:p>
+          <a:p>
+            <a:pPr lvl="0" marL="0" indent="0">
+              <a:buNone/>
+            </a:pPr>
+            <a:r>
+              <a:rPr/>
+              <a:t>Git provides the functionality to control file versions and GitHub is a platform for hosting Git repositories.</a:t>
             </a:r>
           </a:p>
         </p:txBody>
@@ -4411,7 +9311,12 @@
             <p:ph type="title"/>
           </p:nvPr>
         </p:nvSpPr>
-        <p:spPr/>
+        <p:spPr>
+          <a:xfrm>
+            <a:off x="677334" y="609600"/>
+            <a:ext cx="8596668" cy="659130"/>
+          </a:xfrm>
+        </p:spPr>
         <p:txBody>
           <a:bodyPr/>
           <a:lstStyle/>
@@ -4421,55 +9326,98 @@
             </a:pPr>
             <a:r>
               <a:rPr/>
-              <a:t>Syncing</a:t>
-            </a:r>
-            <a:r>
-              <a:rPr/>
-              <a:t> </a:t>
-            </a:r>
-            <a:r>
-              <a:rPr/>
-              <a:t>GitHub</a:t>
-            </a:r>
-            <a:r>
-              <a:rPr/>
-              <a:t> </a:t>
-            </a:r>
-            <a:r>
-              <a:rPr/>
-              <a:t>and</a:t>
-            </a:r>
-            <a:r>
-              <a:rPr/>
-              <a:t> </a:t>
-            </a:r>
-            <a:r>
-              <a:rPr/>
-              <a:t>using</a:t>
-            </a:r>
-            <a:r>
-              <a:rPr/>
-              <a:t> </a:t>
-            </a:r>
-            <a:r>
-              <a:rPr/>
-              <a:t>Git</a:t>
-            </a:r>
-            <a:r>
-              <a:rPr/>
-              <a:t> </a:t>
-            </a:r>
-            <a:r>
-              <a:rPr/>
-              <a:t>for</a:t>
-            </a:r>
-            <a:r>
-              <a:rPr/>
-              <a:t> </a:t>
-            </a:r>
-            <a:r>
-              <a:rPr/>
-              <a:t>Commit</a:t>
+              <a:t>Pre-processing</a:t>
+            </a:r>
+          </a:p>
+        </p:txBody>
+      </p:sp>
+      <p:sp>
+        <p:nvSpPr>
+          <p:cNvPr id="3" name="Content Placeholder 2"/>
+          <p:cNvSpPr>
+            <a:spLocks noGrp="1"/>
+          </p:cNvSpPr>
+          <p:nvPr>
+            <p:ph idx="1"/>
+          </p:nvPr>
+        </p:nvSpPr>
+        <p:spPr/>
+        <p:txBody>
+          <a:bodyPr/>
+          <a:lstStyle/>
+          <a:p>
+            <a:pPr lvl="0" marL="0" indent="0">
+              <a:buNone/>
+            </a:pPr>
+            <a:r>
+              <a:rPr/>
+              <a:t>The pre-processing scripts (or data munging code) are stored in </a:t>
+            </a:r>
+            <a:r>
+              <a:rPr sz="1800">
+                <a:latin typeface="Courier"/>
+              </a:rPr>
+              <a:t>munge</a:t>
+            </a:r>
+            <a:r>
+              <a:rPr/>
+              <a:t> folder and will be executed sequentially when load.project()` is called. Numbers within filenames indicate the sequential order of the scripts. The scripts:</a:t>
+            </a:r>
+          </a:p>
+          <a:p>
+            <a:pPr lvl="1"/>
+            <a:r>
+              <a:rPr/>
+              <a:t>add columns at runtime, merge data sets and adjust data formats</a:t>
+            </a:r>
+          </a:p>
+          <a:p>
+            <a:pPr lvl="1"/>
+            <a:r>
+              <a:rPr/>
+              <a:t>remove duplicate records where learner_id is not unique, calculating course duration between first and last enrolment date</a:t>
+            </a:r>
+          </a:p>
+          <a:p>
+            <a:pPr lvl="1"/>
+            <a:r>
+              <a:rPr/>
+              <a:t>filters the data by groups of students willing to share data</a:t>
+            </a:r>
+          </a:p>
+          <a:p>
+            <a:pPr lvl="1"/>
+            <a:r>
+              <a:rPr/>
+              <a:t>categorises data</a:t>
+            </a:r>
+          </a:p>
+          <a:p>
+            <a:pPr lvl="1"/>
+            <a:r>
+              <a:rPr/>
+              <a:t>provides additional data items on duplicate records</a:t>
+            </a:r>
+          </a:p>
+          <a:p>
+            <a:pPr lvl="1"/>
+            <a:r>
+              <a:rPr/>
+              <a:t>calculates volume of shared data items</a:t>
+            </a:r>
+          </a:p>
+          <a:p>
+            <a:pPr lvl="1"/>
+            <a:r>
+              <a:rPr/>
+              <a:t>determines counts and percentages of data that it shared by student, by survey</a:t>
+            </a:r>
+          </a:p>
+          <a:p>
+            <a:pPr lvl="1"/>
+            <a:r>
+              <a:rPr/>
+              <a:t>and calculates counts and percentage of data that is not shared</a:t>
             </a:r>
           </a:p>
         </p:txBody>
@@ -4506,7 +9454,12 @@
             <p:ph type="title"/>
           </p:nvPr>
         </p:nvSpPr>
-        <p:spPr/>
+        <p:spPr>
+          <a:xfrm>
+            <a:off x="677334" y="609600"/>
+            <a:ext cx="8596668" cy="659130"/>
+          </a:xfrm>
+        </p:spPr>
         <p:txBody>
           <a:bodyPr/>
           <a:lstStyle/>
@@ -4524,23 +9477,32 @@
             </a:r>
             <a:r>
               <a:rPr/>
-              <a:t>graphs</a:t>
-            </a:r>
-            <a:r>
-              <a:rPr/>
-              <a:t> </a:t>
-            </a:r>
-            <a:r>
-              <a:rPr/>
-              <a:t>and</a:t>
-            </a:r>
-            <a:r>
-              <a:rPr/>
-              <a:t> </a:t>
-            </a:r>
-            <a:r>
-              <a:rPr/>
               <a:t>tables</a:t>
+            </a:r>
+          </a:p>
+        </p:txBody>
+      </p:sp>
+      <p:sp>
+        <p:nvSpPr>
+          <p:cNvPr id="3" name="Content Placeholder 2"/>
+          <p:cNvSpPr>
+            <a:spLocks noGrp="1"/>
+          </p:cNvSpPr>
+          <p:nvPr>
+            <p:ph idx="1"/>
+          </p:nvPr>
+        </p:nvSpPr>
+        <p:spPr/>
+        <p:txBody>
+          <a:bodyPr/>
+          <a:lstStyle/>
+          <a:p>
+            <a:pPr lvl="0" marL="0" indent="0">
+              <a:buNone/>
+            </a:pPr>
+            <a:r>
+              <a:rPr/>
+              <a:t>In total, 35225 unique student enrolment records were assessed from seven survey files.</a:t>
             </a:r>
           </a:p>
         </p:txBody>
@@ -4567,72 +9529,1019 @@
           <a:chExt cx="0" cy="0"/>
         </a:xfrm>
       </p:grpSpPr>
-      <p:sp>
-        <p:nvSpPr>
-          <p:cNvPr id="2" name="Title 1"/>
-          <p:cNvSpPr>
-            <a:spLocks noGrp="1"/>
-          </p:cNvSpPr>
-          <p:nvPr>
-            <p:ph type="title"/>
-          </p:nvPr>
-        </p:nvSpPr>
-        <p:spPr/>
-        <p:txBody>
-          <a:bodyPr/>
-          <a:lstStyle/>
-          <a:p>
-            <a:pPr lvl="0" marL="0" indent="0">
-              <a:buNone/>
-            </a:pPr>
-            <a:r>
-              <a:rPr/>
-              <a:t>Loading</a:t>
-            </a:r>
-            <a:r>
-              <a:rPr/>
-              <a:t> </a:t>
-            </a:r>
-            <a:r>
-              <a:rPr/>
-              <a:t>into</a:t>
-            </a:r>
-            <a:r>
-              <a:rPr/>
-              <a:t> </a:t>
-            </a:r>
-            <a:r>
-              <a:rPr/>
-              <a:t>an</a:t>
-            </a:r>
-            <a:r>
-              <a:rPr/>
-              <a:t> </a:t>
-            </a:r>
-            <a:r>
-              <a:rPr/>
-              <a:t>RMarkdown</a:t>
-            </a:r>
-            <a:r>
-              <a:rPr/>
-              <a:t> </a:t>
-            </a:r>
-            <a:r>
-              <a:rPr/>
-              <a:t>report</a:t>
-            </a:r>
-          </a:p>
-        </p:txBody>
-      </p:sp>
+      <p:graphicFrame>
+        <p:nvGraphicFramePr>
+          <p:cNvPr id="6" name="Content Placeholder 5"/>
+          <p:cNvGraphicFramePr>
+            <a:graphicFrameLocks noGrp="1"/>
+          </p:cNvGraphicFramePr>
+          <p:nvPr>
+            <p:ph idx="1"/>
+          </p:nvPr>
+        </p:nvGraphicFramePr>
+        <p:xfrm>
+          <a:off x="673100" y="1422400"/>
+          <a:ext cx="8585200" cy="4610100"/>
+        </p:xfrm>
+        <a:graphic>
+          <a:graphicData uri="http://schemas.openxmlformats.org/drawingml/2006/table">
+            <a:tbl>
+              <a:tblPr firstRow="1" bandRow="1">
+                <a:tableStyleId>{5C22544A-7EE6-4342-B048-85BDC9FD1C3A}</a:tableStyleId>
+              </a:tblPr>
+              <a:tblGrid>
+                <a:gridCol w="1714500"/>
+                <a:gridCol w="1714500"/>
+                <a:gridCol w="1714500"/>
+                <a:gridCol w="1714500"/>
+                <a:gridCol w="1714500"/>
+              </a:tblGrid>
+              <a:tr h="0">
+                <a:tc>
+                  <a:txBody>
+                    <a:bodyPr/>
+                    <a:lstStyle/>
+                    <a:p>
+                      <a:pPr lvl="0" marL="0" indent="0">
+                        <a:buNone/>
+                      </a:pPr>
+                      <a:r>
+                        <a:rPr/>
+                        <a:t>Survey</a:t>
+                      </a:r>
+                      <a:r>
+                        <a:rPr/>
+                        <a:t> </a:t>
+                      </a:r>
+                      <a:r>
+                        <a:rPr/>
+                        <a:t>No.</a:t>
+                      </a:r>
+                    </a:p>
+                  </a:txBody>
+                  <a:tcPr/>
+                </a:tc>
+                <a:tc>
+                  <a:txBody>
+                    <a:bodyPr/>
+                    <a:lstStyle/>
+                    <a:p>
+                      <a:pPr lvl="0" marL="0" indent="0">
+                        <a:buNone/>
+                      </a:pPr>
+                      <a:r>
+                        <a:rPr/>
+                        <a:t>Date</a:t>
+                      </a:r>
+                      <a:r>
+                        <a:rPr/>
+                        <a:t> </a:t>
+                      </a:r>
+                      <a:r>
+                        <a:rPr/>
+                        <a:t>First</a:t>
+                      </a:r>
+                      <a:r>
+                        <a:rPr/>
+                        <a:t> </a:t>
+                      </a:r>
+                      <a:r>
+                        <a:rPr/>
+                        <a:t>Student</a:t>
+                      </a:r>
+                      <a:r>
+                        <a:rPr/>
+                        <a:t> </a:t>
+                      </a:r>
+                      <a:r>
+                        <a:rPr/>
+                        <a:t>Enrolled</a:t>
+                      </a:r>
+                    </a:p>
+                  </a:txBody>
+                  <a:tcPr/>
+                </a:tc>
+                <a:tc>
+                  <a:txBody>
+                    <a:bodyPr/>
+                    <a:lstStyle/>
+                    <a:p>
+                      <a:pPr lvl="0" marL="0" indent="0">
+                        <a:buNone/>
+                      </a:pPr>
+                      <a:r>
+                        <a:rPr/>
+                        <a:t>Date</a:t>
+                      </a:r>
+                      <a:r>
+                        <a:rPr/>
+                        <a:t> </a:t>
+                      </a:r>
+                      <a:r>
+                        <a:rPr/>
+                        <a:t>Last</a:t>
+                      </a:r>
+                      <a:r>
+                        <a:rPr/>
+                        <a:t> </a:t>
+                      </a:r>
+                      <a:r>
+                        <a:rPr/>
+                        <a:t>Student</a:t>
+                      </a:r>
+                      <a:r>
+                        <a:rPr/>
+                        <a:t> </a:t>
+                      </a:r>
+                      <a:r>
+                        <a:rPr/>
+                        <a:t>Enrolled</a:t>
+                      </a:r>
+                    </a:p>
+                  </a:txBody>
+                  <a:tcPr/>
+                </a:tc>
+                <a:tc>
+                  <a:txBody>
+                    <a:bodyPr/>
+                    <a:lstStyle/>
+                    <a:p>
+                      <a:pPr lvl="0" marL="0" indent="0">
+                        <a:buNone/>
+                      </a:pPr>
+                      <a:r>
+                        <a:rPr/>
+                        <a:t>Duration</a:t>
+                      </a:r>
+                      <a:r>
+                        <a:rPr/>
+                        <a:t> </a:t>
+                      </a:r>
+                      <a:r>
+                        <a:rPr/>
+                        <a:t>(days)</a:t>
+                      </a:r>
+                    </a:p>
+                  </a:txBody>
+                  <a:tcPr/>
+                </a:tc>
+                <a:tc>
+                  <a:txBody>
+                    <a:bodyPr/>
+                    <a:lstStyle/>
+                    <a:p>
+                      <a:pPr lvl="0" marL="0" indent="0">
+                        <a:buNone/>
+                      </a:pPr>
+                      <a:r>
+                        <a:rPr/>
+                        <a:t>No. of</a:t>
+                      </a:r>
+                      <a:r>
+                        <a:rPr/>
+                        <a:t> </a:t>
+                      </a:r>
+                      <a:r>
+                        <a:rPr/>
+                        <a:t>Students</a:t>
+                      </a:r>
+                    </a:p>
+                  </a:txBody>
+                  <a:tcPr/>
+                </a:tc>
+              </a:tr>
+              <a:tr h="0">
+                <a:tc>
+                  <a:txBody>
+                    <a:bodyPr/>
+                    <a:lstStyle/>
+                    <a:p>
+                      <a:pPr lvl="0" marL="0" indent="0">
+                        <a:buNone/>
+                      </a:pPr>
+                      <a:r>
+                        <a:rPr/>
+                        <a:t>1</a:t>
+                      </a:r>
+                    </a:p>
+                  </a:txBody>
+                </a:tc>
+                <a:tc>
+                  <a:txBody>
+                    <a:bodyPr/>
+                    <a:lstStyle/>
+                    <a:p>
+                      <a:pPr lvl="0" marL="0" indent="0">
+                        <a:buNone/>
+                      </a:pPr>
+                      <a:r>
+                        <a:rPr/>
+                        <a:t>29</a:t>
+                      </a:r>
+                      <a:r>
+                        <a:rPr/>
+                        <a:t> </a:t>
+                      </a:r>
+                      <a:r>
+                        <a:rPr/>
+                        <a:t>March</a:t>
+                      </a:r>
+                      <a:r>
+                        <a:rPr/>
+                        <a:t> </a:t>
+                      </a:r>
+                      <a:r>
+                        <a:rPr/>
+                        <a:t>2016</a:t>
+                      </a:r>
+                    </a:p>
+                  </a:txBody>
+                </a:tc>
+                <a:tc>
+                  <a:txBody>
+                    <a:bodyPr/>
+                    <a:lstStyle/>
+                    <a:p>
+                      <a:pPr lvl="0" marL="0" indent="0">
+                        <a:buNone/>
+                      </a:pPr>
+                      <a:r>
+                        <a:rPr/>
+                        <a:t>07</a:t>
+                      </a:r>
+                      <a:r>
+                        <a:rPr/>
+                        <a:t> </a:t>
+                      </a:r>
+                      <a:r>
+                        <a:rPr/>
+                        <a:t>September</a:t>
+                      </a:r>
+                      <a:r>
+                        <a:rPr/>
+                        <a:t> </a:t>
+                      </a:r>
+                      <a:r>
+                        <a:rPr/>
+                        <a:t>2017</a:t>
+                      </a:r>
+                    </a:p>
+                  </a:txBody>
+                </a:tc>
+                <a:tc>
+                  <a:txBody>
+                    <a:bodyPr/>
+                    <a:lstStyle/>
+                    <a:p>
+                      <a:pPr lvl="0" marL="0" indent="0">
+                        <a:buNone/>
+                      </a:pPr>
+                      <a:r>
+                        <a:rPr/>
+                        <a:t>527</a:t>
+                      </a:r>
+                      <a:r>
+                        <a:rPr/>
+                        <a:t> </a:t>
+                      </a:r>
+                      <a:r>
+                        <a:rPr/>
+                        <a:t>days</a:t>
+                      </a:r>
+                    </a:p>
+                  </a:txBody>
+                </a:tc>
+                <a:tc>
+                  <a:txBody>
+                    <a:bodyPr/>
+                    <a:lstStyle/>
+                    <a:p>
+                      <a:pPr lvl="0" marL="0" indent="0">
+                        <a:buNone/>
+                      </a:pPr>
+                      <a:r>
+                        <a:rPr/>
+                        <a:t>14394</a:t>
+                      </a:r>
+                    </a:p>
+                  </a:txBody>
+                </a:tc>
+              </a:tr>
+              <a:tr h="0">
+                <a:tc>
+                  <a:txBody>
+                    <a:bodyPr/>
+                    <a:lstStyle/>
+                    <a:p>
+                      <a:pPr lvl="0" marL="0" indent="0">
+                        <a:buNone/>
+                      </a:pPr>
+                      <a:r>
+                        <a:rPr/>
+                        <a:t>2</a:t>
+                      </a:r>
+                    </a:p>
+                  </a:txBody>
+                </a:tc>
+                <a:tc>
+                  <a:txBody>
+                    <a:bodyPr/>
+                    <a:lstStyle/>
+                    <a:p>
+                      <a:pPr lvl="0" marL="0" indent="0">
+                        <a:buNone/>
+                      </a:pPr>
+                      <a:r>
+                        <a:rPr/>
+                        <a:t>05</a:t>
+                      </a:r>
+                      <a:r>
+                        <a:rPr/>
+                        <a:t> </a:t>
+                      </a:r>
+                      <a:r>
+                        <a:rPr/>
+                        <a:t>December</a:t>
+                      </a:r>
+                      <a:r>
+                        <a:rPr/>
+                        <a:t> </a:t>
+                      </a:r>
+                      <a:r>
+                        <a:rPr/>
+                        <a:t>2016</a:t>
+                      </a:r>
+                    </a:p>
+                  </a:txBody>
+                </a:tc>
+                <a:tc>
+                  <a:txBody>
+                    <a:bodyPr/>
+                    <a:lstStyle/>
+                    <a:p>
+                      <a:pPr lvl="0" marL="0" indent="0">
+                        <a:buNone/>
+                      </a:pPr>
+                      <a:r>
+                        <a:rPr/>
+                        <a:t>13</a:t>
+                      </a:r>
+                      <a:r>
+                        <a:rPr/>
+                        <a:t> </a:t>
+                      </a:r>
+                      <a:r>
+                        <a:rPr/>
+                        <a:t>July</a:t>
+                      </a:r>
+                      <a:r>
+                        <a:rPr/>
+                        <a:t> </a:t>
+                      </a:r>
+                      <a:r>
+                        <a:rPr/>
+                        <a:t>2017</a:t>
+                      </a:r>
+                    </a:p>
+                  </a:txBody>
+                </a:tc>
+                <a:tc>
+                  <a:txBody>
+                    <a:bodyPr/>
+                    <a:lstStyle/>
+                    <a:p>
+                      <a:pPr lvl="0" marL="0" indent="0">
+                        <a:buNone/>
+                      </a:pPr>
+                      <a:r>
+                        <a:rPr/>
+                        <a:t>220</a:t>
+                      </a:r>
+                      <a:r>
+                        <a:rPr/>
+                        <a:t> </a:t>
+                      </a:r>
+                      <a:r>
+                        <a:rPr/>
+                        <a:t>days</a:t>
+                      </a:r>
+                    </a:p>
+                  </a:txBody>
+                </a:tc>
+                <a:tc>
+                  <a:txBody>
+                    <a:bodyPr/>
+                    <a:lstStyle/>
+                    <a:p>
+                      <a:pPr lvl="0" marL="0" indent="0">
+                        <a:buNone/>
+                      </a:pPr>
+                      <a:r>
+                        <a:rPr/>
+                        <a:t>6049</a:t>
+                      </a:r>
+                    </a:p>
+                  </a:txBody>
+                </a:tc>
+              </a:tr>
+              <a:tr h="0">
+                <a:tc>
+                  <a:txBody>
+                    <a:bodyPr/>
+                    <a:lstStyle/>
+                    <a:p>
+                      <a:pPr lvl="0" marL="0" indent="0">
+                        <a:buNone/>
+                      </a:pPr>
+                      <a:r>
+                        <a:rPr/>
+                        <a:t>3</a:t>
+                      </a:r>
+                    </a:p>
+                  </a:txBody>
+                </a:tc>
+                <a:tc>
+                  <a:txBody>
+                    <a:bodyPr/>
+                    <a:lstStyle/>
+                    <a:p>
+                      <a:pPr lvl="0" marL="0" indent="0">
+                        <a:buNone/>
+                      </a:pPr>
+                      <a:r>
+                        <a:rPr/>
+                        <a:t>02</a:t>
+                      </a:r>
+                      <a:r>
+                        <a:rPr/>
+                        <a:t> </a:t>
+                      </a:r>
+                      <a:r>
+                        <a:rPr/>
+                        <a:t>July</a:t>
+                      </a:r>
+                      <a:r>
+                        <a:rPr/>
+                        <a:t> </a:t>
+                      </a:r>
+                      <a:r>
+                        <a:rPr/>
+                        <a:t>2017</a:t>
+                      </a:r>
+                    </a:p>
+                  </a:txBody>
+                </a:tc>
+                <a:tc>
+                  <a:txBody>
+                    <a:bodyPr/>
+                    <a:lstStyle/>
+                    <a:p>
+                      <a:pPr lvl="0" marL="0" indent="0">
+                        <a:buNone/>
+                      </a:pPr>
+                      <a:r>
+                        <a:rPr/>
+                        <a:t>26</a:t>
+                      </a:r>
+                      <a:r>
+                        <a:rPr/>
+                        <a:t> </a:t>
+                      </a:r>
+                      <a:r>
+                        <a:rPr/>
+                        <a:t>February</a:t>
+                      </a:r>
+                      <a:r>
+                        <a:rPr/>
+                        <a:t> </a:t>
+                      </a:r>
+                      <a:r>
+                        <a:rPr/>
+                        <a:t>2018</a:t>
+                      </a:r>
+                    </a:p>
+                  </a:txBody>
+                </a:tc>
+                <a:tc>
+                  <a:txBody>
+                    <a:bodyPr/>
+                    <a:lstStyle/>
+                    <a:p>
+                      <a:pPr lvl="0" marL="0" indent="0">
+                        <a:buNone/>
+                      </a:pPr>
+                      <a:r>
+                        <a:rPr/>
+                        <a:t>239</a:t>
+                      </a:r>
+                      <a:r>
+                        <a:rPr/>
+                        <a:t> </a:t>
+                      </a:r>
+                      <a:r>
+                        <a:rPr/>
+                        <a:t>days</a:t>
+                      </a:r>
+                    </a:p>
+                  </a:txBody>
+                </a:tc>
+                <a:tc>
+                  <a:txBody>
+                    <a:bodyPr/>
+                    <a:lstStyle/>
+                    <a:p>
+                      <a:pPr lvl="0" marL="0" indent="0">
+                        <a:buNone/>
+                      </a:pPr>
+                      <a:r>
+                        <a:rPr/>
+                        <a:t>3053</a:t>
+                      </a:r>
+                    </a:p>
+                  </a:txBody>
+                </a:tc>
+              </a:tr>
+              <a:tr h="0">
+                <a:tc>
+                  <a:txBody>
+                    <a:bodyPr/>
+                    <a:lstStyle/>
+                    <a:p>
+                      <a:pPr lvl="0" marL="0" indent="0">
+                        <a:buNone/>
+                      </a:pPr>
+                      <a:r>
+                        <a:rPr/>
+                        <a:t>4</a:t>
+                      </a:r>
+                    </a:p>
+                  </a:txBody>
+                </a:tc>
+                <a:tc>
+                  <a:txBody>
+                    <a:bodyPr/>
+                    <a:lstStyle/>
+                    <a:p>
+                      <a:pPr lvl="0" marL="0" indent="0">
+                        <a:buNone/>
+                      </a:pPr>
+                      <a:r>
+                        <a:rPr/>
+                        <a:t>27</a:t>
+                      </a:r>
+                      <a:r>
+                        <a:rPr/>
+                        <a:t> </a:t>
+                      </a:r>
+                      <a:r>
+                        <a:rPr/>
+                        <a:t>July</a:t>
+                      </a:r>
+                      <a:r>
+                        <a:rPr/>
+                        <a:t> </a:t>
+                      </a:r>
+                      <a:r>
+                        <a:rPr/>
+                        <a:t>2017</a:t>
+                      </a:r>
+                    </a:p>
+                  </a:txBody>
+                </a:tc>
+                <a:tc>
+                  <a:txBody>
+                    <a:bodyPr/>
+                    <a:lstStyle/>
+                    <a:p>
+                      <a:pPr lvl="0" marL="0" indent="0">
+                        <a:buNone/>
+                      </a:pPr>
+                      <a:r>
+                        <a:rPr/>
+                        <a:t>25</a:t>
+                      </a:r>
+                      <a:r>
+                        <a:rPr/>
+                        <a:t> </a:t>
+                      </a:r>
+                      <a:r>
+                        <a:rPr/>
+                        <a:t>January</a:t>
+                      </a:r>
+                      <a:r>
+                        <a:rPr/>
+                        <a:t> </a:t>
+                      </a:r>
+                      <a:r>
+                        <a:rPr/>
+                        <a:t>2018</a:t>
+                      </a:r>
+                    </a:p>
+                  </a:txBody>
+                </a:tc>
+                <a:tc>
+                  <a:txBody>
+                    <a:bodyPr/>
+                    <a:lstStyle/>
+                    <a:p>
+                      <a:pPr lvl="0" marL="0" indent="0">
+                        <a:buNone/>
+                      </a:pPr>
+                      <a:r>
+                        <a:rPr/>
+                        <a:t>182</a:t>
+                      </a:r>
+                      <a:r>
+                        <a:rPr/>
+                        <a:t> </a:t>
+                      </a:r>
+                      <a:r>
+                        <a:rPr/>
+                        <a:t>days</a:t>
+                      </a:r>
+                    </a:p>
+                  </a:txBody>
+                </a:tc>
+                <a:tc>
+                  <a:txBody>
+                    <a:bodyPr/>
+                    <a:lstStyle/>
+                    <a:p>
+                      <a:pPr lvl="0" marL="0" indent="0">
+                        <a:buNone/>
+                      </a:pPr>
+                      <a:r>
+                        <a:rPr/>
+                        <a:t>3558</a:t>
+                      </a:r>
+                    </a:p>
+                  </a:txBody>
+                </a:tc>
+              </a:tr>
+              <a:tr h="0">
+                <a:tc>
+                  <a:txBody>
+                    <a:bodyPr/>
+                    <a:lstStyle/>
+                    <a:p>
+                      <a:pPr lvl="0" marL="0" indent="0">
+                        <a:buNone/>
+                      </a:pPr>
+                      <a:r>
+                        <a:rPr/>
+                        <a:t>5</a:t>
+                      </a:r>
+                    </a:p>
+                  </a:txBody>
+                </a:tc>
+                <a:tc>
+                  <a:txBody>
+                    <a:bodyPr/>
+                    <a:lstStyle/>
+                    <a:p>
+                      <a:pPr lvl="0" marL="0" indent="0">
+                        <a:buNone/>
+                      </a:pPr>
+                      <a:r>
+                        <a:rPr/>
+                        <a:t>15</a:t>
+                      </a:r>
+                      <a:r>
+                        <a:rPr/>
+                        <a:t> </a:t>
+                      </a:r>
+                      <a:r>
+                        <a:rPr/>
+                        <a:t>December</a:t>
+                      </a:r>
+                      <a:r>
+                        <a:rPr/>
+                        <a:t> </a:t>
+                      </a:r>
+                      <a:r>
+                        <a:rPr/>
+                        <a:t>2017</a:t>
+                      </a:r>
+                    </a:p>
+                  </a:txBody>
+                </a:tc>
+                <a:tc>
+                  <a:txBody>
+                    <a:bodyPr/>
+                    <a:lstStyle/>
+                    <a:p>
+                      <a:pPr lvl="0" marL="0" indent="0">
+                        <a:buNone/>
+                      </a:pPr>
+                      <a:r>
+                        <a:rPr/>
+                        <a:t>09</a:t>
+                      </a:r>
+                      <a:r>
+                        <a:rPr/>
+                        <a:t> </a:t>
+                      </a:r>
+                      <a:r>
+                        <a:rPr/>
+                        <a:t>September</a:t>
+                      </a:r>
+                      <a:r>
+                        <a:rPr/>
+                        <a:t> </a:t>
+                      </a:r>
+                      <a:r>
+                        <a:rPr/>
+                        <a:t>2018</a:t>
+                      </a:r>
+                    </a:p>
+                  </a:txBody>
+                </a:tc>
+                <a:tc>
+                  <a:txBody>
+                    <a:bodyPr/>
+                    <a:lstStyle/>
+                    <a:p>
+                      <a:pPr lvl="0" marL="0" indent="0">
+                        <a:buNone/>
+                      </a:pPr>
+                      <a:r>
+                        <a:rPr/>
+                        <a:t>268</a:t>
+                      </a:r>
+                      <a:r>
+                        <a:rPr/>
+                        <a:t> </a:t>
+                      </a:r>
+                      <a:r>
+                        <a:rPr/>
+                        <a:t>days</a:t>
+                      </a:r>
+                    </a:p>
+                  </a:txBody>
+                </a:tc>
+                <a:tc>
+                  <a:txBody>
+                    <a:bodyPr/>
+                    <a:lstStyle/>
+                    <a:p>
+                      <a:pPr lvl="0" marL="0" indent="0">
+                        <a:buNone/>
+                      </a:pPr>
+                      <a:r>
+                        <a:rPr/>
+                        <a:t>3147</a:t>
+                      </a:r>
+                    </a:p>
+                  </a:txBody>
+                </a:tc>
+              </a:tr>
+              <a:tr h="0">
+                <a:tc>
+                  <a:txBody>
+                    <a:bodyPr/>
+                    <a:lstStyle/>
+                    <a:p>
+                      <a:pPr lvl="0" marL="0" indent="0">
+                        <a:buNone/>
+                      </a:pPr>
+                      <a:r>
+                        <a:rPr/>
+                        <a:t>6</a:t>
+                      </a:r>
+                    </a:p>
+                  </a:txBody>
+                </a:tc>
+                <a:tc>
+                  <a:txBody>
+                    <a:bodyPr/>
+                    <a:lstStyle/>
+                    <a:p>
+                      <a:pPr lvl="0" marL="0" indent="0">
+                        <a:buNone/>
+                      </a:pPr>
+                      <a:r>
+                        <a:rPr/>
+                        <a:t>08</a:t>
+                      </a:r>
+                      <a:r>
+                        <a:rPr/>
+                        <a:t> </a:t>
+                      </a:r>
+                      <a:r>
+                        <a:rPr/>
+                        <a:t>April</a:t>
+                      </a:r>
+                      <a:r>
+                        <a:rPr/>
+                        <a:t> </a:t>
+                      </a:r>
+                      <a:r>
+                        <a:rPr/>
+                        <a:t>2018</a:t>
+                      </a:r>
+                    </a:p>
+                  </a:txBody>
+                </a:tc>
+                <a:tc>
+                  <a:txBody>
+                    <a:bodyPr/>
+                    <a:lstStyle/>
+                    <a:p>
+                      <a:pPr lvl="0" marL="0" indent="0">
+                        <a:buNone/>
+                      </a:pPr>
+                      <a:r>
+                        <a:rPr/>
+                        <a:t>11</a:t>
+                      </a:r>
+                      <a:r>
+                        <a:rPr/>
+                        <a:t> </a:t>
+                      </a:r>
+                      <a:r>
+                        <a:rPr/>
+                        <a:t>August</a:t>
+                      </a:r>
+                      <a:r>
+                        <a:rPr/>
+                        <a:t> </a:t>
+                      </a:r>
+                      <a:r>
+                        <a:rPr/>
+                        <a:t>2018</a:t>
+                      </a:r>
+                    </a:p>
+                  </a:txBody>
+                </a:tc>
+                <a:tc>
+                  <a:txBody>
+                    <a:bodyPr/>
+                    <a:lstStyle/>
+                    <a:p>
+                      <a:pPr lvl="0" marL="0" indent="0">
+                        <a:buNone/>
+                      </a:pPr>
+                      <a:r>
+                        <a:rPr/>
+                        <a:t>125</a:t>
+                      </a:r>
+                      <a:r>
+                        <a:rPr/>
+                        <a:t> </a:t>
+                      </a:r>
+                      <a:r>
+                        <a:rPr/>
+                        <a:t>days</a:t>
+                      </a:r>
+                    </a:p>
+                  </a:txBody>
+                </a:tc>
+                <a:tc>
+                  <a:txBody>
+                    <a:bodyPr/>
+                    <a:lstStyle/>
+                    <a:p>
+                      <a:pPr lvl="0" marL="0" indent="0">
+                        <a:buNone/>
+                      </a:pPr>
+                      <a:r>
+                        <a:rPr/>
+                        <a:t>2908</a:t>
+                      </a:r>
+                    </a:p>
+                  </a:txBody>
+                </a:tc>
+              </a:tr>
+              <a:tr h="0">
+                <a:tc>
+                  <a:txBody>
+                    <a:bodyPr/>
+                    <a:lstStyle/>
+                    <a:p>
+                      <a:pPr lvl="0" marL="0" indent="0">
+                        <a:buNone/>
+                      </a:pPr>
+                      <a:r>
+                        <a:rPr/>
+                        <a:t>7</a:t>
+                      </a:r>
+                    </a:p>
+                  </a:txBody>
+                </a:tc>
+                <a:tc>
+                  <a:txBody>
+                    <a:bodyPr/>
+                    <a:lstStyle/>
+                    <a:p>
+                      <a:pPr lvl="0" marL="0" indent="0">
+                        <a:buNone/>
+                      </a:pPr>
+                      <a:r>
+                        <a:rPr/>
+                        <a:t>25</a:t>
+                      </a:r>
+                      <a:r>
+                        <a:rPr/>
+                        <a:t> </a:t>
+                      </a:r>
+                      <a:r>
+                        <a:rPr/>
+                        <a:t>June</a:t>
+                      </a:r>
+                      <a:r>
+                        <a:rPr/>
+                        <a:t> </a:t>
+                      </a:r>
+                      <a:r>
+                        <a:rPr/>
+                        <a:t>2018</a:t>
+                      </a:r>
+                    </a:p>
+                  </a:txBody>
+                </a:tc>
+                <a:tc>
+                  <a:txBody>
+                    <a:bodyPr/>
+                    <a:lstStyle/>
+                    <a:p>
+                      <a:pPr lvl="0" marL="0" indent="0">
+                        <a:buNone/>
+                      </a:pPr>
+                      <a:r>
+                        <a:rPr/>
+                        <a:t>01</a:t>
+                      </a:r>
+                      <a:r>
+                        <a:rPr/>
+                        <a:t> </a:t>
+                      </a:r>
+                      <a:r>
+                        <a:rPr/>
+                        <a:t>November</a:t>
+                      </a:r>
+                      <a:r>
+                        <a:rPr/>
+                        <a:t> </a:t>
+                      </a:r>
+                      <a:r>
+                        <a:rPr/>
+                        <a:t>2018</a:t>
+                      </a:r>
+                    </a:p>
+                  </a:txBody>
+                </a:tc>
+                <a:tc>
+                  <a:txBody>
+                    <a:bodyPr/>
+                    <a:lstStyle/>
+                    <a:p>
+                      <a:pPr lvl="0" marL="0" indent="0">
+                        <a:buNone/>
+                      </a:pPr>
+                      <a:r>
+                        <a:rPr/>
+                        <a:t>129</a:t>
+                      </a:r>
+                      <a:r>
+                        <a:rPr/>
+                        <a:t> </a:t>
+                      </a:r>
+                      <a:r>
+                        <a:rPr/>
+                        <a:t>days</a:t>
+                      </a:r>
+                    </a:p>
+                  </a:txBody>
+                </a:tc>
+                <a:tc>
+                  <a:txBody>
+                    <a:bodyPr/>
+                    <a:lstStyle/>
+                    <a:p>
+                      <a:pPr lvl="0" marL="0" indent="0">
+                        <a:buNone/>
+                      </a:pPr>
+                      <a:r>
+                        <a:rPr/>
+                        <a:t>2116</a:t>
+                      </a:r>
+                    </a:p>
+                  </a:txBody>
+                </a:tc>
+              </a:tr>
+            </a:tbl>
+          </a:graphicData>
+        </a:graphic>
+      </p:graphicFrame>
     </p:spTree>
   </p:cSld>
 </p:sld>
 </file>
 
 <file path=ppt/theme/theme1.xml><?xml version="1.0" encoding="utf-8"?>
-<a:theme xmlns:a="http://schemas.openxmlformats.org/drawingml/2006/main" name="Office Theme">
+<a:theme xmlns:a="http://schemas.openxmlformats.org/drawingml/2006/main" name="Facet">
   <a:themeElements>
-    <a:clrScheme name="Office">
+    <a:clrScheme name="Custom 1">
       <a:dk1>
         <a:sysClr val="windowText" lastClr="000000"/>
       </a:dk1>
@@ -4640,52 +10549,52 @@
         <a:sysClr val="window" lastClr="FFFFFF"/>
       </a:lt1>
       <a:dk2>
-        <a:srgbClr val="44546A"/>
+        <a:srgbClr val="1F497D"/>
       </a:dk2>
       <a:lt2>
-        <a:srgbClr val="E7E6E6"/>
+        <a:srgbClr val="EEECE1"/>
       </a:lt2>
       <a:accent1>
-        <a:srgbClr val="5B9BD5"/>
+        <a:srgbClr val="1F497D"/>
       </a:accent1>
       <a:accent2>
-        <a:srgbClr val="ED7D31"/>
+        <a:srgbClr val="C0504D"/>
       </a:accent2>
       <a:accent3>
-        <a:srgbClr val="A5A5A5"/>
+        <a:srgbClr val="9BBB59"/>
       </a:accent3>
       <a:accent4>
-        <a:srgbClr val="FFC000"/>
+        <a:srgbClr val="8064A2"/>
       </a:accent4>
       <a:accent5>
-        <a:srgbClr val="4472C4"/>
+        <a:srgbClr val="4BACC6"/>
       </a:accent5>
       <a:accent6>
-        <a:srgbClr val="70AD47"/>
+        <a:srgbClr val="F79646"/>
       </a:accent6>
       <a:hlink>
-        <a:srgbClr val="0563C1"/>
+        <a:srgbClr val="0000FF"/>
       </a:hlink>
       <a:folHlink>
-        <a:srgbClr val="954F72"/>
+        <a:srgbClr val="800080"/>
       </a:folHlink>
     </a:clrScheme>
-    <a:fontScheme name="Office">
+    <a:fontScheme name="Facet">
       <a:majorFont>
-        <a:latin typeface="Calibri Light" panose="020F0302020204030204"/>
+        <a:latin typeface="Trebuchet MS" panose="020B0603020202020204"/>
         <a:ea typeface=""/>
         <a:cs typeface=""/>
-        <a:font script="Jpan" typeface="ＭＳ Ｐゴシック"/>
+        <a:font script="Jpan" typeface="メイリオ"/>
         <a:font script="Hang" typeface="맑은 고딕"/>
-        <a:font script="Hans" typeface="宋体"/>
-        <a:font script="Hant" typeface="新細明體"/>
-        <a:font script="Arab" typeface="Times New Roman"/>
-        <a:font script="Hebr" typeface="Times New Roman"/>
-        <a:font script="Thai" typeface="Angsana New"/>
+        <a:font script="Hans" typeface="方正姚体"/>
+        <a:font script="Hant" typeface="微軟正黑體"/>
+        <a:font script="Arab" typeface="Tahoma"/>
+        <a:font script="Hebr" typeface="Arial"/>
+        <a:font script="Thai" typeface="Cordia New"/>
         <a:font script="Ethi" typeface="Nyala"/>
         <a:font script="Beng" typeface="Vrinda"/>
         <a:font script="Gujr" typeface="Shruti"/>
-        <a:font script="Khmr" typeface="MoolBoran"/>
+        <a:font script="Khmr" typeface="DaunPenh"/>
         <a:font script="Knda" typeface="Tunga"/>
         <a:font script="Guru" typeface="Raavi"/>
         <a:font script="Cans" typeface="Euphemia"/>
@@ -4702,21 +10611,21 @@
         <a:font script="Laoo" typeface="DokChampa"/>
         <a:font script="Sinh" typeface="Iskoola Pota"/>
         <a:font script="Mong" typeface="Mongolian Baiti"/>
-        <a:font script="Viet" typeface="Times New Roman"/>
+        <a:font script="Viet" typeface="Tahoma"/>
         <a:font script="Uigh" typeface="Microsoft Uighur"/>
         <a:font script="Geor" typeface="Sylfaen"/>
       </a:majorFont>
       <a:minorFont>
-        <a:latin typeface="Calibri" panose="020F0502020204030204"/>
+        <a:latin typeface="Trebuchet MS" panose="020B0603020202020204"/>
         <a:ea typeface=""/>
         <a:cs typeface=""/>
-        <a:font script="Jpan" typeface="ＭＳ Ｐゴシック"/>
-        <a:font script="Hang" typeface="맑은 고딕"/>
-        <a:font script="Hans" typeface="宋体"/>
-        <a:font script="Hant" typeface="新細明體"/>
-        <a:font script="Arab" typeface="Arial"/>
-        <a:font script="Hebr" typeface="Arial"/>
-        <a:font script="Thai" typeface="Cordia New"/>
+        <a:font script="Jpan" typeface="メイリオ"/>
+        <a:font script="Hang" typeface="HY그래픽M"/>
+        <a:font script="Hans" typeface="华文新魏"/>
+        <a:font script="Hant" typeface="微軟正黑體"/>
+        <a:font script="Arab" typeface="Tahoma"/>
+        <a:font script="Hebr" typeface="Gisha"/>
+        <a:font script="Thai" typeface="IrisUPC"/>
         <a:font script="Ethi" typeface="Nyala"/>
         <a:font script="Beng" typeface="Vrinda"/>
         <a:font script="Gujr" typeface="Shruti"/>
@@ -4742,7 +10651,7 @@
         <a:font script="Geor" typeface="Sylfaen"/>
       </a:minorFont>
     </a:fontScheme>
-    <a:fmtScheme name="Office">
+    <a:fmtScheme name="Facet">
       <a:fillStyleLst>
         <a:solidFill>
           <a:schemeClr val="phClr"/>
@@ -4751,23 +10660,13 @@
           <a:gsLst>
             <a:gs pos="0">
               <a:schemeClr val="phClr">
+                <a:tint val="65000"/>
                 <a:lumMod val="110000"/>
-                <a:satMod val="105000"/>
-                <a:tint val="67000"/>
               </a:schemeClr>
             </a:gs>
-            <a:gs pos="50000">
+            <a:gs pos="88000">
               <a:schemeClr val="phClr">
-                <a:lumMod val="105000"/>
-                <a:satMod val="103000"/>
-                <a:tint val="73000"/>
-              </a:schemeClr>
-            </a:gs>
-            <a:gs pos="100000">
-              <a:schemeClr val="phClr">
-                <a:lumMod val="105000"/>
-                <a:satMod val="109000"/>
-                <a:tint val="81000"/>
+                <a:tint val="90000"/>
               </a:schemeClr>
             </a:gs>
           </a:gsLst>
@@ -4777,23 +10676,14 @@
           <a:gsLst>
             <a:gs pos="0">
               <a:schemeClr val="phClr">
-                <a:satMod val="103000"/>
-                <a:lumMod val="102000"/>
-                <a:tint val="94000"/>
+                <a:tint val="96000"/>
+                <a:lumMod val="100000"/>
               </a:schemeClr>
             </a:gs>
-            <a:gs pos="50000">
+            <a:gs pos="78000">
               <a:schemeClr val="phClr">
-                <a:satMod val="110000"/>
-                <a:lumMod val="100000"/>
-                <a:shade val="100000"/>
-              </a:schemeClr>
-            </a:gs>
-            <a:gs pos="100000">
-              <a:schemeClr val="phClr">
-                <a:lumMod val="99000"/>
-                <a:satMod val="120000"/>
-                <a:shade val="78000"/>
+                <a:shade val="94000"/>
+                <a:lumMod val="94000"/>
               </a:schemeClr>
             </a:gs>
           </a:gsLst>
@@ -4801,26 +10691,23 @@
         </a:gradFill>
       </a:fillStyleLst>
       <a:lnStyleLst>
-        <a:ln w="6350" cap="flat" cmpd="sng" algn="ctr">
+        <a:ln w="12700" cap="rnd" cmpd="sng" algn="ctr">
           <a:solidFill>
             <a:schemeClr val="phClr"/>
           </a:solidFill>
           <a:prstDash val="solid"/>
-          <a:miter lim="800000"/>
         </a:ln>
-        <a:ln w="12700" cap="flat" cmpd="sng" algn="ctr">
+        <a:ln w="19050" cap="rnd" cmpd="sng" algn="ctr">
           <a:solidFill>
             <a:schemeClr val="phClr"/>
           </a:solidFill>
           <a:prstDash val="solid"/>
-          <a:miter lim="800000"/>
         </a:ln>
-        <a:ln w="19050" cap="flat" cmpd="sng" algn="ctr">
+        <a:ln w="25400" cap="rnd" cmpd="sng" algn="ctr">
           <a:solidFill>
             <a:schemeClr val="phClr"/>
           </a:solidFill>
           <a:prstDash val="solid"/>
-          <a:miter lim="800000"/>
         </a:ln>
       </a:lnStyleLst>
       <a:effectStyleLst>
@@ -4828,54 +10715,72 @@
           <a:effectLst/>
         </a:effectStyle>
         <a:effectStyle>
-          <a:effectLst/>
+          <a:effectLst>
+            <a:outerShdw blurRad="38100" dist="25400" dir="5400000" rotWithShape="0">
+              <a:srgbClr val="000000">
+                <a:alpha val="35000"/>
+              </a:srgbClr>
+            </a:outerShdw>
+          </a:effectLst>
         </a:effectStyle>
         <a:effectStyle>
           <a:effectLst>
-            <a:outerShdw blurRad="57150" dist="19050" dir="5400000" algn="ctr" rotWithShape="0">
+            <a:outerShdw blurRad="50800" dist="38100" dir="5400000" rotWithShape="0">
               <a:srgbClr val="000000">
-                <a:alpha val="63000"/>
+                <a:alpha val="35000"/>
               </a:srgbClr>
             </a:outerShdw>
           </a:effectLst>
+          <a:scene3d>
+            <a:camera prst="orthographicFront">
+              <a:rot lat="0" lon="0" rev="0"/>
+            </a:camera>
+            <a:lightRig rig="threePt" dir="tl"/>
+          </a:scene3d>
+          <a:sp3d prstMaterial="plastic">
+            <a:bevelT w="0" h="0"/>
+          </a:sp3d>
         </a:effectStyle>
       </a:effectStyleLst>
       <a:bgFillStyleLst>
         <a:solidFill>
           <a:schemeClr val="phClr"/>
         </a:solidFill>
-        <a:solidFill>
-          <a:schemeClr val="phClr">
-            <a:tint val="95000"/>
-            <a:satMod val="170000"/>
-          </a:schemeClr>
-        </a:solidFill>
         <a:gradFill rotWithShape="1">
           <a:gsLst>
             <a:gs pos="0">
               <a:schemeClr val="phClr">
-                <a:tint val="93000"/>
-                <a:satMod val="150000"/>
-                <a:shade val="98000"/>
-                <a:lumMod val="102000"/>
+                <a:tint val="90000"/>
+                <a:lumMod val="104000"/>
               </a:schemeClr>
             </a:gs>
-            <a:gs pos="50000">
+            <a:gs pos="94000">
               <a:schemeClr val="phClr">
-                <a:tint val="98000"/>
-                <a:satMod val="130000"/>
-                <a:shade val="90000"/>
-                <a:lumMod val="103000"/>
+                <a:shade val="96000"/>
+                <a:lumMod val="82000"/>
+              </a:schemeClr>
+            </a:gs>
+          </a:gsLst>
+          <a:lin ang="5400000" scaled="0"/>
+        </a:gradFill>
+        <a:gradFill rotWithShape="1">
+          <a:gsLst>
+            <a:gs pos="0">
+              <a:schemeClr val="phClr">
+                <a:tint val="90000"/>
+                <a:lumMod val="110000"/>
               </a:schemeClr>
             </a:gs>
             <a:gs pos="100000">
               <a:schemeClr val="phClr">
-                <a:shade val="63000"/>
-                <a:satMod val="120000"/>
+                <a:shade val="94000"/>
+                <a:lumMod val="96000"/>
               </a:schemeClr>
             </a:gs>
           </a:gsLst>
-          <a:lin ang="5400000" scaled="0"/>
+          <a:path path="circle">
+            <a:fillToRect l="50000" t="50000" r="100000" b="100000"/>
+          </a:path>
         </a:gradFill>
       </a:bgFillStyleLst>
     </a:fmtScheme>
@@ -4884,7 +10789,7 @@
   <a:extraClrSchemeLst/>
   <a:extLst>
     <a:ext uri="{05A4C25C-085E-4340-85A3-A5531E510DB2}">
-      <thm15:themeFamily xmlns:thm15="http://schemas.microsoft.com/office/thememl/2012/main" name="Presentation18" id="{B5C1D7B2-B362-4EED-81A7-DAF0D0099013}" vid="{5D4D384F-96C2-485E-B2E6-A5B016A80A9A}"/>
+      <thm15:themeFamily xmlns:thm15="http://schemas.microsoft.com/office/thememl/2012/main" name="Presentation25" id="{750BD22C-725C-436F-86BF-3ADC8FB6C209}" vid="{29F4629A-0B7C-4AA7-B3BC-AF261B0EB724}"/>
     </a:ext>
   </a:extLst>
 </a:theme>

--- a/Exploratory_Analysis/reports/Overview-Presentation.pptx
+++ b/Exploratory_Analysis/reports/Overview-Presentation.pptx
@@ -4734,7 +4734,63 @@
             </a:r>
             <a:r>
               <a:rPr/>
-              <a:t>Middleton</a:t>
+              <a:t>Middleton,</a:t>
+            </a:r>
+            <a:r>
+              <a:rPr/>
+              <a:t> </a:t>
+            </a:r>
+            <a:r>
+              <a:rPr/>
+              <a:t>CSC8631</a:t>
+            </a:r>
+            <a:r>
+              <a:rPr/>
+              <a:t> </a:t>
+            </a:r>
+            <a:r>
+              <a:rPr/>
+              <a:t>-</a:t>
+            </a:r>
+            <a:r>
+              <a:rPr/>
+              <a:t> </a:t>
+            </a:r>
+            <a:r>
+              <a:rPr/>
+              <a:t>Data</a:t>
+            </a:r>
+            <a:r>
+              <a:rPr/>
+              <a:t> </a:t>
+            </a:r>
+            <a:r>
+              <a:rPr/>
+              <a:t>Management</a:t>
+            </a:r>
+            <a:r>
+              <a:rPr/>
+              <a:t> </a:t>
+            </a:r>
+            <a:r>
+              <a:rPr/>
+              <a:t>&amp;</a:t>
+            </a:r>
+            <a:r>
+              <a:rPr/>
+              <a:t> </a:t>
+            </a:r>
+            <a:r>
+              <a:rPr/>
+              <a:t>Exploratory</a:t>
+            </a:r>
+            <a:r>
+              <a:rPr/>
+              <a:t> </a:t>
+            </a:r>
+            <a:r>
+              <a:rPr/>
+              <a:t>Analysis</a:t>
             </a:r>
           </a:p>
         </p:txBody>
@@ -4759,7 +4815,15 @@
             </a:pPr>
             <a:r>
               <a:rPr/>
-              <a:t>30/11/2020</a:t>
+              <a:t>December</a:t>
+            </a:r>
+            <a:r>
+              <a:rPr/>
+              <a:t> </a:t>
+            </a:r>
+            <a:r>
+              <a:rPr/>
+              <a:t>2020</a:t>
             </a:r>
           </a:p>
         </p:txBody>
@@ -4811,7 +4875,145 @@
             </a:pPr>
             <a:r>
               <a:rPr/>
-              <a:t>Attitudes</a:t>
+              <a:t>Data</a:t>
+            </a:r>
+            <a:r>
+              <a:rPr/>
+              <a:t> </a:t>
+            </a:r>
+            <a:r>
+              <a:rPr/>
+              <a:t>Preparation</a:t>
+            </a:r>
+            <a:r>
+              <a:rPr/>
+              <a:t> </a:t>
+            </a:r>
+            <a:r>
+              <a:rPr/>
+              <a:t>-</a:t>
+            </a:r>
+            <a:r>
+              <a:rPr/>
+              <a:t> </a:t>
+            </a:r>
+            <a:r>
+              <a:rPr/>
+              <a:t>continuing</a:t>
+            </a:r>
+          </a:p>
+        </p:txBody>
+      </p:sp>
+      <p:sp>
+        <p:nvSpPr>
+          <p:cNvPr id="3" name="Content Placeholder 2"/>
+          <p:cNvSpPr>
+            <a:spLocks noGrp="1"/>
+          </p:cNvSpPr>
+          <p:nvPr>
+            <p:ph idx="1"/>
+          </p:nvPr>
+        </p:nvSpPr>
+        <p:spPr/>
+        <p:txBody>
+          <a:bodyPr/>
+          <a:lstStyle/>
+          <a:p>
+            <a:pPr lvl="0" marL="0" indent="0">
+              <a:buNone/>
+            </a:pPr>
+            <a:r>
+              <a:rPr/>
+              <a:t>The later scripts included:</a:t>
+            </a:r>
+          </a:p>
+          <a:p>
+            <a:pPr lvl="1"/>
+            <a:r>
+              <a:rPr/>
+              <a:t>calculating volume of shared data items</a:t>
+            </a:r>
+          </a:p>
+          <a:p>
+            <a:pPr lvl="1"/>
+            <a:r>
+              <a:rPr/>
+              <a:t>determining counts and percentages of data that it shared by student, by survey</a:t>
+            </a:r>
+          </a:p>
+          <a:p>
+            <a:pPr lvl="1"/>
+            <a:r>
+              <a:rPr/>
+              <a:t>calculating counts and percentage of data that is not shared</a:t>
+            </a:r>
+          </a:p>
+        </p:txBody>
+      </p:sp>
+    </p:spTree>
+  </p:cSld>
+</p:sld>
+</file>
+
+<file path=ppt/slides/slide11.xml><?xml version="1.0" encoding="utf-8"?>
+<p:sld xmlns:a="http://schemas.openxmlformats.org/drawingml/2006/main" xmlns:r="http://schemas.openxmlformats.org/officeDocument/2006/relationships" xmlns:p="http://schemas.openxmlformats.org/presentationml/2006/main">
+  <p:cSld>
+    <p:spTree>
+      <p:nvGrpSpPr>
+        <p:cNvPr id="1" name=""/>
+        <p:cNvGrpSpPr/>
+        <p:nvPr/>
+      </p:nvGrpSpPr>
+      <p:grpSpPr>
+        <a:xfrm>
+          <a:off x="0" y="0"/>
+          <a:ext cx="0" cy="0"/>
+          <a:chOff x="0" y="0"/>
+          <a:chExt cx="0" cy="0"/>
+        </a:xfrm>
+      </p:grpSpPr>
+      <p:sp>
+        <p:nvSpPr>
+          <p:cNvPr id="2" name="Title 1"/>
+          <p:cNvSpPr>
+            <a:spLocks noGrp="1"/>
+          </p:cNvSpPr>
+          <p:nvPr>
+            <p:ph type="title"/>
+          </p:nvPr>
+        </p:nvSpPr>
+        <p:spPr>
+          <a:xfrm>
+            <a:off x="677334" y="609600"/>
+            <a:ext cx="8596668" cy="659130"/>
+          </a:xfrm>
+        </p:spPr>
+        <p:txBody>
+          <a:bodyPr/>
+          <a:lstStyle/>
+          <a:p>
+            <a:pPr lvl="0" marL="0" indent="0">
+              <a:buNone/>
+            </a:pPr>
+            <a:r>
+              <a:rPr/>
+              <a:t>Modeling</a:t>
+            </a:r>
+            <a:r>
+              <a:rPr/>
+              <a:t> </a:t>
+            </a:r>
+            <a:r>
+              <a:rPr/>
+              <a:t>-</a:t>
+            </a:r>
+            <a:r>
+              <a:rPr/>
+              <a:t> </a:t>
+            </a:r>
+            <a:r>
+              <a:rPr/>
+              <a:t>attitudes</a:t>
             </a:r>
             <a:r>
               <a:rPr/>
@@ -5007,63 +5209,7 @@
             </a:r>
             <a:r>
               <a:rPr/>
-              <a:t>level),</a:t>
-            </a:r>
-            <a:r>
-              <a:rPr/>
-              <a:t> </a:t>
-            </a:r>
-            <a:r>
-              <a:rPr/>
-              <a:t>which</a:t>
-            </a:r>
-            <a:r>
-              <a:rPr/>
-              <a:t> </a:t>
-            </a:r>
-            <a:r>
-              <a:rPr/>
-              <a:t>equates</a:t>
-            </a:r>
-            <a:r>
-              <a:rPr/>
-              <a:t> </a:t>
-            </a:r>
-            <a:r>
-              <a:rPr/>
-              <a:t>to</a:t>
-            </a:r>
-            <a:r>
-              <a:rPr/>
-              <a:t> </a:t>
-            </a:r>
-            <a:r>
-              <a:rPr/>
-              <a:t>10.60%</a:t>
-            </a:r>
-            <a:r>
-              <a:rPr/>
-              <a:t> </a:t>
-            </a:r>
-            <a:r>
-              <a:rPr/>
-              <a:t>of</a:t>
-            </a:r>
-            <a:r>
-              <a:rPr/>
-              <a:t> </a:t>
-            </a:r>
-            <a:r>
-              <a:rPr/>
-              <a:t>total</a:t>
-            </a:r>
-            <a:r>
-              <a:rPr/>
-              <a:t> </a:t>
-            </a:r>
-            <a:r>
-              <a:rPr/>
-              <a:t>students.</a:t>
+              <a:t>level).</a:t>
             </a:r>
           </a:p>
         </p:txBody>
@@ -5073,7 +5219,7 @@
 </p:sld>
 </file>
 
-<file path=ppt/slides/slide11.xml><?xml version="1.0" encoding="utf-8"?>
+<file path=ppt/slides/slide12.xml><?xml version="1.0" encoding="utf-8"?>
 <p:sld xmlns:a="http://schemas.openxmlformats.org/drawingml/2006/main" xmlns:r="http://schemas.openxmlformats.org/officeDocument/2006/relationships" xmlns:p="http://schemas.openxmlformats.org/presentationml/2006/main">
   <p:cSld>
     <p:spTree>
@@ -5115,22 +5261,569 @@
             </a:pPr>
             <a:r>
               <a:rPr/>
-              <a:t>Common</a:t>
-            </a:r>
-            <a:r>
-              <a:rPr/>
-              <a:t> </a:t>
-            </a:r>
-            <a:r>
-              <a:rPr/>
-              <a:t>findings</a:t>
+              <a:t>Evaluation</a:t>
+            </a:r>
+            <a:r>
+              <a:rPr/>
+              <a:t> </a:t>
+            </a:r>
+            <a:r>
+              <a:rPr/>
+              <a:t>(using</a:t>
+            </a:r>
+            <a:r>
+              <a:rPr/>
+              <a:t> </a:t>
+            </a:r>
+            <a:r>
+              <a:rPr/>
+              <a:t>counts)</a:t>
+            </a:r>
+          </a:p>
+        </p:txBody>
+      </p:sp>
+      <p:graphicFrame>
+        <p:nvGraphicFramePr>
+          <p:cNvPr id="6" name="Content Placeholder 5"/>
+          <p:cNvGraphicFramePr>
+            <a:graphicFrameLocks noGrp="1"/>
+          </p:cNvGraphicFramePr>
+          <p:nvPr>
+            <p:ph idx="1"/>
+          </p:nvPr>
+        </p:nvGraphicFramePr>
+        <p:xfrm>
+          <a:off x="673100" y="1422400"/>
+          <a:ext cx="8585200" cy="4610100"/>
+        </p:xfrm>
+        <a:graphic>
+          <a:graphicData uri="http://schemas.openxmlformats.org/drawingml/2006/table">
+            <a:tbl>
+              <a:tblPr firstRow="1" bandRow="1">
+                <a:tableStyleId>{5C22544A-7EE6-4342-B048-85BDC9FD1C3A}</a:tableStyleId>
+              </a:tblPr>
+              <a:tblGrid>
+                <a:gridCol w="2857500"/>
+                <a:gridCol w="2857500"/>
+                <a:gridCol w="2857500"/>
+              </a:tblGrid>
+              <a:tr h="0">
+                <a:tc>
+                  <a:txBody>
+                    <a:bodyPr/>
+                    <a:lstStyle/>
+                    <a:p>
+                      <a:pPr lvl="0" marL="0" indent="0">
+                        <a:buNone/>
+                      </a:pPr>
+                      <a:r>
+                        <a:rPr/>
+                        <a:t>Survey</a:t>
+                      </a:r>
+                      <a:r>
+                        <a:rPr/>
+                        <a:t> </a:t>
+                      </a:r>
+                      <a:r>
+                        <a:rPr/>
+                        <a:t>No.</a:t>
+                      </a:r>
+                    </a:p>
+                  </a:txBody>
+                  <a:tcPr/>
+                </a:tc>
+                <a:tc>
+                  <a:txBody>
+                    <a:bodyPr/>
+                    <a:lstStyle/>
+                    <a:p>
+                      <a:pPr lvl="0" marL="0" indent="0">
+                        <a:buNone/>
+                      </a:pPr>
+                      <a:r>
+                        <a:rPr/>
+                        <a:t>%</a:t>
+                      </a:r>
+                      <a:r>
+                        <a:rPr/>
+                        <a:t> </a:t>
+                      </a:r>
+                      <a:r>
+                        <a:rPr/>
+                        <a:t>of</a:t>
+                      </a:r>
+                      <a:r>
+                        <a:rPr/>
+                        <a:t> </a:t>
+                      </a:r>
+                      <a:r>
+                        <a:rPr/>
+                        <a:t>Students</a:t>
+                      </a:r>
+                    </a:p>
+                  </a:txBody>
+                  <a:tcPr/>
+                </a:tc>
+                <a:tc>
+                  <a:txBody>
+                    <a:bodyPr/>
+                    <a:lstStyle/>
+                    <a:p>
+                      <a:pPr lvl="0" marL="0" indent="0">
+                        <a:buNone/>
+                      </a:pPr>
+                      <a:r>
+                        <a:rPr/>
+                        <a:t>Ave.</a:t>
+                      </a:r>
+                      <a:r>
+                        <a:rPr/>
+                        <a:t> </a:t>
+                      </a:r>
+                      <a:r>
+                        <a:rPr/>
+                        <a:t>Items</a:t>
+                      </a:r>
+                    </a:p>
+                  </a:txBody>
+                  <a:tcPr/>
+                </a:tc>
+              </a:tr>
+              <a:tr h="0">
+                <a:tc>
+                  <a:txBody>
+                    <a:bodyPr/>
+                    <a:lstStyle/>
+                    <a:p>
+                      <a:pPr lvl="0" marL="0" indent="0">
+                        <a:buNone/>
+                      </a:pPr>
+                      <a:r>
+                        <a:rPr/>
+                        <a:t>1</a:t>
+                      </a:r>
+                    </a:p>
+                  </a:txBody>
+                </a:tc>
+                <a:tc>
+                  <a:txBody>
+                    <a:bodyPr/>
+                    <a:lstStyle/>
+                    <a:p>
+                      <a:pPr lvl="0" marL="0" indent="0">
+                        <a:buNone/>
+                      </a:pPr>
+                      <a:r>
+                        <a:rPr/>
+                        <a:t>11.98%</a:t>
+                      </a:r>
+                    </a:p>
+                  </a:txBody>
+                </a:tc>
+                <a:tc>
+                  <a:txBody>
+                    <a:bodyPr/>
+                    <a:lstStyle/>
+                    <a:p>
+                      <a:pPr lvl="0" marL="0" indent="0">
+                        <a:buNone/>
+                      </a:pPr>
+                      <a:r>
+                        <a:rPr/>
+                        <a:t>4.69</a:t>
+                      </a:r>
+                    </a:p>
+                  </a:txBody>
+                </a:tc>
+              </a:tr>
+              <a:tr h="0">
+                <a:tc>
+                  <a:txBody>
+                    <a:bodyPr/>
+                    <a:lstStyle/>
+                    <a:p>
+                      <a:pPr lvl="0" marL="0" indent="0">
+                        <a:buNone/>
+                      </a:pPr>
+                      <a:r>
+                        <a:rPr/>
+                        <a:t>2</a:t>
+                      </a:r>
+                    </a:p>
+                  </a:txBody>
+                </a:tc>
+                <a:tc>
+                  <a:txBody>
+                    <a:bodyPr/>
+                    <a:lstStyle/>
+                    <a:p>
+                      <a:pPr lvl="0" marL="0" indent="0">
+                        <a:buNone/>
+                      </a:pPr>
+                      <a:r>
+                        <a:rPr/>
+                        <a:t>10.91%</a:t>
+                      </a:r>
+                    </a:p>
+                  </a:txBody>
+                </a:tc>
+                <a:tc>
+                  <a:txBody>
+                    <a:bodyPr/>
+                    <a:lstStyle/>
+                    <a:p>
+                      <a:pPr lvl="0" marL="0" indent="0">
+                        <a:buNone/>
+                      </a:pPr>
+                      <a:r>
+                        <a:rPr/>
+                        <a:t>4.68</a:t>
+                      </a:r>
+                    </a:p>
+                  </a:txBody>
+                </a:tc>
+              </a:tr>
+              <a:tr h="0">
+                <a:tc>
+                  <a:txBody>
+                    <a:bodyPr/>
+                    <a:lstStyle/>
+                    <a:p>
+                      <a:pPr lvl="0" marL="0" indent="0">
+                        <a:buNone/>
+                      </a:pPr>
+                      <a:r>
+                        <a:rPr/>
+                        <a:t>3</a:t>
+                      </a:r>
+                    </a:p>
+                  </a:txBody>
+                </a:tc>
+                <a:tc>
+                  <a:txBody>
+                    <a:bodyPr/>
+                    <a:lstStyle/>
+                    <a:p>
+                      <a:pPr lvl="0" marL="0" indent="0">
+                        <a:buNone/>
+                      </a:pPr>
+                      <a:r>
+                        <a:rPr/>
+                        <a:t>10.15%</a:t>
+                      </a:r>
+                    </a:p>
+                  </a:txBody>
+                </a:tc>
+                <a:tc>
+                  <a:txBody>
+                    <a:bodyPr/>
+                    <a:lstStyle/>
+                    <a:p>
+                      <a:pPr lvl="0" marL="0" indent="0">
+                        <a:buNone/>
+                      </a:pPr>
+                      <a:r>
+                        <a:rPr/>
+                        <a:t>4.68</a:t>
+                      </a:r>
+                    </a:p>
+                  </a:txBody>
+                </a:tc>
+              </a:tr>
+              <a:tr h="0">
+                <a:tc>
+                  <a:txBody>
+                    <a:bodyPr/>
+                    <a:lstStyle/>
+                    <a:p>
+                      <a:pPr lvl="0" marL="0" indent="0">
+                        <a:buNone/>
+                      </a:pPr>
+                      <a:r>
+                        <a:rPr/>
+                        <a:t>4</a:t>
+                      </a:r>
+                    </a:p>
+                  </a:txBody>
+                </a:tc>
+                <a:tc>
+                  <a:txBody>
+                    <a:bodyPr/>
+                    <a:lstStyle/>
+                    <a:p>
+                      <a:pPr lvl="0" marL="0" indent="0">
+                        <a:buNone/>
+                      </a:pPr>
+                      <a:r>
+                        <a:rPr/>
+                        <a:t>9.13%</a:t>
+                      </a:r>
+                    </a:p>
+                  </a:txBody>
+                </a:tc>
+                <a:tc>
+                  <a:txBody>
+                    <a:bodyPr/>
+                    <a:lstStyle/>
+                    <a:p>
+                      <a:pPr lvl="0" marL="0" indent="0">
+                        <a:buNone/>
+                      </a:pPr>
+                      <a:r>
+                        <a:rPr/>
+                        <a:t>4.71</a:t>
+                      </a:r>
+                    </a:p>
+                  </a:txBody>
+                </a:tc>
+              </a:tr>
+              <a:tr h="0">
+                <a:tc>
+                  <a:txBody>
+                    <a:bodyPr/>
+                    <a:lstStyle/>
+                    <a:p>
+                      <a:pPr lvl="0" marL="0" indent="0">
+                        <a:buNone/>
+                      </a:pPr>
+                      <a:r>
+                        <a:rPr/>
+                        <a:t>5</a:t>
+                      </a:r>
+                    </a:p>
+                  </a:txBody>
+                </a:tc>
+                <a:tc>
+                  <a:txBody>
+                    <a:bodyPr/>
+                    <a:lstStyle/>
+                    <a:p>
+                      <a:pPr lvl="0" marL="0" indent="0">
+                        <a:buNone/>
+                      </a:pPr>
+                      <a:r>
+                        <a:rPr/>
+                        <a:t>11.57%</a:t>
+                      </a:r>
+                    </a:p>
+                  </a:txBody>
+                </a:tc>
+                <a:tc>
+                  <a:txBody>
+                    <a:bodyPr/>
+                    <a:lstStyle/>
+                    <a:p>
+                      <a:pPr lvl="0" marL="0" indent="0">
+                        <a:buNone/>
+                      </a:pPr>
+                      <a:r>
+                        <a:rPr/>
+                        <a:t>4.65</a:t>
+                      </a:r>
+                    </a:p>
+                  </a:txBody>
+                </a:tc>
+              </a:tr>
+              <a:tr h="0">
+                <a:tc>
+                  <a:txBody>
+                    <a:bodyPr/>
+                    <a:lstStyle/>
+                    <a:p>
+                      <a:pPr lvl="0" marL="0" indent="0">
+                        <a:buNone/>
+                      </a:pPr>
+                      <a:r>
+                        <a:rPr/>
+                        <a:t>6</a:t>
+                      </a:r>
+                    </a:p>
+                  </a:txBody>
+                </a:tc>
+                <a:tc>
+                  <a:txBody>
+                    <a:bodyPr/>
+                    <a:lstStyle/>
+                    <a:p>
+                      <a:pPr lvl="0" marL="0" indent="0">
+                        <a:buNone/>
+                      </a:pPr>
+                      <a:r>
+                        <a:rPr/>
+                        <a:t>7.50%</a:t>
+                      </a:r>
+                    </a:p>
+                  </a:txBody>
+                </a:tc>
+                <a:tc>
+                  <a:txBody>
+                    <a:bodyPr/>
+                    <a:lstStyle/>
+                    <a:p>
+                      <a:pPr lvl="0" marL="0" indent="0">
+                        <a:buNone/>
+                      </a:pPr>
+                      <a:r>
+                        <a:rPr/>
+                        <a:t>4.67</a:t>
+                      </a:r>
+                    </a:p>
+                  </a:txBody>
+                </a:tc>
+              </a:tr>
+              <a:tr h="0">
+                <a:tc>
+                  <a:txBody>
+                    <a:bodyPr/>
+                    <a:lstStyle/>
+                    <a:p>
+                      <a:pPr lvl="0" marL="0" indent="0">
+                        <a:buNone/>
+                      </a:pPr>
+                      <a:r>
+                        <a:rPr/>
+                        <a:t>7</a:t>
+                      </a:r>
+                    </a:p>
+                  </a:txBody>
+                </a:tc>
+                <a:tc>
+                  <a:txBody>
+                    <a:bodyPr/>
+                    <a:lstStyle/>
+                    <a:p>
+                      <a:pPr lvl="0" marL="0" indent="0">
+                        <a:buNone/>
+                      </a:pPr>
+                      <a:r>
+                        <a:rPr/>
+                        <a:t>7.94%</a:t>
+                      </a:r>
+                    </a:p>
+                  </a:txBody>
+                </a:tc>
+                <a:tc>
+                  <a:txBody>
+                    <a:bodyPr/>
+                    <a:lstStyle/>
+                    <a:p>
+                      <a:pPr lvl="0" marL="0" indent="0">
+                        <a:buNone/>
+                      </a:pPr>
+                      <a:r>
+                        <a:rPr/>
+                        <a:t>4.57</a:t>
+                      </a:r>
+                    </a:p>
+                  </a:txBody>
+                </a:tc>
+              </a:tr>
+            </a:tbl>
+          </a:graphicData>
+        </a:graphic>
+      </p:graphicFrame>
+    </p:spTree>
+  </p:cSld>
+</p:sld>
+</file>
+
+<file path=ppt/slides/slide13.xml><?xml version="1.0" encoding="utf-8"?>
+<p:sld xmlns:a="http://schemas.openxmlformats.org/drawingml/2006/main" xmlns:r="http://schemas.openxmlformats.org/officeDocument/2006/relationships" xmlns:p="http://schemas.openxmlformats.org/presentationml/2006/main">
+  <p:cSld>
+    <p:spTree>
+      <p:nvGrpSpPr>
+        <p:cNvPr id="1" name=""/>
+        <p:cNvGrpSpPr/>
+        <p:nvPr/>
+      </p:nvGrpSpPr>
+      <p:grpSpPr>
+        <a:xfrm>
+          <a:off x="0" y="0"/>
+          <a:ext cx="0" cy="0"/>
+          <a:chOff x="0" y="0"/>
+          <a:chExt cx="0" cy="0"/>
+        </a:xfrm>
+      </p:grpSpPr>
+      <p:sp>
+        <p:nvSpPr>
+          <p:cNvPr id="3" name="Content Placeholder 2"/>
+          <p:cNvSpPr>
+            <a:spLocks noGrp="1"/>
+          </p:cNvSpPr>
+          <p:nvPr>
+            <p:ph idx="1"/>
+          </p:nvPr>
+        </p:nvSpPr>
+        <p:spPr/>
+        <p:txBody>
+          <a:bodyPr/>
+          <a:lstStyle/>
+          <a:p>
+            <a:pPr lvl="0" marL="0" indent="0">
+              <a:buNone/>
+            </a:pPr>
+            <a:r>
+              <a:rPr/>
+              <a:t>ls</a:t>
+            </a:r>
+          </a:p>
+        </p:txBody>
+      </p:sp>
+    </p:spTree>
+  </p:cSld>
+</p:sld>
+</file>
+
+<file path=ppt/slides/slide14.xml><?xml version="1.0" encoding="utf-8"?>
+<p:sld xmlns:a="http://schemas.openxmlformats.org/drawingml/2006/main" xmlns:r="http://schemas.openxmlformats.org/officeDocument/2006/relationships" xmlns:p="http://schemas.openxmlformats.org/presentationml/2006/main">
+  <p:cSld>
+    <p:spTree>
+      <p:nvGrpSpPr>
+        <p:cNvPr id="1" name=""/>
+        <p:cNvGrpSpPr/>
+        <p:nvPr/>
+      </p:nvGrpSpPr>
+      <p:grpSpPr>
+        <a:xfrm>
+          <a:off x="0" y="0"/>
+          <a:ext cx="0" cy="0"/>
+          <a:chOff x="0" y="0"/>
+          <a:chExt cx="0" cy="0"/>
+        </a:xfrm>
+      </p:grpSpPr>
+      <p:sp>
+        <p:nvSpPr>
+          <p:cNvPr id="2" name="Title 1"/>
+          <p:cNvSpPr>
+            <a:spLocks noGrp="1"/>
+          </p:cNvSpPr>
+          <p:nvPr>
+            <p:ph type="title"/>
+          </p:nvPr>
+        </p:nvSpPr>
+        <p:spPr>
+          <a:xfrm>
+            <a:off x="677334" y="609600"/>
+            <a:ext cx="8596668" cy="659130"/>
+          </a:xfrm>
+        </p:spPr>
+        <p:txBody>
+          <a:bodyPr/>
+          <a:lstStyle/>
+          <a:p>
+            <a:pPr lvl="0" marL="0" indent="0">
+              <a:buNone/>
+            </a:pPr>
+            <a:r>
+              <a:rPr/>
+              <a:t>Enrolments</a:t>
             </a:r>
           </a:p>
         </p:txBody>
       </p:sp>
       <p:pic>
         <p:nvPicPr>
-          <p:cNvPr descr="Images/Survey_Responses_on_Employment_Status.png" id="0" name="Picture 1"/>
+          <p:cNvPr descr="Images/Enrolments_Over_Time.png" id="0" name="Picture 1"/>
           <p:cNvPicPr>
             <a:picLocks noGrp="1" noChangeAspect="1"/>
           </p:cNvPicPr>
@@ -5183,7 +5876,23 @@
             </a:pPr>
             <a:r>
               <a:rPr/>
-              <a:t>Over</a:t>
+              <a:t>Enrolments</a:t>
+            </a:r>
+            <a:r>
+              <a:rPr/>
+              <a:t> </a:t>
+            </a:r>
+            <a:r>
+              <a:rPr/>
+              <a:t>overlapped</a:t>
+            </a:r>
+            <a:r>
+              <a:rPr/>
+              <a:t> </a:t>
+            </a:r>
+            <a:r>
+              <a:rPr/>
+              <a:t>but</a:t>
             </a:r>
             <a:r>
               <a:rPr/>
@@ -5199,15 +5908,15 @@
             </a:r>
             <a:r>
               <a:rPr/>
-              <a:t>seven</a:t>
-            </a:r>
-            <a:r>
-              <a:rPr/>
-              <a:t> </a:t>
-            </a:r>
-            <a:r>
-              <a:rPr/>
-              <a:t>courses,</a:t>
+              <a:t>gaps</a:t>
+            </a:r>
+            <a:r>
+              <a:rPr/>
+              <a:t> </a:t>
+            </a:r>
+            <a:r>
+              <a:rPr/>
+              <a:t>in</a:t>
             </a:r>
             <a:r>
               <a:rPr/>
@@ -5223,103 +5932,55 @@
             </a:r>
             <a:r>
               <a:rPr/>
-              <a:t>sharing</a:t>
-            </a:r>
-            <a:r>
-              <a:rPr/>
-              <a:t> </a:t>
-            </a:r>
-            <a:r>
-              <a:rPr/>
-              <a:t>data</a:t>
-            </a:r>
-            <a:r>
-              <a:rPr/>
-              <a:t> </a:t>
-            </a:r>
-            <a:r>
-              <a:rPr/>
-              <a:t>dropped</a:t>
-            </a:r>
-            <a:r>
-              <a:rPr/>
-              <a:t> </a:t>
-            </a:r>
-            <a:r>
-              <a:rPr/>
-              <a:t>consistently</a:t>
-            </a:r>
-            <a:r>
-              <a:rPr/>
-              <a:t> </a:t>
-            </a:r>
-            <a:r>
-              <a:rPr/>
-              <a:t>across</a:t>
-            </a:r>
-            <a:r>
-              <a:rPr/>
-              <a:t> </a:t>
-            </a:r>
-            <a:r>
-              <a:rPr/>
-              <a:t>all</a:t>
-            </a:r>
-            <a:r>
-              <a:rPr/>
-              <a:t> </a:t>
-            </a:r>
-            <a:r>
-              <a:rPr/>
-              <a:t>categories,</a:t>
-            </a:r>
-            <a:r>
-              <a:rPr/>
-              <a:t> </a:t>
-            </a:r>
-            <a:r>
-              <a:rPr/>
-              <a:t>from</a:t>
-            </a:r>
-            <a:r>
-              <a:rPr/>
-              <a:t> </a:t>
-            </a:r>
-            <a:r>
-              <a:rPr/>
-              <a:t>almost</a:t>
-            </a:r>
-            <a:r>
-              <a:rPr/>
-              <a:t> </a:t>
-            </a:r>
-            <a:r>
-              <a:rPr/>
-              <a:t>12%</a:t>
-            </a:r>
-            <a:r>
-              <a:rPr/>
-              <a:t> </a:t>
-            </a:r>
-            <a:r>
-              <a:rPr/>
-              <a:t>to</a:t>
-            </a:r>
-            <a:r>
-              <a:rPr/>
-              <a:t> </a:t>
-            </a:r>
-            <a:r>
-              <a:rPr/>
-              <a:t>under</a:t>
-            </a:r>
-            <a:r>
-              <a:rPr/>
-              <a:t> </a:t>
-            </a:r>
-            <a:r>
-              <a:rPr/>
-              <a:t>8%.</a:t>
+              <a:t>providing</a:t>
+            </a:r>
+            <a:r>
+              <a:rPr/>
+              <a:t> </a:t>
+            </a:r>
+            <a:r>
+              <a:rPr/>
+              <a:t>information</a:t>
+            </a:r>
+            <a:r>
+              <a:rPr/>
+              <a:t> </a:t>
+            </a:r>
+            <a:r>
+              <a:rPr/>
+              <a:t>could</a:t>
+            </a:r>
+            <a:r>
+              <a:rPr/>
+              <a:t> </a:t>
+            </a:r>
+            <a:r>
+              <a:rPr/>
+              <a:t>indicate</a:t>
+            </a:r>
+            <a:r>
+              <a:rPr/>
+              <a:t> </a:t>
+            </a:r>
+            <a:r>
+              <a:rPr/>
+              <a:t>settings</a:t>
+            </a:r>
+            <a:r>
+              <a:rPr/>
+              <a:t> </a:t>
+            </a:r>
+            <a:r>
+              <a:rPr/>
+              <a:t>were</a:t>
+            </a:r>
+            <a:r>
+              <a:rPr/>
+              <a:t> </a:t>
+            </a:r>
+            <a:r>
+              <a:rPr/>
+              <a:t>changed.</a:t>
             </a:r>
           </a:p>
         </p:txBody>
@@ -5329,1080 +5990,7 @@
 </p:sld>
 </file>
 
-<file path=ppt/slides/slide12.xml><?xml version="1.0" encoding="utf-8"?>
-<p:sld xmlns:a="http://schemas.openxmlformats.org/drawingml/2006/main" xmlns:r="http://schemas.openxmlformats.org/officeDocument/2006/relationships" xmlns:p="http://schemas.openxmlformats.org/presentationml/2006/main">
-  <p:cSld>
-    <p:spTree>
-      <p:nvGrpSpPr>
-        <p:cNvPr id="1" name=""/>
-        <p:cNvGrpSpPr/>
-        <p:nvPr/>
-      </p:nvGrpSpPr>
-      <p:grpSpPr>
-        <a:xfrm>
-          <a:off x="0" y="0"/>
-          <a:ext cx="0" cy="0"/>
-          <a:chOff x="0" y="0"/>
-          <a:chExt cx="0" cy="0"/>
-        </a:xfrm>
-      </p:grpSpPr>
-      <p:sp>
-        <p:nvSpPr>
-          <p:cNvPr id="3" name="Content Placeholder 2"/>
-          <p:cNvSpPr>
-            <a:spLocks noGrp="1"/>
-          </p:cNvSpPr>
-          <p:nvPr>
-            <p:ph idx="1"/>
-          </p:nvPr>
-        </p:nvSpPr>
-        <p:spPr/>
-        <p:txBody>
-          <a:bodyPr/>
-          <a:lstStyle/>
-          <a:p>
-            <a:pPr lvl="0" marL="0" indent="0">
-              <a:buNone/>
-            </a:pPr>
-            <a:r>
-              <a:rPr/>
-              <a:t> # Test Table</a:t>
-            </a:r>
-          </a:p>
-        </p:txBody>
-      </p:sp>
-    </p:spTree>
-  </p:cSld>
-</p:sld>
-</file>
-
-<file path=ppt/slides/slide13.xml><?xml version="1.0" encoding="utf-8"?>
-<p:sld xmlns:a="http://schemas.openxmlformats.org/drawingml/2006/main" xmlns:r="http://schemas.openxmlformats.org/officeDocument/2006/relationships" xmlns:p="http://schemas.openxmlformats.org/presentationml/2006/main">
-  <p:cSld>
-    <p:spTree>
-      <p:nvGrpSpPr>
-        <p:cNvPr id="1" name=""/>
-        <p:cNvGrpSpPr/>
-        <p:nvPr/>
-      </p:nvGrpSpPr>
-      <p:grpSpPr>
-        <a:xfrm>
-          <a:off x="0" y="0"/>
-          <a:ext cx="0" cy="0"/>
-          <a:chOff x="0" y="0"/>
-          <a:chExt cx="0" cy="0"/>
-        </a:xfrm>
-      </p:grpSpPr>
-      <p:graphicFrame>
-        <p:nvGraphicFramePr>
-          <p:cNvPr id="6" name="Content Placeholder 5"/>
-          <p:cNvGraphicFramePr>
-            <a:graphicFrameLocks noGrp="1"/>
-          </p:cNvGraphicFramePr>
-          <p:nvPr>
-            <p:ph idx="1"/>
-          </p:nvPr>
-        </p:nvGraphicFramePr>
-        <p:xfrm>
-          <a:off x="673100" y="1422400"/>
-          <a:ext cx="8585200" cy="4610100"/>
-        </p:xfrm>
-        <a:graphic>
-          <a:graphicData uri="http://schemas.openxmlformats.org/drawingml/2006/table">
-            <a:tbl>
-              <a:tblPr firstRow="1" bandRow="1">
-                <a:tableStyleId>{5C22544A-7EE6-4342-B048-85BDC9FD1C3A}</a:tableStyleId>
-              </a:tblPr>
-              <a:tblGrid>
-                <a:gridCol w="1714500"/>
-                <a:gridCol w="1714500"/>
-                <a:gridCol w="1714500"/>
-                <a:gridCol w="1714500"/>
-                <a:gridCol w="1714500"/>
-              </a:tblGrid>
-              <a:tr h="0">
-                <a:tc>
-                  <a:txBody>
-                    <a:bodyPr/>
-                    <a:lstStyle/>
-                    <a:p>
-                      <a:pPr lvl="0" marL="0" indent="0">
-                        <a:buNone/>
-                      </a:pPr>
-                      <a:r>
-                        <a:rPr/>
-                        <a:t>Survey</a:t>
-                      </a:r>
-                      <a:r>
-                        <a:rPr/>
-                        <a:t> </a:t>
-                      </a:r>
-                      <a:r>
-                        <a:rPr/>
-                        <a:t>No.</a:t>
-                      </a:r>
-                    </a:p>
-                  </a:txBody>
-                  <a:tcPr/>
-                </a:tc>
-                <a:tc>
-                  <a:txBody>
-                    <a:bodyPr/>
-                    <a:lstStyle/>
-                    <a:p>
-                      <a:pPr lvl="0" marL="0" indent="0">
-                        <a:buNone/>
-                      </a:pPr>
-                      <a:r>
-                        <a:rPr/>
-                        <a:t>Date</a:t>
-                      </a:r>
-                      <a:r>
-                        <a:rPr/>
-                        <a:t> </a:t>
-                      </a:r>
-                      <a:r>
-                        <a:rPr/>
-                        <a:t>First</a:t>
-                      </a:r>
-                      <a:r>
-                        <a:rPr/>
-                        <a:t> </a:t>
-                      </a:r>
-                      <a:r>
-                        <a:rPr/>
-                        <a:t>Student</a:t>
-                      </a:r>
-                      <a:r>
-                        <a:rPr/>
-                        <a:t> </a:t>
-                      </a:r>
-                      <a:r>
-                        <a:rPr/>
-                        <a:t>Enrolled</a:t>
-                      </a:r>
-                    </a:p>
-                  </a:txBody>
-                  <a:tcPr/>
-                </a:tc>
-                <a:tc>
-                  <a:txBody>
-                    <a:bodyPr/>
-                    <a:lstStyle/>
-                    <a:p>
-                      <a:pPr lvl="0" marL="0" indent="0">
-                        <a:buNone/>
-                      </a:pPr>
-                      <a:r>
-                        <a:rPr/>
-                        <a:t>Date</a:t>
-                      </a:r>
-                      <a:r>
-                        <a:rPr/>
-                        <a:t> </a:t>
-                      </a:r>
-                      <a:r>
-                        <a:rPr/>
-                        <a:t>Last</a:t>
-                      </a:r>
-                      <a:r>
-                        <a:rPr/>
-                        <a:t> </a:t>
-                      </a:r>
-                      <a:r>
-                        <a:rPr/>
-                        <a:t>Student</a:t>
-                      </a:r>
-                      <a:r>
-                        <a:rPr/>
-                        <a:t> </a:t>
-                      </a:r>
-                      <a:r>
-                        <a:rPr/>
-                        <a:t>Enrolled</a:t>
-                      </a:r>
-                    </a:p>
-                  </a:txBody>
-                  <a:tcPr/>
-                </a:tc>
-                <a:tc>
-                  <a:txBody>
-                    <a:bodyPr/>
-                    <a:lstStyle/>
-                    <a:p>
-                      <a:pPr lvl="0" marL="0" indent="0">
-                        <a:buNone/>
-                      </a:pPr>
-                      <a:r>
-                        <a:rPr/>
-                        <a:t>Duration</a:t>
-                      </a:r>
-                      <a:r>
-                        <a:rPr/>
-                        <a:t> </a:t>
-                      </a:r>
-                      <a:r>
-                        <a:rPr/>
-                        <a:t>(days)</a:t>
-                      </a:r>
-                    </a:p>
-                  </a:txBody>
-                  <a:tcPr/>
-                </a:tc>
-                <a:tc>
-                  <a:txBody>
-                    <a:bodyPr/>
-                    <a:lstStyle/>
-                    <a:p>
-                      <a:pPr lvl="0" marL="0" indent="0">
-                        <a:buNone/>
-                      </a:pPr>
-                      <a:r>
-                        <a:rPr/>
-                        <a:t>No. of</a:t>
-                      </a:r>
-                      <a:r>
-                        <a:rPr/>
-                        <a:t> </a:t>
-                      </a:r>
-                      <a:r>
-                        <a:rPr/>
-                        <a:t>Students</a:t>
-                      </a:r>
-                    </a:p>
-                  </a:txBody>
-                  <a:tcPr/>
-                </a:tc>
-              </a:tr>
-              <a:tr h="0">
-                <a:tc>
-                  <a:txBody>
-                    <a:bodyPr/>
-                    <a:lstStyle/>
-                    <a:p>
-                      <a:pPr lvl="0" marL="0" indent="0">
-                        <a:buNone/>
-                      </a:pPr>
-                      <a:r>
-                        <a:rPr/>
-                        <a:t>1</a:t>
-                      </a:r>
-                    </a:p>
-                  </a:txBody>
-                </a:tc>
-                <a:tc>
-                  <a:txBody>
-                    <a:bodyPr/>
-                    <a:lstStyle/>
-                    <a:p>
-                      <a:pPr lvl="0" marL="0" indent="0">
-                        <a:buNone/>
-                      </a:pPr>
-                      <a:r>
-                        <a:rPr/>
-                        <a:t>29</a:t>
-                      </a:r>
-                      <a:r>
-                        <a:rPr/>
-                        <a:t> </a:t>
-                      </a:r>
-                      <a:r>
-                        <a:rPr/>
-                        <a:t>March</a:t>
-                      </a:r>
-                      <a:r>
-                        <a:rPr/>
-                        <a:t> </a:t>
-                      </a:r>
-                      <a:r>
-                        <a:rPr/>
-                        <a:t>2016</a:t>
-                      </a:r>
-                    </a:p>
-                  </a:txBody>
-                </a:tc>
-                <a:tc>
-                  <a:txBody>
-                    <a:bodyPr/>
-                    <a:lstStyle/>
-                    <a:p>
-                      <a:pPr lvl="0" marL="0" indent="0">
-                        <a:buNone/>
-                      </a:pPr>
-                      <a:r>
-                        <a:rPr/>
-                        <a:t>07</a:t>
-                      </a:r>
-                      <a:r>
-                        <a:rPr/>
-                        <a:t> </a:t>
-                      </a:r>
-                      <a:r>
-                        <a:rPr/>
-                        <a:t>September</a:t>
-                      </a:r>
-                      <a:r>
-                        <a:rPr/>
-                        <a:t> </a:t>
-                      </a:r>
-                      <a:r>
-                        <a:rPr/>
-                        <a:t>2017</a:t>
-                      </a:r>
-                    </a:p>
-                  </a:txBody>
-                </a:tc>
-                <a:tc>
-                  <a:txBody>
-                    <a:bodyPr/>
-                    <a:lstStyle/>
-                    <a:p>
-                      <a:pPr lvl="0" marL="0" indent="0">
-                        <a:buNone/>
-                      </a:pPr>
-                      <a:r>
-                        <a:rPr/>
-                        <a:t>527</a:t>
-                      </a:r>
-                      <a:r>
-                        <a:rPr/>
-                        <a:t> </a:t>
-                      </a:r>
-                      <a:r>
-                        <a:rPr/>
-                        <a:t>days</a:t>
-                      </a:r>
-                    </a:p>
-                  </a:txBody>
-                </a:tc>
-                <a:tc>
-                  <a:txBody>
-                    <a:bodyPr/>
-                    <a:lstStyle/>
-                    <a:p>
-                      <a:pPr lvl="0" marL="0" indent="0">
-                        <a:buNone/>
-                      </a:pPr>
-                      <a:r>
-                        <a:rPr/>
-                        <a:t>14394</a:t>
-                      </a:r>
-                    </a:p>
-                  </a:txBody>
-                </a:tc>
-              </a:tr>
-              <a:tr h="0">
-                <a:tc>
-                  <a:txBody>
-                    <a:bodyPr/>
-                    <a:lstStyle/>
-                    <a:p>
-                      <a:pPr lvl="0" marL="0" indent="0">
-                        <a:buNone/>
-                      </a:pPr>
-                      <a:r>
-                        <a:rPr/>
-                        <a:t>2</a:t>
-                      </a:r>
-                    </a:p>
-                  </a:txBody>
-                </a:tc>
-                <a:tc>
-                  <a:txBody>
-                    <a:bodyPr/>
-                    <a:lstStyle/>
-                    <a:p>
-                      <a:pPr lvl="0" marL="0" indent="0">
-                        <a:buNone/>
-                      </a:pPr>
-                      <a:r>
-                        <a:rPr/>
-                        <a:t>05</a:t>
-                      </a:r>
-                      <a:r>
-                        <a:rPr/>
-                        <a:t> </a:t>
-                      </a:r>
-                      <a:r>
-                        <a:rPr/>
-                        <a:t>December</a:t>
-                      </a:r>
-                      <a:r>
-                        <a:rPr/>
-                        <a:t> </a:t>
-                      </a:r>
-                      <a:r>
-                        <a:rPr/>
-                        <a:t>2016</a:t>
-                      </a:r>
-                    </a:p>
-                  </a:txBody>
-                </a:tc>
-                <a:tc>
-                  <a:txBody>
-                    <a:bodyPr/>
-                    <a:lstStyle/>
-                    <a:p>
-                      <a:pPr lvl="0" marL="0" indent="0">
-                        <a:buNone/>
-                      </a:pPr>
-                      <a:r>
-                        <a:rPr/>
-                        <a:t>13</a:t>
-                      </a:r>
-                      <a:r>
-                        <a:rPr/>
-                        <a:t> </a:t>
-                      </a:r>
-                      <a:r>
-                        <a:rPr/>
-                        <a:t>July</a:t>
-                      </a:r>
-                      <a:r>
-                        <a:rPr/>
-                        <a:t> </a:t>
-                      </a:r>
-                      <a:r>
-                        <a:rPr/>
-                        <a:t>2017</a:t>
-                      </a:r>
-                    </a:p>
-                  </a:txBody>
-                </a:tc>
-                <a:tc>
-                  <a:txBody>
-                    <a:bodyPr/>
-                    <a:lstStyle/>
-                    <a:p>
-                      <a:pPr lvl="0" marL="0" indent="0">
-                        <a:buNone/>
-                      </a:pPr>
-                      <a:r>
-                        <a:rPr/>
-                        <a:t>220</a:t>
-                      </a:r>
-                      <a:r>
-                        <a:rPr/>
-                        <a:t> </a:t>
-                      </a:r>
-                      <a:r>
-                        <a:rPr/>
-                        <a:t>days</a:t>
-                      </a:r>
-                    </a:p>
-                  </a:txBody>
-                </a:tc>
-                <a:tc>
-                  <a:txBody>
-                    <a:bodyPr/>
-                    <a:lstStyle/>
-                    <a:p>
-                      <a:pPr lvl="0" marL="0" indent="0">
-                        <a:buNone/>
-                      </a:pPr>
-                      <a:r>
-                        <a:rPr/>
-                        <a:t>6049</a:t>
-                      </a:r>
-                    </a:p>
-                  </a:txBody>
-                </a:tc>
-              </a:tr>
-              <a:tr h="0">
-                <a:tc>
-                  <a:txBody>
-                    <a:bodyPr/>
-                    <a:lstStyle/>
-                    <a:p>
-                      <a:pPr lvl="0" marL="0" indent="0">
-                        <a:buNone/>
-                      </a:pPr>
-                      <a:r>
-                        <a:rPr/>
-                        <a:t>3</a:t>
-                      </a:r>
-                    </a:p>
-                  </a:txBody>
-                </a:tc>
-                <a:tc>
-                  <a:txBody>
-                    <a:bodyPr/>
-                    <a:lstStyle/>
-                    <a:p>
-                      <a:pPr lvl="0" marL="0" indent="0">
-                        <a:buNone/>
-                      </a:pPr>
-                      <a:r>
-                        <a:rPr/>
-                        <a:t>02</a:t>
-                      </a:r>
-                      <a:r>
-                        <a:rPr/>
-                        <a:t> </a:t>
-                      </a:r>
-                      <a:r>
-                        <a:rPr/>
-                        <a:t>July</a:t>
-                      </a:r>
-                      <a:r>
-                        <a:rPr/>
-                        <a:t> </a:t>
-                      </a:r>
-                      <a:r>
-                        <a:rPr/>
-                        <a:t>2017</a:t>
-                      </a:r>
-                    </a:p>
-                  </a:txBody>
-                </a:tc>
-                <a:tc>
-                  <a:txBody>
-                    <a:bodyPr/>
-                    <a:lstStyle/>
-                    <a:p>
-                      <a:pPr lvl="0" marL="0" indent="0">
-                        <a:buNone/>
-                      </a:pPr>
-                      <a:r>
-                        <a:rPr/>
-                        <a:t>26</a:t>
-                      </a:r>
-                      <a:r>
-                        <a:rPr/>
-                        <a:t> </a:t>
-                      </a:r>
-                      <a:r>
-                        <a:rPr/>
-                        <a:t>February</a:t>
-                      </a:r>
-                      <a:r>
-                        <a:rPr/>
-                        <a:t> </a:t>
-                      </a:r>
-                      <a:r>
-                        <a:rPr/>
-                        <a:t>2018</a:t>
-                      </a:r>
-                    </a:p>
-                  </a:txBody>
-                </a:tc>
-                <a:tc>
-                  <a:txBody>
-                    <a:bodyPr/>
-                    <a:lstStyle/>
-                    <a:p>
-                      <a:pPr lvl="0" marL="0" indent="0">
-                        <a:buNone/>
-                      </a:pPr>
-                      <a:r>
-                        <a:rPr/>
-                        <a:t>239</a:t>
-                      </a:r>
-                      <a:r>
-                        <a:rPr/>
-                        <a:t> </a:t>
-                      </a:r>
-                      <a:r>
-                        <a:rPr/>
-                        <a:t>days</a:t>
-                      </a:r>
-                    </a:p>
-                  </a:txBody>
-                </a:tc>
-                <a:tc>
-                  <a:txBody>
-                    <a:bodyPr/>
-                    <a:lstStyle/>
-                    <a:p>
-                      <a:pPr lvl="0" marL="0" indent="0">
-                        <a:buNone/>
-                      </a:pPr>
-                      <a:r>
-                        <a:rPr/>
-                        <a:t>3053</a:t>
-                      </a:r>
-                    </a:p>
-                  </a:txBody>
-                </a:tc>
-              </a:tr>
-              <a:tr h="0">
-                <a:tc>
-                  <a:txBody>
-                    <a:bodyPr/>
-                    <a:lstStyle/>
-                    <a:p>
-                      <a:pPr lvl="0" marL="0" indent="0">
-                        <a:buNone/>
-                      </a:pPr>
-                      <a:r>
-                        <a:rPr/>
-                        <a:t>4</a:t>
-                      </a:r>
-                    </a:p>
-                  </a:txBody>
-                </a:tc>
-                <a:tc>
-                  <a:txBody>
-                    <a:bodyPr/>
-                    <a:lstStyle/>
-                    <a:p>
-                      <a:pPr lvl="0" marL="0" indent="0">
-                        <a:buNone/>
-                      </a:pPr>
-                      <a:r>
-                        <a:rPr/>
-                        <a:t>27</a:t>
-                      </a:r>
-                      <a:r>
-                        <a:rPr/>
-                        <a:t> </a:t>
-                      </a:r>
-                      <a:r>
-                        <a:rPr/>
-                        <a:t>July</a:t>
-                      </a:r>
-                      <a:r>
-                        <a:rPr/>
-                        <a:t> </a:t>
-                      </a:r>
-                      <a:r>
-                        <a:rPr/>
-                        <a:t>2017</a:t>
-                      </a:r>
-                    </a:p>
-                  </a:txBody>
-                </a:tc>
-                <a:tc>
-                  <a:txBody>
-                    <a:bodyPr/>
-                    <a:lstStyle/>
-                    <a:p>
-                      <a:pPr lvl="0" marL="0" indent="0">
-                        <a:buNone/>
-                      </a:pPr>
-                      <a:r>
-                        <a:rPr/>
-                        <a:t>25</a:t>
-                      </a:r>
-                      <a:r>
-                        <a:rPr/>
-                        <a:t> </a:t>
-                      </a:r>
-                      <a:r>
-                        <a:rPr/>
-                        <a:t>January</a:t>
-                      </a:r>
-                      <a:r>
-                        <a:rPr/>
-                        <a:t> </a:t>
-                      </a:r>
-                      <a:r>
-                        <a:rPr/>
-                        <a:t>2018</a:t>
-                      </a:r>
-                    </a:p>
-                  </a:txBody>
-                </a:tc>
-                <a:tc>
-                  <a:txBody>
-                    <a:bodyPr/>
-                    <a:lstStyle/>
-                    <a:p>
-                      <a:pPr lvl="0" marL="0" indent="0">
-                        <a:buNone/>
-                      </a:pPr>
-                      <a:r>
-                        <a:rPr/>
-                        <a:t>182</a:t>
-                      </a:r>
-                      <a:r>
-                        <a:rPr/>
-                        <a:t> </a:t>
-                      </a:r>
-                      <a:r>
-                        <a:rPr/>
-                        <a:t>days</a:t>
-                      </a:r>
-                    </a:p>
-                  </a:txBody>
-                </a:tc>
-                <a:tc>
-                  <a:txBody>
-                    <a:bodyPr/>
-                    <a:lstStyle/>
-                    <a:p>
-                      <a:pPr lvl="0" marL="0" indent="0">
-                        <a:buNone/>
-                      </a:pPr>
-                      <a:r>
-                        <a:rPr/>
-                        <a:t>3558</a:t>
-                      </a:r>
-                    </a:p>
-                  </a:txBody>
-                </a:tc>
-              </a:tr>
-              <a:tr h="0">
-                <a:tc>
-                  <a:txBody>
-                    <a:bodyPr/>
-                    <a:lstStyle/>
-                    <a:p>
-                      <a:pPr lvl="0" marL="0" indent="0">
-                        <a:buNone/>
-                      </a:pPr>
-                      <a:r>
-                        <a:rPr/>
-                        <a:t>5</a:t>
-                      </a:r>
-                    </a:p>
-                  </a:txBody>
-                </a:tc>
-                <a:tc>
-                  <a:txBody>
-                    <a:bodyPr/>
-                    <a:lstStyle/>
-                    <a:p>
-                      <a:pPr lvl="0" marL="0" indent="0">
-                        <a:buNone/>
-                      </a:pPr>
-                      <a:r>
-                        <a:rPr/>
-                        <a:t>15</a:t>
-                      </a:r>
-                      <a:r>
-                        <a:rPr/>
-                        <a:t> </a:t>
-                      </a:r>
-                      <a:r>
-                        <a:rPr/>
-                        <a:t>December</a:t>
-                      </a:r>
-                      <a:r>
-                        <a:rPr/>
-                        <a:t> </a:t>
-                      </a:r>
-                      <a:r>
-                        <a:rPr/>
-                        <a:t>2017</a:t>
-                      </a:r>
-                    </a:p>
-                  </a:txBody>
-                </a:tc>
-                <a:tc>
-                  <a:txBody>
-                    <a:bodyPr/>
-                    <a:lstStyle/>
-                    <a:p>
-                      <a:pPr lvl="0" marL="0" indent="0">
-                        <a:buNone/>
-                      </a:pPr>
-                      <a:r>
-                        <a:rPr/>
-                        <a:t>09</a:t>
-                      </a:r>
-                      <a:r>
-                        <a:rPr/>
-                        <a:t> </a:t>
-                      </a:r>
-                      <a:r>
-                        <a:rPr/>
-                        <a:t>September</a:t>
-                      </a:r>
-                      <a:r>
-                        <a:rPr/>
-                        <a:t> </a:t>
-                      </a:r>
-                      <a:r>
-                        <a:rPr/>
-                        <a:t>2018</a:t>
-                      </a:r>
-                    </a:p>
-                  </a:txBody>
-                </a:tc>
-                <a:tc>
-                  <a:txBody>
-                    <a:bodyPr/>
-                    <a:lstStyle/>
-                    <a:p>
-                      <a:pPr lvl="0" marL="0" indent="0">
-                        <a:buNone/>
-                      </a:pPr>
-                      <a:r>
-                        <a:rPr/>
-                        <a:t>268</a:t>
-                      </a:r>
-                      <a:r>
-                        <a:rPr/>
-                        <a:t> </a:t>
-                      </a:r>
-                      <a:r>
-                        <a:rPr/>
-                        <a:t>days</a:t>
-                      </a:r>
-                    </a:p>
-                  </a:txBody>
-                </a:tc>
-                <a:tc>
-                  <a:txBody>
-                    <a:bodyPr/>
-                    <a:lstStyle/>
-                    <a:p>
-                      <a:pPr lvl="0" marL="0" indent="0">
-                        <a:buNone/>
-                      </a:pPr>
-                      <a:r>
-                        <a:rPr/>
-                        <a:t>3147</a:t>
-                      </a:r>
-                    </a:p>
-                  </a:txBody>
-                </a:tc>
-              </a:tr>
-              <a:tr h="0">
-                <a:tc>
-                  <a:txBody>
-                    <a:bodyPr/>
-                    <a:lstStyle/>
-                    <a:p>
-                      <a:pPr lvl="0" marL="0" indent="0">
-                        <a:buNone/>
-                      </a:pPr>
-                      <a:r>
-                        <a:rPr/>
-                        <a:t>6</a:t>
-                      </a:r>
-                    </a:p>
-                  </a:txBody>
-                </a:tc>
-                <a:tc>
-                  <a:txBody>
-                    <a:bodyPr/>
-                    <a:lstStyle/>
-                    <a:p>
-                      <a:pPr lvl="0" marL="0" indent="0">
-                        <a:buNone/>
-                      </a:pPr>
-                      <a:r>
-                        <a:rPr/>
-                        <a:t>08</a:t>
-                      </a:r>
-                      <a:r>
-                        <a:rPr/>
-                        <a:t> </a:t>
-                      </a:r>
-                      <a:r>
-                        <a:rPr/>
-                        <a:t>April</a:t>
-                      </a:r>
-                      <a:r>
-                        <a:rPr/>
-                        <a:t> </a:t>
-                      </a:r>
-                      <a:r>
-                        <a:rPr/>
-                        <a:t>2018</a:t>
-                      </a:r>
-                    </a:p>
-                  </a:txBody>
-                </a:tc>
-                <a:tc>
-                  <a:txBody>
-                    <a:bodyPr/>
-                    <a:lstStyle/>
-                    <a:p>
-                      <a:pPr lvl="0" marL="0" indent="0">
-                        <a:buNone/>
-                      </a:pPr>
-                      <a:r>
-                        <a:rPr/>
-                        <a:t>11</a:t>
-                      </a:r>
-                      <a:r>
-                        <a:rPr/>
-                        <a:t> </a:t>
-                      </a:r>
-                      <a:r>
-                        <a:rPr/>
-                        <a:t>August</a:t>
-                      </a:r>
-                      <a:r>
-                        <a:rPr/>
-                        <a:t> </a:t>
-                      </a:r>
-                      <a:r>
-                        <a:rPr/>
-                        <a:t>2018</a:t>
-                      </a:r>
-                    </a:p>
-                  </a:txBody>
-                </a:tc>
-                <a:tc>
-                  <a:txBody>
-                    <a:bodyPr/>
-                    <a:lstStyle/>
-                    <a:p>
-                      <a:pPr lvl="0" marL="0" indent="0">
-                        <a:buNone/>
-                      </a:pPr>
-                      <a:r>
-                        <a:rPr/>
-                        <a:t>125</a:t>
-                      </a:r>
-                      <a:r>
-                        <a:rPr/>
-                        <a:t> </a:t>
-                      </a:r>
-                      <a:r>
-                        <a:rPr/>
-                        <a:t>days</a:t>
-                      </a:r>
-                    </a:p>
-                  </a:txBody>
-                </a:tc>
-                <a:tc>
-                  <a:txBody>
-                    <a:bodyPr/>
-                    <a:lstStyle/>
-                    <a:p>
-                      <a:pPr lvl="0" marL="0" indent="0">
-                        <a:buNone/>
-                      </a:pPr>
-                      <a:r>
-                        <a:rPr/>
-                        <a:t>2908</a:t>
-                      </a:r>
-                    </a:p>
-                  </a:txBody>
-                </a:tc>
-              </a:tr>
-              <a:tr h="0">
-                <a:tc>
-                  <a:txBody>
-                    <a:bodyPr/>
-                    <a:lstStyle/>
-                    <a:p>
-                      <a:pPr lvl="0" marL="0" indent="0">
-                        <a:buNone/>
-                      </a:pPr>
-                      <a:r>
-                        <a:rPr/>
-                        <a:t>7</a:t>
-                      </a:r>
-                    </a:p>
-                  </a:txBody>
-                </a:tc>
-                <a:tc>
-                  <a:txBody>
-                    <a:bodyPr/>
-                    <a:lstStyle/>
-                    <a:p>
-                      <a:pPr lvl="0" marL="0" indent="0">
-                        <a:buNone/>
-                      </a:pPr>
-                      <a:r>
-                        <a:rPr/>
-                        <a:t>25</a:t>
-                      </a:r>
-                      <a:r>
-                        <a:rPr/>
-                        <a:t> </a:t>
-                      </a:r>
-                      <a:r>
-                        <a:rPr/>
-                        <a:t>June</a:t>
-                      </a:r>
-                      <a:r>
-                        <a:rPr/>
-                        <a:t> </a:t>
-                      </a:r>
-                      <a:r>
-                        <a:rPr/>
-                        <a:t>2018</a:t>
-                      </a:r>
-                    </a:p>
-                  </a:txBody>
-                </a:tc>
-                <a:tc>
-                  <a:txBody>
-                    <a:bodyPr/>
-                    <a:lstStyle/>
-                    <a:p>
-                      <a:pPr lvl="0" marL="0" indent="0">
-                        <a:buNone/>
-                      </a:pPr>
-                      <a:r>
-                        <a:rPr/>
-                        <a:t>01</a:t>
-                      </a:r>
-                      <a:r>
-                        <a:rPr/>
-                        <a:t> </a:t>
-                      </a:r>
-                      <a:r>
-                        <a:rPr/>
-                        <a:t>November</a:t>
-                      </a:r>
-                      <a:r>
-                        <a:rPr/>
-                        <a:t> </a:t>
-                      </a:r>
-                      <a:r>
-                        <a:rPr/>
-                        <a:t>2018</a:t>
-                      </a:r>
-                    </a:p>
-                  </a:txBody>
-                </a:tc>
-                <a:tc>
-                  <a:txBody>
-                    <a:bodyPr/>
-                    <a:lstStyle/>
-                    <a:p>
-                      <a:pPr lvl="0" marL="0" indent="0">
-                        <a:buNone/>
-                      </a:pPr>
-                      <a:r>
-                        <a:rPr/>
-                        <a:t>129</a:t>
-                      </a:r>
-                      <a:r>
-                        <a:rPr/>
-                        <a:t> </a:t>
-                      </a:r>
-                      <a:r>
-                        <a:rPr/>
-                        <a:t>days</a:t>
-                      </a:r>
-                    </a:p>
-                  </a:txBody>
-                </a:tc>
-                <a:tc>
-                  <a:txBody>
-                    <a:bodyPr/>
-                    <a:lstStyle/>
-                    <a:p>
-                      <a:pPr lvl="0" marL="0" indent="0">
-                        <a:buNone/>
-                      </a:pPr>
-                      <a:r>
-                        <a:rPr/>
-                        <a:t>2116</a:t>
-                      </a:r>
-                    </a:p>
-                  </a:txBody>
-                </a:tc>
-              </a:tr>
-            </a:tbl>
-          </a:graphicData>
-        </a:graphic>
-      </p:graphicFrame>
-    </p:spTree>
-  </p:cSld>
-</p:sld>
-</file>
-
-<file path=ppt/slides/slide14.xml><?xml version="1.0" encoding="utf-8"?>
+<file path=ppt/slides/slide15.xml><?xml version="1.0" encoding="utf-8"?>
 <p:sld xmlns:a="http://schemas.openxmlformats.org/drawingml/2006/main" xmlns:r="http://schemas.openxmlformats.org/officeDocument/2006/relationships" xmlns:p="http://schemas.openxmlformats.org/presentationml/2006/main">
   <p:cSld>
     <p:spTree>
@@ -6444,22 +6032,38 @@
             </a:pPr>
             <a:r>
               <a:rPr/>
-              <a:t>Key</a:t>
-            </a:r>
-            <a:r>
-              <a:rPr/>
-              <a:t> </a:t>
-            </a:r>
-            <a:r>
-              <a:rPr/>
-              <a:t>Findings</a:t>
+              <a:t>Details</a:t>
+            </a:r>
+            <a:r>
+              <a:rPr/>
+              <a:t> </a:t>
+            </a:r>
+            <a:r>
+              <a:rPr/>
+              <a:t>shared</a:t>
+            </a:r>
+            <a:r>
+              <a:rPr/>
+              <a:t> </a:t>
+            </a:r>
+            <a:r>
+              <a:rPr/>
+              <a:t>over</a:t>
+            </a:r>
+            <a:r>
+              <a:rPr/>
+              <a:t> </a:t>
+            </a:r>
+            <a:r>
+              <a:rPr/>
+              <a:t>time</a:t>
             </a:r>
           </a:p>
         </p:txBody>
       </p:sp>
       <p:pic>
         <p:nvPicPr>
-          <p:cNvPr descr="Images/Survey_Responses_on_Gender_by_Year.png" id="0" name="Picture 1"/>
+          <p:cNvPr descr="Images/Details_Shared_Over_Time.png" id="0" name="Picture 1"/>
           <p:cNvPicPr>
             <a:picLocks noGrp="1" noChangeAspect="1"/>
           </p:cNvPicPr>
@@ -6512,23 +6116,95 @@
             </a:pPr>
             <a:r>
               <a:rPr/>
-              <a:t>However</a:t>
-            </a:r>
-            <a:r>
-              <a:rPr/>
-              <a:t> </a:t>
-            </a:r>
-            <a:r>
-              <a:rPr/>
-              <a:t>for</a:t>
-            </a:r>
-            <a:r>
-              <a:rPr/>
-              <a:t> </a:t>
-            </a:r>
-            <a:r>
-              <a:rPr/>
-              <a:t>those</a:t>
+              <a:t>It</a:t>
+            </a:r>
+            <a:r>
+              <a:rPr/>
+              <a:t> </a:t>
+            </a:r>
+            <a:r>
+              <a:rPr/>
+              <a:t>is</a:t>
+            </a:r>
+            <a:r>
+              <a:rPr/>
+              <a:t> </a:t>
+            </a:r>
+            <a:r>
+              <a:rPr/>
+              <a:t>possible</a:t>
+            </a:r>
+            <a:r>
+              <a:rPr/>
+              <a:t> </a:t>
+            </a:r>
+            <a:r>
+              <a:rPr/>
+              <a:t>that</a:t>
+            </a:r>
+            <a:r>
+              <a:rPr/>
+              <a:t> </a:t>
+            </a:r>
+            <a:r>
+              <a:rPr/>
+              <a:t>the</a:t>
+            </a:r>
+            <a:r>
+              <a:rPr/>
+              <a:t> </a:t>
+            </a:r>
+            <a:r>
+              <a:rPr/>
+              <a:t>survey</a:t>
+            </a:r>
+            <a:r>
+              <a:rPr/>
+              <a:t> </a:t>
+            </a:r>
+            <a:r>
+              <a:rPr/>
+              <a:t>settings</a:t>
+            </a:r>
+            <a:r>
+              <a:rPr/>
+              <a:t> </a:t>
+            </a:r>
+            <a:r>
+              <a:rPr/>
+              <a:t>were</a:t>
+            </a:r>
+            <a:r>
+              <a:rPr/>
+              <a:t> </a:t>
+            </a:r>
+            <a:r>
+              <a:rPr/>
+              <a:t>changed,</a:t>
+            </a:r>
+            <a:r>
+              <a:rPr/>
+              <a:t> </a:t>
+            </a:r>
+            <a:r>
+              <a:rPr/>
+              <a:t>either</a:t>
+            </a:r>
+            <a:r>
+              <a:rPr/>
+              <a:t> </a:t>
+            </a:r>
+            <a:r>
+              <a:rPr/>
+              <a:t>to</a:t>
+            </a:r>
+            <a:r>
+              <a:rPr/>
+              <a:t> </a:t>
+            </a:r>
+            <a:r>
+              <a:rPr/>
+              <a:t>encourage</a:t>
             </a:r>
             <a:r>
               <a:rPr/>
@@ -6544,6 +6220,38 @@
             </a:r>
             <a:r>
               <a:rPr/>
+              <a:t>to</a:t>
+            </a:r>
+            <a:r>
+              <a:rPr/>
+              <a:t> </a:t>
+            </a:r>
+            <a:r>
+              <a:rPr/>
+              <a:t>provide</a:t>
+            </a:r>
+            <a:r>
+              <a:rPr/>
+              <a:t> </a:t>
+            </a:r>
+            <a:r>
+              <a:rPr/>
+              <a:t>information</a:t>
+            </a:r>
+            <a:r>
+              <a:rPr/>
+              <a:t> </a:t>
+            </a:r>
+            <a:r>
+              <a:rPr/>
+              <a:t>or</a:t>
+            </a:r>
+            <a:r>
+              <a:rPr/>
+              <a:t> </a:t>
+            </a:r>
+            <a:r>
+              <a:rPr/>
               <a:t>that</a:t>
             </a:r>
             <a:r>
@@ -6552,359 +6260,31 @@
             </a:r>
             <a:r>
               <a:rPr/>
-              <a:t>did</a:t>
-            </a:r>
-            <a:r>
-              <a:rPr/>
-              <a:t> </a:t>
-            </a:r>
-            <a:r>
-              <a:rPr/>
-              <a:t>share</a:t>
-            </a:r>
-            <a:r>
-              <a:rPr/>
-              <a:t> </a:t>
-            </a:r>
-            <a:r>
-              <a:rPr/>
-              <a:t>data</a:t>
-            </a:r>
-            <a:r>
-              <a:rPr/>
-              <a:t> </a:t>
-            </a:r>
-            <a:r>
-              <a:rPr/>
-              <a:t>the</a:t>
-            </a:r>
-            <a:r>
-              <a:rPr/>
-              <a:t> </a:t>
-            </a:r>
-            <a:r>
-              <a:rPr/>
-              <a:t>amount</a:t>
-            </a:r>
-            <a:r>
-              <a:rPr/>
-              <a:t> </a:t>
-            </a:r>
-            <a:r>
-              <a:rPr/>
-              <a:t>of</a:t>
-            </a:r>
-            <a:r>
-              <a:rPr/>
-              <a:t> </a:t>
-            </a:r>
-            <a:r>
-              <a:rPr/>
-              <a:t>details</a:t>
-            </a:r>
-            <a:r>
-              <a:rPr/>
-              <a:t> </a:t>
-            </a:r>
-            <a:r>
-              <a:rPr/>
-              <a:t>they</a:t>
-            </a:r>
-            <a:r>
-              <a:rPr/>
-              <a:t> </a:t>
-            </a:r>
-            <a:r>
-              <a:rPr/>
-              <a:t>provided</a:t>
-            </a:r>
-            <a:r>
-              <a:rPr/>
-              <a:t> </a:t>
-            </a:r>
-            <a:r>
-              <a:rPr/>
-              <a:t>stayed</a:t>
-            </a:r>
-            <a:r>
-              <a:rPr/>
-              <a:t> </a:t>
-            </a:r>
-            <a:r>
-              <a:rPr/>
-              <a:t>fairly</a:t>
-            </a:r>
-            <a:r>
-              <a:rPr/>
-              <a:t> </a:t>
-            </a:r>
-            <a:r>
-              <a:rPr/>
-              <a:t>level</a:t>
-            </a:r>
-            <a:r>
-              <a:rPr/>
-              <a:t> </a:t>
-            </a:r>
-            <a:r>
-              <a:rPr/>
-              <a:t>at</a:t>
-            </a:r>
-            <a:r>
-              <a:rPr/>
-              <a:t> </a:t>
-            </a:r>
-            <a:r>
-              <a:rPr/>
-              <a:t>around</a:t>
-            </a:r>
-            <a:r>
-              <a:rPr/>
-              <a:t> </a:t>
-            </a:r>
-            <a:r>
-              <a:rPr/>
-              <a:t>an</a:t>
-            </a:r>
-            <a:r>
-              <a:rPr/>
-              <a:t> </a:t>
-            </a:r>
-            <a:r>
-              <a:rPr/>
-              <a:t>average</a:t>
-            </a:r>
-            <a:r>
-              <a:rPr/>
-              <a:t> </a:t>
-            </a:r>
-            <a:r>
-              <a:rPr/>
-              <a:t>of</a:t>
-            </a:r>
-            <a:r>
-              <a:rPr/>
-              <a:t> </a:t>
-            </a:r>
-            <a:r>
-              <a:rPr/>
-              <a:t>4.7</a:t>
-            </a:r>
-            <a:r>
-              <a:rPr/>
-              <a:t> </a:t>
-            </a:r>
-            <a:r>
-              <a:rPr/>
-              <a:t>items</a:t>
-            </a:r>
-            <a:r>
-              <a:rPr/>
-              <a:t> </a:t>
-            </a:r>
-            <a:r>
-              <a:rPr/>
-              <a:t>per</a:t>
-            </a:r>
-            <a:r>
-              <a:rPr/>
-              <a:t> </a:t>
-            </a:r>
-            <a:r>
-              <a:rPr/>
-              <a:t>student,</a:t>
-            </a:r>
-            <a:r>
-              <a:rPr/>
-              <a:t> </a:t>
-            </a:r>
-            <a:r>
-              <a:rPr/>
-              <a:t>dropping</a:t>
-            </a:r>
-            <a:r>
-              <a:rPr/>
-              <a:t> </a:t>
-            </a:r>
-            <a:r>
-              <a:rPr/>
-              <a:t>very</a:t>
-            </a:r>
-            <a:r>
-              <a:rPr/>
-              <a:t> </a:t>
-            </a:r>
-            <a:r>
-              <a:rPr/>
-              <a:t>marginally</a:t>
-            </a:r>
-            <a:r>
-              <a:rPr/>
-              <a:t> </a:t>
-            </a:r>
-            <a:r>
-              <a:rPr/>
-              <a:t>in</a:t>
-            </a:r>
-            <a:r>
-              <a:rPr/>
-              <a:t> </a:t>
-            </a:r>
-            <a:r>
-              <a:rPr/>
-              <a:t>the</a:t>
-            </a:r>
-            <a:r>
-              <a:rPr/>
-              <a:t> </a:t>
-            </a:r>
-            <a:r>
-              <a:rPr/>
-              <a:t>last</a:t>
-            </a:r>
-            <a:r>
-              <a:rPr/>
-              <a:t> </a:t>
-            </a:r>
-            <a:r>
-              <a:rPr/>
-              <a:t>intake</a:t>
-            </a:r>
-            <a:r>
-              <a:rPr/>
-              <a:t> </a:t>
-            </a:r>
-            <a:r>
-              <a:rPr/>
-              <a:t>to</a:t>
-            </a:r>
-            <a:r>
-              <a:rPr/>
-              <a:t> </a:t>
-            </a:r>
-            <a:r>
-              <a:rPr/>
-              <a:t>4.6.</a:t>
-            </a:r>
-            <a:r>
-              <a:rPr/>
-              <a:t> </a:t>
-            </a:r>
-            <a:r>
-              <a:rPr/>
-              <a:t>Where</a:t>
-            </a:r>
-            <a:r>
-              <a:rPr/>
-              <a:t> </a:t>
-            </a:r>
-            <a:r>
-              <a:rPr/>
-              <a:t>students</a:t>
-            </a:r>
-            <a:r>
-              <a:rPr/>
-              <a:t> </a:t>
-            </a:r>
-            <a:r>
-              <a:rPr/>
-              <a:t>did</a:t>
-            </a:r>
-            <a:r>
-              <a:rPr/>
-              <a:t> </a:t>
-            </a:r>
-            <a:r>
-              <a:rPr/>
-              <a:t>share</a:t>
-            </a:r>
-            <a:r>
-              <a:rPr/>
-              <a:t> </a:t>
-            </a:r>
-            <a:r>
-              <a:rPr/>
-              <a:t>at</a:t>
-            </a:r>
-            <a:r>
-              <a:rPr/>
-              <a:t> </a:t>
-            </a:r>
-            <a:r>
-              <a:rPr/>
-              <a:t>least</a:t>
-            </a:r>
-            <a:r>
-              <a:rPr/>
-              <a:t> </a:t>
-            </a:r>
-            <a:r>
-              <a:rPr/>
-              <a:t>one,</a:t>
-            </a:r>
-            <a:r>
-              <a:rPr/>
-              <a:t> </a:t>
-            </a:r>
-            <a:r>
-              <a:rPr/>
-              <a:t>73.26%</a:t>
-            </a:r>
-            <a:r>
-              <a:rPr/>
-              <a:t> </a:t>
-            </a:r>
-            <a:r>
-              <a:rPr/>
-              <a:t>of</a:t>
-            </a:r>
-            <a:r>
-              <a:rPr/>
-              <a:t> </a:t>
-            </a:r>
-            <a:r>
-              <a:rPr/>
-              <a:t>students</a:t>
-            </a:r>
-            <a:r>
-              <a:rPr/>
-              <a:t> </a:t>
-            </a:r>
-            <a:r>
-              <a:rPr/>
-              <a:t>provide</a:t>
-            </a:r>
-            <a:r>
-              <a:rPr/>
-              <a:t> </a:t>
-            </a:r>
-            <a:r>
-              <a:rPr/>
-              <a:t>all</a:t>
-            </a:r>
-            <a:r>
-              <a:rPr/>
-              <a:t> </a:t>
-            </a:r>
-            <a:r>
-              <a:rPr/>
-              <a:t>five</a:t>
-            </a:r>
-            <a:r>
-              <a:rPr/>
-              <a:t> </a:t>
-            </a:r>
-            <a:r>
-              <a:rPr/>
-              <a:t>requested</a:t>
-            </a:r>
-            <a:r>
-              <a:rPr/>
-              <a:t> </a:t>
-            </a:r>
-            <a:r>
-              <a:rPr/>
-              <a:t>details.</a:t>
+              <a:t>these</a:t>
+            </a:r>
+            <a:r>
+              <a:rPr/>
+              <a:t> </a:t>
+            </a:r>
+            <a:r>
+              <a:rPr/>
+              <a:t>fields</a:t>
+            </a:r>
+            <a:r>
+              <a:rPr/>
+              <a:t> </a:t>
+            </a:r>
+            <a:r>
+              <a:rPr/>
+              <a:t>were</a:t>
+            </a:r>
+            <a:r>
+              <a:rPr/>
+              <a:t> </a:t>
+            </a:r>
+            <a:r>
+              <a:rPr/>
+              <a:t>mandatory.</a:t>
             </a:r>
           </a:p>
         </p:txBody>
@@ -6914,7 +6294,7 @@
 </p:sld>
 </file>
 
-<file path=ppt/slides/slide15.xml><?xml version="1.0" encoding="utf-8"?>
+<file path=ppt/slides/slide16.xml><?xml version="1.0" encoding="utf-8"?>
 <p:sld xmlns:a="http://schemas.openxmlformats.org/drawingml/2006/main" xmlns:r="http://schemas.openxmlformats.org/officeDocument/2006/relationships" xmlns:p="http://schemas.openxmlformats.org/presentationml/2006/main">
   <p:cSld>
     <p:spTree>
@@ -6956,7 +6336,1595 @@
             </a:pPr>
             <a:r>
               <a:rPr/>
-              <a:t>Refining</a:t>
+              <a:t>Deployment</a:t>
+            </a:r>
+            <a:r>
+              <a:rPr/>
+              <a:t> </a:t>
+            </a:r>
+            <a:r>
+              <a:rPr/>
+              <a:t>-</a:t>
+            </a:r>
+            <a:r>
+              <a:rPr/>
+              <a:t> </a:t>
+            </a:r>
+            <a:r>
+              <a:rPr/>
+              <a:t>creating</a:t>
+            </a:r>
+            <a:r>
+              <a:rPr/>
+              <a:t> </a:t>
+            </a:r>
+            <a:r>
+              <a:rPr/>
+              <a:t>a</a:t>
+            </a:r>
+            <a:r>
+              <a:rPr/>
+              <a:t> </a:t>
+            </a:r>
+            <a:r>
+              <a:rPr/>
+              <a:t>report</a:t>
+            </a:r>
+          </a:p>
+        </p:txBody>
+      </p:sp>
+      <p:sp>
+        <p:nvSpPr>
+          <p:cNvPr id="3" name="Content Placeholder 2"/>
+          <p:cNvSpPr>
+            <a:spLocks noGrp="1"/>
+          </p:cNvSpPr>
+          <p:nvPr>
+            <p:ph idx="1"/>
+          </p:nvPr>
+        </p:nvSpPr>
+        <p:spPr/>
+        <p:txBody>
+          <a:bodyPr/>
+          <a:lstStyle/>
+          <a:p>
+            <a:pPr lvl="0" marL="0" indent="0">
+              <a:buNone/>
+            </a:pPr>
+            <a:r>
+              <a:rPr/>
+              <a:t>I used the RMarkdown file to generate a report to be stored in the Reports section of the project file structure. During the generation of graphs and tables I returned to the data preparation phase frequently. Regularly, I would update the Git version control by using a Commit and Push commands.</a:t>
+            </a:r>
+          </a:p>
+        </p:txBody>
+      </p:sp>
+    </p:spTree>
+  </p:cSld>
+</p:sld>
+</file>
+
+<file path=ppt/slides/slide2.xml><?xml version="1.0" encoding="utf-8"?>
+<p:sld xmlns:a="http://schemas.openxmlformats.org/drawingml/2006/main" xmlns:r="http://schemas.openxmlformats.org/officeDocument/2006/relationships" xmlns:p="http://schemas.openxmlformats.org/presentationml/2006/main">
+  <p:cSld>
+    <p:spTree>
+      <p:nvGrpSpPr>
+        <p:cNvPr id="1" name=""/>
+        <p:cNvGrpSpPr/>
+        <p:nvPr/>
+      </p:nvGrpSpPr>
+      <p:grpSpPr>
+        <a:xfrm>
+          <a:off x="0" y="0"/>
+          <a:ext cx="0" cy="0"/>
+          <a:chOff x="0" y="0"/>
+          <a:chExt cx="0" cy="0"/>
+        </a:xfrm>
+      </p:grpSpPr>
+      <p:sp>
+        <p:nvSpPr>
+          <p:cNvPr id="2" name="Title 1"/>
+          <p:cNvSpPr>
+            <a:spLocks noGrp="1"/>
+          </p:cNvSpPr>
+          <p:nvPr>
+            <p:ph type="title"/>
+          </p:nvPr>
+        </p:nvSpPr>
+        <p:spPr>
+          <a:xfrm>
+            <a:off x="677334" y="609600"/>
+            <a:ext cx="8596668" cy="659130"/>
+          </a:xfrm>
+        </p:spPr>
+        <p:txBody>
+          <a:bodyPr/>
+          <a:lstStyle/>
+          <a:p>
+            <a:pPr lvl="0" marL="0" indent="0">
+              <a:buNone/>
+            </a:pPr>
+            <a:r>
+              <a:rPr/>
+              <a:t>Contents</a:t>
+            </a:r>
+          </a:p>
+        </p:txBody>
+      </p:sp>
+      <p:sp>
+        <p:nvSpPr>
+          <p:cNvPr id="3" name="Content Placeholder 2"/>
+          <p:cNvSpPr>
+            <a:spLocks noGrp="1"/>
+          </p:cNvSpPr>
+          <p:nvPr>
+            <p:ph idx="1"/>
+          </p:nvPr>
+        </p:nvSpPr>
+        <p:spPr/>
+        <p:txBody>
+          <a:bodyPr/>
+          <a:lstStyle/>
+          <a:p>
+            <a:pPr lvl="1"/>
+            <a:r>
+              <a:rPr/>
+              <a:t>Data Understanding</a:t>
+            </a:r>
+          </a:p>
+          <a:p>
+            <a:pPr lvl="2"/>
+            <a:r>
+              <a:rPr/>
+              <a:t>Looking at the data</a:t>
+            </a:r>
+          </a:p>
+          <a:p>
+            <a:pPr lvl="2"/>
+            <a:r>
+              <a:rPr/>
+              <a:t>Deciding on an area of interest</a:t>
+            </a:r>
+          </a:p>
+          <a:p>
+            <a:pPr lvl="1"/>
+            <a:r>
+              <a:rPr/>
+              <a:t>Setting up</a:t>
+            </a:r>
+          </a:p>
+          <a:p>
+            <a:pPr lvl="2"/>
+            <a:r>
+              <a:rPr/>
+              <a:t>ProjectTemplate and Version Control</a:t>
+            </a:r>
+          </a:p>
+          <a:p>
+            <a:pPr lvl="1"/>
+            <a:r>
+              <a:rPr/>
+              <a:t>Data Preparation &amp; Modeling</a:t>
+            </a:r>
+          </a:p>
+          <a:p>
+            <a:pPr lvl="2"/>
+            <a:r>
+              <a:rPr/>
+              <a:t>Pre-processing script development</a:t>
+            </a:r>
+          </a:p>
+          <a:p>
+            <a:pPr lvl="2"/>
+            <a:r>
+              <a:rPr/>
+              <a:t>Developing the analysis</a:t>
+            </a:r>
+          </a:p>
+          <a:p>
+            <a:pPr lvl="2"/>
+            <a:r>
+              <a:rPr/>
+              <a:t>Removing duplicates</a:t>
+            </a:r>
+          </a:p>
+          <a:p>
+            <a:pPr lvl="1"/>
+            <a:r>
+              <a:rPr/>
+              <a:t>Modeling &amp; Evaluation</a:t>
+            </a:r>
+          </a:p>
+          <a:p>
+            <a:pPr lvl="2"/>
+            <a:r>
+              <a:rPr/>
+              <a:t>Refining graphs</a:t>
+            </a:r>
+          </a:p>
+          <a:p>
+            <a:pPr lvl="2"/>
+            <a:r>
+              <a:rPr/>
+              <a:t>Adding to pre-processing</a:t>
+            </a:r>
+          </a:p>
+          <a:p>
+            <a:pPr lvl="1"/>
+            <a:r>
+              <a:rPr/>
+              <a:t>Deployment</a:t>
+            </a:r>
+          </a:p>
+          <a:p>
+            <a:pPr lvl="2"/>
+            <a:r>
+              <a:rPr/>
+              <a:t>Loading into an RMarkdown report</a:t>
+            </a:r>
+          </a:p>
+        </p:txBody>
+      </p:sp>
+    </p:spTree>
+  </p:cSld>
+</p:sld>
+</file>
+
+<file path=ppt/slides/slide3.xml><?xml version="1.0" encoding="utf-8"?>
+<p:sld xmlns:a="http://schemas.openxmlformats.org/drawingml/2006/main" xmlns:r="http://schemas.openxmlformats.org/officeDocument/2006/relationships" xmlns:p="http://schemas.openxmlformats.org/presentationml/2006/main">
+  <p:cSld>
+    <p:spTree>
+      <p:nvGrpSpPr>
+        <p:cNvPr id="1" name=""/>
+        <p:cNvGrpSpPr/>
+        <p:nvPr/>
+      </p:nvGrpSpPr>
+      <p:grpSpPr>
+        <a:xfrm>
+          <a:off x="0" y="0"/>
+          <a:ext cx="0" cy="0"/>
+          <a:chOff x="0" y="0"/>
+          <a:chExt cx="0" cy="0"/>
+        </a:xfrm>
+      </p:grpSpPr>
+      <p:sp>
+        <p:nvSpPr>
+          <p:cNvPr id="2" name="Title 1"/>
+          <p:cNvSpPr>
+            <a:spLocks noGrp="1"/>
+          </p:cNvSpPr>
+          <p:nvPr>
+            <p:ph type="title"/>
+          </p:nvPr>
+        </p:nvSpPr>
+        <p:spPr>
+          <a:xfrm>
+            <a:off x="677334" y="609600"/>
+            <a:ext cx="8596668" cy="659130"/>
+          </a:xfrm>
+        </p:spPr>
+        <p:txBody>
+          <a:bodyPr/>
+          <a:lstStyle/>
+          <a:p>
+            <a:pPr lvl="0" marL="0" indent="0">
+              <a:buNone/>
+            </a:pPr>
+            <a:r>
+              <a:rPr/>
+              <a:t>Looking</a:t>
+            </a:r>
+            <a:r>
+              <a:rPr/>
+              <a:t> </a:t>
+            </a:r>
+            <a:r>
+              <a:rPr/>
+              <a:t>at</a:t>
+            </a:r>
+            <a:r>
+              <a:rPr/>
+              <a:t> </a:t>
+            </a:r>
+            <a:r>
+              <a:rPr/>
+              <a:t>the</a:t>
+            </a:r>
+            <a:r>
+              <a:rPr/>
+              <a:t> </a:t>
+            </a:r>
+            <a:r>
+              <a:rPr/>
+              <a:t>data</a:t>
+            </a:r>
+            <a:r>
+              <a:rPr/>
+              <a:t> </a:t>
+            </a:r>
+            <a:r>
+              <a:rPr/>
+              <a:t>-</a:t>
+            </a:r>
+            <a:r>
+              <a:rPr/>
+              <a:t> </a:t>
+            </a:r>
+            <a:r>
+              <a:rPr/>
+              <a:t>names,</a:t>
+            </a:r>
+            <a:r>
+              <a:rPr/>
+              <a:t> </a:t>
+            </a:r>
+            <a:r>
+              <a:rPr/>
+              <a:t>size,</a:t>
+            </a:r>
+            <a:r>
+              <a:rPr/>
+              <a:t> </a:t>
+            </a:r>
+            <a:r>
+              <a:rPr/>
+              <a:t>types</a:t>
+            </a:r>
+          </a:p>
+        </p:txBody>
+      </p:sp>
+      <p:pic>
+        <p:nvPicPr>
+          <p:cNvPr descr="Images/Files.JPG" id="0" name="Picture 1"/>
+          <p:cNvPicPr>
+            <a:picLocks noGrp="1" noChangeAspect="1"/>
+          </p:cNvPicPr>
+          <p:nvPr/>
+        </p:nvPicPr>
+        <p:blipFill>
+          <a:blip r:embed="rId2"/>
+          <a:stretch>
+            <a:fillRect/>
+          </a:stretch>
+        </p:blipFill>
+        <p:spPr bwMode="auto">
+          <a:xfrm>
+            <a:off x="1727200" y="1422400"/>
+            <a:ext cx="6477000" cy="4102100"/>
+          </a:xfrm>
+          <a:prstGeom prst="rect">
+            <a:avLst/>
+          </a:prstGeom>
+          <a:noFill/>
+          <a:ln w="9525">
+            <a:noFill/>
+            <a:headEnd/>
+            <a:tailEnd/>
+          </a:ln>
+        </p:spPr>
+      </p:pic>
+      <p:sp>
+        <p:nvSpPr>
+          <p:cNvPr id="1" name="TextBox 3"/>
+          <p:cNvSpPr txBox="1"/>
+          <p:nvPr/>
+        </p:nvSpPr>
+        <p:spPr>
+          <a:xfrm>
+            <a:off x="673100" y="5524500"/>
+            <a:ext cx="8585200" cy="508000"/>
+          </a:xfrm>
+          <a:prstGeom prst="rect">
+            <a:avLst/>
+          </a:prstGeom>
+          <a:noFill/>
+        </p:spPr>
+        <p:txBody>
+          <a:bodyPr/>
+          <a:lstStyle/>
+          <a:p>
+            <a:pPr lvl="0" marL="0" indent="0" algn="ctr">
+              <a:buNone/>
+            </a:pPr>
+            <a:r>
+              <a:rPr/>
+              <a:t>It</a:t>
+            </a:r>
+            <a:r>
+              <a:rPr/>
+              <a:t> </a:t>
+            </a:r>
+            <a:r>
+              <a:rPr/>
+              <a:t>was</a:t>
+            </a:r>
+            <a:r>
+              <a:rPr/>
+              <a:t> </a:t>
+            </a:r>
+            <a:r>
+              <a:rPr/>
+              <a:t>possible</a:t>
+            </a:r>
+            <a:r>
+              <a:rPr/>
+              <a:t> </a:t>
+            </a:r>
+            <a:r>
+              <a:rPr/>
+              <a:t>to</a:t>
+            </a:r>
+            <a:r>
+              <a:rPr/>
+              <a:t> </a:t>
+            </a:r>
+            <a:r>
+              <a:rPr/>
+              <a:t>learn</a:t>
+            </a:r>
+            <a:r>
+              <a:rPr/>
+              <a:t> </a:t>
+            </a:r>
+            <a:r>
+              <a:rPr/>
+              <a:t>about</a:t>
+            </a:r>
+            <a:r>
+              <a:rPr/>
+              <a:t> </a:t>
+            </a:r>
+            <a:r>
+              <a:rPr/>
+              <a:t>the</a:t>
+            </a:r>
+            <a:r>
+              <a:rPr/>
+              <a:t> </a:t>
+            </a:r>
+            <a:r>
+              <a:rPr/>
+              <a:t>data</a:t>
+            </a:r>
+            <a:r>
+              <a:rPr/>
+              <a:t> </a:t>
+            </a:r>
+            <a:r>
+              <a:rPr/>
+              <a:t>by</a:t>
+            </a:r>
+            <a:r>
+              <a:rPr/>
+              <a:t> </a:t>
+            </a:r>
+            <a:r>
+              <a:rPr/>
+              <a:t>looking</a:t>
+            </a:r>
+            <a:r>
+              <a:rPr/>
+              <a:t> </a:t>
+            </a:r>
+            <a:r>
+              <a:rPr/>
+              <a:t>at</a:t>
+            </a:r>
+            <a:r>
+              <a:rPr/>
+              <a:t> </a:t>
+            </a:r>
+            <a:r>
+              <a:rPr/>
+              <a:t>the</a:t>
+            </a:r>
+            <a:r>
+              <a:rPr/>
+              <a:t> </a:t>
+            </a:r>
+            <a:r>
+              <a:rPr/>
+              <a:t>files</a:t>
+            </a:r>
+            <a:r>
+              <a:rPr/>
+              <a:t> </a:t>
+            </a:r>
+            <a:r>
+              <a:rPr/>
+              <a:t>and</a:t>
+            </a:r>
+            <a:r>
+              <a:rPr/>
+              <a:t> </a:t>
+            </a:r>
+            <a:r>
+              <a:rPr/>
+              <a:t>gain</a:t>
+            </a:r>
+            <a:r>
+              <a:rPr/>
+              <a:t> </a:t>
+            </a:r>
+            <a:r>
+              <a:rPr/>
+              <a:t>some</a:t>
+            </a:r>
+            <a:r>
+              <a:rPr/>
+              <a:t> </a:t>
+            </a:r>
+            <a:r>
+              <a:rPr/>
+              <a:t>early</a:t>
+            </a:r>
+            <a:r>
+              <a:rPr/>
+              <a:t> </a:t>
+            </a:r>
+            <a:r>
+              <a:rPr/>
+              <a:t>understanding.</a:t>
+            </a:r>
+            <a:r>
+              <a:rPr/>
+              <a:t> </a:t>
+            </a:r>
+            <a:r>
+              <a:rPr/>
+              <a:t>The</a:t>
+            </a:r>
+            <a:r>
+              <a:rPr/>
+              <a:t> </a:t>
+            </a:r>
+            <a:r>
+              <a:rPr/>
+              <a:t>files</a:t>
+            </a:r>
+            <a:r>
+              <a:rPr/>
+              <a:t> </a:t>
+            </a:r>
+            <a:r>
+              <a:rPr/>
+              <a:t>related</a:t>
+            </a:r>
+            <a:r>
+              <a:rPr/>
+              <a:t> </a:t>
+            </a:r>
+            <a:r>
+              <a:rPr/>
+              <a:t>to</a:t>
+            </a:r>
+            <a:r>
+              <a:rPr/>
+              <a:t> </a:t>
+            </a:r>
+            <a:r>
+              <a:rPr/>
+              <a:t>a</a:t>
+            </a:r>
+            <a:r>
+              <a:rPr/>
+              <a:t> </a:t>
+            </a:r>
+            <a:r>
+              <a:rPr/>
+              <a:t>Cyber</a:t>
+            </a:r>
+            <a:r>
+              <a:rPr/>
+              <a:t> </a:t>
+            </a:r>
+            <a:r>
+              <a:rPr/>
+              <a:t>security</a:t>
+            </a:r>
+            <a:r>
+              <a:rPr/>
+              <a:t> </a:t>
+            </a:r>
+            <a:r>
+              <a:rPr/>
+              <a:t>course.</a:t>
+            </a:r>
+          </a:p>
+        </p:txBody>
+      </p:sp>
+    </p:spTree>
+  </p:cSld>
+</p:sld>
+</file>
+
+<file path=ppt/slides/slide4.xml><?xml version="1.0" encoding="utf-8"?>
+<p:sld xmlns:a="http://schemas.openxmlformats.org/drawingml/2006/main" xmlns:r="http://schemas.openxmlformats.org/officeDocument/2006/relationships" xmlns:p="http://schemas.openxmlformats.org/presentationml/2006/main">
+  <p:cSld>
+    <p:spTree>
+      <p:nvGrpSpPr>
+        <p:cNvPr id="1" name=""/>
+        <p:cNvGrpSpPr/>
+        <p:nvPr/>
+      </p:nvGrpSpPr>
+      <p:grpSpPr>
+        <a:xfrm>
+          <a:off x="0" y="0"/>
+          <a:ext cx="0" cy="0"/>
+          <a:chOff x="0" y="0"/>
+          <a:chExt cx="0" cy="0"/>
+        </a:xfrm>
+      </p:grpSpPr>
+      <p:sp>
+        <p:nvSpPr>
+          <p:cNvPr id="2" name="Title 1"/>
+          <p:cNvSpPr>
+            <a:spLocks noGrp="1"/>
+          </p:cNvSpPr>
+          <p:nvPr>
+            <p:ph type="title"/>
+          </p:nvPr>
+        </p:nvSpPr>
+        <p:spPr>
+          <a:xfrm>
+            <a:off x="677334" y="609600"/>
+            <a:ext cx="8596668" cy="659130"/>
+          </a:xfrm>
+        </p:spPr>
+        <p:txBody>
+          <a:bodyPr/>
+          <a:lstStyle/>
+          <a:p>
+            <a:pPr lvl="0" marL="0" indent="0">
+              <a:buNone/>
+            </a:pPr>
+            <a:r>
+              <a:rPr/>
+              <a:t>Deciding</a:t>
+            </a:r>
+            <a:r>
+              <a:rPr/>
+              <a:t> </a:t>
+            </a:r>
+            <a:r>
+              <a:rPr/>
+              <a:t>on</a:t>
+            </a:r>
+            <a:r>
+              <a:rPr/>
+              <a:t> </a:t>
+            </a:r>
+            <a:r>
+              <a:rPr/>
+              <a:t>an</a:t>
+            </a:r>
+            <a:r>
+              <a:rPr/>
+              <a:t> </a:t>
+            </a:r>
+            <a:r>
+              <a:rPr/>
+              <a:t>area</a:t>
+            </a:r>
+            <a:r>
+              <a:rPr/>
+              <a:t> </a:t>
+            </a:r>
+            <a:r>
+              <a:rPr/>
+              <a:t>of</a:t>
+            </a:r>
+            <a:r>
+              <a:rPr/>
+              <a:t> </a:t>
+            </a:r>
+            <a:r>
+              <a:rPr/>
+              <a:t>interest</a:t>
+            </a:r>
+          </a:p>
+        </p:txBody>
+      </p:sp>
+      <p:sp>
+        <p:nvSpPr>
+          <p:cNvPr id="3" name="Content Placeholder 2"/>
+          <p:cNvSpPr>
+            <a:spLocks noGrp="1"/>
+          </p:cNvSpPr>
+          <p:nvPr>
+            <p:ph idx="1"/>
+          </p:nvPr>
+        </p:nvSpPr>
+        <p:spPr/>
+        <p:txBody>
+          <a:bodyPr/>
+          <a:lstStyle/>
+          <a:p>
+            <a:pPr lvl="0" marL="0" indent="0">
+              <a:buNone/>
+            </a:pPr>
+            <a:r>
+              <a:rPr/>
+              <a:t>By loading a few data files into RStudio and using R commands (head, summary, glimpse) it was possible to determine the size of the tables, the types of data that had been captured and see missing items.</a:t>
+            </a:r>
+          </a:p>
+          <a:p>
+            <a:pPr lvl="0" marL="0" indent="0">
+              <a:buNone/>
+            </a:pPr>
+            <a:r>
+              <a:rPr/>
+              <a:t>The enrolment files contained details of gender, employment and age so I decided to investigate students’ willingness to share personal data at enrolment, given that the course was related to security.</a:t>
+            </a:r>
+          </a:p>
+          <a:p>
+            <a:pPr lvl="0" marL="0" indent="0">
+              <a:buNone/>
+            </a:pPr>
+            <a:r>
+              <a:rPr/>
+              <a:t>Sample row and columns:</a:t>
+            </a:r>
+          </a:p>
+          <a:p>
+            <a:pPr lvl="0" marL="1270000" indent="0">
+              <a:buNone/>
+            </a:pPr>
+            <a:r>
+              <a:rPr sz="1800">
+                <a:latin typeface="Courier"/>
+              </a:rPr>
+              <a:t>## # A tibble: 3 x 2
+##   unenrolled_at             role   
+##   &lt;chr&gt;                     &lt;chr&gt;  
+## 1 ""                        learner
+## 2 "2018-10-30 20:20:51 UTC" learner
+## 3 ""                        learner</a:t>
+            </a:r>
+          </a:p>
+        </p:txBody>
+      </p:sp>
+    </p:spTree>
+  </p:cSld>
+</p:sld>
+</file>
+
+<file path=ppt/slides/slide5.xml><?xml version="1.0" encoding="utf-8"?>
+<p:sld xmlns:a="http://schemas.openxmlformats.org/drawingml/2006/main" xmlns:r="http://schemas.openxmlformats.org/officeDocument/2006/relationships" xmlns:p="http://schemas.openxmlformats.org/presentationml/2006/main">
+  <p:cSld>
+    <p:spTree>
+      <p:nvGrpSpPr>
+        <p:cNvPr id="1" name=""/>
+        <p:cNvGrpSpPr/>
+        <p:nvPr/>
+      </p:nvGrpSpPr>
+      <p:grpSpPr>
+        <a:xfrm>
+          <a:off x="0" y="0"/>
+          <a:ext cx="0" cy="0"/>
+          <a:chOff x="0" y="0"/>
+          <a:chExt cx="0" cy="0"/>
+        </a:xfrm>
+      </p:grpSpPr>
+      <p:sp>
+        <p:nvSpPr>
+          <p:cNvPr id="2" name="Title 1"/>
+          <p:cNvSpPr>
+            <a:spLocks noGrp="1"/>
+          </p:cNvSpPr>
+          <p:nvPr>
+            <p:ph type="title"/>
+          </p:nvPr>
+        </p:nvSpPr>
+        <p:spPr>
+          <a:xfrm>
+            <a:off x="677334" y="609600"/>
+            <a:ext cx="8596668" cy="659130"/>
+          </a:xfrm>
+        </p:spPr>
+        <p:txBody>
+          <a:bodyPr/>
+          <a:lstStyle/>
+          <a:p>
+            <a:pPr lvl="0" marL="0" indent="0">
+              <a:buNone/>
+            </a:pPr>
+            <a:r>
+              <a:rPr/>
+              <a:t>Setting</a:t>
+            </a:r>
+            <a:r>
+              <a:rPr/>
+              <a:t> </a:t>
+            </a:r>
+            <a:r>
+              <a:rPr/>
+              <a:t>up</a:t>
+            </a:r>
+            <a:r>
+              <a:rPr/>
+              <a:t> </a:t>
+            </a:r>
+            <a:r>
+              <a:rPr/>
+              <a:t>-</a:t>
+            </a:r>
+            <a:r>
+              <a:rPr/>
+              <a:t> </a:t>
+            </a:r>
+            <a:r>
+              <a:rPr/>
+              <a:t>ProjectTemplate</a:t>
+            </a:r>
+            <a:r>
+              <a:rPr/>
+              <a:t> </a:t>
+            </a:r>
+            <a:r>
+              <a:rPr/>
+              <a:t>and</a:t>
+            </a:r>
+            <a:r>
+              <a:rPr/>
+              <a:t> </a:t>
+            </a:r>
+            <a:r>
+              <a:rPr/>
+              <a:t>Git</a:t>
+            </a:r>
+          </a:p>
+        </p:txBody>
+      </p:sp>
+      <p:pic>
+        <p:nvPicPr>
+          <p:cNvPr descr="Images/ProjectTemplateScript.jpg" id="0" name="Picture 1"/>
+          <p:cNvPicPr>
+            <a:picLocks noGrp="1" noChangeAspect="1"/>
+          </p:cNvPicPr>
+          <p:nvPr/>
+        </p:nvPicPr>
+        <p:blipFill>
+          <a:blip r:embed="rId2"/>
+          <a:stretch>
+            <a:fillRect/>
+          </a:stretch>
+        </p:blipFill>
+        <p:spPr bwMode="auto">
+          <a:xfrm>
+            <a:off x="673100" y="2209800"/>
+            <a:ext cx="8585200" cy="2540000"/>
+          </a:xfrm>
+          <a:prstGeom prst="rect">
+            <a:avLst/>
+          </a:prstGeom>
+          <a:noFill/>
+          <a:ln w="9525">
+            <a:noFill/>
+            <a:headEnd/>
+            <a:tailEnd/>
+          </a:ln>
+        </p:spPr>
+      </p:pic>
+      <p:sp>
+        <p:nvSpPr>
+          <p:cNvPr id="1" name="TextBox 3"/>
+          <p:cNvSpPr txBox="1"/>
+          <p:nvPr/>
+        </p:nvSpPr>
+        <p:spPr>
+          <a:xfrm>
+            <a:off x="673100" y="5524500"/>
+            <a:ext cx="8585200" cy="508000"/>
+          </a:xfrm>
+          <a:prstGeom prst="rect">
+            <a:avLst/>
+          </a:prstGeom>
+          <a:noFill/>
+        </p:spPr>
+        <p:txBody>
+          <a:bodyPr/>
+          <a:lstStyle/>
+          <a:p>
+            <a:pPr lvl="0" marL="0" indent="0" algn="ctr">
+              <a:buNone/>
+            </a:pPr>
+            <a:r>
+              <a:rPr/>
+              <a:t>To</a:t>
+            </a:r>
+            <a:r>
+              <a:rPr/>
+              <a:t> </a:t>
+            </a:r>
+            <a:r>
+              <a:rPr/>
+              <a:t>generate</a:t>
+            </a:r>
+            <a:r>
+              <a:rPr/>
+              <a:t> </a:t>
+            </a:r>
+            <a:r>
+              <a:rPr/>
+              <a:t>the</a:t>
+            </a:r>
+            <a:r>
+              <a:rPr/>
+              <a:t> </a:t>
+            </a:r>
+            <a:r>
+              <a:rPr/>
+              <a:t>necessary</a:t>
+            </a:r>
+            <a:r>
+              <a:rPr/>
+              <a:t> </a:t>
+            </a:r>
+            <a:r>
+              <a:rPr/>
+              <a:t>folders</a:t>
+            </a:r>
+            <a:r>
+              <a:rPr/>
+              <a:t> </a:t>
+            </a:r>
+            <a:r>
+              <a:rPr/>
+              <a:t>for</a:t>
+            </a:r>
+            <a:r>
+              <a:rPr/>
+              <a:t> </a:t>
+            </a:r>
+            <a:r>
+              <a:rPr/>
+              <a:t>my</a:t>
+            </a:r>
+            <a:r>
+              <a:rPr/>
+              <a:t> </a:t>
+            </a:r>
+            <a:r>
+              <a:rPr/>
+              <a:t>work,</a:t>
+            </a:r>
+            <a:r>
+              <a:rPr/>
+              <a:t> </a:t>
+            </a:r>
+            <a:r>
+              <a:rPr/>
+              <a:t>organise</a:t>
+            </a:r>
+            <a:r>
+              <a:rPr/>
+              <a:t> </a:t>
+            </a:r>
+            <a:r>
+              <a:rPr/>
+              <a:t>the</a:t>
+            </a:r>
+            <a:r>
+              <a:rPr/>
+              <a:t> </a:t>
+            </a:r>
+            <a:r>
+              <a:rPr/>
+              <a:t>files,</a:t>
+            </a:r>
+            <a:r>
+              <a:rPr/>
+              <a:t> </a:t>
+            </a:r>
+            <a:r>
+              <a:rPr/>
+              <a:t>load</a:t>
+            </a:r>
+            <a:r>
+              <a:rPr/>
+              <a:t> </a:t>
+            </a:r>
+            <a:r>
+              <a:rPr/>
+              <a:t>the</a:t>
+            </a:r>
+            <a:r>
+              <a:rPr/>
+              <a:t> </a:t>
+            </a:r>
+            <a:r>
+              <a:rPr/>
+              <a:t>R</a:t>
+            </a:r>
+            <a:r>
+              <a:rPr/>
+              <a:t> </a:t>
+            </a:r>
+            <a:r>
+              <a:rPr/>
+              <a:t>packages</a:t>
+            </a:r>
+            <a:r>
+              <a:rPr/>
+              <a:t> </a:t>
+            </a:r>
+            <a:r>
+              <a:rPr/>
+              <a:t>and</a:t>
+            </a:r>
+            <a:r>
+              <a:rPr/>
+              <a:t> </a:t>
+            </a:r>
+            <a:r>
+              <a:rPr/>
+              <a:t>data</a:t>
+            </a:r>
+            <a:r>
+              <a:rPr/>
+              <a:t> </a:t>
+            </a:r>
+            <a:r>
+              <a:rPr/>
+              <a:t>sets</a:t>
+            </a:r>
+            <a:r>
+              <a:rPr/>
+              <a:t> </a:t>
+            </a:r>
+            <a:r>
+              <a:rPr/>
+              <a:t>into</a:t>
+            </a:r>
+            <a:r>
+              <a:rPr/>
+              <a:t> </a:t>
+            </a:r>
+            <a:r>
+              <a:rPr/>
+              <a:t>memory</a:t>
+            </a:r>
+            <a:r>
+              <a:rPr/>
+              <a:t> </a:t>
+            </a:r>
+            <a:r>
+              <a:rPr/>
+              <a:t>I</a:t>
+            </a:r>
+            <a:r>
+              <a:rPr/>
+              <a:t> </a:t>
+            </a:r>
+            <a:r>
+              <a:rPr/>
+              <a:t>ran</a:t>
+            </a:r>
+            <a:r>
+              <a:rPr/>
+              <a:t> </a:t>
+            </a:r>
+            <a:r>
+              <a:rPr/>
+              <a:t>the</a:t>
+            </a:r>
+            <a:r>
+              <a:rPr/>
+              <a:t> </a:t>
+            </a:r>
+            <a:r>
+              <a:rPr/>
+              <a:t>ProjectTemplate</a:t>
+            </a:r>
+            <a:r>
+              <a:rPr/>
+              <a:t> </a:t>
+            </a:r>
+            <a:r>
+              <a:rPr/>
+              <a:t>scripts</a:t>
+            </a:r>
+            <a:r>
+              <a:rPr/>
+              <a:t> </a:t>
+            </a:r>
+            <a:r>
+              <a:rPr/>
+              <a:t>above.</a:t>
+            </a:r>
+            <a:r>
+              <a:rPr/>
+              <a:t> </a:t>
+            </a:r>
+            <a:r>
+              <a:rPr/>
+              <a:t>Syncing</a:t>
+            </a:r>
+            <a:r>
+              <a:rPr/>
+              <a:t> </a:t>
+            </a:r>
+            <a:r>
+              <a:rPr/>
+              <a:t>RStudio</a:t>
+            </a:r>
+            <a:r>
+              <a:rPr/>
+              <a:t> </a:t>
+            </a:r>
+            <a:r>
+              <a:rPr/>
+              <a:t>with</a:t>
+            </a:r>
+            <a:r>
+              <a:rPr/>
+              <a:t> </a:t>
+            </a:r>
+            <a:r>
+              <a:rPr/>
+              <a:t>my</a:t>
+            </a:r>
+            <a:r>
+              <a:rPr/>
+              <a:t> </a:t>
+            </a:r>
+            <a:r>
+              <a:rPr/>
+              <a:t>GitHub</a:t>
+            </a:r>
+            <a:r>
+              <a:rPr/>
+              <a:t> </a:t>
+            </a:r>
+            <a:r>
+              <a:rPr/>
+              <a:t>account</a:t>
+            </a:r>
+            <a:r>
+              <a:rPr/>
+              <a:t> </a:t>
+            </a:r>
+            <a:r>
+              <a:rPr/>
+              <a:t>allowed</a:t>
+            </a:r>
+            <a:r>
+              <a:rPr/>
+              <a:t> </a:t>
+            </a:r>
+            <a:r>
+              <a:rPr/>
+              <a:t>me</a:t>
+            </a:r>
+            <a:r>
+              <a:rPr/>
+              <a:t> </a:t>
+            </a:r>
+            <a:r>
+              <a:rPr/>
+              <a:t>to</a:t>
+            </a:r>
+            <a:r>
+              <a:rPr/>
+              <a:t> </a:t>
+            </a:r>
+            <a:r>
+              <a:rPr/>
+              <a:t>use</a:t>
+            </a:r>
+            <a:r>
+              <a:rPr/>
+              <a:t> </a:t>
+            </a:r>
+            <a:r>
+              <a:rPr/>
+              <a:t>Git</a:t>
+            </a:r>
+            <a:r>
+              <a:rPr/>
+              <a:t> </a:t>
+            </a:r>
+            <a:r>
+              <a:rPr/>
+              <a:t>for</a:t>
+            </a:r>
+            <a:r>
+              <a:rPr/>
+              <a:t> </a:t>
+            </a:r>
+            <a:r>
+              <a:rPr/>
+              <a:t>version</a:t>
+            </a:r>
+            <a:r>
+              <a:rPr/>
+              <a:t> </a:t>
+            </a:r>
+            <a:r>
+              <a:rPr/>
+              <a:t>control,</a:t>
+            </a:r>
+            <a:r>
+              <a:rPr/>
+              <a:t> </a:t>
+            </a:r>
+            <a:r>
+              <a:rPr/>
+              <a:t>by</a:t>
+            </a:r>
+            <a:r>
+              <a:rPr/>
+              <a:t> </a:t>
+            </a:r>
+            <a:r>
+              <a:rPr/>
+              <a:t>using</a:t>
+            </a:r>
+            <a:r>
+              <a:rPr/>
+              <a:t> </a:t>
+            </a:r>
+            <a:r>
+              <a:rPr/>
+              <a:t>Commit</a:t>
+            </a:r>
+            <a:r>
+              <a:rPr/>
+              <a:t> </a:t>
+            </a:r>
+            <a:r>
+              <a:rPr/>
+              <a:t>and</a:t>
+            </a:r>
+            <a:r>
+              <a:rPr/>
+              <a:t> </a:t>
+            </a:r>
+            <a:r>
+              <a:rPr/>
+              <a:t>Push.</a:t>
+            </a:r>
+          </a:p>
+        </p:txBody>
+      </p:sp>
+    </p:spTree>
+  </p:cSld>
+</p:sld>
+</file>
+
+<file path=ppt/slides/slide6.xml><?xml version="1.0" encoding="utf-8"?>
+<p:sld xmlns:a="http://schemas.openxmlformats.org/drawingml/2006/main" xmlns:r="http://schemas.openxmlformats.org/officeDocument/2006/relationships" xmlns:p="http://schemas.openxmlformats.org/presentationml/2006/main">
+  <p:cSld>
+    <p:spTree>
+      <p:nvGrpSpPr>
+        <p:cNvPr id="1" name=""/>
+        <p:cNvGrpSpPr/>
+        <p:nvPr/>
+      </p:nvGrpSpPr>
+      <p:grpSpPr>
+        <a:xfrm>
+          <a:off x="0" y="0"/>
+          <a:ext cx="0" cy="0"/>
+          <a:chOff x="0" y="0"/>
+          <a:chExt cx="0" cy="0"/>
+        </a:xfrm>
+      </p:grpSpPr>
+      <p:sp>
+        <p:nvSpPr>
+          <p:cNvPr id="2" name="Title 1"/>
+          <p:cNvSpPr>
+            <a:spLocks noGrp="1"/>
+          </p:cNvSpPr>
+          <p:nvPr>
+            <p:ph type="title"/>
+          </p:nvPr>
+        </p:nvSpPr>
+        <p:spPr>
+          <a:xfrm>
+            <a:off x="677334" y="609600"/>
+            <a:ext cx="8596668" cy="659130"/>
+          </a:xfrm>
+        </p:spPr>
+        <p:txBody>
+          <a:bodyPr/>
+          <a:lstStyle/>
+          <a:p>
+            <a:pPr lvl="0" marL="0" indent="0">
+              <a:buNone/>
+            </a:pPr>
+            <a:r>
+              <a:rPr/>
+              <a:t>Data</a:t>
+            </a:r>
+            <a:r>
+              <a:rPr/>
+              <a:t> </a:t>
+            </a:r>
+            <a:r>
+              <a:rPr/>
+              <a:t>Preparation</a:t>
+            </a:r>
+            <a:r>
+              <a:rPr/>
+              <a:t> </a:t>
+            </a:r>
+            <a:r>
+              <a:rPr/>
+              <a:t>-</a:t>
+            </a:r>
+            <a:r>
+              <a:rPr/>
+              <a:t> </a:t>
+            </a:r>
+            <a:r>
+              <a:rPr/>
+              <a:t>initial</a:t>
+            </a:r>
+          </a:p>
+        </p:txBody>
+      </p:sp>
+      <p:sp>
+        <p:nvSpPr>
+          <p:cNvPr id="3" name="Content Placeholder 2"/>
+          <p:cNvSpPr>
+            <a:spLocks noGrp="1"/>
+          </p:cNvSpPr>
+          <p:nvPr>
+            <p:ph idx="1"/>
+          </p:nvPr>
+        </p:nvSpPr>
+        <p:spPr/>
+        <p:txBody>
+          <a:bodyPr/>
+          <a:lstStyle/>
+          <a:p>
+            <a:pPr lvl="0" marL="0" indent="0">
+              <a:buNone/>
+            </a:pPr>
+            <a:r>
+              <a:rPr/>
+              <a:t>The pre-processing scripts (or data munging code) are stored in </a:t>
+            </a:r>
+            <a:r>
+              <a:rPr sz="1800">
+                <a:latin typeface="Courier"/>
+              </a:rPr>
+              <a:t>munge</a:t>
+            </a:r>
+            <a:r>
+              <a:rPr/>
+              <a:t> folder and will be executed sequentially when load.project()` is called.</a:t>
+            </a:r>
+          </a:p>
+          <a:p>
+            <a:pPr lvl="0" marL="0" indent="0">
+              <a:buNone/>
+            </a:pPr>
+            <a:r>
+              <a:rPr/>
+              <a:t>Numbers within filenames indicate the sequential order of the scripts.</a:t>
+            </a:r>
+          </a:p>
+          <a:p>
+            <a:pPr lvl="0" marL="0" indent="0">
+              <a:buNone/>
+            </a:pPr>
+            <a:r>
+              <a:rPr/>
+              <a:t>The initial scripts were:</a:t>
+            </a:r>
+          </a:p>
+          <a:p>
+            <a:pPr lvl="1"/>
+            <a:r>
+              <a:rPr/>
+              <a:t>adding columns at runtime, merging data sets, adjusting data formats</a:t>
+            </a:r>
+          </a:p>
+          <a:p>
+            <a:pPr lvl="1"/>
+            <a:r>
+              <a:rPr/>
+              <a:t>filtering the data by groups of students willing to share data</a:t>
+            </a:r>
+          </a:p>
+          <a:p>
+            <a:pPr lvl="1"/>
+            <a:r>
+              <a:rPr/>
+              <a:t>categorising data</a:t>
+            </a:r>
+          </a:p>
+        </p:txBody>
+      </p:sp>
+    </p:spTree>
+  </p:cSld>
+</p:sld>
+</file>
+
+<file path=ppt/slides/slide7.xml><?xml version="1.0" encoding="utf-8"?>
+<p:sld xmlns:a="http://schemas.openxmlformats.org/drawingml/2006/main" xmlns:r="http://schemas.openxmlformats.org/officeDocument/2006/relationships" xmlns:p="http://schemas.openxmlformats.org/presentationml/2006/main">
+  <p:cSld>
+    <p:spTree>
+      <p:nvGrpSpPr>
+        <p:cNvPr id="1" name=""/>
+        <p:cNvGrpSpPr/>
+        <p:nvPr/>
+      </p:nvGrpSpPr>
+      <p:grpSpPr>
+        <a:xfrm>
+          <a:off x="0" y="0"/>
+          <a:ext cx="0" cy="0"/>
+          <a:chOff x="0" y="0"/>
+          <a:chExt cx="0" cy="0"/>
+        </a:xfrm>
+      </p:grpSpPr>
+      <p:sp>
+        <p:nvSpPr>
+          <p:cNvPr id="2" name="Title 1"/>
+          <p:cNvSpPr>
+            <a:spLocks noGrp="1"/>
+          </p:cNvSpPr>
+          <p:nvPr>
+            <p:ph type="title"/>
+          </p:nvPr>
+        </p:nvSpPr>
+        <p:spPr>
+          <a:xfrm>
+            <a:off x="677334" y="609600"/>
+            <a:ext cx="8596668" cy="659130"/>
+          </a:xfrm>
+        </p:spPr>
+        <p:txBody>
+          <a:bodyPr/>
+          <a:lstStyle/>
+          <a:p>
+            <a:pPr lvl="0" marL="0" indent="0">
+              <a:buNone/>
+            </a:pPr>
+            <a:r>
+              <a:rPr/>
+              <a:t>Initial</a:t>
+            </a:r>
+            <a:r>
+              <a:rPr/>
+              <a:t> </a:t>
+            </a:r>
+            <a:r>
+              <a:rPr/>
+              <a:t>Modeling</a:t>
+            </a:r>
+            <a:r>
+              <a:rPr/>
+              <a:t> </a:t>
+            </a:r>
+            <a:r>
+              <a:rPr/>
+              <a:t>-</a:t>
+            </a:r>
+            <a:r>
+              <a:rPr/>
+              <a:t> </a:t>
+            </a:r>
+            <a:r>
+              <a:rPr/>
+              <a:t>quick</a:t>
+            </a:r>
+            <a:r>
+              <a:rPr/>
+              <a:t> </a:t>
+            </a:r>
+            <a:r>
+              <a:rPr/>
+              <a:t>charts</a:t>
+            </a:r>
+          </a:p>
+        </p:txBody>
+      </p:sp>
+      <p:pic>
+        <p:nvPicPr>
+          <p:cNvPr descr="Images/Shared_Gender_by_Emp_by_Survey.png" id="0" name="Picture 1"/>
+          <p:cNvPicPr>
+            <a:picLocks noGrp="1" noChangeAspect="1"/>
+          </p:cNvPicPr>
+          <p:nvPr/>
+        </p:nvPicPr>
+        <p:blipFill>
+          <a:blip r:embed="rId2"/>
+          <a:stretch>
+            <a:fillRect/>
+          </a:stretch>
+        </p:blipFill>
+        <p:spPr bwMode="auto">
+          <a:xfrm>
+            <a:off x="1549400" y="1422400"/>
+            <a:ext cx="6832600" cy="4102100"/>
+          </a:xfrm>
+          <a:prstGeom prst="rect">
+            <a:avLst/>
+          </a:prstGeom>
+          <a:noFill/>
+          <a:ln w="9525">
+            <a:noFill/>
+            <a:headEnd/>
+            <a:tailEnd/>
+          </a:ln>
+        </p:spPr>
+      </p:pic>
+      <p:sp>
+        <p:nvSpPr>
+          <p:cNvPr id="1" name="TextBox 3"/>
+          <p:cNvSpPr txBox="1"/>
+          <p:nvPr/>
+        </p:nvSpPr>
+        <p:spPr>
+          <a:xfrm>
+            <a:off x="673100" y="5524500"/>
+            <a:ext cx="8585200" cy="508000"/>
+          </a:xfrm>
+          <a:prstGeom prst="rect">
+            <a:avLst/>
+          </a:prstGeom>
+          <a:noFill/>
+        </p:spPr>
+        <p:txBody>
+          <a:bodyPr/>
+          <a:lstStyle/>
+          <a:p>
+            <a:pPr lvl="0" marL="0" indent="0" algn="ctr">
+              <a:buNone/>
+            </a:pPr>
+            <a:r>
+              <a:rPr/>
+              <a:t>It</a:t>
+            </a:r>
+            <a:r>
+              <a:rPr/>
+              <a:t> </a:t>
+            </a:r>
+            <a:r>
+              <a:rPr/>
+              <a:t>was</a:t>
+            </a:r>
+            <a:r>
+              <a:rPr/>
+              <a:t> </a:t>
+            </a:r>
+            <a:r>
+              <a:rPr/>
+              <a:t>possible</a:t>
+            </a:r>
+            <a:r>
+              <a:rPr/>
+              <a:t> </a:t>
+            </a:r>
+            <a:r>
+              <a:rPr/>
+              <a:t>to</a:t>
+            </a:r>
+            <a:r>
+              <a:rPr/>
+              <a:t> </a:t>
+            </a:r>
+            <a:r>
+              <a:rPr/>
+              <a:t>produce</a:t>
+            </a:r>
+            <a:r>
+              <a:rPr/>
+              <a:t> </a:t>
+            </a:r>
+            <a:r>
+              <a:rPr/>
+              <a:t>lots</a:t>
+            </a:r>
+            <a:r>
+              <a:rPr/>
+              <a:t> </a:t>
+            </a:r>
+            <a:r>
+              <a:rPr/>
+              <a:t>of</a:t>
             </a:r>
             <a:r>
               <a:rPr/>
@@ -6965,6 +7933,178 @@
             <a:r>
               <a:rPr/>
               <a:t>graphs</a:t>
+            </a:r>
+            <a:r>
+              <a:rPr/>
+              <a:t> </a:t>
+            </a:r>
+            <a:r>
+              <a:rPr/>
+              <a:t>really</a:t>
+            </a:r>
+            <a:r>
+              <a:rPr/>
+              <a:t> </a:t>
+            </a:r>
+            <a:r>
+              <a:rPr/>
+              <a:t>quickly</a:t>
+            </a:r>
+            <a:r>
+              <a:rPr/>
+              <a:t> </a:t>
+            </a:r>
+            <a:r>
+              <a:rPr/>
+              <a:t>with</a:t>
+            </a:r>
+            <a:r>
+              <a:rPr/>
+              <a:t> </a:t>
+            </a:r>
+            <a:r>
+              <a:rPr/>
+              <a:t>ggplot2</a:t>
+            </a:r>
+            <a:r>
+              <a:rPr/>
+              <a:t> </a:t>
+            </a:r>
+            <a:r>
+              <a:rPr/>
+              <a:t>but</a:t>
+            </a:r>
+            <a:r>
+              <a:rPr/>
+              <a:t> </a:t>
+            </a:r>
+            <a:r>
+              <a:rPr/>
+              <a:t>work</a:t>
+            </a:r>
+            <a:r>
+              <a:rPr/>
+              <a:t> </a:t>
+            </a:r>
+            <a:r>
+              <a:rPr/>
+              <a:t>on</a:t>
+            </a:r>
+            <a:r>
+              <a:rPr/>
+              <a:t> </a:t>
+            </a:r>
+            <a:r>
+              <a:rPr/>
+              <a:t>formatting</a:t>
+            </a:r>
+            <a:r>
+              <a:rPr/>
+              <a:t> </a:t>
+            </a:r>
+            <a:r>
+              <a:rPr/>
+              <a:t>and</a:t>
+            </a:r>
+            <a:r>
+              <a:rPr/>
+              <a:t> </a:t>
+            </a:r>
+            <a:r>
+              <a:rPr/>
+              <a:t>colour</a:t>
+            </a:r>
+            <a:r>
+              <a:rPr/>
+              <a:t> </a:t>
+            </a:r>
+            <a:r>
+              <a:rPr/>
+              <a:t>was</a:t>
+            </a:r>
+            <a:r>
+              <a:rPr/>
+              <a:t> </a:t>
+            </a:r>
+            <a:r>
+              <a:rPr/>
+              <a:t>needed.</a:t>
+            </a:r>
+          </a:p>
+        </p:txBody>
+      </p:sp>
+    </p:spTree>
+  </p:cSld>
+</p:sld>
+</file>
+
+<file path=ppt/slides/slide8.xml><?xml version="1.0" encoding="utf-8"?>
+<p:sld xmlns:a="http://schemas.openxmlformats.org/drawingml/2006/main" xmlns:r="http://schemas.openxmlformats.org/officeDocument/2006/relationships" xmlns:p="http://schemas.openxmlformats.org/presentationml/2006/main">
+  <p:cSld>
+    <p:spTree>
+      <p:nvGrpSpPr>
+        <p:cNvPr id="1" name=""/>
+        <p:cNvGrpSpPr/>
+        <p:nvPr/>
+      </p:nvGrpSpPr>
+      <p:grpSpPr>
+        <a:xfrm>
+          <a:off x="0" y="0"/>
+          <a:ext cx="0" cy="0"/>
+          <a:chOff x="0" y="0"/>
+          <a:chExt cx="0" cy="0"/>
+        </a:xfrm>
+      </p:grpSpPr>
+      <p:sp>
+        <p:nvSpPr>
+          <p:cNvPr id="2" name="Title 1"/>
+          <p:cNvSpPr>
+            <a:spLocks noGrp="1"/>
+          </p:cNvSpPr>
+          <p:nvPr>
+            <p:ph type="title"/>
+          </p:nvPr>
+        </p:nvSpPr>
+        <p:spPr>
+          <a:xfrm>
+            <a:off x="677334" y="609600"/>
+            <a:ext cx="8596668" cy="659130"/>
+          </a:xfrm>
+        </p:spPr>
+        <p:txBody>
+          <a:bodyPr/>
+          <a:lstStyle/>
+          <a:p>
+            <a:pPr lvl="0" marL="0" indent="0">
+              <a:buNone/>
+            </a:pPr>
+            <a:r>
+              <a:rPr/>
+              <a:t>Identifying</a:t>
+            </a:r>
+            <a:r>
+              <a:rPr/>
+              <a:t> </a:t>
+            </a:r>
+            <a:r>
+              <a:rPr/>
+              <a:t>more</a:t>
+            </a:r>
+            <a:r>
+              <a:rPr/>
+              <a:t> </a:t>
+            </a:r>
+            <a:r>
+              <a:rPr/>
+              <a:t>data</a:t>
+            </a:r>
+            <a:r>
+              <a:rPr/>
+              <a:t> </a:t>
+            </a:r>
+            <a:r>
+              <a:rPr/>
+              <a:t>processing</a:t>
             </a:r>
           </a:p>
         </p:txBody>
@@ -7082,511 +8222,53 @@
               <a:rPr/>
               <a:t>time.</a:t>
             </a:r>
-          </a:p>
-        </p:txBody>
-      </p:sp>
-    </p:spTree>
-  </p:cSld>
-</p:sld>
-</file>
-
-<file path=ppt/slides/slide16.xml><?xml version="1.0" encoding="utf-8"?>
-<p:sld xmlns:a="http://schemas.openxmlformats.org/drawingml/2006/main" xmlns:r="http://schemas.openxmlformats.org/officeDocument/2006/relationships" xmlns:p="http://schemas.openxmlformats.org/presentationml/2006/main">
-  <p:cSld>
-    <p:spTree>
-      <p:nvGrpSpPr>
-        <p:cNvPr id="1" name=""/>
-        <p:cNvGrpSpPr/>
-        <p:nvPr/>
-      </p:nvGrpSpPr>
-      <p:grpSpPr>
-        <a:xfrm>
-          <a:off x="0" y="0"/>
-          <a:ext cx="0" cy="0"/>
-          <a:chOff x="0" y="0"/>
-          <a:chExt cx="0" cy="0"/>
-        </a:xfrm>
-      </p:grpSpPr>
-      <p:sp>
-        <p:nvSpPr>
-          <p:cNvPr id="2" name="Title 1"/>
-          <p:cNvSpPr>
-            <a:spLocks noGrp="1"/>
-          </p:cNvSpPr>
-          <p:nvPr>
-            <p:ph type="title"/>
-          </p:nvPr>
-        </p:nvSpPr>
-        <p:spPr>
-          <a:xfrm>
-            <a:off x="677334" y="609600"/>
-            <a:ext cx="8596668" cy="659130"/>
-          </a:xfrm>
-        </p:spPr>
-        <p:txBody>
-          <a:bodyPr/>
-          <a:lstStyle/>
-          <a:p>
-            <a:pPr lvl="0" marL="0" indent="0">
-              <a:buNone/>
-            </a:pPr>
-            <a:r>
-              <a:rPr/>
-              <a:t>Loading</a:t>
-            </a:r>
-            <a:r>
-              <a:rPr/>
-              <a:t> </a:t>
-            </a:r>
-            <a:r>
-              <a:rPr/>
-              <a:t>into</a:t>
-            </a:r>
-            <a:r>
-              <a:rPr/>
-              <a:t> </a:t>
-            </a:r>
-            <a:r>
-              <a:rPr/>
-              <a:t>an</a:t>
-            </a:r>
-            <a:r>
-              <a:rPr/>
-              <a:t> </a:t>
-            </a:r>
-            <a:r>
-              <a:rPr/>
-              <a:t>RMarkdown</a:t>
-            </a:r>
-            <a:r>
-              <a:rPr/>
-              <a:t> </a:t>
-            </a:r>
-            <a:r>
-              <a:rPr/>
-              <a:t>report</a:t>
-            </a:r>
-          </a:p>
-        </p:txBody>
-      </p:sp>
-      <p:sp>
-        <p:nvSpPr>
-          <p:cNvPr id="3" name="Content Placeholder 2"/>
-          <p:cNvSpPr>
-            <a:spLocks noGrp="1"/>
-          </p:cNvSpPr>
-          <p:nvPr>
-            <p:ph idx="1"/>
-          </p:nvPr>
-        </p:nvSpPr>
-        <p:spPr/>
-        <p:txBody>
-          <a:bodyPr/>
-          <a:lstStyle/>
-          <a:p>
-            <a:pPr lvl="0" marL="0" indent="0">
-              <a:buNone/>
-            </a:pPr>
-            <a:r>
-              <a:rPr/>
-              <a:t>I used the RMarkdown file to generate a report to be stored in the Reports section of the project file structure. During the generation of graphs and tables I returned to the data preparation phase frequently. Regularly, I would update the Git version control by using a Commit and Push commands.</a:t>
-            </a:r>
-          </a:p>
-        </p:txBody>
-      </p:sp>
-    </p:spTree>
-  </p:cSld>
-</p:sld>
-</file>
-
-<file path=ppt/slides/slide2.xml><?xml version="1.0" encoding="utf-8"?>
-<p:sld xmlns:a="http://schemas.openxmlformats.org/drawingml/2006/main" xmlns:r="http://schemas.openxmlformats.org/officeDocument/2006/relationships" xmlns:p="http://schemas.openxmlformats.org/presentationml/2006/main">
-  <p:cSld>
-    <p:spTree>
-      <p:nvGrpSpPr>
-        <p:cNvPr id="1" name=""/>
-        <p:cNvGrpSpPr/>
-        <p:nvPr/>
-      </p:nvGrpSpPr>
-      <p:grpSpPr>
-        <a:xfrm>
-          <a:off x="0" y="0"/>
-          <a:ext cx="0" cy="0"/>
-          <a:chOff x="0" y="0"/>
-          <a:chExt cx="0" cy="0"/>
-        </a:xfrm>
-      </p:grpSpPr>
-      <p:sp>
-        <p:nvSpPr>
-          <p:cNvPr id="2" name="Title 1"/>
-          <p:cNvSpPr>
-            <a:spLocks noGrp="1"/>
-          </p:cNvSpPr>
-          <p:nvPr>
-            <p:ph type="title"/>
-          </p:nvPr>
-        </p:nvSpPr>
-        <p:spPr>
-          <a:xfrm>
-            <a:off x="677334" y="609600"/>
-            <a:ext cx="8596668" cy="659130"/>
-          </a:xfrm>
-        </p:spPr>
-        <p:txBody>
-          <a:bodyPr/>
-          <a:lstStyle/>
-          <a:p>
-            <a:pPr lvl="0" marL="0" indent="0">
-              <a:buNone/>
-            </a:pPr>
-            <a:r>
-              <a:rPr/>
-              <a:t>Contents</a:t>
-            </a:r>
-          </a:p>
-        </p:txBody>
-      </p:sp>
-      <p:sp>
-        <p:nvSpPr>
-          <p:cNvPr id="3" name="Content Placeholder 2"/>
-          <p:cNvSpPr>
-            <a:spLocks noGrp="1"/>
-          </p:cNvSpPr>
-          <p:nvPr>
-            <p:ph idx="1"/>
-          </p:nvPr>
-        </p:nvSpPr>
-        <p:spPr/>
-        <p:txBody>
-          <a:bodyPr/>
-          <a:lstStyle/>
-          <a:p>
-            <a:pPr lvl="0" marL="0" indent="0">
-              <a:buNone/>
-            </a:pPr>
-            <a:r>
-              <a:rPr/>
-              <a:t>This is an R Markdown presentation, summarising the Exploratory_Analysis project conducted by Issy Middleton for CSC8631 - Data Management &amp; Exploratory Analysis.</a:t>
-            </a:r>
-          </a:p>
-          <a:p>
-            <a:pPr lvl="0" marL="0" indent="0">
-              <a:buNone/>
-            </a:pPr>
-            <a:r>
-              <a:rPr/>
-              <a:t> </a:t>
-            </a:r>
-          </a:p>
-          <a:p>
-            <a:pPr lvl="1"/>
-            <a:r>
-              <a:rPr/>
-              <a:t>Looking at the data</a:t>
-            </a:r>
-          </a:p>
-          <a:p>
-            <a:pPr lvl="1"/>
-            <a:r>
-              <a:rPr/>
-              <a:t>Deciding on an area of interest</a:t>
-            </a:r>
-          </a:p>
-          <a:p>
-            <a:pPr lvl="1"/>
-            <a:r>
-              <a:rPr/>
-              <a:t>Using ProjectTemplate</a:t>
-            </a:r>
-          </a:p>
-          <a:p>
-            <a:pPr lvl="1"/>
-            <a:r>
-              <a:rPr/>
-              <a:t>Version Control</a:t>
-            </a:r>
-          </a:p>
-          <a:p>
-            <a:pPr lvl="1"/>
-            <a:r>
-              <a:rPr/>
-              <a:t>Pre-processing</a:t>
-            </a:r>
-          </a:p>
-          <a:p>
-            <a:pPr lvl="1"/>
-            <a:r>
-              <a:rPr/>
-              <a:t>Starting the analysis</a:t>
-            </a:r>
-          </a:p>
-          <a:p>
-            <a:pPr lvl="1"/>
-            <a:r>
-              <a:rPr/>
-              <a:t>Removing duplicates</a:t>
-            </a:r>
-          </a:p>
-          <a:p>
-            <a:pPr lvl="1"/>
-            <a:r>
-              <a:rPr/>
-              <a:t>Refining graphs</a:t>
-            </a:r>
-          </a:p>
-          <a:p>
-            <a:pPr lvl="1"/>
-            <a:r>
-              <a:rPr/>
-              <a:t>Loading into an RMarkdown report</a:t>
-            </a:r>
-          </a:p>
-        </p:txBody>
-      </p:sp>
-    </p:spTree>
-  </p:cSld>
-</p:sld>
-</file>
-
-<file path=ppt/slides/slide3.xml><?xml version="1.0" encoding="utf-8"?>
-<p:sld xmlns:a="http://schemas.openxmlformats.org/drawingml/2006/main" xmlns:r="http://schemas.openxmlformats.org/officeDocument/2006/relationships" xmlns:p="http://schemas.openxmlformats.org/presentationml/2006/main">
-  <p:cSld>
-    <p:spTree>
-      <p:nvGrpSpPr>
-        <p:cNvPr id="1" name=""/>
-        <p:cNvGrpSpPr/>
-        <p:nvPr/>
-      </p:nvGrpSpPr>
-      <p:grpSpPr>
-        <a:xfrm>
-          <a:off x="0" y="0"/>
-          <a:ext cx="0" cy="0"/>
-          <a:chOff x="0" y="0"/>
-          <a:chExt cx="0" cy="0"/>
-        </a:xfrm>
-      </p:grpSpPr>
-      <p:sp>
-        <p:nvSpPr>
-          <p:cNvPr id="2" name="Title 1"/>
-          <p:cNvSpPr>
-            <a:spLocks noGrp="1"/>
-          </p:cNvSpPr>
-          <p:nvPr>
-            <p:ph type="title"/>
-          </p:nvPr>
-        </p:nvSpPr>
-        <p:spPr>
-          <a:xfrm>
-            <a:off x="677334" y="609600"/>
-            <a:ext cx="8596668" cy="659130"/>
-          </a:xfrm>
-        </p:spPr>
-        <p:txBody>
-          <a:bodyPr/>
-          <a:lstStyle/>
-          <a:p>
-            <a:pPr lvl="0" marL="0" indent="0">
-              <a:buNone/>
-            </a:pPr>
-            <a:r>
-              <a:rPr/>
-              <a:t>Looking</a:t>
-            </a:r>
-            <a:r>
-              <a:rPr/>
-              <a:t> </a:t>
-            </a:r>
-            <a:r>
-              <a:rPr/>
-              <a:t>at</a:t>
-            </a:r>
-            <a:r>
-              <a:rPr/>
-              <a:t> </a:t>
-            </a:r>
-            <a:r>
-              <a:rPr/>
-              <a:t>the</a:t>
-            </a:r>
-            <a:r>
-              <a:rPr/>
-              <a:t> </a:t>
-            </a:r>
-            <a:r>
-              <a:rPr/>
-              <a:t>data</a:t>
-            </a:r>
-            <a:r>
-              <a:rPr/>
-              <a:t> </a:t>
-            </a:r>
-            <a:r>
-              <a:rPr/>
-              <a:t>-</a:t>
-            </a:r>
-            <a:r>
-              <a:rPr/>
-              <a:t> </a:t>
-            </a:r>
-            <a:r>
-              <a:rPr/>
-              <a:t>names,</a:t>
-            </a:r>
-            <a:r>
-              <a:rPr/>
-              <a:t> </a:t>
-            </a:r>
-            <a:r>
-              <a:rPr/>
-              <a:t>size,</a:t>
-            </a:r>
-            <a:r>
-              <a:rPr/>
-              <a:t> </a:t>
-            </a:r>
-            <a:r>
-              <a:rPr/>
-              <a:t>types</a:t>
-            </a:r>
-          </a:p>
-        </p:txBody>
-      </p:sp>
-      <p:pic>
-        <p:nvPicPr>
-          <p:cNvPr descr="Images/Files.jpg" id="0" name="Picture 1"/>
-          <p:cNvPicPr>
-            <a:picLocks noGrp="1" noChangeAspect="1"/>
-          </p:cNvPicPr>
-          <p:nvPr/>
-        </p:nvPicPr>
-        <p:blipFill>
-          <a:blip r:embed="rId2"/>
-          <a:stretch>
-            <a:fillRect/>
-          </a:stretch>
-        </p:blipFill>
-        <p:spPr bwMode="auto">
-          <a:xfrm>
-            <a:off x="1727200" y="1422400"/>
-            <a:ext cx="6477000" cy="4102100"/>
-          </a:xfrm>
-          <a:prstGeom prst="rect">
-            <a:avLst/>
-          </a:prstGeom>
-          <a:noFill/>
-          <a:ln w="9525">
-            <a:noFill/>
-            <a:headEnd/>
-            <a:tailEnd/>
-          </a:ln>
-        </p:spPr>
-      </p:pic>
-      <p:sp>
-        <p:nvSpPr>
-          <p:cNvPr id="1" name="TextBox 3"/>
-          <p:cNvSpPr txBox="1"/>
-          <p:nvPr/>
-        </p:nvSpPr>
-        <p:spPr>
-          <a:xfrm>
-            <a:off x="673100" y="5524500"/>
-            <a:ext cx="8585200" cy="508000"/>
-          </a:xfrm>
-          <a:prstGeom prst="rect">
-            <a:avLst/>
-          </a:prstGeom>
-          <a:noFill/>
-        </p:spPr>
-        <p:txBody>
-          <a:bodyPr/>
-          <a:lstStyle/>
-          <a:p>
-            <a:pPr lvl="0" marL="0" indent="0" algn="ctr">
-              <a:buNone/>
-            </a:pPr>
-            <a:r>
-              <a:rPr/>
-              <a:t>The</a:t>
-            </a:r>
-            <a:r>
-              <a:rPr/>
-              <a:t> </a:t>
-            </a:r>
-            <a:r>
-              <a:rPr/>
-              <a:t>files</a:t>
-            </a:r>
-            <a:r>
-              <a:rPr/>
-              <a:t> </a:t>
-            </a:r>
-            <a:r>
-              <a:rPr/>
-              <a:t>varied</a:t>
-            </a:r>
-            <a:r>
-              <a:rPr/>
-              <a:t> </a:t>
-            </a:r>
-            <a:r>
-              <a:rPr/>
-              <a:t>in</a:t>
-            </a:r>
-            <a:r>
-              <a:rPr/>
-              <a:t> </a:t>
-            </a:r>
-            <a:r>
-              <a:rPr/>
-              <a:t>size</a:t>
-            </a:r>
-            <a:r>
-              <a:rPr/>
-              <a:t> </a:t>
-            </a:r>
-            <a:r>
-              <a:rPr/>
-              <a:t>and</a:t>
-            </a:r>
-            <a:r>
-              <a:rPr/>
-              <a:t> </a:t>
-            </a:r>
-            <a:r>
-              <a:rPr/>
-              <a:t>type</a:t>
-            </a:r>
-            <a:r>
-              <a:rPr/>
-              <a:t> </a:t>
-            </a:r>
-            <a:r>
-              <a:rPr/>
-              <a:t>but</a:t>
-            </a:r>
-            <a:r>
-              <a:rPr/>
-              <a:t> </a:t>
-            </a:r>
-            <a:r>
-              <a:rPr/>
-              <a:t>were</a:t>
-            </a:r>
-            <a:r>
-              <a:rPr/>
-              <a:t> </a:t>
-            </a:r>
-            <a:r>
-              <a:rPr/>
-              <a:t>all</a:t>
-            </a:r>
-            <a:r>
-              <a:rPr/>
-              <a:t> </a:t>
-            </a:r>
-            <a:r>
-              <a:rPr/>
-              <a:t>related</a:t>
+            <a:r>
+              <a:rPr/>
+              <a:t> </a:t>
+            </a:r>
+            <a:r>
+              <a:rPr/>
+              <a:t>To</a:t>
+            </a:r>
+            <a:r>
+              <a:rPr/>
+              <a:t> </a:t>
+            </a:r>
+            <a:r>
+              <a:rPr/>
+              <a:t>provide</a:t>
+            </a:r>
+            <a:r>
+              <a:rPr/>
+              <a:t> </a:t>
+            </a:r>
+            <a:r>
+              <a:rPr/>
+              <a:t>context,</a:t>
+            </a:r>
+            <a:r>
+              <a:rPr/>
+              <a:t> </a:t>
+            </a:r>
+            <a:r>
+              <a:rPr/>
+              <a:t>it</a:t>
+            </a:r>
+            <a:r>
+              <a:rPr/>
+              <a:t> </a:t>
+            </a:r>
+            <a:r>
+              <a:rPr/>
+              <a:t>was</a:t>
+            </a:r>
+            <a:r>
+              <a:rPr/>
+              <a:t> </a:t>
+            </a:r>
+            <a:r>
+              <a:rPr/>
+              <a:t>necessary</a:t>
             </a:r>
             <a:r>
               <a:rPr/>
@@ -7602,996 +8284,7 @@
             </a:r>
             <a:r>
               <a:rPr/>
-              <a:t>a</a:t>
-            </a:r>
-            <a:r>
-              <a:rPr/>
-              <a:t> </a:t>
-            </a:r>
-            <a:r>
-              <a:rPr/>
-              <a:t>training</a:t>
-            </a:r>
-            <a:r>
-              <a:rPr/>
-              <a:t> </a:t>
-            </a:r>
-            <a:r>
-              <a:rPr/>
-              <a:t>course</a:t>
-            </a:r>
-            <a:r>
-              <a:rPr/>
-              <a:t> </a:t>
-            </a:r>
-            <a:r>
-              <a:rPr/>
-              <a:t>entitled</a:t>
-            </a:r>
-            <a:r>
-              <a:rPr/>
-              <a:t> </a:t>
-            </a:r>
-            <a:r>
-              <a:rPr/>
-              <a:t>Cyber</a:t>
-            </a:r>
-            <a:r>
-              <a:rPr/>
-              <a:t> </a:t>
-            </a:r>
-            <a:r>
-              <a:rPr/>
-              <a:t>Security:</a:t>
-            </a:r>
-            <a:r>
-              <a:rPr/>
-              <a:t> </a:t>
-            </a:r>
-            <a:r>
-              <a:rPr/>
-              <a:t>Safety</a:t>
-            </a:r>
-            <a:r>
-              <a:rPr/>
-              <a:t> </a:t>
-            </a:r>
-            <a:r>
-              <a:rPr/>
-              <a:t>at</a:t>
-            </a:r>
-            <a:r>
-              <a:rPr/>
-              <a:t> </a:t>
-            </a:r>
-            <a:r>
-              <a:rPr/>
-              <a:t>Home,</a:t>
-            </a:r>
-            <a:r>
-              <a:rPr/>
-              <a:t> </a:t>
-            </a:r>
-            <a:r>
-              <a:rPr/>
-              <a:t>Online,</a:t>
-            </a:r>
-            <a:r>
-              <a:rPr/>
-              <a:t> </a:t>
-            </a:r>
-            <a:r>
-              <a:rPr/>
-              <a:t>in</a:t>
-            </a:r>
-            <a:r>
-              <a:rPr/>
-              <a:t> </a:t>
-            </a:r>
-            <a:r>
-              <a:rPr/>
-              <a:t>Life.</a:t>
-            </a:r>
-          </a:p>
-        </p:txBody>
-      </p:sp>
-    </p:spTree>
-  </p:cSld>
-</p:sld>
-</file>
-
-<file path=ppt/slides/slide4.xml><?xml version="1.0" encoding="utf-8"?>
-<p:sld xmlns:a="http://schemas.openxmlformats.org/drawingml/2006/main" xmlns:r="http://schemas.openxmlformats.org/officeDocument/2006/relationships" xmlns:p="http://schemas.openxmlformats.org/presentationml/2006/main">
-  <p:cSld>
-    <p:spTree>
-      <p:nvGrpSpPr>
-        <p:cNvPr id="1" name=""/>
-        <p:cNvGrpSpPr/>
-        <p:nvPr/>
-      </p:nvGrpSpPr>
-      <p:grpSpPr>
-        <a:xfrm>
-          <a:off x="0" y="0"/>
-          <a:ext cx="0" cy="0"/>
-          <a:chOff x="0" y="0"/>
-          <a:chExt cx="0" cy="0"/>
-        </a:xfrm>
-      </p:grpSpPr>
-      <p:sp>
-        <p:nvSpPr>
-          <p:cNvPr id="2" name="Title 1"/>
-          <p:cNvSpPr>
-            <a:spLocks noGrp="1"/>
-          </p:cNvSpPr>
-          <p:nvPr>
-            <p:ph type="title"/>
-          </p:nvPr>
-        </p:nvSpPr>
-        <p:spPr>
-          <a:xfrm>
-            <a:off x="677334" y="609600"/>
-            <a:ext cx="8596668" cy="659130"/>
-          </a:xfrm>
-        </p:spPr>
-        <p:txBody>
-          <a:bodyPr/>
-          <a:lstStyle/>
-          <a:p>
-            <a:pPr lvl="0" marL="0" indent="0">
-              <a:buNone/>
-            </a:pPr>
-            <a:r>
-              <a:rPr/>
-              <a:t>Deciding</a:t>
-            </a:r>
-            <a:r>
-              <a:rPr/>
-              <a:t> </a:t>
-            </a:r>
-            <a:r>
-              <a:rPr/>
-              <a:t>on</a:t>
-            </a:r>
-            <a:r>
-              <a:rPr/>
-              <a:t> </a:t>
-            </a:r>
-            <a:r>
-              <a:rPr/>
-              <a:t>an</a:t>
-            </a:r>
-            <a:r>
-              <a:rPr/>
-              <a:t> </a:t>
-            </a:r>
-            <a:r>
-              <a:rPr/>
-              <a:t>area</a:t>
-            </a:r>
-            <a:r>
-              <a:rPr/>
-              <a:t> </a:t>
-            </a:r>
-            <a:r>
-              <a:rPr/>
-              <a:t>of</a:t>
-            </a:r>
-            <a:r>
-              <a:rPr/>
-              <a:t> </a:t>
-            </a:r>
-            <a:r>
-              <a:rPr/>
-              <a:t>interest</a:t>
-            </a:r>
-          </a:p>
-        </p:txBody>
-      </p:sp>
-      <p:sp>
-        <p:nvSpPr>
-          <p:cNvPr id="3" name="Content Placeholder 2"/>
-          <p:cNvSpPr>
-            <a:spLocks noGrp="1"/>
-          </p:cNvSpPr>
-          <p:nvPr>
-            <p:ph idx="1"/>
-          </p:nvPr>
-        </p:nvSpPr>
-        <p:spPr/>
-        <p:txBody>
-          <a:bodyPr/>
-          <a:lstStyle/>
-          <a:p>
-            <a:pPr lvl="0" marL="0" indent="0">
-              <a:buNone/>
-            </a:pPr>
-            <a:r>
-              <a:rPr/>
-              <a:t>I loaded sample data into RStudio and started looking at the data using R commands (head, summary, glimpse). It was possible to determine the size of the tables, the types of data that had been captured and see missing items. I decided to investigate students’ willingness to share personal data at enrolment, given that the course was related to security.</a:t>
-            </a:r>
-          </a:p>
-          <a:p>
-            <a:pPr lvl="0" marL="0" indent="0">
-              <a:buNone/>
-            </a:pPr>
-            <a:r>
-              <a:rPr/>
-              <a:t>Sample row and columns:</a:t>
-            </a:r>
-          </a:p>
-          <a:p>
-            <a:pPr lvl="0" marL="1270000" indent="0">
-              <a:buNone/>
-            </a:pPr>
-            <a:r>
-              <a:rPr sz="1800">
-                <a:latin typeface="Courier"/>
-              </a:rPr>
-              <a:t>## # A tibble: 3 x 3
-##   enrolled_at             unenrolled_at             role   
-##   &lt;chr&gt;                   &lt;chr&gt;                     &lt;chr&gt;  
-## 1 2016-08-10 14:28:49 UTC ""                        learner
-## 2 2016-05-24 17:34:34 UTC "2018-10-30 20:20:51 UTC" learner
-## 3 2016-05-19 00:52:38 UTC ""                        learner</a:t>
-            </a:r>
-          </a:p>
-        </p:txBody>
-      </p:sp>
-    </p:spTree>
-  </p:cSld>
-</p:sld>
-</file>
-
-<file path=ppt/slides/slide5.xml><?xml version="1.0" encoding="utf-8"?>
-<p:sld xmlns:a="http://schemas.openxmlformats.org/drawingml/2006/main" xmlns:r="http://schemas.openxmlformats.org/officeDocument/2006/relationships" xmlns:p="http://schemas.openxmlformats.org/presentationml/2006/main">
-  <p:cSld>
-    <p:spTree>
-      <p:nvGrpSpPr>
-        <p:cNvPr id="1" name=""/>
-        <p:cNvGrpSpPr/>
-        <p:nvPr/>
-      </p:nvGrpSpPr>
-      <p:grpSpPr>
-        <a:xfrm>
-          <a:off x="0" y="0"/>
-          <a:ext cx="0" cy="0"/>
-          <a:chOff x="0" y="0"/>
-          <a:chExt cx="0" cy="0"/>
-        </a:xfrm>
-      </p:grpSpPr>
-      <p:sp>
-        <p:nvSpPr>
-          <p:cNvPr id="2" name="Title 1"/>
-          <p:cNvSpPr>
-            <a:spLocks noGrp="1"/>
-          </p:cNvSpPr>
-          <p:nvPr>
-            <p:ph type="title"/>
-          </p:nvPr>
-        </p:nvSpPr>
-        <p:spPr>
-          <a:xfrm>
-            <a:off x="677334" y="609600"/>
-            <a:ext cx="8596668" cy="659130"/>
-          </a:xfrm>
-        </p:spPr>
-        <p:txBody>
-          <a:bodyPr/>
-          <a:lstStyle/>
-          <a:p>
-            <a:pPr lvl="0" marL="0" indent="0">
-              <a:buNone/>
-            </a:pPr>
-            <a:r>
-              <a:rPr/>
-              <a:t>Using</a:t>
-            </a:r>
-            <a:r>
-              <a:rPr/>
-              <a:t> </a:t>
-            </a:r>
-            <a:r>
-              <a:rPr/>
-              <a:t>ProjectTemplate</a:t>
-            </a:r>
-          </a:p>
-        </p:txBody>
-      </p:sp>
-      <p:pic>
-        <p:nvPicPr>
-          <p:cNvPr descr="Images/ProjectTemplateScript.jpg" id="0" name="Picture 1"/>
-          <p:cNvPicPr>
-            <a:picLocks noGrp="1" noChangeAspect="1"/>
-          </p:cNvPicPr>
-          <p:nvPr/>
-        </p:nvPicPr>
-        <p:blipFill>
-          <a:blip r:embed="rId2"/>
-          <a:stretch>
-            <a:fillRect/>
-          </a:stretch>
-        </p:blipFill>
-        <p:spPr bwMode="auto">
-          <a:xfrm>
-            <a:off x="673100" y="2209800"/>
-            <a:ext cx="8585200" cy="2540000"/>
-          </a:xfrm>
-          <a:prstGeom prst="rect">
-            <a:avLst/>
-          </a:prstGeom>
-          <a:noFill/>
-          <a:ln w="9525">
-            <a:noFill/>
-            <a:headEnd/>
-            <a:tailEnd/>
-          </a:ln>
-        </p:spPr>
-      </p:pic>
-      <p:sp>
-        <p:nvSpPr>
-          <p:cNvPr id="1" name="TextBox 3"/>
-          <p:cNvSpPr txBox="1"/>
-          <p:nvPr/>
-        </p:nvSpPr>
-        <p:spPr>
-          <a:xfrm>
-            <a:off x="673100" y="5524500"/>
-            <a:ext cx="8585200" cy="508000"/>
-          </a:xfrm>
-          <a:prstGeom prst="rect">
-            <a:avLst/>
-          </a:prstGeom>
-          <a:noFill/>
-        </p:spPr>
-        <p:txBody>
-          <a:bodyPr/>
-          <a:lstStyle/>
-          <a:p>
-            <a:pPr lvl="0" marL="0" indent="0" algn="ctr">
-              <a:buNone/>
-            </a:pPr>
-            <a:r>
-              <a:rPr/>
-              <a:t>To</a:t>
-            </a:r>
-            <a:r>
-              <a:rPr/>
-              <a:t> </a:t>
-            </a:r>
-            <a:r>
-              <a:rPr/>
-              <a:t>generate</a:t>
-            </a:r>
-            <a:r>
-              <a:rPr/>
-              <a:t> </a:t>
-            </a:r>
-            <a:r>
-              <a:rPr/>
-              <a:t>the</a:t>
-            </a:r>
-            <a:r>
-              <a:rPr/>
-              <a:t> </a:t>
-            </a:r>
-            <a:r>
-              <a:rPr/>
-              <a:t>necessary</a:t>
-            </a:r>
-            <a:r>
-              <a:rPr/>
-              <a:t> </a:t>
-            </a:r>
-            <a:r>
-              <a:rPr/>
-              <a:t>folders</a:t>
-            </a:r>
-            <a:r>
-              <a:rPr/>
-              <a:t> </a:t>
-            </a:r>
-            <a:r>
-              <a:rPr/>
-              <a:t>for</a:t>
-            </a:r>
-            <a:r>
-              <a:rPr/>
-              <a:t> </a:t>
-            </a:r>
-            <a:r>
-              <a:rPr/>
-              <a:t>my</a:t>
-            </a:r>
-            <a:r>
-              <a:rPr/>
-              <a:t> </a:t>
-            </a:r>
-            <a:r>
-              <a:rPr/>
-              <a:t>work,</a:t>
-            </a:r>
-            <a:r>
-              <a:rPr/>
-              <a:t> </a:t>
-            </a:r>
-            <a:r>
-              <a:rPr/>
-              <a:t>organise</a:t>
-            </a:r>
-            <a:r>
-              <a:rPr/>
-              <a:t> </a:t>
-            </a:r>
-            <a:r>
-              <a:rPr/>
-              <a:t>the</a:t>
-            </a:r>
-            <a:r>
-              <a:rPr/>
-              <a:t> </a:t>
-            </a:r>
-            <a:r>
-              <a:rPr/>
-              <a:t>files,</a:t>
-            </a:r>
-            <a:r>
-              <a:rPr/>
-              <a:t> </a:t>
-            </a:r>
-            <a:r>
-              <a:rPr/>
-              <a:t>load</a:t>
-            </a:r>
-            <a:r>
-              <a:rPr/>
-              <a:t> </a:t>
-            </a:r>
-            <a:r>
-              <a:rPr/>
-              <a:t>the</a:t>
-            </a:r>
-            <a:r>
-              <a:rPr/>
-              <a:t> </a:t>
-            </a:r>
-            <a:r>
-              <a:rPr/>
-              <a:t>R</a:t>
-            </a:r>
-            <a:r>
-              <a:rPr/>
-              <a:t> </a:t>
-            </a:r>
-            <a:r>
-              <a:rPr/>
-              <a:t>packages</a:t>
-            </a:r>
-            <a:r>
-              <a:rPr/>
-              <a:t> </a:t>
-            </a:r>
-            <a:r>
-              <a:rPr/>
-              <a:t>and</a:t>
-            </a:r>
-            <a:r>
-              <a:rPr/>
-              <a:t> </a:t>
-            </a:r>
-            <a:r>
-              <a:rPr/>
-              <a:t>data</a:t>
-            </a:r>
-            <a:r>
-              <a:rPr/>
-              <a:t> </a:t>
-            </a:r>
-            <a:r>
-              <a:rPr/>
-              <a:t>sets</a:t>
-            </a:r>
-            <a:r>
-              <a:rPr/>
-              <a:t> </a:t>
-            </a:r>
-            <a:r>
-              <a:rPr/>
-              <a:t>into</a:t>
-            </a:r>
-            <a:r>
-              <a:rPr/>
-              <a:t> </a:t>
-            </a:r>
-            <a:r>
-              <a:rPr/>
-              <a:t>memory</a:t>
-            </a:r>
-            <a:r>
-              <a:rPr/>
-              <a:t> </a:t>
-            </a:r>
-            <a:r>
-              <a:rPr/>
-              <a:t>I</a:t>
-            </a:r>
-            <a:r>
-              <a:rPr/>
-              <a:t> </a:t>
-            </a:r>
-            <a:r>
-              <a:rPr/>
-              <a:t>ran</a:t>
-            </a:r>
-            <a:r>
-              <a:rPr/>
-              <a:t> </a:t>
-            </a:r>
-            <a:r>
-              <a:rPr/>
-              <a:t>the</a:t>
-            </a:r>
-            <a:r>
-              <a:rPr/>
-              <a:t> </a:t>
-            </a:r>
-            <a:r>
-              <a:rPr/>
-              <a:t>ProjectTemplate</a:t>
-            </a:r>
-            <a:r>
-              <a:rPr/>
-              <a:t> </a:t>
-            </a:r>
-            <a:r>
-              <a:rPr/>
-              <a:t>scripts</a:t>
-            </a:r>
-            <a:r>
-              <a:rPr/>
-              <a:t> </a:t>
-            </a:r>
-            <a:r>
-              <a:rPr/>
-              <a:t>above.</a:t>
-            </a:r>
-            <a:r>
-              <a:rPr/>
-              <a:t> </a:t>
-            </a:r>
-            <a:r>
-              <a:rPr/>
-              <a:t>For</a:t>
-            </a:r>
-            <a:r>
-              <a:rPr/>
-              <a:t> </a:t>
-            </a:r>
-            <a:r>
-              <a:rPr/>
-              <a:t>more</a:t>
-            </a:r>
-            <a:r>
-              <a:rPr/>
-              <a:t> </a:t>
-            </a:r>
-            <a:r>
-              <a:rPr/>
-              <a:t>details</a:t>
-            </a:r>
-            <a:r>
-              <a:rPr/>
-              <a:t> </a:t>
-            </a:r>
-            <a:r>
-              <a:rPr/>
-              <a:t>about</a:t>
-            </a:r>
-            <a:r>
-              <a:rPr/>
-              <a:t> </a:t>
-            </a:r>
-            <a:r>
-              <a:rPr/>
-              <a:t>ProjectTemplate,</a:t>
-            </a:r>
-            <a:r>
-              <a:rPr/>
-              <a:t> </a:t>
-            </a:r>
-            <a:r>
-              <a:rPr/>
-              <a:t>see</a:t>
-            </a:r>
-            <a:r>
-              <a:rPr/>
-              <a:t> </a:t>
-            </a:r>
-            <a:r>
-              <a:rPr>
-                <a:hlinkClick r:id="rId3"/>
-              </a:rPr>
-              <a:t>http://projecttemplate.net</a:t>
-            </a:r>
-          </a:p>
-        </p:txBody>
-      </p:sp>
-    </p:spTree>
-  </p:cSld>
-</p:sld>
-</file>
-
-<file path=ppt/slides/slide6.xml><?xml version="1.0" encoding="utf-8"?>
-<p:sld xmlns:a="http://schemas.openxmlformats.org/drawingml/2006/main" xmlns:r="http://schemas.openxmlformats.org/officeDocument/2006/relationships" xmlns:p="http://schemas.openxmlformats.org/presentationml/2006/main">
-  <p:cSld>
-    <p:spTree>
-      <p:nvGrpSpPr>
-        <p:cNvPr id="1" name=""/>
-        <p:cNvGrpSpPr/>
-        <p:nvPr/>
-      </p:nvGrpSpPr>
-      <p:grpSpPr>
-        <a:xfrm>
-          <a:off x="0" y="0"/>
-          <a:ext cx="0" cy="0"/>
-          <a:chOff x="0" y="0"/>
-          <a:chExt cx="0" cy="0"/>
-        </a:xfrm>
-      </p:grpSpPr>
-      <p:sp>
-        <p:nvSpPr>
-          <p:cNvPr id="2" name="Title 1"/>
-          <p:cNvSpPr>
-            <a:spLocks noGrp="1"/>
-          </p:cNvSpPr>
-          <p:nvPr>
-            <p:ph type="title"/>
-          </p:nvPr>
-        </p:nvSpPr>
-        <p:spPr>
-          <a:xfrm>
-            <a:off x="677334" y="609600"/>
-            <a:ext cx="8596668" cy="659130"/>
-          </a:xfrm>
-        </p:spPr>
-        <p:txBody>
-          <a:bodyPr/>
-          <a:lstStyle/>
-          <a:p>
-            <a:pPr lvl="0" marL="0" indent="0">
-              <a:buNone/>
-            </a:pPr>
-            <a:r>
-              <a:rPr/>
-              <a:t>Version</a:t>
-            </a:r>
-            <a:r>
-              <a:rPr/>
-              <a:t> </a:t>
-            </a:r>
-            <a:r>
-              <a:rPr/>
-              <a:t>control</a:t>
-            </a:r>
-          </a:p>
-        </p:txBody>
-      </p:sp>
-      <p:sp>
-        <p:nvSpPr>
-          <p:cNvPr id="3" name="Content Placeholder 2"/>
-          <p:cNvSpPr>
-            <a:spLocks noGrp="1"/>
-          </p:cNvSpPr>
-          <p:nvPr>
-            <p:ph idx="1"/>
-          </p:nvPr>
-        </p:nvSpPr>
-        <p:spPr/>
-        <p:txBody>
-          <a:bodyPr/>
-          <a:lstStyle/>
-          <a:p>
-            <a:pPr lvl="0" marL="0" indent="0">
-              <a:buNone/>
-            </a:pPr>
-            <a:r>
-              <a:rPr/>
-              <a:t>Syncing RStudio with my GitHub account allowed me to use Git for version control, by using Commit and Push. I created an new repository on GitHub, set up the security credentials under my profile and saved the public key into my version of RStudio. I downloaded Git and linked a new .RProj file.</a:t>
-            </a:r>
-          </a:p>
-          <a:p>
-            <a:pPr lvl="0" marL="0" indent="0">
-              <a:buNone/>
-            </a:pPr>
-            <a:r>
-              <a:rPr/>
-              <a:t>Git provides the functionality to control file versions and GitHub is a platform for hosting Git repositories.</a:t>
-            </a:r>
-          </a:p>
-        </p:txBody>
-      </p:sp>
-    </p:spTree>
-  </p:cSld>
-</p:sld>
-</file>
-
-<file path=ppt/slides/slide7.xml><?xml version="1.0" encoding="utf-8"?>
-<p:sld xmlns:a="http://schemas.openxmlformats.org/drawingml/2006/main" xmlns:r="http://schemas.openxmlformats.org/officeDocument/2006/relationships" xmlns:p="http://schemas.openxmlformats.org/presentationml/2006/main">
-  <p:cSld>
-    <p:spTree>
-      <p:nvGrpSpPr>
-        <p:cNvPr id="1" name=""/>
-        <p:cNvGrpSpPr/>
-        <p:nvPr/>
-      </p:nvGrpSpPr>
-      <p:grpSpPr>
-        <a:xfrm>
-          <a:off x="0" y="0"/>
-          <a:ext cx="0" cy="0"/>
-          <a:chOff x="0" y="0"/>
-          <a:chExt cx="0" cy="0"/>
-        </a:xfrm>
-      </p:grpSpPr>
-      <p:sp>
-        <p:nvSpPr>
-          <p:cNvPr id="2" name="Title 1"/>
-          <p:cNvSpPr>
-            <a:spLocks noGrp="1"/>
-          </p:cNvSpPr>
-          <p:nvPr>
-            <p:ph type="title"/>
-          </p:nvPr>
-        </p:nvSpPr>
-        <p:spPr>
-          <a:xfrm>
-            <a:off x="677334" y="609600"/>
-            <a:ext cx="8596668" cy="659130"/>
-          </a:xfrm>
-        </p:spPr>
-        <p:txBody>
-          <a:bodyPr/>
-          <a:lstStyle/>
-          <a:p>
-            <a:pPr lvl="0" marL="0" indent="0">
-              <a:buNone/>
-            </a:pPr>
-            <a:r>
-              <a:rPr/>
-              <a:t>Pre-processing</a:t>
-            </a:r>
-          </a:p>
-        </p:txBody>
-      </p:sp>
-      <p:sp>
-        <p:nvSpPr>
-          <p:cNvPr id="3" name="Content Placeholder 2"/>
-          <p:cNvSpPr>
-            <a:spLocks noGrp="1"/>
-          </p:cNvSpPr>
-          <p:nvPr>
-            <p:ph idx="1"/>
-          </p:nvPr>
-        </p:nvSpPr>
-        <p:spPr/>
-        <p:txBody>
-          <a:bodyPr/>
-          <a:lstStyle/>
-          <a:p>
-            <a:pPr lvl="0" marL="0" indent="0">
-              <a:buNone/>
-            </a:pPr>
-            <a:r>
-              <a:rPr/>
-              <a:t>The pre-processing scripts (or data munging code) are stored in </a:t>
-            </a:r>
-            <a:r>
-              <a:rPr sz="1800">
-                <a:latin typeface="Courier"/>
-              </a:rPr>
-              <a:t>munge</a:t>
-            </a:r>
-            <a:r>
-              <a:rPr/>
-              <a:t> folder and will be executed sequentially when load.project()` is called. Numbers within filenames indicate the sequential order of the scripts. The scripts:</a:t>
-            </a:r>
-          </a:p>
-          <a:p>
-            <a:pPr lvl="1"/>
-            <a:r>
-              <a:rPr/>
-              <a:t>add columns at runtime, merge data sets and adjust data formats</a:t>
-            </a:r>
-          </a:p>
-          <a:p>
-            <a:pPr lvl="1"/>
-            <a:r>
-              <a:rPr/>
-              <a:t>remove duplicate records where learner_id is not unique, calculating course duration between first and last enrolment date</a:t>
-            </a:r>
-          </a:p>
-          <a:p>
-            <a:pPr lvl="1"/>
-            <a:r>
-              <a:rPr/>
-              <a:t>filters the data by groups of students willing to share data</a:t>
-            </a:r>
-          </a:p>
-          <a:p>
-            <a:pPr lvl="1"/>
-            <a:r>
-              <a:rPr/>
-              <a:t>categorises data</a:t>
-            </a:r>
-          </a:p>
-          <a:p>
-            <a:pPr lvl="1"/>
-            <a:r>
-              <a:rPr/>
-              <a:t>provides additional data items on duplicate records</a:t>
-            </a:r>
-          </a:p>
-          <a:p>
-            <a:pPr lvl="1"/>
-            <a:r>
-              <a:rPr/>
-              <a:t>calculates volume of shared data items</a:t>
-            </a:r>
-          </a:p>
-          <a:p>
-            <a:pPr lvl="1"/>
-            <a:r>
-              <a:rPr/>
-              <a:t>determines counts and percentages of data that it shared by student, by survey</a:t>
-            </a:r>
-          </a:p>
-          <a:p>
-            <a:pPr lvl="1"/>
-            <a:r>
-              <a:rPr/>
-              <a:t>and calculates counts and percentage of data that is not shared</a:t>
-            </a:r>
-          </a:p>
-        </p:txBody>
-      </p:sp>
-    </p:spTree>
-  </p:cSld>
-</p:sld>
-</file>
-
-<file path=ppt/slides/slide8.xml><?xml version="1.0" encoding="utf-8"?>
-<p:sld xmlns:a="http://schemas.openxmlformats.org/drawingml/2006/main" xmlns:r="http://schemas.openxmlformats.org/officeDocument/2006/relationships" xmlns:p="http://schemas.openxmlformats.org/presentationml/2006/main">
-  <p:cSld>
-    <p:spTree>
-      <p:nvGrpSpPr>
-        <p:cNvPr id="1" name=""/>
-        <p:cNvGrpSpPr/>
-        <p:nvPr/>
-      </p:nvGrpSpPr>
-      <p:grpSpPr>
-        <a:xfrm>
-          <a:off x="0" y="0"/>
-          <a:ext cx="0" cy="0"/>
-          <a:chOff x="0" y="0"/>
-          <a:chExt cx="0" cy="0"/>
-        </a:xfrm>
-      </p:grpSpPr>
-      <p:sp>
-        <p:nvSpPr>
-          <p:cNvPr id="2" name="Title 1"/>
-          <p:cNvSpPr>
-            <a:spLocks noGrp="1"/>
-          </p:cNvSpPr>
-          <p:nvPr>
-            <p:ph type="title"/>
-          </p:nvPr>
-        </p:nvSpPr>
-        <p:spPr>
-          <a:xfrm>
-            <a:off x="677334" y="609600"/>
-            <a:ext cx="8596668" cy="659130"/>
-          </a:xfrm>
-        </p:spPr>
-        <p:txBody>
-          <a:bodyPr/>
-          <a:lstStyle/>
-          <a:p>
-            <a:pPr lvl="0" marL="0" indent="0">
-              <a:buNone/>
-            </a:pPr>
-            <a:r>
-              <a:rPr/>
-              <a:t>Starting</a:t>
-            </a:r>
-            <a:r>
-              <a:rPr/>
-              <a:t> </a:t>
-            </a:r>
-            <a:r>
-              <a:rPr/>
-              <a:t>the</a:t>
-            </a:r>
-            <a:r>
-              <a:rPr/>
-              <a:t> </a:t>
-            </a:r>
-            <a:r>
-              <a:rPr/>
-              <a:t>analysis</a:t>
-            </a:r>
-          </a:p>
-        </p:txBody>
-      </p:sp>
-      <p:pic>
-        <p:nvPicPr>
-          <p:cNvPr descr="Images/Survey_Response_by_Course.png" id="0" name="Picture 1"/>
-          <p:cNvPicPr>
-            <a:picLocks noGrp="1" noChangeAspect="1"/>
-          </p:cNvPicPr>
-          <p:nvPr/>
-        </p:nvPicPr>
-        <p:blipFill>
-          <a:blip r:embed="rId2"/>
-          <a:stretch>
-            <a:fillRect/>
-          </a:stretch>
-        </p:blipFill>
-        <p:spPr bwMode="auto">
-          <a:xfrm>
-            <a:off x="1549400" y="1422400"/>
-            <a:ext cx="6832600" cy="4102100"/>
-          </a:xfrm>
-          <a:prstGeom prst="rect">
-            <a:avLst/>
-          </a:prstGeom>
-          <a:noFill/>
-          <a:ln w="9525">
-            <a:noFill/>
-            <a:headEnd/>
-            <a:tailEnd/>
-          </a:ln>
-        </p:spPr>
-      </p:pic>
-      <p:sp>
-        <p:nvSpPr>
-          <p:cNvPr id="1" name="TextBox 3"/>
-          <p:cNvSpPr txBox="1"/>
-          <p:nvPr/>
-        </p:nvSpPr>
-        <p:spPr>
-          <a:xfrm>
-            <a:off x="673100" y="5524500"/>
-            <a:ext cx="8585200" cy="508000"/>
-          </a:xfrm>
-          <a:prstGeom prst="rect">
-            <a:avLst/>
-          </a:prstGeom>
-          <a:noFill/>
-        </p:spPr>
-        <p:txBody>
-          <a:bodyPr/>
-          <a:lstStyle/>
-          <a:p>
-            <a:pPr lvl="0" marL="0" indent="0" algn="ctr">
-              <a:buNone/>
-            </a:pPr>
-            <a:r>
-              <a:rPr/>
-              <a:t>It</a:t>
-            </a:r>
-            <a:r>
-              <a:rPr/>
-              <a:t> </a:t>
-            </a:r>
-            <a:r>
-              <a:rPr/>
-              <a:t>was</a:t>
-            </a:r>
-            <a:r>
-              <a:rPr/>
-              <a:t> </a:t>
-            </a:r>
-            <a:r>
-              <a:rPr/>
-              <a:t>necessary</a:t>
+              <a:t>return</a:t>
             </a:r>
             <a:r>
               <a:rPr/>
@@ -8607,7 +8300,7 @@
             </a:r>
             <a:r>
               <a:rPr/>
-              <a:t>calculate</a:t>
+              <a:t>calculating</a:t>
             </a:r>
             <a:r>
               <a:rPr/>
@@ -8639,15 +8332,7 @@
             </a:r>
             <a:r>
               <a:rPr/>
-              <a:t>course.</a:t>
-            </a:r>
-            <a:r>
-              <a:rPr/>
-              <a:t> </a:t>
-            </a:r>
-            <a:r>
-              <a:rPr/>
-              <a:t>I</a:t>
+              <a:t>course.I</a:t>
             </a:r>
             <a:r>
               <a:rPr/>
@@ -8671,7 +8356,31 @@
             </a:r>
             <a:r>
               <a:rPr/>
-              <a:t>format</a:t>
+              <a:t>format,</a:t>
+            </a:r>
+            <a:r>
+              <a:rPr/>
+              <a:t> </a:t>
+            </a:r>
+            <a:r>
+              <a:rPr/>
+              <a:t>removed</a:t>
+            </a:r>
+            <a:r>
+              <a:rPr/>
+              <a:t> </a:t>
+            </a:r>
+            <a:r>
+              <a:rPr/>
+              <a:t>duplicate</a:t>
+            </a:r>
+            <a:r>
+              <a:rPr/>
+              <a:t> </a:t>
+            </a:r>
+            <a:r>
+              <a:rPr/>
+              <a:t>records</a:t>
             </a:r>
             <a:r>
               <a:rPr/>
@@ -8755,207 +8464,1023 @@
             </a:pPr>
             <a:r>
               <a:rPr/>
-              <a:t>Removing</a:t>
-            </a:r>
-            <a:r>
-              <a:rPr/>
-              <a:t> </a:t>
-            </a:r>
-            <a:r>
-              <a:rPr/>
-              <a:t>duplicates</a:t>
+              <a:t>Course</a:t>
+            </a:r>
+            <a:r>
+              <a:rPr/>
+              <a:t> </a:t>
+            </a:r>
+            <a:r>
+              <a:rPr/>
+              <a:t>details</a:t>
             </a:r>
           </a:p>
         </p:txBody>
       </p:sp>
-      <p:pic>
-        <p:nvPicPr>
-          <p:cNvPr descr="Images/Duplicate_Records.png" id="0" name="Picture 1"/>
-          <p:cNvPicPr>
-            <a:picLocks noGrp="1" noChangeAspect="1"/>
-          </p:cNvPicPr>
-          <p:nvPr/>
-        </p:nvPicPr>
-        <p:blipFill>
-          <a:blip r:embed="rId2"/>
-          <a:stretch>
-            <a:fillRect/>
-          </a:stretch>
-        </p:blipFill>
-        <p:spPr bwMode="auto">
-          <a:xfrm>
-            <a:off x="1549400" y="1422400"/>
-            <a:ext cx="6832600" cy="4102100"/>
-          </a:xfrm>
-          <a:prstGeom prst="rect">
-            <a:avLst/>
-          </a:prstGeom>
-          <a:noFill/>
-          <a:ln w="9525">
-            <a:noFill/>
-            <a:headEnd/>
-            <a:tailEnd/>
-          </a:ln>
-        </p:spPr>
-      </p:pic>
-      <p:sp>
-        <p:nvSpPr>
-          <p:cNvPr id="1" name="TextBox 3"/>
-          <p:cNvSpPr txBox="1"/>
-          <p:nvPr/>
-        </p:nvSpPr>
-        <p:spPr>
-          <a:xfrm>
-            <a:off x="673100" y="5524500"/>
-            <a:ext cx="8585200" cy="508000"/>
-          </a:xfrm>
-          <a:prstGeom prst="rect">
-            <a:avLst/>
-          </a:prstGeom>
-          <a:noFill/>
-        </p:spPr>
-        <p:txBody>
-          <a:bodyPr/>
-          <a:lstStyle/>
-          <a:p>
-            <a:pPr lvl="0" marL="0" indent="0" algn="ctr">
-              <a:buNone/>
-            </a:pPr>
-            <a:r>
-              <a:rPr/>
-              <a:t>During</a:t>
-            </a:r>
-            <a:r>
-              <a:rPr/>
-              <a:t> </a:t>
-            </a:r>
-            <a:r>
-              <a:rPr/>
-              <a:t>the</a:t>
-            </a:r>
-            <a:r>
-              <a:rPr/>
-              <a:t> </a:t>
-            </a:r>
-            <a:r>
-              <a:rPr/>
-              <a:t>analysis</a:t>
-            </a:r>
-            <a:r>
-              <a:rPr/>
-              <a:t> </a:t>
-            </a:r>
-            <a:r>
-              <a:rPr/>
-              <a:t>it</a:t>
-            </a:r>
-            <a:r>
-              <a:rPr/>
-              <a:t> </a:t>
-            </a:r>
-            <a:r>
-              <a:rPr/>
-              <a:t>became</a:t>
-            </a:r>
-            <a:r>
-              <a:rPr/>
-              <a:t> </a:t>
-            </a:r>
-            <a:r>
-              <a:rPr/>
-              <a:t>necessary</a:t>
-            </a:r>
-            <a:r>
-              <a:rPr/>
-              <a:t> </a:t>
-            </a:r>
-            <a:r>
-              <a:rPr/>
-              <a:t>to</a:t>
-            </a:r>
-            <a:r>
-              <a:rPr/>
-              <a:t> </a:t>
-            </a:r>
-            <a:r>
-              <a:rPr/>
-              <a:t>identify</a:t>
-            </a:r>
-            <a:r>
-              <a:rPr/>
-              <a:t> </a:t>
-            </a:r>
-            <a:r>
-              <a:rPr/>
-              <a:t>2071</a:t>
-            </a:r>
-            <a:r>
-              <a:rPr/>
-              <a:t> </a:t>
-            </a:r>
-            <a:r>
-              <a:rPr/>
-              <a:t>duplicate</a:t>
-            </a:r>
-            <a:r>
-              <a:rPr/>
-              <a:t> </a:t>
-            </a:r>
-            <a:r>
-              <a:rPr/>
-              <a:t>records,</a:t>
-            </a:r>
-            <a:r>
-              <a:rPr/>
-              <a:t> </a:t>
-            </a:r>
-            <a:r>
-              <a:rPr/>
-              <a:t>leaving</a:t>
-            </a:r>
-            <a:r>
-              <a:rPr/>
-              <a:t> </a:t>
-            </a:r>
-            <a:r>
-              <a:rPr/>
-              <a:t>35225</a:t>
-            </a:r>
-            <a:r>
-              <a:rPr/>
-              <a:t> </a:t>
-            </a:r>
-            <a:r>
-              <a:rPr/>
-              <a:t>unique</a:t>
-            </a:r>
-            <a:r>
-              <a:rPr/>
-              <a:t> </a:t>
-            </a:r>
-            <a:r>
-              <a:rPr/>
-              <a:t>records,</a:t>
-            </a:r>
-            <a:r>
-              <a:rPr/>
-              <a:t> </a:t>
-            </a:r>
-            <a:r>
-              <a:rPr/>
-              <a:t>removing</a:t>
-            </a:r>
-            <a:r>
-              <a:rPr/>
-              <a:t> </a:t>
-            </a:r>
-            <a:r>
-              <a:rPr/>
-              <a:t>5.55%.</a:t>
-            </a:r>
-          </a:p>
-        </p:txBody>
-      </p:sp>
+      <p:graphicFrame>
+        <p:nvGraphicFramePr>
+          <p:cNvPr id="6" name="Content Placeholder 5"/>
+          <p:cNvGraphicFramePr>
+            <a:graphicFrameLocks noGrp="1"/>
+          </p:cNvGraphicFramePr>
+          <p:nvPr>
+            <p:ph idx="1"/>
+          </p:nvPr>
+        </p:nvGraphicFramePr>
+        <p:xfrm>
+          <a:off x="673100" y="1422400"/>
+          <a:ext cx="8585200" cy="4610100"/>
+        </p:xfrm>
+        <a:graphic>
+          <a:graphicData uri="http://schemas.openxmlformats.org/drawingml/2006/table">
+            <a:tbl>
+              <a:tblPr firstRow="1" bandRow="1">
+                <a:tableStyleId>{5C22544A-7EE6-4342-B048-85BDC9FD1C3A}</a:tableStyleId>
+              </a:tblPr>
+              <a:tblGrid>
+                <a:gridCol w="1714500"/>
+                <a:gridCol w="1714500"/>
+                <a:gridCol w="1714500"/>
+                <a:gridCol w="1714500"/>
+                <a:gridCol w="1714500"/>
+              </a:tblGrid>
+              <a:tr h="0">
+                <a:tc>
+                  <a:txBody>
+                    <a:bodyPr/>
+                    <a:lstStyle/>
+                    <a:p>
+                      <a:pPr lvl="0" marL="0" indent="0">
+                        <a:buNone/>
+                      </a:pPr>
+                      <a:r>
+                        <a:rPr/>
+                        <a:t>Survey</a:t>
+                      </a:r>
+                      <a:r>
+                        <a:rPr/>
+                        <a:t> </a:t>
+                      </a:r>
+                      <a:r>
+                        <a:rPr/>
+                        <a:t>No.</a:t>
+                      </a:r>
+                    </a:p>
+                  </a:txBody>
+                  <a:tcPr/>
+                </a:tc>
+                <a:tc>
+                  <a:txBody>
+                    <a:bodyPr/>
+                    <a:lstStyle/>
+                    <a:p>
+                      <a:pPr lvl="0" marL="0" indent="0">
+                        <a:buNone/>
+                      </a:pPr>
+                      <a:r>
+                        <a:rPr/>
+                        <a:t>Date</a:t>
+                      </a:r>
+                      <a:r>
+                        <a:rPr/>
+                        <a:t> </a:t>
+                      </a:r>
+                      <a:r>
+                        <a:rPr/>
+                        <a:t>First</a:t>
+                      </a:r>
+                      <a:r>
+                        <a:rPr/>
+                        <a:t> </a:t>
+                      </a:r>
+                      <a:r>
+                        <a:rPr/>
+                        <a:t>Student</a:t>
+                      </a:r>
+                      <a:r>
+                        <a:rPr/>
+                        <a:t> </a:t>
+                      </a:r>
+                      <a:r>
+                        <a:rPr/>
+                        <a:t>Enrolled</a:t>
+                      </a:r>
+                    </a:p>
+                  </a:txBody>
+                  <a:tcPr/>
+                </a:tc>
+                <a:tc>
+                  <a:txBody>
+                    <a:bodyPr/>
+                    <a:lstStyle/>
+                    <a:p>
+                      <a:pPr lvl="0" marL="0" indent="0">
+                        <a:buNone/>
+                      </a:pPr>
+                      <a:r>
+                        <a:rPr/>
+                        <a:t>Date</a:t>
+                      </a:r>
+                      <a:r>
+                        <a:rPr/>
+                        <a:t> </a:t>
+                      </a:r>
+                      <a:r>
+                        <a:rPr/>
+                        <a:t>Last</a:t>
+                      </a:r>
+                      <a:r>
+                        <a:rPr/>
+                        <a:t> </a:t>
+                      </a:r>
+                      <a:r>
+                        <a:rPr/>
+                        <a:t>Student</a:t>
+                      </a:r>
+                      <a:r>
+                        <a:rPr/>
+                        <a:t> </a:t>
+                      </a:r>
+                      <a:r>
+                        <a:rPr/>
+                        <a:t>Enrolled</a:t>
+                      </a:r>
+                    </a:p>
+                  </a:txBody>
+                  <a:tcPr/>
+                </a:tc>
+                <a:tc>
+                  <a:txBody>
+                    <a:bodyPr/>
+                    <a:lstStyle/>
+                    <a:p>
+                      <a:pPr lvl="0" marL="0" indent="0">
+                        <a:buNone/>
+                      </a:pPr>
+                      <a:r>
+                        <a:rPr/>
+                        <a:t>Duration</a:t>
+                      </a:r>
+                      <a:r>
+                        <a:rPr/>
+                        <a:t> </a:t>
+                      </a:r>
+                      <a:r>
+                        <a:rPr/>
+                        <a:t>(days)</a:t>
+                      </a:r>
+                    </a:p>
+                  </a:txBody>
+                  <a:tcPr/>
+                </a:tc>
+                <a:tc>
+                  <a:txBody>
+                    <a:bodyPr/>
+                    <a:lstStyle/>
+                    <a:p>
+                      <a:pPr lvl="0" marL="0" indent="0">
+                        <a:buNone/>
+                      </a:pPr>
+                      <a:r>
+                        <a:rPr/>
+                        <a:t>No. of</a:t>
+                      </a:r>
+                      <a:r>
+                        <a:rPr/>
+                        <a:t> </a:t>
+                      </a:r>
+                      <a:r>
+                        <a:rPr/>
+                        <a:t>Students</a:t>
+                      </a:r>
+                    </a:p>
+                  </a:txBody>
+                  <a:tcPr/>
+                </a:tc>
+              </a:tr>
+              <a:tr h="0">
+                <a:tc>
+                  <a:txBody>
+                    <a:bodyPr/>
+                    <a:lstStyle/>
+                    <a:p>
+                      <a:pPr lvl="0" marL="0" indent="0">
+                        <a:buNone/>
+                      </a:pPr>
+                      <a:r>
+                        <a:rPr/>
+                        <a:t>1</a:t>
+                      </a:r>
+                    </a:p>
+                  </a:txBody>
+                </a:tc>
+                <a:tc>
+                  <a:txBody>
+                    <a:bodyPr/>
+                    <a:lstStyle/>
+                    <a:p>
+                      <a:pPr lvl="0" marL="0" indent="0">
+                        <a:buNone/>
+                      </a:pPr>
+                      <a:r>
+                        <a:rPr/>
+                        <a:t>29</a:t>
+                      </a:r>
+                      <a:r>
+                        <a:rPr/>
+                        <a:t> </a:t>
+                      </a:r>
+                      <a:r>
+                        <a:rPr/>
+                        <a:t>March</a:t>
+                      </a:r>
+                      <a:r>
+                        <a:rPr/>
+                        <a:t> </a:t>
+                      </a:r>
+                      <a:r>
+                        <a:rPr/>
+                        <a:t>2016</a:t>
+                      </a:r>
+                    </a:p>
+                  </a:txBody>
+                </a:tc>
+                <a:tc>
+                  <a:txBody>
+                    <a:bodyPr/>
+                    <a:lstStyle/>
+                    <a:p>
+                      <a:pPr lvl="0" marL="0" indent="0">
+                        <a:buNone/>
+                      </a:pPr>
+                      <a:r>
+                        <a:rPr/>
+                        <a:t>07</a:t>
+                      </a:r>
+                      <a:r>
+                        <a:rPr/>
+                        <a:t> </a:t>
+                      </a:r>
+                      <a:r>
+                        <a:rPr/>
+                        <a:t>September</a:t>
+                      </a:r>
+                      <a:r>
+                        <a:rPr/>
+                        <a:t> </a:t>
+                      </a:r>
+                      <a:r>
+                        <a:rPr/>
+                        <a:t>2017</a:t>
+                      </a:r>
+                    </a:p>
+                  </a:txBody>
+                </a:tc>
+                <a:tc>
+                  <a:txBody>
+                    <a:bodyPr/>
+                    <a:lstStyle/>
+                    <a:p>
+                      <a:pPr lvl="0" marL="0" indent="0">
+                        <a:buNone/>
+                      </a:pPr>
+                      <a:r>
+                        <a:rPr/>
+                        <a:t>527</a:t>
+                      </a:r>
+                      <a:r>
+                        <a:rPr/>
+                        <a:t> </a:t>
+                      </a:r>
+                      <a:r>
+                        <a:rPr/>
+                        <a:t>days</a:t>
+                      </a:r>
+                    </a:p>
+                  </a:txBody>
+                </a:tc>
+                <a:tc>
+                  <a:txBody>
+                    <a:bodyPr/>
+                    <a:lstStyle/>
+                    <a:p>
+                      <a:pPr lvl="0" marL="0" indent="0">
+                        <a:buNone/>
+                      </a:pPr>
+                      <a:r>
+                        <a:rPr/>
+                        <a:t>14394</a:t>
+                      </a:r>
+                    </a:p>
+                  </a:txBody>
+                </a:tc>
+              </a:tr>
+              <a:tr h="0">
+                <a:tc>
+                  <a:txBody>
+                    <a:bodyPr/>
+                    <a:lstStyle/>
+                    <a:p>
+                      <a:pPr lvl="0" marL="0" indent="0">
+                        <a:buNone/>
+                      </a:pPr>
+                      <a:r>
+                        <a:rPr/>
+                        <a:t>2</a:t>
+                      </a:r>
+                    </a:p>
+                  </a:txBody>
+                </a:tc>
+                <a:tc>
+                  <a:txBody>
+                    <a:bodyPr/>
+                    <a:lstStyle/>
+                    <a:p>
+                      <a:pPr lvl="0" marL="0" indent="0">
+                        <a:buNone/>
+                      </a:pPr>
+                      <a:r>
+                        <a:rPr/>
+                        <a:t>05</a:t>
+                      </a:r>
+                      <a:r>
+                        <a:rPr/>
+                        <a:t> </a:t>
+                      </a:r>
+                      <a:r>
+                        <a:rPr/>
+                        <a:t>December</a:t>
+                      </a:r>
+                      <a:r>
+                        <a:rPr/>
+                        <a:t> </a:t>
+                      </a:r>
+                      <a:r>
+                        <a:rPr/>
+                        <a:t>2016</a:t>
+                      </a:r>
+                    </a:p>
+                  </a:txBody>
+                </a:tc>
+                <a:tc>
+                  <a:txBody>
+                    <a:bodyPr/>
+                    <a:lstStyle/>
+                    <a:p>
+                      <a:pPr lvl="0" marL="0" indent="0">
+                        <a:buNone/>
+                      </a:pPr>
+                      <a:r>
+                        <a:rPr/>
+                        <a:t>13</a:t>
+                      </a:r>
+                      <a:r>
+                        <a:rPr/>
+                        <a:t> </a:t>
+                      </a:r>
+                      <a:r>
+                        <a:rPr/>
+                        <a:t>July</a:t>
+                      </a:r>
+                      <a:r>
+                        <a:rPr/>
+                        <a:t> </a:t>
+                      </a:r>
+                      <a:r>
+                        <a:rPr/>
+                        <a:t>2017</a:t>
+                      </a:r>
+                    </a:p>
+                  </a:txBody>
+                </a:tc>
+                <a:tc>
+                  <a:txBody>
+                    <a:bodyPr/>
+                    <a:lstStyle/>
+                    <a:p>
+                      <a:pPr lvl="0" marL="0" indent="0">
+                        <a:buNone/>
+                      </a:pPr>
+                      <a:r>
+                        <a:rPr/>
+                        <a:t>220</a:t>
+                      </a:r>
+                      <a:r>
+                        <a:rPr/>
+                        <a:t> </a:t>
+                      </a:r>
+                      <a:r>
+                        <a:rPr/>
+                        <a:t>days</a:t>
+                      </a:r>
+                    </a:p>
+                  </a:txBody>
+                </a:tc>
+                <a:tc>
+                  <a:txBody>
+                    <a:bodyPr/>
+                    <a:lstStyle/>
+                    <a:p>
+                      <a:pPr lvl="0" marL="0" indent="0">
+                        <a:buNone/>
+                      </a:pPr>
+                      <a:r>
+                        <a:rPr/>
+                        <a:t>6049</a:t>
+                      </a:r>
+                    </a:p>
+                  </a:txBody>
+                </a:tc>
+              </a:tr>
+              <a:tr h="0">
+                <a:tc>
+                  <a:txBody>
+                    <a:bodyPr/>
+                    <a:lstStyle/>
+                    <a:p>
+                      <a:pPr lvl="0" marL="0" indent="0">
+                        <a:buNone/>
+                      </a:pPr>
+                      <a:r>
+                        <a:rPr/>
+                        <a:t>3</a:t>
+                      </a:r>
+                    </a:p>
+                  </a:txBody>
+                </a:tc>
+                <a:tc>
+                  <a:txBody>
+                    <a:bodyPr/>
+                    <a:lstStyle/>
+                    <a:p>
+                      <a:pPr lvl="0" marL="0" indent="0">
+                        <a:buNone/>
+                      </a:pPr>
+                      <a:r>
+                        <a:rPr/>
+                        <a:t>02</a:t>
+                      </a:r>
+                      <a:r>
+                        <a:rPr/>
+                        <a:t> </a:t>
+                      </a:r>
+                      <a:r>
+                        <a:rPr/>
+                        <a:t>July</a:t>
+                      </a:r>
+                      <a:r>
+                        <a:rPr/>
+                        <a:t> </a:t>
+                      </a:r>
+                      <a:r>
+                        <a:rPr/>
+                        <a:t>2017</a:t>
+                      </a:r>
+                    </a:p>
+                  </a:txBody>
+                </a:tc>
+                <a:tc>
+                  <a:txBody>
+                    <a:bodyPr/>
+                    <a:lstStyle/>
+                    <a:p>
+                      <a:pPr lvl="0" marL="0" indent="0">
+                        <a:buNone/>
+                      </a:pPr>
+                      <a:r>
+                        <a:rPr/>
+                        <a:t>26</a:t>
+                      </a:r>
+                      <a:r>
+                        <a:rPr/>
+                        <a:t> </a:t>
+                      </a:r>
+                      <a:r>
+                        <a:rPr/>
+                        <a:t>February</a:t>
+                      </a:r>
+                      <a:r>
+                        <a:rPr/>
+                        <a:t> </a:t>
+                      </a:r>
+                      <a:r>
+                        <a:rPr/>
+                        <a:t>2018</a:t>
+                      </a:r>
+                    </a:p>
+                  </a:txBody>
+                </a:tc>
+                <a:tc>
+                  <a:txBody>
+                    <a:bodyPr/>
+                    <a:lstStyle/>
+                    <a:p>
+                      <a:pPr lvl="0" marL="0" indent="0">
+                        <a:buNone/>
+                      </a:pPr>
+                      <a:r>
+                        <a:rPr/>
+                        <a:t>239</a:t>
+                      </a:r>
+                      <a:r>
+                        <a:rPr/>
+                        <a:t> </a:t>
+                      </a:r>
+                      <a:r>
+                        <a:rPr/>
+                        <a:t>days</a:t>
+                      </a:r>
+                    </a:p>
+                  </a:txBody>
+                </a:tc>
+                <a:tc>
+                  <a:txBody>
+                    <a:bodyPr/>
+                    <a:lstStyle/>
+                    <a:p>
+                      <a:pPr lvl="0" marL="0" indent="0">
+                        <a:buNone/>
+                      </a:pPr>
+                      <a:r>
+                        <a:rPr/>
+                        <a:t>3053</a:t>
+                      </a:r>
+                    </a:p>
+                  </a:txBody>
+                </a:tc>
+              </a:tr>
+              <a:tr h="0">
+                <a:tc>
+                  <a:txBody>
+                    <a:bodyPr/>
+                    <a:lstStyle/>
+                    <a:p>
+                      <a:pPr lvl="0" marL="0" indent="0">
+                        <a:buNone/>
+                      </a:pPr>
+                      <a:r>
+                        <a:rPr/>
+                        <a:t>4</a:t>
+                      </a:r>
+                    </a:p>
+                  </a:txBody>
+                </a:tc>
+                <a:tc>
+                  <a:txBody>
+                    <a:bodyPr/>
+                    <a:lstStyle/>
+                    <a:p>
+                      <a:pPr lvl="0" marL="0" indent="0">
+                        <a:buNone/>
+                      </a:pPr>
+                      <a:r>
+                        <a:rPr/>
+                        <a:t>27</a:t>
+                      </a:r>
+                      <a:r>
+                        <a:rPr/>
+                        <a:t> </a:t>
+                      </a:r>
+                      <a:r>
+                        <a:rPr/>
+                        <a:t>July</a:t>
+                      </a:r>
+                      <a:r>
+                        <a:rPr/>
+                        <a:t> </a:t>
+                      </a:r>
+                      <a:r>
+                        <a:rPr/>
+                        <a:t>2017</a:t>
+                      </a:r>
+                    </a:p>
+                  </a:txBody>
+                </a:tc>
+                <a:tc>
+                  <a:txBody>
+                    <a:bodyPr/>
+                    <a:lstStyle/>
+                    <a:p>
+                      <a:pPr lvl="0" marL="0" indent="0">
+                        <a:buNone/>
+                      </a:pPr>
+                      <a:r>
+                        <a:rPr/>
+                        <a:t>25</a:t>
+                      </a:r>
+                      <a:r>
+                        <a:rPr/>
+                        <a:t> </a:t>
+                      </a:r>
+                      <a:r>
+                        <a:rPr/>
+                        <a:t>January</a:t>
+                      </a:r>
+                      <a:r>
+                        <a:rPr/>
+                        <a:t> </a:t>
+                      </a:r>
+                      <a:r>
+                        <a:rPr/>
+                        <a:t>2018</a:t>
+                      </a:r>
+                    </a:p>
+                  </a:txBody>
+                </a:tc>
+                <a:tc>
+                  <a:txBody>
+                    <a:bodyPr/>
+                    <a:lstStyle/>
+                    <a:p>
+                      <a:pPr lvl="0" marL="0" indent="0">
+                        <a:buNone/>
+                      </a:pPr>
+                      <a:r>
+                        <a:rPr/>
+                        <a:t>182</a:t>
+                      </a:r>
+                      <a:r>
+                        <a:rPr/>
+                        <a:t> </a:t>
+                      </a:r>
+                      <a:r>
+                        <a:rPr/>
+                        <a:t>days</a:t>
+                      </a:r>
+                    </a:p>
+                  </a:txBody>
+                </a:tc>
+                <a:tc>
+                  <a:txBody>
+                    <a:bodyPr/>
+                    <a:lstStyle/>
+                    <a:p>
+                      <a:pPr lvl="0" marL="0" indent="0">
+                        <a:buNone/>
+                      </a:pPr>
+                      <a:r>
+                        <a:rPr/>
+                        <a:t>3558</a:t>
+                      </a:r>
+                    </a:p>
+                  </a:txBody>
+                </a:tc>
+              </a:tr>
+              <a:tr h="0">
+                <a:tc>
+                  <a:txBody>
+                    <a:bodyPr/>
+                    <a:lstStyle/>
+                    <a:p>
+                      <a:pPr lvl="0" marL="0" indent="0">
+                        <a:buNone/>
+                      </a:pPr>
+                      <a:r>
+                        <a:rPr/>
+                        <a:t>5</a:t>
+                      </a:r>
+                    </a:p>
+                  </a:txBody>
+                </a:tc>
+                <a:tc>
+                  <a:txBody>
+                    <a:bodyPr/>
+                    <a:lstStyle/>
+                    <a:p>
+                      <a:pPr lvl="0" marL="0" indent="0">
+                        <a:buNone/>
+                      </a:pPr>
+                      <a:r>
+                        <a:rPr/>
+                        <a:t>15</a:t>
+                      </a:r>
+                      <a:r>
+                        <a:rPr/>
+                        <a:t> </a:t>
+                      </a:r>
+                      <a:r>
+                        <a:rPr/>
+                        <a:t>December</a:t>
+                      </a:r>
+                      <a:r>
+                        <a:rPr/>
+                        <a:t> </a:t>
+                      </a:r>
+                      <a:r>
+                        <a:rPr/>
+                        <a:t>2017</a:t>
+                      </a:r>
+                    </a:p>
+                  </a:txBody>
+                </a:tc>
+                <a:tc>
+                  <a:txBody>
+                    <a:bodyPr/>
+                    <a:lstStyle/>
+                    <a:p>
+                      <a:pPr lvl="0" marL="0" indent="0">
+                        <a:buNone/>
+                      </a:pPr>
+                      <a:r>
+                        <a:rPr/>
+                        <a:t>09</a:t>
+                      </a:r>
+                      <a:r>
+                        <a:rPr/>
+                        <a:t> </a:t>
+                      </a:r>
+                      <a:r>
+                        <a:rPr/>
+                        <a:t>September</a:t>
+                      </a:r>
+                      <a:r>
+                        <a:rPr/>
+                        <a:t> </a:t>
+                      </a:r>
+                      <a:r>
+                        <a:rPr/>
+                        <a:t>2018</a:t>
+                      </a:r>
+                    </a:p>
+                  </a:txBody>
+                </a:tc>
+                <a:tc>
+                  <a:txBody>
+                    <a:bodyPr/>
+                    <a:lstStyle/>
+                    <a:p>
+                      <a:pPr lvl="0" marL="0" indent="0">
+                        <a:buNone/>
+                      </a:pPr>
+                      <a:r>
+                        <a:rPr/>
+                        <a:t>268</a:t>
+                      </a:r>
+                      <a:r>
+                        <a:rPr/>
+                        <a:t> </a:t>
+                      </a:r>
+                      <a:r>
+                        <a:rPr/>
+                        <a:t>days</a:t>
+                      </a:r>
+                    </a:p>
+                  </a:txBody>
+                </a:tc>
+                <a:tc>
+                  <a:txBody>
+                    <a:bodyPr/>
+                    <a:lstStyle/>
+                    <a:p>
+                      <a:pPr lvl="0" marL="0" indent="0">
+                        <a:buNone/>
+                      </a:pPr>
+                      <a:r>
+                        <a:rPr/>
+                        <a:t>3147</a:t>
+                      </a:r>
+                    </a:p>
+                  </a:txBody>
+                </a:tc>
+              </a:tr>
+              <a:tr h="0">
+                <a:tc>
+                  <a:txBody>
+                    <a:bodyPr/>
+                    <a:lstStyle/>
+                    <a:p>
+                      <a:pPr lvl="0" marL="0" indent="0">
+                        <a:buNone/>
+                      </a:pPr>
+                      <a:r>
+                        <a:rPr/>
+                        <a:t>6</a:t>
+                      </a:r>
+                    </a:p>
+                  </a:txBody>
+                </a:tc>
+                <a:tc>
+                  <a:txBody>
+                    <a:bodyPr/>
+                    <a:lstStyle/>
+                    <a:p>
+                      <a:pPr lvl="0" marL="0" indent="0">
+                        <a:buNone/>
+                      </a:pPr>
+                      <a:r>
+                        <a:rPr/>
+                        <a:t>08</a:t>
+                      </a:r>
+                      <a:r>
+                        <a:rPr/>
+                        <a:t> </a:t>
+                      </a:r>
+                      <a:r>
+                        <a:rPr/>
+                        <a:t>April</a:t>
+                      </a:r>
+                      <a:r>
+                        <a:rPr/>
+                        <a:t> </a:t>
+                      </a:r>
+                      <a:r>
+                        <a:rPr/>
+                        <a:t>2018</a:t>
+                      </a:r>
+                    </a:p>
+                  </a:txBody>
+                </a:tc>
+                <a:tc>
+                  <a:txBody>
+                    <a:bodyPr/>
+                    <a:lstStyle/>
+                    <a:p>
+                      <a:pPr lvl="0" marL="0" indent="0">
+                        <a:buNone/>
+                      </a:pPr>
+                      <a:r>
+                        <a:rPr/>
+                        <a:t>11</a:t>
+                      </a:r>
+                      <a:r>
+                        <a:rPr/>
+                        <a:t> </a:t>
+                      </a:r>
+                      <a:r>
+                        <a:rPr/>
+                        <a:t>August</a:t>
+                      </a:r>
+                      <a:r>
+                        <a:rPr/>
+                        <a:t> </a:t>
+                      </a:r>
+                      <a:r>
+                        <a:rPr/>
+                        <a:t>2018</a:t>
+                      </a:r>
+                    </a:p>
+                  </a:txBody>
+                </a:tc>
+                <a:tc>
+                  <a:txBody>
+                    <a:bodyPr/>
+                    <a:lstStyle/>
+                    <a:p>
+                      <a:pPr lvl="0" marL="0" indent="0">
+                        <a:buNone/>
+                      </a:pPr>
+                      <a:r>
+                        <a:rPr/>
+                        <a:t>125</a:t>
+                      </a:r>
+                      <a:r>
+                        <a:rPr/>
+                        <a:t> </a:t>
+                      </a:r>
+                      <a:r>
+                        <a:rPr/>
+                        <a:t>days</a:t>
+                      </a:r>
+                    </a:p>
+                  </a:txBody>
+                </a:tc>
+                <a:tc>
+                  <a:txBody>
+                    <a:bodyPr/>
+                    <a:lstStyle/>
+                    <a:p>
+                      <a:pPr lvl="0" marL="0" indent="0">
+                        <a:buNone/>
+                      </a:pPr>
+                      <a:r>
+                        <a:rPr/>
+                        <a:t>2908</a:t>
+                      </a:r>
+                    </a:p>
+                  </a:txBody>
+                </a:tc>
+              </a:tr>
+              <a:tr h="0">
+                <a:tc>
+                  <a:txBody>
+                    <a:bodyPr/>
+                    <a:lstStyle/>
+                    <a:p>
+                      <a:pPr lvl="0" marL="0" indent="0">
+                        <a:buNone/>
+                      </a:pPr>
+                      <a:r>
+                        <a:rPr/>
+                        <a:t>7</a:t>
+                      </a:r>
+                    </a:p>
+                  </a:txBody>
+                </a:tc>
+                <a:tc>
+                  <a:txBody>
+                    <a:bodyPr/>
+                    <a:lstStyle/>
+                    <a:p>
+                      <a:pPr lvl="0" marL="0" indent="0">
+                        <a:buNone/>
+                      </a:pPr>
+                      <a:r>
+                        <a:rPr/>
+                        <a:t>25</a:t>
+                      </a:r>
+                      <a:r>
+                        <a:rPr/>
+                        <a:t> </a:t>
+                      </a:r>
+                      <a:r>
+                        <a:rPr/>
+                        <a:t>June</a:t>
+                      </a:r>
+                      <a:r>
+                        <a:rPr/>
+                        <a:t> </a:t>
+                      </a:r>
+                      <a:r>
+                        <a:rPr/>
+                        <a:t>2018</a:t>
+                      </a:r>
+                    </a:p>
+                  </a:txBody>
+                </a:tc>
+                <a:tc>
+                  <a:txBody>
+                    <a:bodyPr/>
+                    <a:lstStyle/>
+                    <a:p>
+                      <a:pPr lvl="0" marL="0" indent="0">
+                        <a:buNone/>
+                      </a:pPr>
+                      <a:r>
+                        <a:rPr/>
+                        <a:t>01</a:t>
+                      </a:r>
+                      <a:r>
+                        <a:rPr/>
+                        <a:t> </a:t>
+                      </a:r>
+                      <a:r>
+                        <a:rPr/>
+                        <a:t>November</a:t>
+                      </a:r>
+                      <a:r>
+                        <a:rPr/>
+                        <a:t> </a:t>
+                      </a:r>
+                      <a:r>
+                        <a:rPr/>
+                        <a:t>2018</a:t>
+                      </a:r>
+                    </a:p>
+                  </a:txBody>
+                </a:tc>
+                <a:tc>
+                  <a:txBody>
+                    <a:bodyPr/>
+                    <a:lstStyle/>
+                    <a:p>
+                      <a:pPr lvl="0" marL="0" indent="0">
+                        <a:buNone/>
+                      </a:pPr>
+                      <a:r>
+                        <a:rPr/>
+                        <a:t>129</a:t>
+                      </a:r>
+                      <a:r>
+                        <a:rPr/>
+                        <a:t> </a:t>
+                      </a:r>
+                      <a:r>
+                        <a:rPr/>
+                        <a:t>days</a:t>
+                      </a:r>
+                    </a:p>
+                  </a:txBody>
+                </a:tc>
+                <a:tc>
+                  <a:txBody>
+                    <a:bodyPr/>
+                    <a:lstStyle/>
+                    <a:p>
+                      <a:pPr lvl="0" marL="0" indent="0">
+                        <a:buNone/>
+                      </a:pPr>
+                      <a:r>
+                        <a:rPr/>
+                        <a:t>2116</a:t>
+                      </a:r>
+                    </a:p>
+                  </a:txBody>
+                </a:tc>
+              </a:tr>
+            </a:tbl>
+          </a:graphicData>
+        </a:graphic>
+      </p:graphicFrame>
     </p:spTree>
   </p:cSld>
 </p:sld>

--- a/Exploratory_Analysis/reports/Overview-Presentation.pptx
+++ b/Exploratory_Analysis/reports/Overview-Presentation.pptx
@@ -827,7 +827,7 @@
           </a:lstStyle>
           <a:p>
             <a:r>
-              <a:rPr lang="en-US" smtClean="0"/>
+              <a:rPr lang="en-US" dirty="0" smtClean="0"/>
               <a:t>Click to edit Master subtitle style</a:t>
             </a:r>
             <a:endParaRPr lang="en-US" dirty="0"/>
@@ -844,16 +844,33 @@
             <p:ph type="dt" sz="half" idx="10"/>
           </p:nvPr>
         </p:nvSpPr>
-        <p:spPr/>
+        <p:spPr>
+          <a:xfrm>
+            <a:off x="7205133" y="6041362"/>
+            <a:ext cx="2126193" cy="383249"/>
+          </a:xfrm>
+        </p:spPr>
         <p:txBody>
           <a:bodyPr/>
-          <a:lstStyle/>
+          <a:lstStyle>
+            <a:lvl1pPr>
+              <a:defRPr lang="en-GB" sz="1600" kern="1200" smtClean="0">
+                <a:solidFill>
+                  <a:schemeClr val="tx1"/>
+                </a:solidFill>
+                <a:latin typeface="+mn-lt"/>
+                <a:ea typeface="+mn-ea"/>
+                <a:cs typeface="+mn-cs"/>
+              </a:defRPr>
+            </a:lvl1pPr>
+          </a:lstStyle>
           <a:p>
             <a:fld id="{0FA3285A-3BF8-4E93-8A4F-3C436A480EC2}" type="datetimeFigureOut">
               <a:rPr lang="en-GB" smtClean="0"/>
-              <a:t>01/12/2020</a:t>
+              <a:pPr/>
+              <a:t>02/12/2020</a:t>
             </a:fld>
-            <a:endParaRPr lang="en-GB"/>
+            <a:endParaRPr lang="en-GB" dirty="0"/>
           </a:p>
         </p:txBody>
       </p:sp>
@@ -1445,7 +1462,7 @@
           <a:p>
             <a:fld id="{0FA3285A-3BF8-4E93-8A4F-3C436A480EC2}" type="datetimeFigureOut">
               <a:rPr lang="en-GB" smtClean="0"/>
-              <a:t>01/12/2020</a:t>
+              <a:t>02/12/2020</a:t>
             </a:fld>
             <a:endParaRPr lang="en-GB"/>
           </a:p>
@@ -1954,7 +1971,7 @@
           <a:p>
             <a:fld id="{0FA3285A-3BF8-4E93-8A4F-3C436A480EC2}" type="datetimeFigureOut">
               <a:rPr lang="en-GB" smtClean="0"/>
-              <a:t>01/12/2020</a:t>
+              <a:t>02/12/2020</a:t>
             </a:fld>
             <a:endParaRPr lang="en-GB"/>
           </a:p>
@@ -4150,7 +4167,7 @@
           <a:p>
             <a:fld id="{0FA3285A-3BF8-4E93-8A4F-3C436A480EC2}" type="datetimeFigureOut">
               <a:rPr lang="en-GB" smtClean="0"/>
-              <a:t>01/12/2020</a:t>
+              <a:t>02/12/2020</a:t>
             </a:fld>
             <a:endParaRPr lang="en-GB"/>
           </a:p>
@@ -4805,7 +4822,12 @@
             <p:ph type="dt" sz="half" idx="10"/>
           </p:nvPr>
         </p:nvSpPr>
-        <p:spPr/>
+        <p:spPr>
+          <a:xfrm>
+            <a:off x="7205133" y="6041362"/>
+            <a:ext cx="2126193" cy="383249"/>
+          </a:xfrm>
+        </p:spPr>
         <p:txBody>
           <a:bodyPr/>
           <a:lstStyle/>
@@ -9737,7 +9759,7 @@
   <a:extraClrSchemeLst/>
   <a:extLst>
     <a:ext uri="{05A4C25C-085E-4340-85A3-A5531E510DB2}">
-      <thm15:themeFamily xmlns:thm15="http://schemas.microsoft.com/office/thememl/2012/main" name="Presentation2" id="{08171A18-583A-4469-BF11-F83FF0163632}" vid="{A4A7555C-ED24-4293-9CDA-7BF206975572}"/>
+      <thm15:themeFamily xmlns:thm15="http://schemas.microsoft.com/office/thememl/2012/main" name="Presentation1" id="{F1766F1C-2B2A-484F-806A-7BC2D9621E75}" vid="{8667D80C-8F4E-4E3F-98DB-51D45D83FE80}"/>
     </a:ext>
   </a:extLst>
 </a:theme>

--- a/Exploratory_Analysis/reports/Overview-Presentation.pptx
+++ b/Exploratory_Analysis/reports/Overview-Presentation.pptx
@@ -20,7 +20,6 @@
     <p:sldId id="268" r:id="rId14"/>
     <p:sldId id="269" r:id="rId15"/>
     <p:sldId id="270" r:id="rId16"/>
-    <p:sldId id="271" r:id="rId17"/>
   </p:sldIdLst>
   <p:sldSz cx="12192000" cy="6858000"/>
   <p:notesSz cx="6858000" cy="9144000"/>
@@ -5283,23 +5282,23 @@
             </a:pPr>
             <a:r>
               <a:rPr/>
-              <a:t>Evaluation</a:t>
-            </a:r>
-            <a:r>
-              <a:rPr/>
-              <a:t> </a:t>
-            </a:r>
-            <a:r>
-              <a:rPr/>
-              <a:t>(using</a:t>
-            </a:r>
-            <a:r>
-              <a:rPr/>
-              <a:t> </a:t>
-            </a:r>
-            <a:r>
-              <a:rPr/>
-              <a:t>counts)</a:t>
+              <a:t>Modelling</a:t>
+            </a:r>
+            <a:r>
+              <a:rPr/>
+              <a:t> </a:t>
+            </a:r>
+            <a:r>
+              <a:rPr/>
+              <a:t>-</a:t>
+            </a:r>
+            <a:r>
+              <a:rPr/>
+              <a:t> </a:t>
+            </a:r>
+            <a:r>
+              <a:rPr/>
+              <a:t>tables</a:t>
             </a:r>
           </a:p>
         </p:txBody>
@@ -5768,53 +5767,6 @@
       </p:grpSpPr>
       <p:sp>
         <p:nvSpPr>
-          <p:cNvPr id="3" name="Content Placeholder 2"/>
-          <p:cNvSpPr>
-            <a:spLocks noGrp="1"/>
-          </p:cNvSpPr>
-          <p:nvPr>
-            <p:ph idx="1"/>
-          </p:nvPr>
-        </p:nvSpPr>
-        <p:spPr/>
-        <p:txBody>
-          <a:bodyPr/>
-          <a:lstStyle/>
-          <a:p>
-            <a:pPr lvl="0" marL="0" indent="0">
-              <a:buNone/>
-            </a:pPr>
-            <a:r>
-              <a:rPr/>
-              <a:t>ls</a:t>
-            </a:r>
-          </a:p>
-        </p:txBody>
-      </p:sp>
-    </p:spTree>
-  </p:cSld>
-</p:sld>
-</file>
-
-<file path=ppt/slides/slide14.xml><?xml version="1.0" encoding="utf-8"?>
-<p:sld xmlns:a="http://schemas.openxmlformats.org/drawingml/2006/main" xmlns:r="http://schemas.openxmlformats.org/officeDocument/2006/relationships" xmlns:p="http://schemas.openxmlformats.org/presentationml/2006/main">
-  <p:cSld>
-    <p:spTree>
-      <p:nvGrpSpPr>
-        <p:cNvPr id="1" name=""/>
-        <p:cNvGrpSpPr/>
-        <p:nvPr/>
-      </p:nvGrpSpPr>
-      <p:grpSpPr>
-        <a:xfrm>
-          <a:off x="0" y="0"/>
-          <a:ext cx="0" cy="0"/>
-          <a:chOff x="0" y="0"/>
-          <a:chExt cx="0" cy="0"/>
-        </a:xfrm>
-      </p:grpSpPr>
-      <p:sp>
-        <p:nvSpPr>
           <p:cNvPr id="2" name="Title 1"/>
           <p:cNvSpPr>
             <a:spLocks noGrp="1"/>
@@ -5838,7 +5790,23 @@
             </a:pPr>
             <a:r>
               <a:rPr/>
-              <a:t>Enrolments</a:t>
+              <a:t>Evaluation</a:t>
+            </a:r>
+            <a:r>
+              <a:rPr/>
+              <a:t> </a:t>
+            </a:r>
+            <a:r>
+              <a:rPr/>
+              <a:t>-</a:t>
+            </a:r>
+            <a:r>
+              <a:rPr/>
+              <a:t> </a:t>
+            </a:r>
+            <a:r>
+              <a:rPr/>
+              <a:t>enrolments</a:t>
             </a:r>
           </a:p>
         </p:txBody>
@@ -6012,7 +5980,7 @@
 </p:sld>
 </file>
 
-<file path=ppt/slides/slide15.xml><?xml version="1.0" encoding="utf-8"?>
+<file path=ppt/slides/slide14.xml><?xml version="1.0" encoding="utf-8"?>
 <p:sld xmlns:a="http://schemas.openxmlformats.org/drawingml/2006/main" xmlns:r="http://schemas.openxmlformats.org/officeDocument/2006/relationships" xmlns:p="http://schemas.openxmlformats.org/presentationml/2006/main">
   <p:cSld>
     <p:spTree>
@@ -6054,7 +6022,23 @@
             </a:pPr>
             <a:r>
               <a:rPr/>
-              <a:t>Details</a:t>
+              <a:t>Evalation</a:t>
+            </a:r>
+            <a:r>
+              <a:rPr/>
+              <a:t> </a:t>
+            </a:r>
+            <a:r>
+              <a:rPr/>
+              <a:t>-</a:t>
+            </a:r>
+            <a:r>
+              <a:rPr/>
+              <a:t> </a:t>
+            </a:r>
+            <a:r>
+              <a:rPr/>
+              <a:t>details</a:t>
             </a:r>
             <a:r>
               <a:rPr/>
@@ -6063,22 +6047,6 @@
             <a:r>
               <a:rPr/>
               <a:t>shared</a:t>
-            </a:r>
-            <a:r>
-              <a:rPr/>
-              <a:t> </a:t>
-            </a:r>
-            <a:r>
-              <a:rPr/>
-              <a:t>over</a:t>
-            </a:r>
-            <a:r>
-              <a:rPr/>
-              <a:t> </a:t>
-            </a:r>
-            <a:r>
-              <a:rPr/>
-              <a:t>time</a:t>
             </a:r>
           </a:p>
         </p:txBody>
@@ -6316,7 +6284,7 @@
 </p:sld>
 </file>
 
-<file path=ppt/slides/slide16.xml><?xml version="1.0" encoding="utf-8"?>
+<file path=ppt/slides/slide15.xml><?xml version="1.0" encoding="utf-8"?>
 <p:sld xmlns:a="http://schemas.openxmlformats.org/drawingml/2006/main" xmlns:r="http://schemas.openxmlformats.org/officeDocument/2006/relationships" xmlns:p="http://schemas.openxmlformats.org/presentationml/2006/main">
   <p:cSld>
     <p:spTree>
@@ -6416,6 +6384,15 @@
             <a:r>
               <a:rPr/>
               <a:t>I used the RMarkdown file to generate a report to be stored in the Reports section of the project file structure. During the generation of graphs and tables I returned to the data preparation phase frequently. Regularly, I would update the Git version control by using a Commit and Push commands.</a:t>
+            </a:r>
+          </a:p>
+          <a:p>
+            <a:pPr lvl="0" marL="0" indent="0">
+              <a:buNone/>
+            </a:pPr>
+            <a:r>
+              <a:rPr/>
+              <a:t>I spent a far amount of time ‘mopping up’ and making sure code had comments for explanation of the steps and the reasons. Also I added to the README documents and checked contents of all the ProjectTemplate folders.</a:t>
             </a:r>
           </a:p>
         </p:txBody>
